--- a/Module-4.pptx
+++ b/Module-4.pptx
@@ -8,6 +8,12 @@
     <p:sldId id="287" r:id="rId2"/>
     <p:sldId id="264" r:id="rId3"/>
     <p:sldId id="265" r:id="rId4"/>
+    <p:sldId id="288" r:id="rId5"/>
+    <p:sldId id="291" r:id="rId6"/>
+    <p:sldId id="292" r:id="rId7"/>
+    <p:sldId id="289" r:id="rId8"/>
+    <p:sldId id="290" r:id="rId9"/>
+    <p:sldId id="293" r:id="rId10"/>
   </p:sldIdLst>
   <p:sldSz cx="12192000" cy="6858000"/>
   <p:notesSz cx="6858000" cy="9144000"/>
@@ -4396,7 +4402,7 @@
           <a:p>
             <a:fld id="{48A87A34-81AB-432B-8DAE-1953F412C126}" type="datetimeFigureOut">
               <a:rPr lang="en-US" dirty="0"/>
-              <a:t>7/21/2020</a:t>
+              <a:t>7/22/2020</a:t>
             </a:fld>
             <a:endParaRPr lang="en-US" dirty="0"/>
           </a:p>
@@ -4658,7 +4664,7 @@
           <a:p>
             <a:fld id="{48A87A34-81AB-432B-8DAE-1953F412C126}" type="datetimeFigureOut">
               <a:rPr lang="en-US" dirty="0"/>
-              <a:t>7/21/2020</a:t>
+              <a:t>7/22/2020</a:t>
             </a:fld>
             <a:endParaRPr lang="en-US" dirty="0"/>
           </a:p>
@@ -4849,7 +4855,7 @@
           <a:p>
             <a:fld id="{48A87A34-81AB-432B-8DAE-1953F412C126}" type="datetimeFigureOut">
               <a:rPr lang="en-US" dirty="0"/>
-              <a:t>7/21/2020</a:t>
+              <a:t>7/22/2020</a:t>
             </a:fld>
             <a:endParaRPr lang="en-US" dirty="0"/>
           </a:p>
@@ -5107,7 +5113,7 @@
           <a:p>
             <a:fld id="{48A87A34-81AB-432B-8DAE-1953F412C126}" type="datetimeFigureOut">
               <a:rPr lang="en-US" dirty="0"/>
-              <a:t>7/21/2020</a:t>
+              <a:t>7/22/2020</a:t>
             </a:fld>
             <a:endParaRPr lang="en-US" dirty="0"/>
           </a:p>
@@ -5536,7 +5542,7 @@
           <a:p>
             <a:fld id="{48A87A34-81AB-432B-8DAE-1953F412C126}" type="datetimeFigureOut">
               <a:rPr lang="en-US" dirty="0"/>
-              <a:t>7/21/2020</a:t>
+              <a:t>7/22/2020</a:t>
             </a:fld>
             <a:endParaRPr lang="en-US" dirty="0"/>
           </a:p>
@@ -6077,7 +6083,7 @@
           <a:p>
             <a:fld id="{48A87A34-81AB-432B-8DAE-1953F412C126}" type="datetimeFigureOut">
               <a:rPr lang="en-US" dirty="0"/>
-              <a:t>7/21/2020</a:t>
+              <a:t>7/22/2020</a:t>
             </a:fld>
             <a:endParaRPr lang="en-US" dirty="0"/>
           </a:p>
@@ -6792,7 +6798,7 @@
           <a:p>
             <a:fld id="{48A87A34-81AB-432B-8DAE-1953F412C126}" type="datetimeFigureOut">
               <a:rPr lang="en-US" dirty="0"/>
-              <a:t>7/21/2020</a:t>
+              <a:t>7/22/2020</a:t>
             </a:fld>
             <a:endParaRPr lang="en-US" dirty="0"/>
           </a:p>
@@ -6957,7 +6963,7 @@
           <a:p>
             <a:fld id="{48A87A34-81AB-432B-8DAE-1953F412C126}" type="datetimeFigureOut">
               <a:rPr lang="en-US" dirty="0"/>
-              <a:t>7/21/2020</a:t>
+              <a:t>7/22/2020</a:t>
             </a:fld>
             <a:endParaRPr lang="en-US" dirty="0"/>
           </a:p>
@@ -7132,7 +7138,7 @@
           <a:p>
             <a:fld id="{48A87A34-81AB-432B-8DAE-1953F412C126}" type="datetimeFigureOut">
               <a:rPr lang="en-US" dirty="0"/>
-              <a:t>7/21/2020</a:t>
+              <a:t>7/22/2020</a:t>
             </a:fld>
             <a:endParaRPr lang="en-US" dirty="0"/>
           </a:p>
@@ -7297,7 +7303,7 @@
           <a:p>
             <a:fld id="{48A87A34-81AB-432B-8DAE-1953F412C126}" type="datetimeFigureOut">
               <a:rPr lang="en-US" dirty="0"/>
-              <a:t>7/21/2020</a:t>
+              <a:t>7/22/2020</a:t>
             </a:fld>
             <a:endParaRPr lang="en-US" dirty="0"/>
           </a:p>
@@ -7542,7 +7548,7 @@
           <a:p>
             <a:fld id="{48A87A34-81AB-432B-8DAE-1953F412C126}" type="datetimeFigureOut">
               <a:rPr lang="en-US" dirty="0"/>
-              <a:t>7/21/2020</a:t>
+              <a:t>7/22/2020</a:t>
             </a:fld>
             <a:endParaRPr lang="en-US" dirty="0"/>
           </a:p>
@@ -7769,7 +7775,7 @@
           <a:p>
             <a:fld id="{48A87A34-81AB-432B-8DAE-1953F412C126}" type="datetimeFigureOut">
               <a:rPr lang="en-US" dirty="0"/>
-              <a:t>7/21/2020</a:t>
+              <a:t>7/22/2020</a:t>
             </a:fld>
             <a:endParaRPr lang="en-US" dirty="0"/>
           </a:p>
@@ -8145,7 +8151,7 @@
           <a:p>
             <a:fld id="{48A87A34-81AB-432B-8DAE-1953F412C126}" type="datetimeFigureOut">
               <a:rPr lang="en-US" dirty="0"/>
-              <a:t>7/21/2020</a:t>
+              <a:t>7/22/2020</a:t>
             </a:fld>
             <a:endParaRPr lang="en-US" dirty="0"/>
           </a:p>
@@ -8234,10 +8240,9 @@
           <a:lstStyle/>
           <a:p>
             <a:r>
-              <a:rPr lang="en-US"/>
+              <a:rPr lang="en-US" dirty="0"/>
               <a:t>Click to edit Master title style</a:t>
             </a:r>
-            <a:endParaRPr lang="en-US" dirty="0"/>
           </a:p>
         </p:txBody>
       </p:sp>
@@ -8258,7 +8263,7 @@
           <a:p>
             <a:fld id="{48A87A34-81AB-432B-8DAE-1953F412C126}" type="datetimeFigureOut">
               <a:rPr lang="en-US" dirty="0"/>
-              <a:t>7/21/2020</a:t>
+              <a:t>7/22/2020</a:t>
             </a:fld>
             <a:endParaRPr lang="en-US" dirty="0"/>
           </a:p>
@@ -8348,7 +8353,7 @@
           <a:p>
             <a:fld id="{48A87A34-81AB-432B-8DAE-1953F412C126}" type="datetimeFigureOut">
               <a:rPr lang="en-US" dirty="0"/>
-              <a:t>7/21/2020</a:t>
+              <a:t>7/22/2020</a:t>
             </a:fld>
             <a:endParaRPr lang="en-US" dirty="0"/>
           </a:p>
@@ -8592,7 +8597,7 @@
           <a:p>
             <a:fld id="{48A87A34-81AB-432B-8DAE-1953F412C126}" type="datetimeFigureOut">
               <a:rPr lang="en-US" dirty="0"/>
-              <a:t>7/21/2020</a:t>
+              <a:t>7/22/2020</a:t>
             </a:fld>
             <a:endParaRPr lang="en-US" dirty="0"/>
           </a:p>
@@ -8867,7 +8872,7 @@
           <a:p>
             <a:fld id="{48A87A34-81AB-432B-8DAE-1953F412C126}" type="datetimeFigureOut">
               <a:rPr lang="en-US" dirty="0"/>
-              <a:t>7/21/2020</a:t>
+              <a:t>7/22/2020</a:t>
             </a:fld>
             <a:endParaRPr lang="en-US" dirty="0"/>
           </a:p>
@@ -11930,7 +11935,7 @@
             <a:fld id="{48A87A34-81AB-432B-8DAE-1953F412C126}" type="datetimeFigureOut">
               <a:rPr lang="en-US" dirty="0"/>
               <a:pPr/>
-              <a:t>7/21/2020</a:t>
+              <a:t>7/22/2020</a:t>
             </a:fld>
             <a:endParaRPr lang="en-US" dirty="0"/>
           </a:p>
@@ -12418,6 +12423,38 @@
 <file path=ppt/slides/slide2.xml><?xml version="1.0" encoding="utf-8"?>
 <p:sld xmlns:a="http://schemas.openxmlformats.org/drawingml/2006/main" xmlns:r="http://schemas.openxmlformats.org/officeDocument/2006/relationships" xmlns:p="http://schemas.openxmlformats.org/presentationml/2006/main">
   <p:cSld>
+    <p:bg>
+      <p:bgPr>
+        <a:gradFill>
+          <a:gsLst>
+            <a:gs pos="0">
+              <a:schemeClr val="accent4">
+                <a:lumMod val="89000"/>
+              </a:schemeClr>
+            </a:gs>
+            <a:gs pos="23000">
+              <a:schemeClr val="accent4">
+                <a:lumMod val="89000"/>
+              </a:schemeClr>
+            </a:gs>
+            <a:gs pos="69000">
+              <a:schemeClr val="accent4">
+                <a:lumMod val="75000"/>
+              </a:schemeClr>
+            </a:gs>
+            <a:gs pos="97000">
+              <a:schemeClr val="accent4">
+                <a:lumMod val="70000"/>
+              </a:schemeClr>
+            </a:gs>
+          </a:gsLst>
+          <a:path path="circle">
+            <a:fillToRect l="100000" t="100000"/>
+          </a:path>
+        </a:gradFill>
+        <a:effectLst/>
+      </p:bgPr>
+    </p:bg>
     <p:spTree>
       <p:nvGrpSpPr>
         <p:cNvPr id="1" name=""/>
@@ -12434,10 +12471,10 @@
       </p:grpSpPr>
       <p:sp>
         <p:nvSpPr>
-          <p:cNvPr id="2" name="Title 1">
+          <p:cNvPr id="4" name="Title 3">
             <a:extLst>
               <a:ext uri="{FF2B5EF4-FFF2-40B4-BE49-F238E27FC236}">
-                <a16:creationId xmlns:a16="http://schemas.microsoft.com/office/drawing/2014/main" id="{9EB701D8-178A-42BA-920F-0B258846E61E}"/>
+                <a16:creationId xmlns:a16="http://schemas.microsoft.com/office/drawing/2014/main" id="{440FF470-F81A-4E2E-ACDD-6758A87A0130}"/>
               </a:ext>
             </a:extLst>
           </p:cNvPr>
@@ -12450,21 +12487,230 @@
         </p:nvSpPr>
         <p:spPr>
           <a:xfrm>
-            <a:off x="1432960" y="2791874"/>
-            <a:ext cx="9905998" cy="1478570"/>
+            <a:off x="1143001" y="216768"/>
+            <a:ext cx="9905998" cy="812717"/>
           </a:xfrm>
+          <a:ln>
+            <a:solidFill>
+              <a:srgbClr val="FF0000"/>
+            </a:solidFill>
+          </a:ln>
         </p:spPr>
         <p:txBody>
           <a:bodyPr/>
           <a:lstStyle/>
           <a:p>
             <a:r>
-              <a:rPr lang="en-IN" sz="3600" dirty="0"/>
-              <a:t>Introduction to Security in IoT</a:t>
-            </a:r>
-            <a:br>
-              <a:rPr lang="en-IN" sz="3600" dirty="0"/>
-            </a:br>
+              <a:rPr lang="en-US" dirty="0"/>
+              <a:t>Modern Day Farmer</a:t>
+            </a:r>
+            <a:endParaRPr lang="en-IN" dirty="0"/>
+          </a:p>
+        </p:txBody>
+      </p:sp>
+      <p:sp>
+        <p:nvSpPr>
+          <p:cNvPr id="2" name="TextBox 1">
+            <a:extLst>
+              <a:ext uri="{FF2B5EF4-FFF2-40B4-BE49-F238E27FC236}">
+                <a16:creationId xmlns:a16="http://schemas.microsoft.com/office/drawing/2014/main" id="{6B8BE6FF-EC88-4F0F-B12D-C8262B8213F4}"/>
+              </a:ext>
+            </a:extLst>
+          </p:cNvPr>
+          <p:cNvSpPr txBox="1"/>
+          <p:nvPr/>
+        </p:nvSpPr>
+        <p:spPr>
+          <a:xfrm>
+            <a:off x="875459" y="1088815"/>
+            <a:ext cx="10721008" cy="3693319"/>
+          </a:xfrm>
+          <a:prstGeom prst="rect">
+            <a:avLst/>
+          </a:prstGeom>
+          <a:noFill/>
+          <a:ln>
+            <a:solidFill>
+              <a:srgbClr val="FF0000"/>
+            </a:solidFill>
+          </a:ln>
+        </p:spPr>
+        <p:txBody>
+          <a:bodyPr wrap="square" rtlCol="0">
+            <a:spAutoFit/>
+          </a:bodyPr>
+          <a:lstStyle/>
+          <a:p>
+            <a:pPr marL="285750" indent="-285750">
+              <a:buFont typeface="Wingdings" panose="05000000000000000000" pitchFamily="2" charset="2"/>
+              <a:buChar char="Ø"/>
+            </a:pPr>
+            <a:r>
+              <a:rPr lang="en-US" dirty="0"/>
+              <a:t>Framers are  getting into entrepreneur   mode</a:t>
+            </a:r>
+          </a:p>
+          <a:p>
+            <a:pPr marL="285750" indent="-285750">
+              <a:buFont typeface="Wingdings" panose="05000000000000000000" pitchFamily="2" charset="2"/>
+              <a:buChar char="Ø"/>
+            </a:pPr>
+            <a:r>
+              <a:rPr lang="en-US" dirty="0"/>
+              <a:t>Farming is just another source of Income.</a:t>
+            </a:r>
+          </a:p>
+          <a:p>
+            <a:pPr marL="285750" indent="-285750">
+              <a:buFont typeface="Wingdings" panose="05000000000000000000" pitchFamily="2" charset="2"/>
+              <a:buChar char="Ø"/>
+            </a:pPr>
+            <a:r>
+              <a:rPr lang="en-US" dirty="0"/>
+              <a:t>They have to manage multiple farms at different locations</a:t>
+            </a:r>
+          </a:p>
+          <a:p>
+            <a:pPr marL="285750" indent="-285750">
+              <a:buFont typeface="Wingdings" panose="05000000000000000000" pitchFamily="2" charset="2"/>
+              <a:buChar char="Ø"/>
+            </a:pPr>
+            <a:r>
+              <a:rPr lang="en-US" dirty="0"/>
+              <a:t>Different business at the same time along with farms.</a:t>
+            </a:r>
+          </a:p>
+          <a:p>
+            <a:pPr marL="285750" indent="-285750">
+              <a:buFont typeface="Wingdings" panose="05000000000000000000" pitchFamily="2" charset="2"/>
+              <a:buChar char="Ø"/>
+            </a:pPr>
+            <a:r>
+              <a:rPr lang="en-US" dirty="0"/>
+              <a:t>Human Labor is no more an option. </a:t>
+            </a:r>
+          </a:p>
+          <a:p>
+            <a:pPr marL="285750" indent="-285750">
+              <a:buFont typeface="Wingdings" panose="05000000000000000000" pitchFamily="2" charset="2"/>
+              <a:buChar char="Ø"/>
+            </a:pPr>
+            <a:r>
+              <a:rPr lang="en-US" dirty="0"/>
+              <a:t>Need to track the changes in farms closely cant afford a mistake that can result in loss of crops</a:t>
+            </a:r>
+          </a:p>
+          <a:p>
+            <a:pPr marL="285750" indent="-285750">
+              <a:buFont typeface="Wingdings" panose="05000000000000000000" pitchFamily="2" charset="2"/>
+              <a:buChar char="Ø"/>
+            </a:pPr>
+            <a:r>
+              <a:rPr lang="en-US" dirty="0"/>
+              <a:t>Changing weather patterns</a:t>
+            </a:r>
+          </a:p>
+          <a:p>
+            <a:pPr marL="285750" indent="-285750">
+              <a:buFont typeface="Wingdings" panose="05000000000000000000" pitchFamily="2" charset="2"/>
+              <a:buChar char="Ø"/>
+            </a:pPr>
+            <a:r>
+              <a:rPr lang="en-US" dirty="0"/>
+              <a:t>Non availability of water suitable for farming</a:t>
+            </a:r>
+          </a:p>
+          <a:p>
+            <a:pPr marL="285750" indent="-285750">
+              <a:buFont typeface="Wingdings" panose="05000000000000000000" pitchFamily="2" charset="2"/>
+              <a:buChar char="Ø"/>
+            </a:pPr>
+            <a:r>
+              <a:rPr lang="en-US" dirty="0"/>
+              <a:t>Response of crops to climate changes</a:t>
+            </a:r>
+          </a:p>
+          <a:p>
+            <a:pPr marL="285750" indent="-285750">
+              <a:buFont typeface="Wingdings" panose="05000000000000000000" pitchFamily="2" charset="2"/>
+              <a:buChar char="Ø"/>
+            </a:pPr>
+            <a:r>
+              <a:rPr lang="en-US" dirty="0"/>
+              <a:t>Response of crops  to fertilizer </a:t>
+            </a:r>
+          </a:p>
+          <a:p>
+            <a:pPr marL="285750" indent="-285750">
+              <a:buFont typeface="Wingdings" panose="05000000000000000000" pitchFamily="2" charset="2"/>
+              <a:buChar char="Ø"/>
+            </a:pPr>
+            <a:r>
+              <a:rPr lang="en-US" dirty="0"/>
+              <a:t>Handling pests and wild animals</a:t>
+            </a:r>
+          </a:p>
+          <a:p>
+            <a:pPr marL="285750" indent="-285750">
+              <a:buFont typeface="Wingdings" panose="05000000000000000000" pitchFamily="2" charset="2"/>
+              <a:buChar char="Ø"/>
+            </a:pPr>
+            <a:r>
+              <a:rPr lang="en-US" dirty="0"/>
+              <a:t>Physical presence in the farms a challenge.</a:t>
+            </a:r>
+          </a:p>
+          <a:p>
+            <a:pPr marL="285750" indent="-285750">
+              <a:buFont typeface="Wingdings" panose="05000000000000000000" pitchFamily="2" charset="2"/>
+              <a:buChar char="Ø"/>
+            </a:pPr>
+            <a:r>
+              <a:rPr lang="en-US" dirty="0"/>
+              <a:t>Security in farms spreading over large areas</a:t>
+            </a:r>
+          </a:p>
+        </p:txBody>
+      </p:sp>
+      <p:sp>
+        <p:nvSpPr>
+          <p:cNvPr id="3" name="TextBox 2">
+            <a:extLst>
+              <a:ext uri="{FF2B5EF4-FFF2-40B4-BE49-F238E27FC236}">
+                <a16:creationId xmlns:a16="http://schemas.microsoft.com/office/drawing/2014/main" id="{F7B82967-6A88-45C0-BC18-25B3996F0236}"/>
+              </a:ext>
+            </a:extLst>
+          </p:cNvPr>
+          <p:cNvSpPr txBox="1"/>
+          <p:nvPr/>
+        </p:nvSpPr>
+        <p:spPr>
+          <a:xfrm>
+            <a:off x="1316086" y="5065185"/>
+            <a:ext cx="9732913" cy="923330"/>
+          </a:xfrm>
+          <a:prstGeom prst="rect">
+            <a:avLst/>
+          </a:prstGeom>
+          <a:noFill/>
+          <a:ln>
+            <a:solidFill>
+              <a:srgbClr val="FF0000"/>
+            </a:solidFill>
+          </a:ln>
+        </p:spPr>
+        <p:txBody>
+          <a:bodyPr wrap="square" rtlCol="0">
+            <a:spAutoFit/>
+          </a:bodyPr>
+          <a:lstStyle/>
+          <a:p>
+            <a:r>
+              <a:rPr lang="en-US" dirty="0"/>
+              <a:t>Need to go with more and more automation for everything (starting with ploughing, sowing to harvesting)</a:t>
+            </a:r>
+          </a:p>
+          <a:p>
             <a:endParaRPr lang="en-IN" dirty="0"/>
           </a:p>
         </p:txBody>
@@ -12517,8 +12763,500 @@
         </p:nvSpPr>
         <p:spPr>
           <a:xfrm>
-            <a:off x="1143001" y="220952"/>
+            <a:off x="1255542" y="478301"/>
             <a:ext cx="9905998" cy="984995"/>
+          </a:xfrm>
+        </p:spPr>
+        <p:txBody>
+          <a:bodyPr>
+            <a:normAutofit fontScale="90000"/>
+          </a:bodyPr>
+          <a:lstStyle/>
+          <a:p>
+            <a:r>
+              <a:rPr lang="en-US" dirty="0"/>
+              <a:t>Pumping water is a basic need and our solution will be not of much help to farmer. </a:t>
+            </a:r>
+            <a:endParaRPr lang="en-IN" dirty="0"/>
+          </a:p>
+        </p:txBody>
+      </p:sp>
+      <p:sp>
+        <p:nvSpPr>
+          <p:cNvPr id="4" name="Scroll: Vertical 3">
+            <a:extLst>
+              <a:ext uri="{FF2B5EF4-FFF2-40B4-BE49-F238E27FC236}">
+                <a16:creationId xmlns:a16="http://schemas.microsoft.com/office/drawing/2014/main" id="{FC8B51ED-4FC4-4F7A-87E3-C59E251A2DF4}"/>
+              </a:ext>
+            </a:extLst>
+          </p:cNvPr>
+          <p:cNvSpPr/>
+          <p:nvPr/>
+        </p:nvSpPr>
+        <p:spPr>
+          <a:xfrm>
+            <a:off x="5984628" y="3094893"/>
+            <a:ext cx="5536811" cy="3284806"/>
+          </a:xfrm>
+          <a:prstGeom prst="verticalScroll">
+            <a:avLst/>
+          </a:prstGeom>
+        </p:spPr>
+        <p:style>
+          <a:lnRef idx="2">
+            <a:schemeClr val="accent1">
+              <a:shade val="50000"/>
+            </a:schemeClr>
+          </a:lnRef>
+          <a:fillRef idx="1">
+            <a:schemeClr val="accent1"/>
+          </a:fillRef>
+          <a:effectRef idx="0">
+            <a:schemeClr val="accent1"/>
+          </a:effectRef>
+          <a:fontRef idx="minor">
+            <a:schemeClr val="lt1"/>
+          </a:fontRef>
+        </p:style>
+        <p:txBody>
+          <a:bodyPr rtlCol="0" anchor="ctr"/>
+          <a:lstStyle/>
+          <a:p>
+            <a:pPr algn="ctr"/>
+            <a:r>
+              <a:rPr lang="en-US" sz="2800" dirty="0"/>
+              <a:t>Can we list the reason why the existing solution is not feasible for framer </a:t>
+            </a:r>
+            <a:endParaRPr lang="en-IN" sz="2800" dirty="0"/>
+          </a:p>
+        </p:txBody>
+      </p:sp>
+      <p:pic>
+        <p:nvPicPr>
+          <p:cNvPr id="1026" name="Picture 2" descr="Key to productivity: take more breaks | HRD America">
+            <a:extLst>
+              <a:ext uri="{FF2B5EF4-FFF2-40B4-BE49-F238E27FC236}">
+                <a16:creationId xmlns:a16="http://schemas.microsoft.com/office/drawing/2014/main" id="{0A3CF082-F304-4DAC-B4A3-55949415AF70}"/>
+              </a:ext>
+            </a:extLst>
+          </p:cNvPr>
+          <p:cNvPicPr>
+            <a:picLocks noChangeAspect="1" noChangeArrowheads="1"/>
+          </p:cNvPicPr>
+          <p:nvPr/>
+        </p:nvPicPr>
+        <p:blipFill>
+          <a:blip r:embed="rId2">
+            <a:extLst>
+              <a:ext uri="{28A0092B-C50C-407E-A947-70E740481C1C}">
+                <a14:useLocalDpi xmlns:a14="http://schemas.microsoft.com/office/drawing/2010/main" val="0"/>
+              </a:ext>
+            </a:extLst>
+          </a:blip>
+          <a:srcRect/>
+          <a:stretch>
+            <a:fillRect/>
+          </a:stretch>
+        </p:blipFill>
+        <p:spPr bwMode="auto">
+          <a:xfrm>
+            <a:off x="1255542" y="1860746"/>
+            <a:ext cx="2857500" cy="2876550"/>
+          </a:xfrm>
+          <a:prstGeom prst="rect">
+            <a:avLst/>
+          </a:prstGeom>
+          <a:noFill/>
+          <a:extLst>
+            <a:ext uri="{909E8E84-426E-40DD-AFC4-6F175D3DCCD1}">
+              <a14:hiddenFill xmlns:a14="http://schemas.microsoft.com/office/drawing/2010/main">
+                <a:solidFill>
+                  <a:srgbClr val="FFFFFF"/>
+                </a:solidFill>
+              </a14:hiddenFill>
+            </a:ext>
+          </a:extLst>
+        </p:spPr>
+      </p:pic>
+    </p:spTree>
+    <p:extLst>
+      <p:ext uri="{BB962C8B-B14F-4D97-AF65-F5344CB8AC3E}">
+        <p14:creationId xmlns:p14="http://schemas.microsoft.com/office/powerpoint/2010/main" val="2486832197"/>
+      </p:ext>
+    </p:extLst>
+  </p:cSld>
+  <p:clrMapOvr>
+    <a:masterClrMapping/>
+  </p:clrMapOvr>
+</p:sld>
+</file>
+
+<file path=ppt/slides/slide4.xml><?xml version="1.0" encoding="utf-8"?>
+<p:sld xmlns:a="http://schemas.openxmlformats.org/drawingml/2006/main" xmlns:r="http://schemas.openxmlformats.org/officeDocument/2006/relationships" xmlns:p="http://schemas.openxmlformats.org/presentationml/2006/main">
+  <p:cSld>
+    <p:bg>
+      <p:bgPr>
+        <a:gradFill>
+          <a:gsLst>
+            <a:gs pos="0">
+              <a:schemeClr val="accent4">
+                <a:lumMod val="89000"/>
+              </a:schemeClr>
+            </a:gs>
+            <a:gs pos="23000">
+              <a:schemeClr val="accent4">
+                <a:lumMod val="89000"/>
+              </a:schemeClr>
+            </a:gs>
+            <a:gs pos="69000">
+              <a:schemeClr val="accent4">
+                <a:lumMod val="75000"/>
+              </a:schemeClr>
+            </a:gs>
+            <a:gs pos="97000">
+              <a:schemeClr val="accent4">
+                <a:lumMod val="70000"/>
+              </a:schemeClr>
+            </a:gs>
+          </a:gsLst>
+          <a:path path="circle">
+            <a:fillToRect l="100000" t="100000"/>
+          </a:path>
+        </a:gradFill>
+        <a:effectLst/>
+      </p:bgPr>
+    </p:bg>
+    <p:spTree>
+      <p:nvGrpSpPr>
+        <p:cNvPr id="1" name=""/>
+        <p:cNvGrpSpPr/>
+        <p:nvPr/>
+      </p:nvGrpSpPr>
+      <p:grpSpPr>
+        <a:xfrm>
+          <a:off x="0" y="0"/>
+          <a:ext cx="0" cy="0"/>
+          <a:chOff x="0" y="0"/>
+          <a:chExt cx="0" cy="0"/>
+        </a:xfrm>
+      </p:grpSpPr>
+      <p:sp>
+        <p:nvSpPr>
+          <p:cNvPr id="2" name="Title 1">
+            <a:extLst>
+              <a:ext uri="{FF2B5EF4-FFF2-40B4-BE49-F238E27FC236}">
+                <a16:creationId xmlns:a16="http://schemas.microsoft.com/office/drawing/2014/main" id="{73DF5D10-6453-4482-BD7F-DA8CE68CF3EE}"/>
+              </a:ext>
+            </a:extLst>
+          </p:cNvPr>
+          <p:cNvSpPr>
+            <a:spLocks noGrp="1"/>
+          </p:cNvSpPr>
+          <p:nvPr>
+            <p:ph type="title"/>
+          </p:nvPr>
+        </p:nvSpPr>
+        <p:spPr>
+          <a:xfrm>
+            <a:off x="1143001" y="505977"/>
+            <a:ext cx="9905998" cy="816387"/>
+          </a:xfrm>
+        </p:spPr>
+        <p:txBody>
+          <a:bodyPr>
+            <a:normAutofit/>
+          </a:bodyPr>
+          <a:lstStyle/>
+          <a:p>
+            <a:r>
+              <a:rPr lang="en-US" dirty="0"/>
+              <a:t>Basic problem with remote controlled pump</a:t>
+            </a:r>
+            <a:endParaRPr lang="en-IN" dirty="0"/>
+          </a:p>
+        </p:txBody>
+      </p:sp>
+      <p:sp>
+        <p:nvSpPr>
+          <p:cNvPr id="3" name="TextBox 2">
+            <a:extLst>
+              <a:ext uri="{FF2B5EF4-FFF2-40B4-BE49-F238E27FC236}">
+                <a16:creationId xmlns:a16="http://schemas.microsoft.com/office/drawing/2014/main" id="{6FA55F35-AB1E-4B0F-9762-EDC8A5305A38}"/>
+              </a:ext>
+            </a:extLst>
+          </p:cNvPr>
+          <p:cNvSpPr txBox="1"/>
+          <p:nvPr/>
+        </p:nvSpPr>
+        <p:spPr>
+          <a:xfrm>
+            <a:off x="1143001" y="1510410"/>
+            <a:ext cx="7255412" cy="4801314"/>
+          </a:xfrm>
+          <a:prstGeom prst="rect">
+            <a:avLst/>
+          </a:prstGeom>
+          <a:noFill/>
+        </p:spPr>
+        <p:txBody>
+          <a:bodyPr wrap="square" rtlCol="0">
+            <a:spAutoFit/>
+          </a:bodyPr>
+          <a:lstStyle/>
+          <a:p>
+            <a:pPr marL="342900" indent="-342900">
+              <a:buAutoNum type="arabicPeriod"/>
+            </a:pPr>
+            <a:r>
+              <a:rPr lang="en-US" dirty="0"/>
+              <a:t>Is the pump actually pumping water</a:t>
+            </a:r>
+          </a:p>
+          <a:p>
+            <a:pPr marL="342900" indent="-342900">
+              <a:buAutoNum type="arabicPeriod"/>
+            </a:pPr>
+            <a:r>
+              <a:rPr lang="en-US" dirty="0"/>
+              <a:t> Is the water reaching the farms</a:t>
+            </a:r>
+          </a:p>
+          <a:p>
+            <a:pPr marL="342900" indent="-342900">
+              <a:buAutoNum type="arabicPeriod"/>
+            </a:pPr>
+            <a:r>
+              <a:rPr lang="en-US" dirty="0"/>
+              <a:t> Is the pump pumping enough water to farms</a:t>
+            </a:r>
+          </a:p>
+          <a:p>
+            <a:pPr marL="342900" indent="-342900">
+              <a:buAutoNum type="arabicPeriod"/>
+            </a:pPr>
+            <a:r>
+              <a:rPr lang="en-US" dirty="0"/>
+              <a:t> What is the temperature of the pump (is it getting heated up)</a:t>
+            </a:r>
+          </a:p>
+          <a:p>
+            <a:pPr marL="342900" indent="-342900">
+              <a:buAutoNum type="arabicPeriod"/>
+            </a:pPr>
+            <a:r>
+              <a:rPr lang="en-US" dirty="0"/>
+              <a:t> Is the pump working normally without any mechanical issues</a:t>
+            </a:r>
+          </a:p>
+          <a:p>
+            <a:pPr marL="342900" indent="-342900">
+              <a:buAutoNum type="arabicPeriod"/>
+            </a:pPr>
+            <a:r>
+              <a:rPr lang="en-US" dirty="0"/>
+              <a:t> What is the power consumed by pump</a:t>
+            </a:r>
+          </a:p>
+          <a:p>
+            <a:pPr marL="342900" indent="-342900">
+              <a:buAutoNum type="arabicPeriod"/>
+            </a:pPr>
+            <a:r>
+              <a:rPr lang="en-US" dirty="0"/>
+              <a:t> Is  water in the storage/well enough to start the pump</a:t>
+            </a:r>
+          </a:p>
+          <a:p>
+            <a:pPr marL="342900" indent="-342900">
+              <a:buAutoNum type="arabicPeriod"/>
+            </a:pPr>
+            <a:r>
+              <a:rPr lang="en-US" dirty="0"/>
+              <a:t> Should we pump water periodically ? Or only when it is needed ?</a:t>
+            </a:r>
+          </a:p>
+          <a:p>
+            <a:pPr marL="342900" indent="-342900">
+              <a:buAutoNum type="arabicPeriod"/>
+            </a:pPr>
+            <a:r>
+              <a:rPr lang="en-US" dirty="0"/>
+              <a:t>What is the weather in the farm. (Temperature, Humidity and wind)</a:t>
+            </a:r>
+          </a:p>
+          <a:p>
+            <a:pPr marL="342900" indent="-342900">
+              <a:buAutoNum type="arabicPeriod"/>
+            </a:pPr>
+            <a:r>
+              <a:rPr lang="en-US" dirty="0"/>
+              <a:t>Is there a potential chance of rain any time soon ?</a:t>
+            </a:r>
+          </a:p>
+          <a:p>
+            <a:pPr marL="342900" indent="-342900">
+              <a:buAutoNum type="arabicPeriod"/>
+            </a:pPr>
+            <a:r>
+              <a:rPr lang="en-US" dirty="0"/>
+              <a:t> How is the soil, does it have enough water content or it is getting dry ?</a:t>
+            </a:r>
+          </a:p>
+          <a:p>
+            <a:pPr marL="342900" indent="-342900">
+              <a:buAutoNum type="arabicPeriod"/>
+            </a:pPr>
+            <a:r>
+              <a:rPr lang="en-US" dirty="0"/>
+              <a:t> How is the power situation in farm, are there are any power failures</a:t>
+            </a:r>
+          </a:p>
+          <a:p>
+            <a:pPr marL="342900" indent="-342900">
+              <a:buAutoNum type="arabicPeriod"/>
+            </a:pPr>
+            <a:r>
+              <a:rPr lang="en-US" dirty="0"/>
+              <a:t> Are there any intruders (wild animals pest </a:t>
+            </a:r>
+            <a:r>
+              <a:rPr lang="en-US" dirty="0" err="1"/>
+              <a:t>etc</a:t>
+            </a:r>
+            <a:r>
+              <a:rPr lang="en-US" dirty="0"/>
+              <a:t>)</a:t>
+            </a:r>
+          </a:p>
+          <a:p>
+            <a:pPr marL="342900" indent="-342900">
+              <a:buAutoNum type="arabicPeriod"/>
+            </a:pPr>
+            <a:r>
+              <a:rPr lang="en-US" dirty="0"/>
+              <a:t> Pollution in the farms</a:t>
+            </a:r>
+          </a:p>
+          <a:p>
+            <a:pPr marL="342900" indent="-342900">
+              <a:buAutoNum type="arabicPeriod"/>
+            </a:pPr>
+            <a:r>
+              <a:rPr lang="en-US" dirty="0"/>
+              <a:t> ……………………</a:t>
+            </a:r>
+          </a:p>
+          <a:p>
+            <a:pPr marL="342900" indent="-342900">
+              <a:buAutoNum type="arabicPeriod"/>
+            </a:pPr>
+            <a:r>
+              <a:rPr lang="en-US" dirty="0"/>
+              <a:t>……………………………</a:t>
+            </a:r>
+          </a:p>
+          <a:p>
+            <a:endParaRPr lang="en-IN" dirty="0"/>
+          </a:p>
+        </p:txBody>
+      </p:sp>
+      <p:pic>
+        <p:nvPicPr>
+          <p:cNvPr id="2050" name="Picture 2" descr="Outlook Photo Gallery : A farmer looks in the sky in hope of rain ...">
+            <a:extLst>
+              <a:ext uri="{FF2B5EF4-FFF2-40B4-BE49-F238E27FC236}">
+                <a16:creationId xmlns:a16="http://schemas.microsoft.com/office/drawing/2014/main" id="{78C3E94F-D284-40CE-89E3-9F80488B388A}"/>
+              </a:ext>
+            </a:extLst>
+          </p:cNvPr>
+          <p:cNvPicPr>
+            <a:picLocks noChangeAspect="1" noChangeArrowheads="1"/>
+          </p:cNvPicPr>
+          <p:nvPr/>
+        </p:nvPicPr>
+        <p:blipFill>
+          <a:blip r:embed="rId2">
+            <a:extLst>
+              <a:ext uri="{28A0092B-C50C-407E-A947-70E740481C1C}">
+                <a14:useLocalDpi xmlns:a14="http://schemas.microsoft.com/office/drawing/2010/main" val="0"/>
+              </a:ext>
+            </a:extLst>
+          </a:blip>
+          <a:srcRect/>
+          <a:stretch>
+            <a:fillRect/>
+          </a:stretch>
+        </p:blipFill>
+        <p:spPr bwMode="auto">
+          <a:xfrm>
+            <a:off x="8734570" y="1563418"/>
+            <a:ext cx="2628900" cy="1733550"/>
+          </a:xfrm>
+          <a:prstGeom prst="rect">
+            <a:avLst/>
+          </a:prstGeom>
+          <a:noFill/>
+          <a:extLst>
+            <a:ext uri="{909E8E84-426E-40DD-AFC4-6F175D3DCCD1}">
+              <a14:hiddenFill xmlns:a14="http://schemas.microsoft.com/office/drawing/2010/main">
+                <a:solidFill>
+                  <a:srgbClr val="FFFFFF"/>
+                </a:solidFill>
+              </a14:hiddenFill>
+            </a:ext>
+          </a:extLst>
+        </p:spPr>
+      </p:pic>
+    </p:spTree>
+    <p:extLst>
+      <p:ext uri="{BB962C8B-B14F-4D97-AF65-F5344CB8AC3E}">
+        <p14:creationId xmlns:p14="http://schemas.microsoft.com/office/powerpoint/2010/main" val="4253086014"/>
+      </p:ext>
+    </p:extLst>
+  </p:cSld>
+  <p:clrMapOvr>
+    <a:masterClrMapping/>
+  </p:clrMapOvr>
+</p:sld>
+</file>
+
+<file path=ppt/slides/slide5.xml><?xml version="1.0" encoding="utf-8"?>
+<p:sld xmlns:a="http://schemas.openxmlformats.org/drawingml/2006/main" xmlns:r="http://schemas.openxmlformats.org/officeDocument/2006/relationships" xmlns:p="http://schemas.openxmlformats.org/presentationml/2006/main">
+  <p:cSld>
+    <p:spTree>
+      <p:nvGrpSpPr>
+        <p:cNvPr id="1" name=""/>
+        <p:cNvGrpSpPr/>
+        <p:nvPr/>
+      </p:nvGrpSpPr>
+      <p:grpSpPr>
+        <a:xfrm>
+          <a:off x="0" y="0"/>
+          <a:ext cx="0" cy="0"/>
+          <a:chOff x="0" y="0"/>
+          <a:chExt cx="0" cy="0"/>
+        </a:xfrm>
+      </p:grpSpPr>
+      <p:sp>
+        <p:nvSpPr>
+          <p:cNvPr id="2" name="Title 1">
+            <a:extLst>
+              <a:ext uri="{FF2B5EF4-FFF2-40B4-BE49-F238E27FC236}">
+                <a16:creationId xmlns:a16="http://schemas.microsoft.com/office/drawing/2014/main" id="{5402A970-2FA7-4E60-AE65-BA1E3E96AC2D}"/>
+              </a:ext>
+            </a:extLst>
+          </p:cNvPr>
+          <p:cNvSpPr>
+            <a:spLocks noGrp="1"/>
+          </p:cNvSpPr>
+          <p:nvPr>
+            <p:ph type="title"/>
+          </p:nvPr>
+        </p:nvSpPr>
+        <p:spPr>
+          <a:xfrm>
+            <a:off x="1141413" y="618518"/>
+            <a:ext cx="4654476" cy="1758922"/>
           </a:xfrm>
         </p:spPr>
         <p:txBody>
@@ -12527,7 +13265,231 @@
           <a:p>
             <a:r>
               <a:rPr lang="en-US" dirty="0"/>
-              <a:t>Why do we need security in IOT</a:t>
+              <a:t>IT cannot be  a DIY Solution or a prototype </a:t>
+            </a:r>
+            <a:endParaRPr lang="en-IN" dirty="0"/>
+          </a:p>
+        </p:txBody>
+      </p:sp>
+      <p:pic>
+        <p:nvPicPr>
+          <p:cNvPr id="4098" name="Picture 2" descr="Crystal radios">
+            <a:extLst>
+              <a:ext uri="{FF2B5EF4-FFF2-40B4-BE49-F238E27FC236}">
+                <a16:creationId xmlns:a16="http://schemas.microsoft.com/office/drawing/2014/main" id="{8890DB76-0632-4ECC-B7F4-9A7A08FE0174}"/>
+              </a:ext>
+            </a:extLst>
+          </p:cNvPr>
+          <p:cNvPicPr>
+            <a:picLocks noChangeAspect="1" noChangeArrowheads="1"/>
+          </p:cNvPicPr>
+          <p:nvPr/>
+        </p:nvPicPr>
+        <p:blipFill>
+          <a:blip r:embed="rId2">
+            <a:extLst>
+              <a:ext uri="{28A0092B-C50C-407E-A947-70E740481C1C}">
+                <a14:useLocalDpi xmlns:a14="http://schemas.microsoft.com/office/drawing/2010/main" val="0"/>
+              </a:ext>
+            </a:extLst>
+          </a:blip>
+          <a:srcRect/>
+          <a:stretch>
+            <a:fillRect/>
+          </a:stretch>
+        </p:blipFill>
+        <p:spPr bwMode="auto">
+          <a:xfrm>
+            <a:off x="6392935" y="368836"/>
+            <a:ext cx="3724275" cy="2800350"/>
+          </a:xfrm>
+          <a:prstGeom prst="rect">
+            <a:avLst/>
+          </a:prstGeom>
+          <a:noFill/>
+          <a:extLst>
+            <a:ext uri="{909E8E84-426E-40DD-AFC4-6F175D3DCCD1}">
+              <a14:hiddenFill xmlns:a14="http://schemas.microsoft.com/office/drawing/2010/main">
+                <a:solidFill>
+                  <a:srgbClr val="FFFFFF"/>
+                </a:solidFill>
+              </a14:hiddenFill>
+            </a:ext>
+          </a:extLst>
+        </p:spPr>
+      </p:pic>
+    </p:spTree>
+    <p:extLst>
+      <p:ext uri="{BB962C8B-B14F-4D97-AF65-F5344CB8AC3E}">
+        <p14:creationId xmlns:p14="http://schemas.microsoft.com/office/powerpoint/2010/main" val="2702779700"/>
+      </p:ext>
+    </p:extLst>
+  </p:cSld>
+  <p:clrMapOvr>
+    <a:masterClrMapping/>
+  </p:clrMapOvr>
+</p:sld>
+</file>
+
+<file path=ppt/slides/slide6.xml><?xml version="1.0" encoding="utf-8"?>
+<p:sld xmlns:a="http://schemas.openxmlformats.org/drawingml/2006/main" xmlns:r="http://schemas.openxmlformats.org/officeDocument/2006/relationships" xmlns:p="http://schemas.openxmlformats.org/presentationml/2006/main">
+  <p:cSld>
+    <p:spTree>
+      <p:nvGrpSpPr>
+        <p:cNvPr id="1" name=""/>
+        <p:cNvGrpSpPr/>
+        <p:nvPr/>
+      </p:nvGrpSpPr>
+      <p:grpSpPr>
+        <a:xfrm>
+          <a:off x="0" y="0"/>
+          <a:ext cx="0" cy="0"/>
+          <a:chOff x="0" y="0"/>
+          <a:chExt cx="0" cy="0"/>
+        </a:xfrm>
+      </p:grpSpPr>
+      <p:pic>
+        <p:nvPicPr>
+          <p:cNvPr id="5122" name="Picture 2" descr="8 Ways to Become the Most Reliable Person in the Room | Inc.com">
+            <a:extLst>
+              <a:ext uri="{FF2B5EF4-FFF2-40B4-BE49-F238E27FC236}">
+                <a16:creationId xmlns:a16="http://schemas.microsoft.com/office/drawing/2014/main" id="{B36DD3C4-C780-47D9-A7A2-F488DD2DB005}"/>
+              </a:ext>
+            </a:extLst>
+          </p:cNvPr>
+          <p:cNvPicPr>
+            <a:picLocks noChangeAspect="1" noChangeArrowheads="1"/>
+          </p:cNvPicPr>
+          <p:nvPr/>
+        </p:nvPicPr>
+        <p:blipFill>
+          <a:blip r:embed="rId2">
+            <a:extLst>
+              <a:ext uri="{28A0092B-C50C-407E-A947-70E740481C1C}">
+                <a14:useLocalDpi xmlns:a14="http://schemas.microsoft.com/office/drawing/2010/main" val="0"/>
+              </a:ext>
+            </a:extLst>
+          </a:blip>
+          <a:srcRect/>
+          <a:stretch>
+            <a:fillRect/>
+          </a:stretch>
+        </p:blipFill>
+        <p:spPr bwMode="auto">
+          <a:xfrm>
+            <a:off x="708075" y="3643532"/>
+            <a:ext cx="5387925" cy="3030708"/>
+          </a:xfrm>
+          <a:prstGeom prst="rect">
+            <a:avLst/>
+          </a:prstGeom>
+          <a:noFill/>
+          <a:extLst>
+            <a:ext uri="{909E8E84-426E-40DD-AFC4-6F175D3DCCD1}">
+              <a14:hiddenFill xmlns:a14="http://schemas.microsoft.com/office/drawing/2010/main">
+                <a:solidFill>
+                  <a:srgbClr val="FFFFFF"/>
+                </a:solidFill>
+              </a14:hiddenFill>
+            </a:ext>
+          </a:extLst>
+        </p:spPr>
+      </p:pic>
+      <p:pic>
+        <p:nvPicPr>
+          <p:cNvPr id="5124" name="Picture 4" descr="4 Keys of Personal Reliability">
+            <a:extLst>
+              <a:ext uri="{FF2B5EF4-FFF2-40B4-BE49-F238E27FC236}">
+                <a16:creationId xmlns:a16="http://schemas.microsoft.com/office/drawing/2014/main" id="{7B31F9C5-6A29-48E0-A98A-E691E76BB53E}"/>
+              </a:ext>
+            </a:extLst>
+          </p:cNvPr>
+          <p:cNvPicPr>
+            <a:picLocks noChangeAspect="1" noChangeArrowheads="1"/>
+          </p:cNvPicPr>
+          <p:nvPr/>
+        </p:nvPicPr>
+        <p:blipFill>
+          <a:blip r:embed="rId3">
+            <a:extLst>
+              <a:ext uri="{28A0092B-C50C-407E-A947-70E740481C1C}">
+                <a14:useLocalDpi xmlns:a14="http://schemas.microsoft.com/office/drawing/2010/main" val="0"/>
+              </a:ext>
+            </a:extLst>
+          </a:blip>
+          <a:srcRect/>
+          <a:stretch>
+            <a:fillRect/>
+          </a:stretch>
+        </p:blipFill>
+        <p:spPr bwMode="auto">
+          <a:xfrm>
+            <a:off x="6330057" y="142876"/>
+            <a:ext cx="4938164" cy="3286124"/>
+          </a:xfrm>
+          <a:prstGeom prst="rect">
+            <a:avLst/>
+          </a:prstGeom>
+          <a:noFill/>
+          <a:extLst>
+            <a:ext uri="{909E8E84-426E-40DD-AFC4-6F175D3DCCD1}">
+              <a14:hiddenFill xmlns:a14="http://schemas.microsoft.com/office/drawing/2010/main">
+                <a:solidFill>
+                  <a:srgbClr val="FFFFFF"/>
+                </a:solidFill>
+              </a14:hiddenFill>
+            </a:ext>
+          </a:extLst>
+        </p:spPr>
+      </p:pic>
+      <p:sp>
+        <p:nvSpPr>
+          <p:cNvPr id="4" name="Title 1">
+            <a:extLst>
+              <a:ext uri="{FF2B5EF4-FFF2-40B4-BE49-F238E27FC236}">
+                <a16:creationId xmlns:a16="http://schemas.microsoft.com/office/drawing/2014/main" id="{2C23467A-3F12-4A67-B01A-A14171C4FF5B}"/>
+              </a:ext>
+            </a:extLst>
+          </p:cNvPr>
+          <p:cNvSpPr txBox="1">
+            <a:spLocks/>
+          </p:cNvSpPr>
+          <p:nvPr/>
+        </p:nvSpPr>
+        <p:spPr>
+          <a:xfrm>
+            <a:off x="1441524" y="429715"/>
+            <a:ext cx="4654476" cy="1758922"/>
+          </a:xfrm>
+          <a:prstGeom prst="rect">
+            <a:avLst/>
+          </a:prstGeom>
+        </p:spPr>
+        <p:txBody>
+          <a:bodyPr/>
+          <a:lstStyle>
+            <a:lvl1pPr algn="l" defTabSz="914400" rtl="0" eaLnBrk="1" latinLnBrk="0" hangingPunct="1">
+              <a:lnSpc>
+                <a:spcPct val="90000"/>
+              </a:lnSpc>
+              <a:spcBef>
+                <a:spcPct val="0"/>
+              </a:spcBef>
+              <a:buNone/>
+              <a:defRPr sz="3600" kern="1200" cap="all" baseline="0">
+                <a:solidFill>
+                  <a:schemeClr val="tx1"/>
+                </a:solidFill>
+                <a:latin typeface="+mj-lt"/>
+                <a:ea typeface="+mj-ea"/>
+                <a:cs typeface="+mj-cs"/>
+              </a:defRPr>
+            </a:lvl1pPr>
+          </a:lstStyle>
+          <a:p>
+            <a:r>
+              <a:rPr lang="en-US" dirty="0"/>
+              <a:t>It has to be  </a:t>
             </a:r>
             <a:endParaRPr lang="en-IN" dirty="0"/>
           </a:p>
@@ -12536,7 +13498,628 @@
     </p:spTree>
     <p:extLst>
       <p:ext uri="{BB962C8B-B14F-4D97-AF65-F5344CB8AC3E}">
-        <p14:creationId xmlns:p14="http://schemas.microsoft.com/office/powerpoint/2010/main" val="2486832197"/>
+        <p14:creationId xmlns:p14="http://schemas.microsoft.com/office/powerpoint/2010/main" val="992170589"/>
+      </p:ext>
+    </p:extLst>
+  </p:cSld>
+  <p:clrMapOvr>
+    <a:masterClrMapping/>
+  </p:clrMapOvr>
+</p:sld>
+</file>
+
+<file path=ppt/slides/slide7.xml><?xml version="1.0" encoding="utf-8"?>
+<p:sld xmlns:a="http://schemas.openxmlformats.org/drawingml/2006/main" xmlns:r="http://schemas.openxmlformats.org/officeDocument/2006/relationships" xmlns:p="http://schemas.openxmlformats.org/presentationml/2006/main">
+  <p:cSld>
+    <p:spTree>
+      <p:nvGrpSpPr>
+        <p:cNvPr id="1" name=""/>
+        <p:cNvGrpSpPr/>
+        <p:nvPr/>
+      </p:nvGrpSpPr>
+      <p:grpSpPr>
+        <a:xfrm>
+          <a:off x="0" y="0"/>
+          <a:ext cx="0" cy="0"/>
+          <a:chOff x="0" y="0"/>
+          <a:chExt cx="0" cy="0"/>
+        </a:xfrm>
+      </p:grpSpPr>
+      <p:sp>
+        <p:nvSpPr>
+          <p:cNvPr id="5" name="Title 4">
+            <a:extLst>
+              <a:ext uri="{FF2B5EF4-FFF2-40B4-BE49-F238E27FC236}">
+                <a16:creationId xmlns:a16="http://schemas.microsoft.com/office/drawing/2014/main" id="{E13BB761-3E61-468B-943B-D4CBE30506A7}"/>
+              </a:ext>
+            </a:extLst>
+          </p:cNvPr>
+          <p:cNvSpPr>
+            <a:spLocks noGrp="1"/>
+          </p:cNvSpPr>
+          <p:nvPr>
+            <p:ph type="title"/>
+          </p:nvPr>
+        </p:nvSpPr>
+        <p:spPr>
+          <a:xfrm>
+            <a:off x="1143001" y="393435"/>
+            <a:ext cx="9905998" cy="760116"/>
+          </a:xfrm>
+        </p:spPr>
+        <p:txBody>
+          <a:bodyPr/>
+          <a:lstStyle/>
+          <a:p>
+            <a:r>
+              <a:rPr lang="en-US" dirty="0"/>
+              <a:t>Is the pump pumping enough water  ?.</a:t>
+            </a:r>
+            <a:endParaRPr lang="en-IN" dirty="0"/>
+          </a:p>
+        </p:txBody>
+      </p:sp>
+      <p:pic>
+        <p:nvPicPr>
+          <p:cNvPr id="9" name="Picture 8">
+            <a:extLst>
+              <a:ext uri="{FF2B5EF4-FFF2-40B4-BE49-F238E27FC236}">
+                <a16:creationId xmlns:a16="http://schemas.microsoft.com/office/drawing/2014/main" id="{DB5D8E83-5A9C-40B0-939E-7544A0F04CB0}"/>
+              </a:ext>
+            </a:extLst>
+          </p:cNvPr>
+          <p:cNvPicPr>
+            <a:picLocks noChangeAspect="1"/>
+          </p:cNvPicPr>
+          <p:nvPr/>
+        </p:nvPicPr>
+        <p:blipFill>
+          <a:blip r:embed="rId2"/>
+          <a:stretch>
+            <a:fillRect/>
+          </a:stretch>
+        </p:blipFill>
+        <p:spPr>
+          <a:xfrm>
+            <a:off x="548641" y="1445457"/>
+            <a:ext cx="2293032" cy="2293032"/>
+          </a:xfrm>
+          <a:prstGeom prst="rect">
+            <a:avLst/>
+          </a:prstGeom>
+        </p:spPr>
+      </p:pic>
+      <p:pic>
+        <p:nvPicPr>
+          <p:cNvPr id="11" name="Picture 10">
+            <a:extLst>
+              <a:ext uri="{FF2B5EF4-FFF2-40B4-BE49-F238E27FC236}">
+                <a16:creationId xmlns:a16="http://schemas.microsoft.com/office/drawing/2014/main" id="{98292C62-271B-4E20-8763-83848BA61C67}"/>
+              </a:ext>
+            </a:extLst>
+          </p:cNvPr>
+          <p:cNvPicPr>
+            <a:picLocks noChangeAspect="1"/>
+          </p:cNvPicPr>
+          <p:nvPr/>
+        </p:nvPicPr>
+        <p:blipFill>
+          <a:blip r:embed="rId3"/>
+          <a:stretch>
+            <a:fillRect/>
+          </a:stretch>
+        </p:blipFill>
+        <p:spPr>
+          <a:xfrm>
+            <a:off x="9777559" y="1739779"/>
+            <a:ext cx="2121684" cy="1741609"/>
+          </a:xfrm>
+          <a:prstGeom prst="rect">
+            <a:avLst/>
+          </a:prstGeom>
+        </p:spPr>
+      </p:pic>
+      <p:pic>
+        <p:nvPicPr>
+          <p:cNvPr id="12" name="Picture 11">
+            <a:extLst>
+              <a:ext uri="{FF2B5EF4-FFF2-40B4-BE49-F238E27FC236}">
+                <a16:creationId xmlns:a16="http://schemas.microsoft.com/office/drawing/2014/main" id="{46527FB9-EB72-41C0-A212-E523BC5577F1}"/>
+              </a:ext>
+            </a:extLst>
+          </p:cNvPr>
+          <p:cNvPicPr>
+            <a:picLocks noChangeAspect="1"/>
+          </p:cNvPicPr>
+          <p:nvPr/>
+        </p:nvPicPr>
+        <p:blipFill>
+          <a:blip r:embed="rId4"/>
+          <a:stretch>
+            <a:fillRect/>
+          </a:stretch>
+        </p:blipFill>
+        <p:spPr>
+          <a:xfrm>
+            <a:off x="3603617" y="1093764"/>
+            <a:ext cx="5093958" cy="3193366"/>
+          </a:xfrm>
+          <a:prstGeom prst="rect">
+            <a:avLst/>
+          </a:prstGeom>
+        </p:spPr>
+      </p:pic>
+      <p:sp>
+        <p:nvSpPr>
+          <p:cNvPr id="14" name="TextBox 13">
+            <a:extLst>
+              <a:ext uri="{FF2B5EF4-FFF2-40B4-BE49-F238E27FC236}">
+                <a16:creationId xmlns:a16="http://schemas.microsoft.com/office/drawing/2014/main" id="{D63EB2AA-C6FD-45EC-A0B7-F0E63A1E42C6}"/>
+              </a:ext>
+            </a:extLst>
+          </p:cNvPr>
+          <p:cNvSpPr txBox="1"/>
+          <p:nvPr/>
+        </p:nvSpPr>
+        <p:spPr>
+          <a:xfrm>
+            <a:off x="1364318" y="4965896"/>
+            <a:ext cx="9572557" cy="1200329"/>
+          </a:xfrm>
+          <a:prstGeom prst="rect">
+            <a:avLst/>
+          </a:prstGeom>
+          <a:noFill/>
+          <a:ln w="31750">
+            <a:solidFill>
+              <a:srgbClr val="FFFF00"/>
+            </a:solidFill>
+          </a:ln>
+        </p:spPr>
+        <p:txBody>
+          <a:bodyPr wrap="none" rtlCol="0">
+            <a:spAutoFit/>
+          </a:bodyPr>
+          <a:lstStyle/>
+          <a:p>
+            <a:r>
+              <a:rPr lang="en-US" dirty="0"/>
+              <a:t>Each time when the magnet a passes near the Hall effect sensor, the sensor produces  an electric pulse.</a:t>
+            </a:r>
+          </a:p>
+          <a:p>
+            <a:r>
+              <a:rPr lang="en-US" dirty="0"/>
+              <a:t>No of pulses is proportional to the volume of water/fluid flowing through the pipe.</a:t>
+            </a:r>
+          </a:p>
+          <a:p>
+            <a:r>
+              <a:rPr lang="en-US" dirty="0"/>
+              <a:t>We cut the pipe and insert it into the pipe which carries water..</a:t>
+            </a:r>
+          </a:p>
+          <a:p>
+            <a:r>
+              <a:rPr lang="en-US" dirty="0"/>
+              <a:t>All we need to do is just count the no of pulses per minute which give is the flow.</a:t>
+            </a:r>
+            <a:endParaRPr lang="en-IN" dirty="0"/>
+          </a:p>
+        </p:txBody>
+      </p:sp>
+    </p:spTree>
+    <p:extLst>
+      <p:ext uri="{BB962C8B-B14F-4D97-AF65-F5344CB8AC3E}">
+        <p14:creationId xmlns:p14="http://schemas.microsoft.com/office/powerpoint/2010/main" val="4292977658"/>
+      </p:ext>
+    </p:extLst>
+  </p:cSld>
+  <p:clrMapOvr>
+    <a:masterClrMapping/>
+  </p:clrMapOvr>
+</p:sld>
+</file>
+
+<file path=ppt/slides/slide8.xml><?xml version="1.0" encoding="utf-8"?>
+<p:sld xmlns:a="http://schemas.openxmlformats.org/drawingml/2006/main" xmlns:r="http://schemas.openxmlformats.org/officeDocument/2006/relationships" xmlns:p="http://schemas.openxmlformats.org/presentationml/2006/main">
+  <p:cSld>
+    <p:spTree>
+      <p:nvGrpSpPr>
+        <p:cNvPr id="1" name=""/>
+        <p:cNvGrpSpPr/>
+        <p:nvPr/>
+      </p:nvGrpSpPr>
+      <p:grpSpPr>
+        <a:xfrm>
+          <a:off x="0" y="0"/>
+          <a:ext cx="0" cy="0"/>
+          <a:chOff x="0" y="0"/>
+          <a:chExt cx="0" cy="0"/>
+        </a:xfrm>
+      </p:grpSpPr>
+      <p:sp>
+        <p:nvSpPr>
+          <p:cNvPr id="2" name="Title 1">
+            <a:extLst>
+              <a:ext uri="{FF2B5EF4-FFF2-40B4-BE49-F238E27FC236}">
+                <a16:creationId xmlns:a16="http://schemas.microsoft.com/office/drawing/2014/main" id="{2B7E81A1-D1C7-450F-9881-D8636841F6F5}"/>
+              </a:ext>
+            </a:extLst>
+          </p:cNvPr>
+          <p:cNvSpPr>
+            <a:spLocks noGrp="1"/>
+          </p:cNvSpPr>
+          <p:nvPr>
+            <p:ph type="title"/>
+          </p:nvPr>
+        </p:nvSpPr>
+        <p:spPr>
+          <a:xfrm>
+            <a:off x="1143001" y="126146"/>
+            <a:ext cx="9905998" cy="923331"/>
+          </a:xfrm>
+        </p:spPr>
+        <p:txBody>
+          <a:bodyPr>
+            <a:normAutofit/>
+          </a:bodyPr>
+          <a:lstStyle/>
+          <a:p>
+            <a:pPr algn="ctr"/>
+            <a:r>
+              <a:rPr lang="en-US" sz="3200" dirty="0"/>
+              <a:t>How do we interface this  Sensor with ESP32</a:t>
+            </a:r>
+            <a:endParaRPr lang="en-IN" sz="3200" dirty="0"/>
+          </a:p>
+        </p:txBody>
+      </p:sp>
+      <p:sp>
+        <p:nvSpPr>
+          <p:cNvPr id="3" name="TextBox 2">
+            <a:extLst>
+              <a:ext uri="{FF2B5EF4-FFF2-40B4-BE49-F238E27FC236}">
+                <a16:creationId xmlns:a16="http://schemas.microsoft.com/office/drawing/2014/main" id="{14533802-FD29-4E14-9CA1-CD2F3EC833E4}"/>
+              </a:ext>
+            </a:extLst>
+          </p:cNvPr>
+          <p:cNvSpPr txBox="1"/>
+          <p:nvPr/>
+        </p:nvSpPr>
+        <p:spPr>
+          <a:xfrm>
+            <a:off x="1109538" y="2386823"/>
+            <a:ext cx="10533184" cy="2862322"/>
+          </a:xfrm>
+          <a:prstGeom prst="rect">
+            <a:avLst/>
+          </a:prstGeom>
+          <a:noFill/>
+          <a:ln w="82550">
+            <a:solidFill>
+              <a:srgbClr val="FFFF00"/>
+            </a:solidFill>
+          </a:ln>
+        </p:spPr>
+        <p:txBody>
+          <a:bodyPr wrap="square" rtlCol="0">
+            <a:spAutoFit/>
+          </a:bodyPr>
+          <a:lstStyle/>
+          <a:p>
+            <a:endParaRPr lang="en-US" dirty="0">
+              <a:latin typeface="Courier New" panose="02070309020205020404" pitchFamily="49" charset="0"/>
+            </a:endParaRPr>
+          </a:p>
+          <a:p>
+            <a:r>
+              <a:rPr lang="en-US" sz="1800" dirty="0">
+                <a:latin typeface="Courier New" panose="02070309020205020404" pitchFamily="49" charset="0"/>
+              </a:rPr>
+              <a:t>const int   </a:t>
+            </a:r>
+            <a:r>
+              <a:rPr lang="en-US" sz="1800" dirty="0" err="1">
+                <a:latin typeface="Courier New" panose="02070309020205020404" pitchFamily="49" charset="0"/>
+              </a:rPr>
+              <a:t>inputPIN</a:t>
+            </a:r>
+            <a:r>
+              <a:rPr lang="en-US" sz="1800" dirty="0">
+                <a:latin typeface="Courier New" panose="02070309020205020404" pitchFamily="49" charset="0"/>
+              </a:rPr>
+              <a:t>  = 4 ; //GPIO 4</a:t>
+            </a:r>
+          </a:p>
+          <a:p>
+            <a:endParaRPr lang="en-US" sz="1800" dirty="0">
+              <a:latin typeface="Courier New" panose="02070309020205020404" pitchFamily="49" charset="0"/>
+            </a:endParaRPr>
+          </a:p>
+          <a:p>
+            <a:r>
+              <a:rPr lang="en-US" sz="1800" dirty="0">
+                <a:latin typeface="Courier New" panose="02070309020205020404" pitchFamily="49" charset="0"/>
+              </a:rPr>
+              <a:t>void ICACHE_RAM_ATTR </a:t>
+            </a:r>
+            <a:r>
+              <a:rPr lang="en-US" sz="1800" dirty="0" err="1">
+                <a:latin typeface="Courier New" panose="02070309020205020404" pitchFamily="49" charset="0"/>
+              </a:rPr>
+              <a:t>pin_ISR</a:t>
+            </a:r>
+            <a:r>
+              <a:rPr lang="en-US" sz="1800" dirty="0">
+                <a:latin typeface="Courier New" panose="02070309020205020404" pitchFamily="49" charset="0"/>
+              </a:rPr>
+              <a:t>()</a:t>
+            </a:r>
+          </a:p>
+          <a:p>
+            <a:r>
+              <a:rPr lang="en-US" sz="1800" dirty="0">
+                <a:latin typeface="Courier New" panose="02070309020205020404" pitchFamily="49" charset="0"/>
+              </a:rPr>
+              <a:t>{</a:t>
+            </a:r>
+          </a:p>
+          <a:p>
+            <a:r>
+              <a:rPr lang="en-US" sz="1800" dirty="0">
+                <a:latin typeface="Courier New" panose="02070309020205020404" pitchFamily="49" charset="0"/>
+              </a:rPr>
+              <a:t>  ticks++;</a:t>
+            </a:r>
+          </a:p>
+          <a:p>
+            <a:r>
+              <a:rPr lang="en-US" sz="1800" dirty="0">
+                <a:latin typeface="Courier New" panose="02070309020205020404" pitchFamily="49" charset="0"/>
+              </a:rPr>
+              <a:t>}</a:t>
+            </a:r>
+          </a:p>
+          <a:p>
+            <a:endParaRPr lang="en-IN" dirty="0"/>
+          </a:p>
+          <a:p>
+            <a:r>
+              <a:rPr lang="en-US" sz="1800" dirty="0" err="1">
+                <a:latin typeface="Courier New" panose="02070309020205020404" pitchFamily="49" charset="0"/>
+              </a:rPr>
+              <a:t>attachInterrupt</a:t>
+            </a:r>
+            <a:r>
+              <a:rPr lang="en-US" sz="1800" dirty="0">
+                <a:latin typeface="Courier New" panose="02070309020205020404" pitchFamily="49" charset="0"/>
+              </a:rPr>
+              <a:t>(</a:t>
+            </a:r>
+            <a:r>
+              <a:rPr lang="en-US" sz="1800" dirty="0" err="1">
+                <a:latin typeface="Courier New" panose="02070309020205020404" pitchFamily="49" charset="0"/>
+              </a:rPr>
+              <a:t>digitalPinToInterrupt</a:t>
+            </a:r>
+            <a:r>
+              <a:rPr lang="en-US" sz="1800" dirty="0">
+                <a:latin typeface="Courier New" panose="02070309020205020404" pitchFamily="49" charset="0"/>
+              </a:rPr>
+              <a:t>(</a:t>
+            </a:r>
+            <a:r>
+              <a:rPr lang="en-US" sz="1800" dirty="0" err="1">
+                <a:latin typeface="Courier New" panose="02070309020205020404" pitchFamily="49" charset="0"/>
+              </a:rPr>
+              <a:t>inputPIN</a:t>
+            </a:r>
+            <a:r>
+              <a:rPr lang="en-US" sz="1800" dirty="0">
+                <a:latin typeface="Courier New" panose="02070309020205020404" pitchFamily="49" charset="0"/>
+              </a:rPr>
+              <a:t>), </a:t>
+            </a:r>
+            <a:r>
+              <a:rPr lang="en-US" sz="1800" dirty="0" err="1">
+                <a:latin typeface="Courier New" panose="02070309020205020404" pitchFamily="49" charset="0"/>
+              </a:rPr>
+              <a:t>pin_ISR</a:t>
+            </a:r>
+            <a:r>
+              <a:rPr lang="en-US" sz="1800" dirty="0">
+                <a:latin typeface="Courier New" panose="02070309020205020404" pitchFamily="49" charset="0"/>
+              </a:rPr>
+              <a:t>, RISING);</a:t>
+            </a:r>
+            <a:endParaRPr lang="en-IN" dirty="0"/>
+          </a:p>
+          <a:p>
+            <a:endParaRPr lang="en-IN" dirty="0"/>
+          </a:p>
+        </p:txBody>
+      </p:sp>
+      <p:sp>
+        <p:nvSpPr>
+          <p:cNvPr id="4" name="TextBox 3">
+            <a:extLst>
+              <a:ext uri="{FF2B5EF4-FFF2-40B4-BE49-F238E27FC236}">
+                <a16:creationId xmlns:a16="http://schemas.microsoft.com/office/drawing/2014/main" id="{A5CD9611-C928-446D-946D-8F79830F6633}"/>
+              </a:ext>
+            </a:extLst>
+          </p:cNvPr>
+          <p:cNvSpPr txBox="1"/>
+          <p:nvPr/>
+        </p:nvSpPr>
+        <p:spPr>
+          <a:xfrm>
+            <a:off x="1143001" y="1264429"/>
+            <a:ext cx="10499721" cy="923330"/>
+          </a:xfrm>
+          <a:prstGeom prst="rect">
+            <a:avLst/>
+          </a:prstGeom>
+          <a:noFill/>
+          <a:ln w="50800">
+            <a:solidFill>
+              <a:srgbClr val="FFFF00"/>
+            </a:solidFill>
+          </a:ln>
+        </p:spPr>
+        <p:txBody>
+          <a:bodyPr wrap="square" rtlCol="0">
+            <a:spAutoFit/>
+          </a:bodyPr>
+          <a:lstStyle/>
+          <a:p>
+            <a:r>
+              <a:rPr lang="en-US" dirty="0"/>
+              <a:t>In the previous code we discussed, all we need to do is :  Just add the following routine connect the sensors </a:t>
+            </a:r>
+          </a:p>
+          <a:p>
+            <a:r>
+              <a:rPr lang="en-US" dirty="0"/>
+              <a:t>data pin to GPIO 4 and power up the sensor</a:t>
+            </a:r>
+          </a:p>
+          <a:p>
+            <a:endParaRPr lang="en-IN" dirty="0"/>
+          </a:p>
+        </p:txBody>
+      </p:sp>
+      <p:sp>
+        <p:nvSpPr>
+          <p:cNvPr id="5" name="TextBox 4">
+            <a:extLst>
+              <a:ext uri="{FF2B5EF4-FFF2-40B4-BE49-F238E27FC236}">
+                <a16:creationId xmlns:a16="http://schemas.microsoft.com/office/drawing/2014/main" id="{12FF8A7B-2B5E-4311-90E8-403A6EA0195E}"/>
+              </a:ext>
+            </a:extLst>
+          </p:cNvPr>
+          <p:cNvSpPr txBox="1"/>
+          <p:nvPr/>
+        </p:nvSpPr>
+        <p:spPr>
+          <a:xfrm>
+            <a:off x="1109538" y="5448209"/>
+            <a:ext cx="10533184" cy="923330"/>
+          </a:xfrm>
+          <a:prstGeom prst="rect">
+            <a:avLst/>
+          </a:prstGeom>
+          <a:noFill/>
+          <a:ln w="73025">
+            <a:solidFill>
+              <a:srgbClr val="FFFF00"/>
+            </a:solidFill>
+          </a:ln>
+        </p:spPr>
+        <p:txBody>
+          <a:bodyPr wrap="square" rtlCol="0">
+            <a:spAutoFit/>
+          </a:bodyPr>
+          <a:lstStyle/>
+          <a:p>
+            <a:r>
+              <a:rPr lang="en-IN" dirty="0"/>
+              <a:t>All we need to do is periodically take the value in global variable ticks and calculate the volume through put and reset the variable ticks.</a:t>
+            </a:r>
+          </a:p>
+          <a:p>
+            <a:endParaRPr lang="en-IN" dirty="0"/>
+          </a:p>
+        </p:txBody>
+      </p:sp>
+    </p:spTree>
+    <p:extLst>
+      <p:ext uri="{BB962C8B-B14F-4D97-AF65-F5344CB8AC3E}">
+        <p14:creationId xmlns:p14="http://schemas.microsoft.com/office/powerpoint/2010/main" val="1082069277"/>
+      </p:ext>
+    </p:extLst>
+  </p:cSld>
+  <p:clrMapOvr>
+    <a:masterClrMapping/>
+  </p:clrMapOvr>
+</p:sld>
+</file>
+
+<file path=ppt/slides/slide9.xml><?xml version="1.0" encoding="utf-8"?>
+<p:sld xmlns:a="http://schemas.openxmlformats.org/drawingml/2006/main" xmlns:r="http://schemas.openxmlformats.org/officeDocument/2006/relationships" xmlns:p="http://schemas.openxmlformats.org/presentationml/2006/main">
+  <p:cSld>
+    <p:spTree>
+      <p:nvGrpSpPr>
+        <p:cNvPr id="1" name=""/>
+        <p:cNvGrpSpPr/>
+        <p:nvPr/>
+      </p:nvGrpSpPr>
+      <p:grpSpPr>
+        <a:xfrm>
+          <a:off x="0" y="0"/>
+          <a:ext cx="0" cy="0"/>
+          <a:chOff x="0" y="0"/>
+          <a:chExt cx="0" cy="0"/>
+        </a:xfrm>
+      </p:grpSpPr>
+      <p:sp>
+        <p:nvSpPr>
+          <p:cNvPr id="2" name="Rectangle 1">
+            <a:extLst>
+              <a:ext uri="{FF2B5EF4-FFF2-40B4-BE49-F238E27FC236}">
+                <a16:creationId xmlns:a16="http://schemas.microsoft.com/office/drawing/2014/main" id="{7F479660-A4FE-4E59-A302-140CFACE586A}"/>
+              </a:ext>
+            </a:extLst>
+          </p:cNvPr>
+          <p:cNvSpPr/>
+          <p:nvPr/>
+        </p:nvSpPr>
+        <p:spPr>
+          <a:xfrm>
+            <a:off x="2577380" y="2967335"/>
+            <a:ext cx="7037247" cy="923330"/>
+          </a:xfrm>
+          <a:prstGeom prst="rect">
+            <a:avLst/>
+          </a:prstGeom>
+          <a:noFill/>
+        </p:spPr>
+        <p:txBody>
+          <a:bodyPr wrap="none" lIns="91440" tIns="45720" rIns="91440" bIns="45720">
+            <a:spAutoFit/>
+            <a:scene3d>
+              <a:camera prst="orthographicFront"/>
+              <a:lightRig rig="harsh" dir="t"/>
+            </a:scene3d>
+            <a:sp3d extrusionH="57150" prstMaterial="matte">
+              <a:bevelT w="63500" h="12700" prst="angle"/>
+              <a:contourClr>
+                <a:schemeClr val="bg1">
+                  <a:lumMod val="65000"/>
+                </a:schemeClr>
+              </a:contourClr>
+            </a:sp3d>
+          </a:bodyPr>
+          <a:lstStyle/>
+          <a:p>
+            <a:pPr algn="ctr"/>
+            <a:r>
+              <a:rPr lang="en-US" sz="5400" b="1" cap="none" spc="0" dirty="0">
+                <a:ln/>
+                <a:solidFill>
+                  <a:schemeClr val="accent3"/>
+                </a:solidFill>
+                <a:effectLst/>
+              </a:rPr>
+              <a:t>Let us Review the Code </a:t>
+            </a:r>
+          </a:p>
+        </p:txBody>
+      </p:sp>
+    </p:spTree>
+    <p:extLst>
+      <p:ext uri="{BB962C8B-B14F-4D97-AF65-F5344CB8AC3E}">
+        <p14:creationId xmlns:p14="http://schemas.microsoft.com/office/powerpoint/2010/main" val="3879529561"/>
       </p:ext>
     </p:extLst>
   </p:cSld>

--- a/Module-4.pptx
+++ b/Module-4.pptx
@@ -6,14 +6,25 @@
   </p:sldMasterIdLst>
   <p:sldIdLst>
     <p:sldId id="287" r:id="rId2"/>
-    <p:sldId id="264" r:id="rId3"/>
-    <p:sldId id="265" r:id="rId4"/>
-    <p:sldId id="288" r:id="rId5"/>
-    <p:sldId id="291" r:id="rId6"/>
-    <p:sldId id="292" r:id="rId7"/>
-    <p:sldId id="289" r:id="rId8"/>
-    <p:sldId id="290" r:id="rId9"/>
-    <p:sldId id="293" r:id="rId10"/>
+    <p:sldId id="301" r:id="rId3"/>
+    <p:sldId id="264" r:id="rId4"/>
+    <p:sldId id="265" r:id="rId5"/>
+    <p:sldId id="288" r:id="rId6"/>
+    <p:sldId id="291" r:id="rId7"/>
+    <p:sldId id="292" r:id="rId8"/>
+    <p:sldId id="289" r:id="rId9"/>
+    <p:sldId id="290" r:id="rId10"/>
+    <p:sldId id="293" r:id="rId11"/>
+    <p:sldId id="294" r:id="rId12"/>
+    <p:sldId id="295" r:id="rId13"/>
+    <p:sldId id="296" r:id="rId14"/>
+    <p:sldId id="297" r:id="rId15"/>
+    <p:sldId id="300" r:id="rId16"/>
+    <p:sldId id="302" r:id="rId17"/>
+    <p:sldId id="303" r:id="rId18"/>
+    <p:sldId id="299" r:id="rId19"/>
+    <p:sldId id="298" r:id="rId20"/>
+    <p:sldId id="304" r:id="rId21"/>
   </p:sldIdLst>
   <p:sldSz cx="12192000" cy="6858000"/>
   <p:notesSz cx="6858000" cy="9144000"/>
@@ -177,7 +188,7 @@
           <a:noFill/>
           <a:extLst>
             <a:ext uri="{909E8E84-426E-40dd-AFC4-6F175D3DCCD1}">
-              <a14:hiddenFill xmlns:a14="http://schemas.microsoft.com/office/drawing/2010/main" xmlns="">
+              <a14:hiddenFill xmlns="" xmlns:a14="http://schemas.microsoft.com/office/drawing/2010/main">
                 <a:solidFill>
                   <a:srgbClr val="FFFFFF"/>
                 </a:solidFill>
@@ -236,7 +247,7 @@
             </a:ln>
             <a:extLst>
               <a:ext uri="{91240B29-F687-4f45-9708-019B960494DF}">
-                <a14:hiddenLine xmlns:a14="http://schemas.microsoft.com/office/drawing/2010/main" xmlns="" w="9525">
+                <a14:hiddenLine xmlns="" xmlns:a14="http://schemas.microsoft.com/office/drawing/2010/main" w="9525">
                   <a:solidFill>
                     <a:srgbClr val="000000"/>
                   </a:solidFill>
@@ -326,7 +337,7 @@
             </a:ln>
             <a:extLst>
               <a:ext uri="{91240B29-F687-4f45-9708-019B960494DF}">
-                <a14:hiddenLine xmlns:a14="http://schemas.microsoft.com/office/drawing/2010/main" xmlns="" w="9525">
+                <a14:hiddenLine xmlns="" xmlns:a14="http://schemas.microsoft.com/office/drawing/2010/main" w="9525">
                   <a:solidFill>
                     <a:srgbClr val="000000"/>
                   </a:solidFill>
@@ -416,7 +427,7 @@
             </a:ln>
             <a:extLst>
               <a:ext uri="{91240B29-F687-4f45-9708-019B960494DF}">
-                <a14:hiddenLine xmlns:a14="http://schemas.microsoft.com/office/drawing/2010/main" xmlns="" w="9525">
+                <a14:hiddenLine xmlns="" xmlns:a14="http://schemas.microsoft.com/office/drawing/2010/main" w="9525">
                   <a:solidFill>
                     <a:srgbClr val="000000"/>
                   </a:solidFill>
@@ -450,7 +461,7 @@
             </a:ln>
             <a:extLst>
               <a:ext uri="{91240B29-F687-4f45-9708-019B960494DF}">
-                <a14:hiddenLine xmlns:a14="http://schemas.microsoft.com/office/drawing/2010/main" xmlns="" w="9525">
+                <a14:hiddenLine xmlns="" xmlns:a14="http://schemas.microsoft.com/office/drawing/2010/main" w="9525">
                   <a:solidFill>
                     <a:srgbClr val="000000"/>
                   </a:solidFill>
@@ -540,7 +551,7 @@
             </a:ln>
             <a:extLst>
               <a:ext uri="{91240B29-F687-4f45-9708-019B960494DF}">
-                <a14:hiddenLine xmlns:a14="http://schemas.microsoft.com/office/drawing/2010/main" xmlns="" w="9525">
+                <a14:hiddenLine xmlns="" xmlns:a14="http://schemas.microsoft.com/office/drawing/2010/main" w="9525">
                   <a:solidFill>
                     <a:srgbClr val="000000"/>
                   </a:solidFill>
@@ -602,7 +613,7 @@
             </a:ln>
             <a:extLst>
               <a:ext uri="{91240B29-F687-4f45-9708-019B960494DF}">
-                <a14:hiddenLine xmlns:a14="http://schemas.microsoft.com/office/drawing/2010/main" xmlns="" w="9525">
+                <a14:hiddenLine xmlns="" xmlns:a14="http://schemas.microsoft.com/office/drawing/2010/main" w="9525">
                   <a:solidFill>
                     <a:srgbClr val="000000"/>
                   </a:solidFill>
@@ -664,7 +675,7 @@
             </a:ln>
             <a:extLst>
               <a:ext uri="{91240B29-F687-4f45-9708-019B960494DF}">
-                <a14:hiddenLine xmlns:a14="http://schemas.microsoft.com/office/drawing/2010/main" xmlns="" w="9525">
+                <a14:hiddenLine xmlns="" xmlns:a14="http://schemas.microsoft.com/office/drawing/2010/main" w="9525">
                   <a:solidFill>
                     <a:srgbClr val="000000"/>
                   </a:solidFill>
@@ -754,7 +765,7 @@
             </a:ln>
             <a:extLst>
               <a:ext uri="{91240B29-F687-4f45-9708-019B960494DF}">
-                <a14:hiddenLine xmlns:a14="http://schemas.microsoft.com/office/drawing/2010/main" xmlns="" w="9525">
+                <a14:hiddenLine xmlns="" xmlns:a14="http://schemas.microsoft.com/office/drawing/2010/main" w="9525">
                   <a:solidFill>
                     <a:srgbClr val="000000"/>
                   </a:solidFill>
@@ -816,7 +827,7 @@
             </a:ln>
             <a:extLst>
               <a:ext uri="{91240B29-F687-4f45-9708-019B960494DF}">
-                <a14:hiddenLine xmlns:a14="http://schemas.microsoft.com/office/drawing/2010/main" xmlns="" w="9525">
+                <a14:hiddenLine xmlns="" xmlns:a14="http://schemas.microsoft.com/office/drawing/2010/main" w="9525">
                   <a:solidFill>
                     <a:srgbClr val="000000"/>
                   </a:solidFill>
@@ -878,7 +889,7 @@
             </a:ln>
             <a:extLst>
               <a:ext uri="{91240B29-F687-4f45-9708-019B960494DF}">
-                <a14:hiddenLine xmlns:a14="http://schemas.microsoft.com/office/drawing/2010/main" xmlns="" w="9525">
+                <a14:hiddenLine xmlns="" xmlns:a14="http://schemas.microsoft.com/office/drawing/2010/main" w="9525">
                   <a:solidFill>
                     <a:srgbClr val="000000"/>
                   </a:solidFill>
@@ -968,7 +979,7 @@
             </a:ln>
             <a:extLst>
               <a:ext uri="{91240B29-F687-4f45-9708-019B960494DF}">
-                <a14:hiddenLine xmlns:a14="http://schemas.microsoft.com/office/drawing/2010/main" xmlns="" w="9525">
+                <a14:hiddenLine xmlns="" xmlns:a14="http://schemas.microsoft.com/office/drawing/2010/main" w="9525">
                   <a:solidFill>
                     <a:srgbClr val="000000"/>
                   </a:solidFill>
@@ -1058,7 +1069,7 @@
             </a:ln>
             <a:extLst>
               <a:ext uri="{91240B29-F687-4f45-9708-019B960494DF}">
-                <a14:hiddenLine xmlns:a14="http://schemas.microsoft.com/office/drawing/2010/main" xmlns="" w="9525">
+                <a14:hiddenLine xmlns="" xmlns:a14="http://schemas.microsoft.com/office/drawing/2010/main" w="9525">
                   <a:solidFill>
                     <a:srgbClr val="000000"/>
                   </a:solidFill>
@@ -1120,7 +1131,7 @@
             </a:ln>
             <a:extLst>
               <a:ext uri="{91240B29-F687-4f45-9708-019B960494DF}">
-                <a14:hiddenLine xmlns:a14="http://schemas.microsoft.com/office/drawing/2010/main" xmlns="" w="9525">
+                <a14:hiddenLine xmlns="" xmlns:a14="http://schemas.microsoft.com/office/drawing/2010/main" w="9525">
                   <a:solidFill>
                     <a:srgbClr val="000000"/>
                   </a:solidFill>
@@ -1230,7 +1241,7 @@
             </a:ln>
             <a:extLst>
               <a:ext uri="{91240B29-F687-4f45-9708-019B960494DF}">
-                <a14:hiddenLine xmlns:a14="http://schemas.microsoft.com/office/drawing/2010/main" xmlns="" w="9525">
+                <a14:hiddenLine xmlns="" xmlns:a14="http://schemas.microsoft.com/office/drawing/2010/main" w="9525">
                   <a:solidFill>
                     <a:srgbClr val="000000"/>
                   </a:solidFill>
@@ -1292,7 +1303,7 @@
             </a:ln>
             <a:extLst>
               <a:ext uri="{91240B29-F687-4f45-9708-019B960494DF}">
-                <a14:hiddenLine xmlns:a14="http://schemas.microsoft.com/office/drawing/2010/main" xmlns="" w="9525">
+                <a14:hiddenLine xmlns="" xmlns:a14="http://schemas.microsoft.com/office/drawing/2010/main" w="9525">
                   <a:solidFill>
                     <a:srgbClr val="000000"/>
                   </a:solidFill>
@@ -1382,7 +1393,7 @@
             </a:ln>
             <a:extLst>
               <a:ext uri="{91240B29-F687-4f45-9708-019B960494DF}">
-                <a14:hiddenLine xmlns:a14="http://schemas.microsoft.com/office/drawing/2010/main" xmlns="" w="9525">
+                <a14:hiddenLine xmlns="" xmlns:a14="http://schemas.microsoft.com/office/drawing/2010/main" w="9525">
                   <a:solidFill>
                     <a:srgbClr val="000000"/>
                   </a:solidFill>
@@ -1472,7 +1483,7 @@
             </a:ln>
             <a:extLst>
               <a:ext uri="{91240B29-F687-4f45-9708-019B960494DF}">
-                <a14:hiddenLine xmlns:a14="http://schemas.microsoft.com/office/drawing/2010/main" xmlns="" w="9525">
+                <a14:hiddenLine xmlns="" xmlns:a14="http://schemas.microsoft.com/office/drawing/2010/main" w="9525">
                   <a:solidFill>
                     <a:srgbClr val="000000"/>
                   </a:solidFill>
@@ -1534,7 +1545,7 @@
             </a:ln>
             <a:extLst>
               <a:ext uri="{91240B29-F687-4f45-9708-019B960494DF}">
-                <a14:hiddenLine xmlns:a14="http://schemas.microsoft.com/office/drawing/2010/main" xmlns="" w="9525">
+                <a14:hiddenLine xmlns="" xmlns:a14="http://schemas.microsoft.com/office/drawing/2010/main" w="9525">
                   <a:solidFill>
                     <a:srgbClr val="000000"/>
                   </a:solidFill>
@@ -1624,7 +1635,7 @@
             </a:ln>
             <a:extLst>
               <a:ext uri="{91240B29-F687-4f45-9708-019B960494DF}">
-                <a14:hiddenLine xmlns:a14="http://schemas.microsoft.com/office/drawing/2010/main" xmlns="" w="9525">
+                <a14:hiddenLine xmlns="" xmlns:a14="http://schemas.microsoft.com/office/drawing/2010/main" w="9525">
                   <a:solidFill>
                     <a:srgbClr val="000000"/>
                   </a:solidFill>
@@ -1714,7 +1725,7 @@
             </a:ln>
             <a:extLst>
               <a:ext uri="{91240B29-F687-4f45-9708-019B960494DF}">
-                <a14:hiddenLine xmlns:a14="http://schemas.microsoft.com/office/drawing/2010/main" xmlns="" w="9525">
+                <a14:hiddenLine xmlns="" xmlns:a14="http://schemas.microsoft.com/office/drawing/2010/main" w="9525">
                   <a:solidFill>
                     <a:srgbClr val="000000"/>
                   </a:solidFill>
@@ -1770,7 +1781,7 @@
             </a:ln>
             <a:extLst>
               <a:ext uri="{91240B29-F687-4f45-9708-019B960494DF}">
-                <a14:hiddenLine xmlns:a14="http://schemas.microsoft.com/office/drawing/2010/main" xmlns="" w="9525">
+                <a14:hiddenLine xmlns="" xmlns:a14="http://schemas.microsoft.com/office/drawing/2010/main" w="9525">
                   <a:solidFill>
                     <a:srgbClr val="000000"/>
                   </a:solidFill>
@@ -1860,7 +1871,7 @@
             </a:ln>
             <a:extLst>
               <a:ext uri="{91240B29-F687-4f45-9708-019B960494DF}">
-                <a14:hiddenLine xmlns:a14="http://schemas.microsoft.com/office/drawing/2010/main" xmlns="" w="9525">
+                <a14:hiddenLine xmlns="" xmlns:a14="http://schemas.microsoft.com/office/drawing/2010/main" w="9525">
                   <a:solidFill>
                     <a:srgbClr val="000000"/>
                   </a:solidFill>
@@ -1916,7 +1927,7 @@
             </a:ln>
             <a:extLst>
               <a:ext uri="{91240B29-F687-4f45-9708-019B960494DF}">
-                <a14:hiddenLine xmlns:a14="http://schemas.microsoft.com/office/drawing/2010/main" xmlns="" w="9525">
+                <a14:hiddenLine xmlns="" xmlns:a14="http://schemas.microsoft.com/office/drawing/2010/main" w="9525">
                   <a:solidFill>
                     <a:srgbClr val="000000"/>
                   </a:solidFill>
@@ -2006,7 +2017,7 @@
             </a:ln>
             <a:extLst>
               <a:ext uri="{91240B29-F687-4f45-9708-019B960494DF}">
-                <a14:hiddenLine xmlns:a14="http://schemas.microsoft.com/office/drawing/2010/main" xmlns="" w="9525">
+                <a14:hiddenLine xmlns="" xmlns:a14="http://schemas.microsoft.com/office/drawing/2010/main" w="9525">
                   <a:solidFill>
                     <a:srgbClr val="000000"/>
                   </a:solidFill>
@@ -2074,7 +2085,7 @@
             </a:ln>
             <a:extLst>
               <a:ext uri="{91240B29-F687-4f45-9708-019B960494DF}">
-                <a14:hiddenLine xmlns:a14="http://schemas.microsoft.com/office/drawing/2010/main" xmlns="" w="9525">
+                <a14:hiddenLine xmlns="" xmlns:a14="http://schemas.microsoft.com/office/drawing/2010/main" w="9525">
                   <a:solidFill>
                     <a:srgbClr val="000000"/>
                   </a:solidFill>
@@ -2164,7 +2175,7 @@
             </a:ln>
             <a:extLst>
               <a:ext uri="{91240B29-F687-4f45-9708-019B960494DF}">
-                <a14:hiddenLine xmlns:a14="http://schemas.microsoft.com/office/drawing/2010/main" xmlns="" w="9525">
+                <a14:hiddenLine xmlns="" xmlns:a14="http://schemas.microsoft.com/office/drawing/2010/main" w="9525">
                   <a:solidFill>
                     <a:srgbClr val="000000"/>
                   </a:solidFill>
@@ -2232,7 +2243,7 @@
             </a:ln>
             <a:extLst>
               <a:ext uri="{91240B29-F687-4f45-9708-019B960494DF}">
-                <a14:hiddenLine xmlns:a14="http://schemas.microsoft.com/office/drawing/2010/main" xmlns="" w="9525">
+                <a14:hiddenLine xmlns="" xmlns:a14="http://schemas.microsoft.com/office/drawing/2010/main" w="9525">
                   <a:solidFill>
                     <a:srgbClr val="000000"/>
                   </a:solidFill>
@@ -2322,7 +2333,7 @@
             </a:ln>
             <a:extLst>
               <a:ext uri="{91240B29-F687-4f45-9708-019B960494DF}">
-                <a14:hiddenLine xmlns:a14="http://schemas.microsoft.com/office/drawing/2010/main" xmlns="" w="9525">
+                <a14:hiddenLine xmlns="" xmlns:a14="http://schemas.microsoft.com/office/drawing/2010/main" w="9525">
                   <a:solidFill>
                     <a:srgbClr val="000000"/>
                   </a:solidFill>
@@ -2356,7 +2367,7 @@
             </a:ln>
             <a:extLst>
               <a:ext uri="{91240B29-F687-4f45-9708-019B960494DF}">
-                <a14:hiddenLine xmlns:a14="http://schemas.microsoft.com/office/drawing/2010/main" xmlns="" w="9525">
+                <a14:hiddenLine xmlns="" xmlns:a14="http://schemas.microsoft.com/office/drawing/2010/main" w="9525">
                   <a:solidFill>
                     <a:srgbClr val="000000"/>
                   </a:solidFill>
@@ -2446,7 +2457,7 @@
             </a:ln>
             <a:extLst>
               <a:ext uri="{91240B29-F687-4f45-9708-019B960494DF}">
-                <a14:hiddenLine xmlns:a14="http://schemas.microsoft.com/office/drawing/2010/main" xmlns="" w="9525">
+                <a14:hiddenLine xmlns="" xmlns:a14="http://schemas.microsoft.com/office/drawing/2010/main" w="9525">
                   <a:solidFill>
                     <a:srgbClr val="000000"/>
                   </a:solidFill>
@@ -2508,7 +2519,7 @@
             </a:ln>
             <a:extLst>
               <a:ext uri="{91240B29-F687-4f45-9708-019B960494DF}">
-                <a14:hiddenLine xmlns:a14="http://schemas.microsoft.com/office/drawing/2010/main" xmlns="" w="9525">
+                <a14:hiddenLine xmlns="" xmlns:a14="http://schemas.microsoft.com/office/drawing/2010/main" w="9525">
                   <a:solidFill>
                     <a:srgbClr val="000000"/>
                   </a:solidFill>
@@ -2570,7 +2581,7 @@
             </a:ln>
             <a:extLst>
               <a:ext uri="{91240B29-F687-4f45-9708-019B960494DF}">
-                <a14:hiddenLine xmlns:a14="http://schemas.microsoft.com/office/drawing/2010/main" xmlns="" w="9525">
+                <a14:hiddenLine xmlns="" xmlns:a14="http://schemas.microsoft.com/office/drawing/2010/main" w="9525">
                   <a:solidFill>
                     <a:srgbClr val="000000"/>
                   </a:solidFill>
@@ -2660,7 +2671,7 @@
             </a:ln>
             <a:extLst>
               <a:ext uri="{91240B29-F687-4f45-9708-019B960494DF}">
-                <a14:hiddenLine xmlns:a14="http://schemas.microsoft.com/office/drawing/2010/main" xmlns="" w="9525">
+                <a14:hiddenLine xmlns="" xmlns:a14="http://schemas.microsoft.com/office/drawing/2010/main" w="9525">
                   <a:solidFill>
                     <a:srgbClr val="000000"/>
                   </a:solidFill>
@@ -2728,7 +2739,7 @@
             </a:ln>
             <a:extLst>
               <a:ext uri="{91240B29-F687-4f45-9708-019B960494DF}">
-                <a14:hiddenLine xmlns:a14="http://schemas.microsoft.com/office/drawing/2010/main" xmlns="" w="9525">
+                <a14:hiddenLine xmlns="" xmlns:a14="http://schemas.microsoft.com/office/drawing/2010/main" w="9525">
                   <a:solidFill>
                     <a:srgbClr val="000000"/>
                   </a:solidFill>
@@ -2790,7 +2801,7 @@
             </a:ln>
             <a:extLst>
               <a:ext uri="{91240B29-F687-4f45-9708-019B960494DF}">
-                <a14:hiddenLine xmlns:a14="http://schemas.microsoft.com/office/drawing/2010/main" xmlns="" w="9525">
+                <a14:hiddenLine xmlns="" xmlns:a14="http://schemas.microsoft.com/office/drawing/2010/main" w="9525">
                   <a:solidFill>
                     <a:srgbClr val="000000"/>
                   </a:solidFill>
@@ -2880,7 +2891,7 @@
             </a:ln>
             <a:extLst>
               <a:ext uri="{91240B29-F687-4f45-9708-019B960494DF}">
-                <a14:hiddenLine xmlns:a14="http://schemas.microsoft.com/office/drawing/2010/main" xmlns="" w="9525">
+                <a14:hiddenLine xmlns="" xmlns:a14="http://schemas.microsoft.com/office/drawing/2010/main" w="9525">
                   <a:solidFill>
                     <a:srgbClr val="000000"/>
                   </a:solidFill>
@@ -2942,7 +2953,7 @@
             </a:ln>
             <a:extLst>
               <a:ext uri="{91240B29-F687-4f45-9708-019B960494DF}">
-                <a14:hiddenLine xmlns:a14="http://schemas.microsoft.com/office/drawing/2010/main" xmlns="" w="9525">
+                <a14:hiddenLine xmlns="" xmlns:a14="http://schemas.microsoft.com/office/drawing/2010/main" w="9525">
                   <a:solidFill>
                     <a:srgbClr val="000000"/>
                   </a:solidFill>
@@ -3032,7 +3043,7 @@
             </a:ln>
             <a:extLst>
               <a:ext uri="{91240B29-F687-4f45-9708-019B960494DF}">
-                <a14:hiddenLine xmlns:a14="http://schemas.microsoft.com/office/drawing/2010/main" xmlns="" w="9525">
+                <a14:hiddenLine xmlns="" xmlns:a14="http://schemas.microsoft.com/office/drawing/2010/main" w="9525">
                   <a:solidFill>
                     <a:srgbClr val="000000"/>
                   </a:solidFill>
@@ -3094,7 +3105,7 @@
             </a:ln>
             <a:extLst>
               <a:ext uri="{91240B29-F687-4f45-9708-019B960494DF}">
-                <a14:hiddenLine xmlns:a14="http://schemas.microsoft.com/office/drawing/2010/main" xmlns="" w="9525">
+                <a14:hiddenLine xmlns="" xmlns:a14="http://schemas.microsoft.com/office/drawing/2010/main" w="9525">
                   <a:solidFill>
                     <a:srgbClr val="000000"/>
                   </a:solidFill>
@@ -3184,7 +3195,7 @@
             </a:ln>
             <a:extLst>
               <a:ext uri="{91240B29-F687-4f45-9708-019B960494DF}">
-                <a14:hiddenLine xmlns:a14="http://schemas.microsoft.com/office/drawing/2010/main" xmlns="" w="9525">
+                <a14:hiddenLine xmlns="" xmlns:a14="http://schemas.microsoft.com/office/drawing/2010/main" w="9525">
                   <a:solidFill>
                     <a:srgbClr val="000000"/>
                   </a:solidFill>
@@ -3218,7 +3229,7 @@
             </a:ln>
             <a:extLst>
               <a:ext uri="{91240B29-F687-4f45-9708-019B960494DF}">
-                <a14:hiddenLine xmlns:a14="http://schemas.microsoft.com/office/drawing/2010/main" xmlns="" w="9525">
+                <a14:hiddenLine xmlns="" xmlns:a14="http://schemas.microsoft.com/office/drawing/2010/main" w="9525">
                   <a:solidFill>
                     <a:srgbClr val="000000"/>
                   </a:solidFill>
@@ -3283,7 +3294,7 @@
             </a:ln>
             <a:extLst>
               <a:ext uri="{91240B29-F687-4f45-9708-019B960494DF}">
-                <a14:hiddenLine xmlns:a14="http://schemas.microsoft.com/office/drawing/2010/main" xmlns="" w="9525">
+                <a14:hiddenLine xmlns="" xmlns:a14="http://schemas.microsoft.com/office/drawing/2010/main" w="9525">
                   <a:solidFill>
                     <a:srgbClr val="000000"/>
                   </a:solidFill>
@@ -3373,7 +3384,7 @@
             </a:ln>
             <a:extLst>
               <a:ext uri="{91240B29-F687-4f45-9708-019B960494DF}">
-                <a14:hiddenLine xmlns:a14="http://schemas.microsoft.com/office/drawing/2010/main" xmlns="" w="9525">
+                <a14:hiddenLine xmlns="" xmlns:a14="http://schemas.microsoft.com/office/drawing/2010/main" w="9525">
                   <a:solidFill>
                     <a:srgbClr val="000000"/>
                   </a:solidFill>
@@ -3435,7 +3446,7 @@
             </a:ln>
             <a:extLst>
               <a:ext uri="{91240B29-F687-4f45-9708-019B960494DF}">
-                <a14:hiddenLine xmlns:a14="http://schemas.microsoft.com/office/drawing/2010/main" xmlns="" w="9525">
+                <a14:hiddenLine xmlns="" xmlns:a14="http://schemas.microsoft.com/office/drawing/2010/main" w="9525">
                   <a:solidFill>
                     <a:srgbClr val="000000"/>
                   </a:solidFill>
@@ -3525,7 +3536,7 @@
             </a:ln>
             <a:extLst>
               <a:ext uri="{91240B29-F687-4f45-9708-019B960494DF}">
-                <a14:hiddenLine xmlns:a14="http://schemas.microsoft.com/office/drawing/2010/main" xmlns="" w="9525">
+                <a14:hiddenLine xmlns="" xmlns:a14="http://schemas.microsoft.com/office/drawing/2010/main" w="9525">
                   <a:solidFill>
                     <a:srgbClr val="000000"/>
                   </a:solidFill>
@@ -3615,7 +3626,7 @@
             </a:ln>
             <a:extLst>
               <a:ext uri="{91240B29-F687-4f45-9708-019B960494DF}">
-                <a14:hiddenLine xmlns:a14="http://schemas.microsoft.com/office/drawing/2010/main" xmlns="" w="9525">
+                <a14:hiddenLine xmlns="" xmlns:a14="http://schemas.microsoft.com/office/drawing/2010/main" w="9525">
                   <a:solidFill>
                     <a:srgbClr val="000000"/>
                   </a:solidFill>
@@ -3680,7 +3691,7 @@
             </a:ln>
             <a:extLst>
               <a:ext uri="{91240B29-F687-4f45-9708-019B960494DF}">
-                <a14:hiddenLine xmlns:a14="http://schemas.microsoft.com/office/drawing/2010/main" xmlns="" w="9525">
+                <a14:hiddenLine xmlns="" xmlns:a14="http://schemas.microsoft.com/office/drawing/2010/main" w="9525">
                   <a:solidFill>
                     <a:srgbClr val="000000"/>
                   </a:solidFill>
@@ -3742,7 +3753,7 @@
             </a:ln>
             <a:extLst>
               <a:ext uri="{91240B29-F687-4f45-9708-019B960494DF}">
-                <a14:hiddenLine xmlns:a14="http://schemas.microsoft.com/office/drawing/2010/main" xmlns="" w="9525">
+                <a14:hiddenLine xmlns="" xmlns:a14="http://schemas.microsoft.com/office/drawing/2010/main" w="9525">
                   <a:solidFill>
                     <a:srgbClr val="000000"/>
                   </a:solidFill>
@@ -3832,7 +3843,7 @@
             </a:ln>
             <a:extLst>
               <a:ext uri="{91240B29-F687-4f45-9708-019B960494DF}">
-                <a14:hiddenLine xmlns:a14="http://schemas.microsoft.com/office/drawing/2010/main" xmlns="" w="9525">
+                <a14:hiddenLine xmlns="" xmlns:a14="http://schemas.microsoft.com/office/drawing/2010/main" w="9525">
                   <a:solidFill>
                     <a:srgbClr val="000000"/>
                   </a:solidFill>
@@ -3922,7 +3933,7 @@
             </a:ln>
             <a:extLst>
               <a:ext uri="{91240B29-F687-4f45-9708-019B960494DF}">
-                <a14:hiddenLine xmlns:a14="http://schemas.microsoft.com/office/drawing/2010/main" xmlns="" w="9525">
+                <a14:hiddenLine xmlns="" xmlns:a14="http://schemas.microsoft.com/office/drawing/2010/main" w="9525">
                   <a:solidFill>
                     <a:srgbClr val="000000"/>
                   </a:solidFill>
@@ -3984,7 +3995,7 @@
             </a:ln>
             <a:extLst>
               <a:ext uri="{91240B29-F687-4f45-9708-019B960494DF}">
-                <a14:hiddenLine xmlns:a14="http://schemas.microsoft.com/office/drawing/2010/main" xmlns="" w="9525">
+                <a14:hiddenLine xmlns="" xmlns:a14="http://schemas.microsoft.com/office/drawing/2010/main" w="9525">
                   <a:solidFill>
                     <a:srgbClr val="000000"/>
                   </a:solidFill>
@@ -4104,7 +4115,7 @@
             </a:ln>
             <a:extLst>
               <a:ext uri="{91240B29-F687-4f45-9708-019B960494DF}">
-                <a14:hiddenLine xmlns:a14="http://schemas.microsoft.com/office/drawing/2010/main" xmlns="" w="9525">
+                <a14:hiddenLine xmlns="" xmlns:a14="http://schemas.microsoft.com/office/drawing/2010/main" w="9525">
                   <a:solidFill>
                     <a:srgbClr val="000000"/>
                   </a:solidFill>
@@ -4172,7 +4183,7 @@
             </a:ln>
             <a:extLst>
               <a:ext uri="{91240B29-F687-4f45-9708-019B960494DF}">
-                <a14:hiddenLine xmlns:a14="http://schemas.microsoft.com/office/drawing/2010/main" xmlns="" w="9525">
+                <a14:hiddenLine xmlns="" xmlns:a14="http://schemas.microsoft.com/office/drawing/2010/main" w="9525">
                   <a:solidFill>
                     <a:srgbClr val="000000"/>
                   </a:solidFill>
@@ -4262,7 +4273,7 @@
             </a:ln>
             <a:extLst>
               <a:ext uri="{91240B29-F687-4f45-9708-019B960494DF}">
-                <a14:hiddenLine xmlns:a14="http://schemas.microsoft.com/office/drawing/2010/main" xmlns="" w="9525">
+                <a14:hiddenLine xmlns="" xmlns:a14="http://schemas.microsoft.com/office/drawing/2010/main" w="9525">
                   <a:solidFill>
                     <a:srgbClr val="000000"/>
                   </a:solidFill>
@@ -4402,7 +4413,7 @@
           <a:p>
             <a:fld id="{48A87A34-81AB-432B-8DAE-1953F412C126}" type="datetimeFigureOut">
               <a:rPr lang="en-US" dirty="0"/>
-              <a:t>7/22/2020</a:t>
+              <a:t>7/23/2020</a:t>
             </a:fld>
             <a:endParaRPr lang="en-US" dirty="0"/>
           </a:p>
@@ -4664,7 +4675,7 @@
           <a:p>
             <a:fld id="{48A87A34-81AB-432B-8DAE-1953F412C126}" type="datetimeFigureOut">
               <a:rPr lang="en-US" dirty="0"/>
-              <a:t>7/22/2020</a:t>
+              <a:t>7/23/2020</a:t>
             </a:fld>
             <a:endParaRPr lang="en-US" dirty="0"/>
           </a:p>
@@ -4855,7 +4866,7 @@
           <a:p>
             <a:fld id="{48A87A34-81AB-432B-8DAE-1953F412C126}" type="datetimeFigureOut">
               <a:rPr lang="en-US" dirty="0"/>
-              <a:t>7/22/2020</a:t>
+              <a:t>7/23/2020</a:t>
             </a:fld>
             <a:endParaRPr lang="en-US" dirty="0"/>
           </a:p>
@@ -5113,7 +5124,7 @@
           <a:p>
             <a:fld id="{48A87A34-81AB-432B-8DAE-1953F412C126}" type="datetimeFigureOut">
               <a:rPr lang="en-US" dirty="0"/>
-              <a:t>7/22/2020</a:t>
+              <a:t>7/23/2020</a:t>
             </a:fld>
             <a:endParaRPr lang="en-US" dirty="0"/>
           </a:p>
@@ -5542,7 +5553,7 @@
           <a:p>
             <a:fld id="{48A87A34-81AB-432B-8DAE-1953F412C126}" type="datetimeFigureOut">
               <a:rPr lang="en-US" dirty="0"/>
-              <a:t>7/22/2020</a:t>
+              <a:t>7/23/2020</a:t>
             </a:fld>
             <a:endParaRPr lang="en-US" dirty="0"/>
           </a:p>
@@ -6083,7 +6094,7 @@
           <a:p>
             <a:fld id="{48A87A34-81AB-432B-8DAE-1953F412C126}" type="datetimeFigureOut">
               <a:rPr lang="en-US" dirty="0"/>
-              <a:t>7/22/2020</a:t>
+              <a:t>7/23/2020</a:t>
             </a:fld>
             <a:endParaRPr lang="en-US" dirty="0"/>
           </a:p>
@@ -6798,7 +6809,7 @@
           <a:p>
             <a:fld id="{48A87A34-81AB-432B-8DAE-1953F412C126}" type="datetimeFigureOut">
               <a:rPr lang="en-US" dirty="0"/>
-              <a:t>7/22/2020</a:t>
+              <a:t>7/23/2020</a:t>
             </a:fld>
             <a:endParaRPr lang="en-US" dirty="0"/>
           </a:p>
@@ -6963,7 +6974,7 @@
           <a:p>
             <a:fld id="{48A87A34-81AB-432B-8DAE-1953F412C126}" type="datetimeFigureOut">
               <a:rPr lang="en-US" dirty="0"/>
-              <a:t>7/22/2020</a:t>
+              <a:t>7/23/2020</a:t>
             </a:fld>
             <a:endParaRPr lang="en-US" dirty="0"/>
           </a:p>
@@ -7138,7 +7149,7 @@
           <a:p>
             <a:fld id="{48A87A34-81AB-432B-8DAE-1953F412C126}" type="datetimeFigureOut">
               <a:rPr lang="en-US" dirty="0"/>
-              <a:t>7/22/2020</a:t>
+              <a:t>7/23/2020</a:t>
             </a:fld>
             <a:endParaRPr lang="en-US" dirty="0"/>
           </a:p>
@@ -7303,7 +7314,7 @@
           <a:p>
             <a:fld id="{48A87A34-81AB-432B-8DAE-1953F412C126}" type="datetimeFigureOut">
               <a:rPr lang="en-US" dirty="0"/>
-              <a:t>7/22/2020</a:t>
+              <a:t>7/23/2020</a:t>
             </a:fld>
             <a:endParaRPr lang="en-US" dirty="0"/>
           </a:p>
@@ -7548,7 +7559,7 @@
           <a:p>
             <a:fld id="{48A87A34-81AB-432B-8DAE-1953F412C126}" type="datetimeFigureOut">
               <a:rPr lang="en-US" dirty="0"/>
-              <a:t>7/22/2020</a:t>
+              <a:t>7/23/2020</a:t>
             </a:fld>
             <a:endParaRPr lang="en-US" dirty="0"/>
           </a:p>
@@ -7775,7 +7786,7 @@
           <a:p>
             <a:fld id="{48A87A34-81AB-432B-8DAE-1953F412C126}" type="datetimeFigureOut">
               <a:rPr lang="en-US" dirty="0"/>
-              <a:t>7/22/2020</a:t>
+              <a:t>7/23/2020</a:t>
             </a:fld>
             <a:endParaRPr lang="en-US" dirty="0"/>
           </a:p>
@@ -8151,7 +8162,7 @@
           <a:p>
             <a:fld id="{48A87A34-81AB-432B-8DAE-1953F412C126}" type="datetimeFigureOut">
               <a:rPr lang="en-US" dirty="0"/>
-              <a:t>7/22/2020</a:t>
+              <a:t>7/23/2020</a:t>
             </a:fld>
             <a:endParaRPr lang="en-US" dirty="0"/>
           </a:p>
@@ -8263,7 +8274,7 @@
           <a:p>
             <a:fld id="{48A87A34-81AB-432B-8DAE-1953F412C126}" type="datetimeFigureOut">
               <a:rPr lang="en-US" dirty="0"/>
-              <a:t>7/22/2020</a:t>
+              <a:t>7/23/2020</a:t>
             </a:fld>
             <a:endParaRPr lang="en-US" dirty="0"/>
           </a:p>
@@ -8353,7 +8364,7 @@
           <a:p>
             <a:fld id="{48A87A34-81AB-432B-8DAE-1953F412C126}" type="datetimeFigureOut">
               <a:rPr lang="en-US" dirty="0"/>
-              <a:t>7/22/2020</a:t>
+              <a:t>7/23/2020</a:t>
             </a:fld>
             <a:endParaRPr lang="en-US" dirty="0"/>
           </a:p>
@@ -8597,7 +8608,7 @@
           <a:p>
             <a:fld id="{48A87A34-81AB-432B-8DAE-1953F412C126}" type="datetimeFigureOut">
               <a:rPr lang="en-US" dirty="0"/>
-              <a:t>7/22/2020</a:t>
+              <a:t>7/23/2020</a:t>
             </a:fld>
             <a:endParaRPr lang="en-US" dirty="0"/>
           </a:p>
@@ -8872,7 +8883,7 @@
           <a:p>
             <a:fld id="{48A87A34-81AB-432B-8DAE-1953F412C126}" type="datetimeFigureOut">
               <a:rPr lang="en-US" dirty="0"/>
-              <a:t>7/22/2020</a:t>
+              <a:t>7/23/2020</a:t>
             </a:fld>
             <a:endParaRPr lang="en-US" dirty="0"/>
           </a:p>
@@ -8990,7 +9001,7 @@
           <a:noFill/>
           <a:extLst>
             <a:ext uri="{909E8E84-426E-40dd-AFC4-6F175D3DCCD1}">
-              <a14:hiddenFill xmlns:a14="http://schemas.microsoft.com/office/drawing/2010/main" xmlns="">
+              <a14:hiddenFill xmlns="" xmlns:a14="http://schemas.microsoft.com/office/drawing/2010/main">
                 <a:solidFill>
                   <a:srgbClr val="FFFFFF"/>
                 </a:solidFill>
@@ -9064,7 +9075,7 @@
               </a:ln>
               <a:extLst>
                 <a:ext uri="{91240B29-F687-4f45-9708-019B960494DF}">
-                  <a14:hiddenLine xmlns:a14="http://schemas.microsoft.com/office/drawing/2010/main" xmlns="" w="9525">
+                  <a14:hiddenLine xmlns="" xmlns:a14="http://schemas.microsoft.com/office/drawing/2010/main" w="9525">
                     <a:solidFill>
                       <a:srgbClr val="000000"/>
                     </a:solidFill>
@@ -9154,7 +9165,7 @@
               </a:ln>
               <a:extLst>
                 <a:ext uri="{91240B29-F687-4f45-9708-019B960494DF}">
-                  <a14:hiddenLine xmlns:a14="http://schemas.microsoft.com/office/drawing/2010/main" xmlns="" w="9525">
+                  <a14:hiddenLine xmlns="" xmlns:a14="http://schemas.microsoft.com/office/drawing/2010/main" w="9525">
                     <a:solidFill>
                       <a:srgbClr val="000000"/>
                     </a:solidFill>
@@ -9244,7 +9255,7 @@
               </a:ln>
               <a:extLst>
                 <a:ext uri="{91240B29-F687-4f45-9708-019B960494DF}">
-                  <a14:hiddenLine xmlns:a14="http://schemas.microsoft.com/office/drawing/2010/main" xmlns="" w="9525">
+                  <a14:hiddenLine xmlns="" xmlns:a14="http://schemas.microsoft.com/office/drawing/2010/main" w="9525">
                     <a:solidFill>
                       <a:srgbClr val="000000"/>
                     </a:solidFill>
@@ -9306,7 +9317,7 @@
               </a:ln>
               <a:extLst>
                 <a:ext uri="{91240B29-F687-4f45-9708-019B960494DF}">
-                  <a14:hiddenLine xmlns:a14="http://schemas.microsoft.com/office/drawing/2010/main" xmlns="" w="9525">
+                  <a14:hiddenLine xmlns="" xmlns:a14="http://schemas.microsoft.com/office/drawing/2010/main" w="9525">
                     <a:solidFill>
                       <a:srgbClr val="000000"/>
                     </a:solidFill>
@@ -9396,7 +9407,7 @@
               </a:ln>
               <a:extLst>
                 <a:ext uri="{91240B29-F687-4f45-9708-019B960494DF}">
-                  <a14:hiddenLine xmlns:a14="http://schemas.microsoft.com/office/drawing/2010/main" xmlns="" w="9525">
+                  <a14:hiddenLine xmlns="" xmlns:a14="http://schemas.microsoft.com/office/drawing/2010/main" w="9525">
                     <a:solidFill>
                       <a:srgbClr val="000000"/>
                     </a:solidFill>
@@ -9458,7 +9469,7 @@
               </a:ln>
               <a:extLst>
                 <a:ext uri="{91240B29-F687-4f45-9708-019B960494DF}">
-                  <a14:hiddenLine xmlns:a14="http://schemas.microsoft.com/office/drawing/2010/main" xmlns="" w="9525">
+                  <a14:hiddenLine xmlns="" xmlns:a14="http://schemas.microsoft.com/office/drawing/2010/main" w="9525">
                     <a:solidFill>
                       <a:srgbClr val="000000"/>
                     </a:solidFill>
@@ -9520,7 +9531,7 @@
               </a:ln>
               <a:extLst>
                 <a:ext uri="{91240B29-F687-4f45-9708-019B960494DF}">
-                  <a14:hiddenLine xmlns:a14="http://schemas.microsoft.com/office/drawing/2010/main" xmlns="" w="9525">
+                  <a14:hiddenLine xmlns="" xmlns:a14="http://schemas.microsoft.com/office/drawing/2010/main" w="9525">
                     <a:solidFill>
                       <a:srgbClr val="000000"/>
                     </a:solidFill>
@@ -9610,7 +9621,7 @@
               </a:ln>
               <a:extLst>
                 <a:ext uri="{91240B29-F687-4f45-9708-019B960494DF}">
-                  <a14:hiddenLine xmlns:a14="http://schemas.microsoft.com/office/drawing/2010/main" xmlns="" w="9525">
+                  <a14:hiddenLine xmlns="" xmlns:a14="http://schemas.microsoft.com/office/drawing/2010/main" w="9525">
                     <a:solidFill>
                       <a:srgbClr val="000000"/>
                     </a:solidFill>
@@ -9700,7 +9711,7 @@
               </a:ln>
               <a:extLst>
                 <a:ext uri="{91240B29-F687-4f45-9708-019B960494DF}">
-                  <a14:hiddenLine xmlns:a14="http://schemas.microsoft.com/office/drawing/2010/main" xmlns="" w="9525">
+                  <a14:hiddenLine xmlns="" xmlns:a14="http://schemas.microsoft.com/office/drawing/2010/main" w="9525">
                     <a:solidFill>
                       <a:srgbClr val="000000"/>
                     </a:solidFill>
@@ -9762,7 +9773,7 @@
               </a:ln>
               <a:extLst>
                 <a:ext uri="{91240B29-F687-4f45-9708-019B960494DF}">
-                  <a14:hiddenLine xmlns:a14="http://schemas.microsoft.com/office/drawing/2010/main" xmlns="" w="9525">
+                  <a14:hiddenLine xmlns="" xmlns:a14="http://schemas.microsoft.com/office/drawing/2010/main" w="9525">
                     <a:solidFill>
                       <a:srgbClr val="000000"/>
                     </a:solidFill>
@@ -9872,7 +9883,7 @@
               </a:ln>
               <a:extLst>
                 <a:ext uri="{91240B29-F687-4f45-9708-019B960494DF}">
-                  <a14:hiddenLine xmlns:a14="http://schemas.microsoft.com/office/drawing/2010/main" xmlns="" w="9525">
+                  <a14:hiddenLine xmlns="" xmlns:a14="http://schemas.microsoft.com/office/drawing/2010/main" w="9525">
                     <a:solidFill>
                       <a:srgbClr val="000000"/>
                     </a:solidFill>
@@ -9956,7 +9967,7 @@
               </a:ln>
               <a:extLst>
                 <a:ext uri="{91240B29-F687-4f45-9708-019B960494DF}">
-                  <a14:hiddenLine xmlns:a14="http://schemas.microsoft.com/office/drawing/2010/main" xmlns="" w="9525">
+                  <a14:hiddenLine xmlns="" xmlns:a14="http://schemas.microsoft.com/office/drawing/2010/main" w="9525">
                     <a:solidFill>
                       <a:srgbClr val="000000"/>
                     </a:solidFill>
@@ -10018,7 +10029,7 @@
               </a:ln>
               <a:extLst>
                 <a:ext uri="{91240B29-F687-4f45-9708-019B960494DF}">
-                  <a14:hiddenLine xmlns:a14="http://schemas.microsoft.com/office/drawing/2010/main" xmlns="" w="9525">
+                  <a14:hiddenLine xmlns="" xmlns:a14="http://schemas.microsoft.com/office/drawing/2010/main" w="9525">
                     <a:solidFill>
                       <a:srgbClr val="000000"/>
                     </a:solidFill>
@@ -10080,7 +10091,7 @@
               </a:ln>
               <a:extLst>
                 <a:ext uri="{91240B29-F687-4f45-9708-019B960494DF}">
-                  <a14:hiddenLine xmlns:a14="http://schemas.microsoft.com/office/drawing/2010/main" xmlns="" w="9525">
+                  <a14:hiddenLine xmlns="" xmlns:a14="http://schemas.microsoft.com/office/drawing/2010/main" w="9525">
                     <a:solidFill>
                       <a:srgbClr val="000000"/>
                     </a:solidFill>
@@ -10170,7 +10181,7 @@
               </a:ln>
               <a:extLst>
                 <a:ext uri="{91240B29-F687-4f45-9708-019B960494DF}">
-                  <a14:hiddenLine xmlns:a14="http://schemas.microsoft.com/office/drawing/2010/main" xmlns="" w="9525">
+                  <a14:hiddenLine xmlns="" xmlns:a14="http://schemas.microsoft.com/office/drawing/2010/main" w="9525">
                     <a:solidFill>
                       <a:srgbClr val="000000"/>
                     </a:solidFill>
@@ -10204,7 +10215,7 @@
               </a:ln>
               <a:extLst>
                 <a:ext uri="{91240B29-F687-4f45-9708-019B960494DF}">
-                  <a14:hiddenLine xmlns:a14="http://schemas.microsoft.com/office/drawing/2010/main" xmlns="" w="9525">
+                  <a14:hiddenLine xmlns="" xmlns:a14="http://schemas.microsoft.com/office/drawing/2010/main" w="9525">
                     <a:solidFill>
                       <a:srgbClr val="000000"/>
                     </a:solidFill>
@@ -10269,7 +10280,7 @@
               </a:ln>
               <a:extLst>
                 <a:ext uri="{91240B29-F687-4f45-9708-019B960494DF}">
-                  <a14:hiddenLine xmlns:a14="http://schemas.microsoft.com/office/drawing/2010/main" xmlns="" w="9525">
+                  <a14:hiddenLine xmlns="" xmlns:a14="http://schemas.microsoft.com/office/drawing/2010/main" w="9525">
                     <a:solidFill>
                       <a:srgbClr val="000000"/>
                     </a:solidFill>
@@ -10359,7 +10370,7 @@
               </a:ln>
               <a:extLst>
                 <a:ext uri="{91240B29-F687-4f45-9708-019B960494DF}">
-                  <a14:hiddenLine xmlns:a14="http://schemas.microsoft.com/office/drawing/2010/main" xmlns="" w="9525">
+                  <a14:hiddenLine xmlns="" xmlns:a14="http://schemas.microsoft.com/office/drawing/2010/main" w="9525">
                     <a:solidFill>
                       <a:srgbClr val="000000"/>
                     </a:solidFill>
@@ -10421,7 +10432,7 @@
               </a:ln>
               <a:extLst>
                 <a:ext uri="{91240B29-F687-4f45-9708-019B960494DF}">
-                  <a14:hiddenLine xmlns:a14="http://schemas.microsoft.com/office/drawing/2010/main" xmlns="" w="9525">
+                  <a14:hiddenLine xmlns="" xmlns:a14="http://schemas.microsoft.com/office/drawing/2010/main" w="9525">
                     <a:solidFill>
                       <a:srgbClr val="000000"/>
                     </a:solidFill>
@@ -10511,7 +10522,7 @@
               </a:ln>
               <a:extLst>
                 <a:ext uri="{91240B29-F687-4f45-9708-019B960494DF}">
-                  <a14:hiddenLine xmlns:a14="http://schemas.microsoft.com/office/drawing/2010/main" xmlns="" w="9525">
+                  <a14:hiddenLine xmlns="" xmlns:a14="http://schemas.microsoft.com/office/drawing/2010/main" w="9525">
                     <a:solidFill>
                       <a:srgbClr val="000000"/>
                     </a:solidFill>
@@ -10576,7 +10587,7 @@
               </a:ln>
               <a:extLst>
                 <a:ext uri="{91240B29-F687-4f45-9708-019B960494DF}">
-                  <a14:hiddenLine xmlns:a14="http://schemas.microsoft.com/office/drawing/2010/main" xmlns="" w="9525">
+                  <a14:hiddenLine xmlns="" xmlns:a14="http://schemas.microsoft.com/office/drawing/2010/main" w="9525">
                     <a:solidFill>
                       <a:srgbClr val="000000"/>
                     </a:solidFill>
@@ -10638,7 +10649,7 @@
               </a:ln>
               <a:extLst>
                 <a:ext uri="{91240B29-F687-4f45-9708-019B960494DF}">
-                  <a14:hiddenLine xmlns:a14="http://schemas.microsoft.com/office/drawing/2010/main" xmlns="" w="9525">
+                  <a14:hiddenLine xmlns="" xmlns:a14="http://schemas.microsoft.com/office/drawing/2010/main" w="9525">
                     <a:solidFill>
                       <a:srgbClr val="000000"/>
                     </a:solidFill>
@@ -10728,7 +10739,7 @@
               </a:ln>
               <a:extLst>
                 <a:ext uri="{91240B29-F687-4f45-9708-019B960494DF}">
-                  <a14:hiddenLine xmlns:a14="http://schemas.microsoft.com/office/drawing/2010/main" xmlns="" w="9525">
+                  <a14:hiddenLine xmlns="" xmlns:a14="http://schemas.microsoft.com/office/drawing/2010/main" w="9525">
                     <a:solidFill>
                       <a:srgbClr val="000000"/>
                     </a:solidFill>
@@ -10818,7 +10829,7 @@
               </a:ln>
               <a:extLst>
                 <a:ext uri="{91240B29-F687-4f45-9708-019B960494DF}">
-                  <a14:hiddenLine xmlns:a14="http://schemas.microsoft.com/office/drawing/2010/main" xmlns="" w="9525">
+                  <a14:hiddenLine xmlns="" xmlns:a14="http://schemas.microsoft.com/office/drawing/2010/main" w="9525">
                     <a:solidFill>
                       <a:srgbClr val="000000"/>
                     </a:solidFill>
@@ -10883,7 +10894,7 @@
               </a:ln>
               <a:extLst>
                 <a:ext uri="{91240B29-F687-4f45-9708-019B960494DF}">
-                  <a14:hiddenLine xmlns:a14="http://schemas.microsoft.com/office/drawing/2010/main" xmlns="" w="9525">
+                  <a14:hiddenLine xmlns="" xmlns:a14="http://schemas.microsoft.com/office/drawing/2010/main" w="9525">
                     <a:solidFill>
                       <a:srgbClr val="000000"/>
                     </a:solidFill>
@@ -11003,7 +11014,7 @@
               </a:ln>
               <a:extLst>
                 <a:ext uri="{91240B29-F687-4f45-9708-019B960494DF}">
-                  <a14:hiddenLine xmlns:a14="http://schemas.microsoft.com/office/drawing/2010/main" xmlns="" w="9525">
+                  <a14:hiddenLine xmlns="" xmlns:a14="http://schemas.microsoft.com/office/drawing/2010/main" w="9525">
                     <a:solidFill>
                       <a:srgbClr val="000000"/>
                     </a:solidFill>
@@ -11084,7 +11095,7 @@
               </a:ln>
               <a:extLst>
                 <a:ext uri="{91240B29-F687-4f45-9708-019B960494DF}">
-                  <a14:hiddenLine xmlns:a14="http://schemas.microsoft.com/office/drawing/2010/main" xmlns="" w="9525">
+                  <a14:hiddenLine xmlns="" xmlns:a14="http://schemas.microsoft.com/office/drawing/2010/main" w="9525">
                     <a:solidFill>
                       <a:srgbClr val="000000"/>
                     </a:solidFill>
@@ -11199,7 +11210,7 @@
               </a:ln>
               <a:extLst>
                 <a:ext uri="{91240B29-F687-4f45-9708-019B960494DF}">
-                  <a14:hiddenLine xmlns:a14="http://schemas.microsoft.com/office/drawing/2010/main" xmlns="" w="9525">
+                  <a14:hiddenLine xmlns="" xmlns:a14="http://schemas.microsoft.com/office/drawing/2010/main" w="9525">
                     <a:solidFill>
                       <a:srgbClr val="000000"/>
                     </a:solidFill>
@@ -11289,7 +11300,7 @@
               </a:ln>
               <a:extLst>
                 <a:ext uri="{91240B29-F687-4f45-9708-019B960494DF}">
-                  <a14:hiddenLine xmlns:a14="http://schemas.microsoft.com/office/drawing/2010/main" xmlns="" w="9525">
+                  <a14:hiddenLine xmlns="" xmlns:a14="http://schemas.microsoft.com/office/drawing/2010/main" w="9525">
                     <a:solidFill>
                       <a:srgbClr val="000000"/>
                     </a:solidFill>
@@ -11354,7 +11365,7 @@
               </a:ln>
               <a:extLst>
                 <a:ext uri="{91240B29-F687-4f45-9708-019B960494DF}">
-                  <a14:hiddenLine xmlns:a14="http://schemas.microsoft.com/office/drawing/2010/main" xmlns="" w="9525">
+                  <a14:hiddenLine xmlns="" xmlns:a14="http://schemas.microsoft.com/office/drawing/2010/main" w="9525">
                     <a:solidFill>
                       <a:srgbClr val="000000"/>
                     </a:solidFill>
@@ -11444,7 +11455,7 @@
               </a:ln>
               <a:extLst>
                 <a:ext uri="{91240B29-F687-4f45-9708-019B960494DF}">
-                  <a14:hiddenLine xmlns:a14="http://schemas.microsoft.com/office/drawing/2010/main" xmlns="" w="9525">
+                  <a14:hiddenLine xmlns="" xmlns:a14="http://schemas.microsoft.com/office/drawing/2010/main" w="9525">
                     <a:solidFill>
                       <a:srgbClr val="000000"/>
                     </a:solidFill>
@@ -11512,7 +11523,7 @@
               </a:ln>
               <a:extLst>
                 <a:ext uri="{91240B29-F687-4f45-9708-019B960494DF}">
-                  <a14:hiddenLine xmlns:a14="http://schemas.microsoft.com/office/drawing/2010/main" xmlns="" w="9525">
+                  <a14:hiddenLine xmlns="" xmlns:a14="http://schemas.microsoft.com/office/drawing/2010/main" w="9525">
                     <a:solidFill>
                       <a:srgbClr val="000000"/>
                     </a:solidFill>
@@ -11602,7 +11613,7 @@
               </a:ln>
               <a:extLst>
                 <a:ext uri="{91240B29-F687-4f45-9708-019B960494DF}">
-                  <a14:hiddenLine xmlns:a14="http://schemas.microsoft.com/office/drawing/2010/main" xmlns="" w="9525">
+                  <a14:hiddenLine xmlns="" xmlns:a14="http://schemas.microsoft.com/office/drawing/2010/main" w="9525">
                     <a:solidFill>
                       <a:srgbClr val="000000"/>
                     </a:solidFill>
@@ -11670,7 +11681,7 @@
               </a:ln>
               <a:extLst>
                 <a:ext uri="{91240B29-F687-4f45-9708-019B960494DF}">
-                  <a14:hiddenLine xmlns:a14="http://schemas.microsoft.com/office/drawing/2010/main" xmlns="" w="9525">
+                  <a14:hiddenLine xmlns="" xmlns:a14="http://schemas.microsoft.com/office/drawing/2010/main" w="9525">
                     <a:solidFill>
                       <a:srgbClr val="000000"/>
                     </a:solidFill>
@@ -11760,7 +11771,7 @@
               </a:ln>
               <a:extLst>
                 <a:ext uri="{91240B29-F687-4f45-9708-019B960494DF}">
-                  <a14:hiddenLine xmlns:a14="http://schemas.microsoft.com/office/drawing/2010/main" xmlns="" w="9525">
+                  <a14:hiddenLine xmlns="" xmlns:a14="http://schemas.microsoft.com/office/drawing/2010/main" w="9525">
                     <a:solidFill>
                       <a:srgbClr val="000000"/>
                     </a:solidFill>
@@ -11794,7 +11805,7 @@
               </a:ln>
               <a:extLst>
                 <a:ext uri="{91240B29-F687-4f45-9708-019B960494DF}">
-                  <a14:hiddenLine xmlns:a14="http://schemas.microsoft.com/office/drawing/2010/main" xmlns="" w="9525">
+                  <a14:hiddenLine xmlns="" xmlns:a14="http://schemas.microsoft.com/office/drawing/2010/main" w="9525">
                     <a:solidFill>
                       <a:srgbClr val="000000"/>
                     </a:solidFill>
@@ -11935,7 +11946,7 @@
             <a:fld id="{48A87A34-81AB-432B-8DAE-1953F412C126}" type="datetimeFigureOut">
               <a:rPr lang="en-US" dirty="0"/>
               <a:pPr/>
-              <a:t>7/22/2020</a:t>
+              <a:t>7/23/2020</a:t>
             </a:fld>
             <a:endParaRPr lang="en-US" dirty="0"/>
           </a:p>
@@ -12420,7 +12431,2378 @@
 </p:sld>
 </file>
 
+<file path=ppt/slides/slide10.xml><?xml version="1.0" encoding="utf-8"?>
+<p:sld xmlns:a="http://schemas.openxmlformats.org/drawingml/2006/main" xmlns:r="http://schemas.openxmlformats.org/officeDocument/2006/relationships" xmlns:p="http://schemas.openxmlformats.org/presentationml/2006/main">
+  <p:cSld>
+    <p:spTree>
+      <p:nvGrpSpPr>
+        <p:cNvPr id="1" name=""/>
+        <p:cNvGrpSpPr/>
+        <p:nvPr/>
+      </p:nvGrpSpPr>
+      <p:grpSpPr>
+        <a:xfrm>
+          <a:off x="0" y="0"/>
+          <a:ext cx="0" cy="0"/>
+          <a:chOff x="0" y="0"/>
+          <a:chExt cx="0" cy="0"/>
+        </a:xfrm>
+      </p:grpSpPr>
+      <p:sp>
+        <p:nvSpPr>
+          <p:cNvPr id="2" name="Rectangle 1">
+            <a:extLst>
+              <a:ext uri="{FF2B5EF4-FFF2-40B4-BE49-F238E27FC236}">
+                <a16:creationId xmlns:a16="http://schemas.microsoft.com/office/drawing/2014/main" id="{7F479660-A4FE-4E59-A302-140CFACE586A}"/>
+              </a:ext>
+            </a:extLst>
+          </p:cNvPr>
+          <p:cNvSpPr/>
+          <p:nvPr/>
+        </p:nvSpPr>
+        <p:spPr>
+          <a:xfrm>
+            <a:off x="2577380" y="2967335"/>
+            <a:ext cx="7037247" cy="923330"/>
+          </a:xfrm>
+          <a:prstGeom prst="rect">
+            <a:avLst/>
+          </a:prstGeom>
+          <a:noFill/>
+        </p:spPr>
+        <p:txBody>
+          <a:bodyPr wrap="none" lIns="91440" tIns="45720" rIns="91440" bIns="45720">
+            <a:spAutoFit/>
+            <a:scene3d>
+              <a:camera prst="orthographicFront"/>
+              <a:lightRig rig="harsh" dir="t"/>
+            </a:scene3d>
+            <a:sp3d extrusionH="57150" prstMaterial="matte">
+              <a:bevelT w="63500" h="12700" prst="angle"/>
+              <a:contourClr>
+                <a:schemeClr val="bg1">
+                  <a:lumMod val="65000"/>
+                </a:schemeClr>
+              </a:contourClr>
+            </a:sp3d>
+          </a:bodyPr>
+          <a:lstStyle/>
+          <a:p>
+            <a:pPr algn="ctr"/>
+            <a:r>
+              <a:rPr lang="en-US" sz="5400" b="1" cap="none" spc="0" dirty="0">
+                <a:ln/>
+                <a:solidFill>
+                  <a:schemeClr val="accent3"/>
+                </a:solidFill>
+                <a:effectLst/>
+              </a:rPr>
+              <a:t>Let us Review the Code </a:t>
+            </a:r>
+          </a:p>
+        </p:txBody>
+      </p:sp>
+    </p:spTree>
+    <p:extLst>
+      <p:ext uri="{BB962C8B-B14F-4D97-AF65-F5344CB8AC3E}">
+        <p14:creationId xmlns:p14="http://schemas.microsoft.com/office/powerpoint/2010/main" val="3879529561"/>
+      </p:ext>
+    </p:extLst>
+  </p:cSld>
+  <p:clrMapOvr>
+    <a:masterClrMapping/>
+  </p:clrMapOvr>
+</p:sld>
+</file>
+
+<file path=ppt/slides/slide11.xml><?xml version="1.0" encoding="utf-8"?>
+<p:sld xmlns:a="http://schemas.openxmlformats.org/drawingml/2006/main" xmlns:r="http://schemas.openxmlformats.org/officeDocument/2006/relationships" xmlns:p="http://schemas.openxmlformats.org/presentationml/2006/main">
+  <p:cSld>
+    <p:bg>
+      <p:bgPr>
+        <a:gradFill flip="none" rotWithShape="1">
+          <a:gsLst>
+            <a:gs pos="0">
+              <a:schemeClr val="accent5">
+                <a:lumMod val="67000"/>
+              </a:schemeClr>
+            </a:gs>
+            <a:gs pos="48000">
+              <a:schemeClr val="accent5">
+                <a:lumMod val="97000"/>
+                <a:lumOff val="3000"/>
+              </a:schemeClr>
+            </a:gs>
+            <a:gs pos="100000">
+              <a:schemeClr val="accent5">
+                <a:lumMod val="60000"/>
+                <a:lumOff val="40000"/>
+              </a:schemeClr>
+            </a:gs>
+          </a:gsLst>
+          <a:lin ang="16200000" scaled="1"/>
+          <a:tileRect/>
+        </a:gradFill>
+        <a:effectLst/>
+      </p:bgPr>
+    </p:bg>
+    <p:spTree>
+      <p:nvGrpSpPr>
+        <p:cNvPr id="1" name=""/>
+        <p:cNvGrpSpPr/>
+        <p:nvPr/>
+      </p:nvGrpSpPr>
+      <p:grpSpPr>
+        <a:xfrm>
+          <a:off x="0" y="0"/>
+          <a:ext cx="0" cy="0"/>
+          <a:chOff x="0" y="0"/>
+          <a:chExt cx="0" cy="0"/>
+        </a:xfrm>
+      </p:grpSpPr>
+      <p:sp>
+        <p:nvSpPr>
+          <p:cNvPr id="2" name="Title 1">
+            <a:extLst>
+              <a:ext uri="{FF2B5EF4-FFF2-40B4-BE49-F238E27FC236}">
+                <a16:creationId xmlns:a16="http://schemas.microsoft.com/office/drawing/2014/main" id="{0449D47F-014E-43B8-8E18-B96C3E98DEF1}"/>
+              </a:ext>
+            </a:extLst>
+          </p:cNvPr>
+          <p:cNvSpPr>
+            <a:spLocks noGrp="1"/>
+          </p:cNvSpPr>
+          <p:nvPr>
+            <p:ph type="title"/>
+          </p:nvPr>
+        </p:nvSpPr>
+        <p:spPr>
+          <a:xfrm>
+            <a:off x="1113184" y="187215"/>
+            <a:ext cx="9905998" cy="852473"/>
+          </a:xfrm>
+        </p:spPr>
+        <p:txBody>
+          <a:bodyPr/>
+          <a:lstStyle/>
+          <a:p>
+            <a:r>
+              <a:rPr lang="en-US" dirty="0">
+                <a:solidFill>
+                  <a:srgbClr val="FF0000"/>
+                </a:solidFill>
+              </a:rPr>
+              <a:t>There are few problems  with this approach</a:t>
+            </a:r>
+            <a:endParaRPr lang="en-IN" dirty="0">
+              <a:solidFill>
+                <a:srgbClr val="FF0000"/>
+              </a:solidFill>
+            </a:endParaRPr>
+          </a:p>
+        </p:txBody>
+      </p:sp>
+      <p:pic>
+        <p:nvPicPr>
+          <p:cNvPr id="3" name="Picture 2">
+            <a:extLst>
+              <a:ext uri="{FF2B5EF4-FFF2-40B4-BE49-F238E27FC236}">
+                <a16:creationId xmlns:a16="http://schemas.microsoft.com/office/drawing/2014/main" id="{D36DCB46-CAF6-43FD-B183-E7B16C1CAFA3}"/>
+              </a:ext>
+            </a:extLst>
+          </p:cNvPr>
+          <p:cNvPicPr>
+            <a:picLocks noChangeAspect="1"/>
+          </p:cNvPicPr>
+          <p:nvPr/>
+        </p:nvPicPr>
+        <p:blipFill>
+          <a:blip r:embed="rId2"/>
+          <a:stretch>
+            <a:fillRect/>
+          </a:stretch>
+        </p:blipFill>
+        <p:spPr>
+          <a:xfrm>
+            <a:off x="1113184" y="1391480"/>
+            <a:ext cx="9713842" cy="5279305"/>
+          </a:xfrm>
+          <a:prstGeom prst="rect">
+            <a:avLst/>
+          </a:prstGeom>
+        </p:spPr>
+      </p:pic>
+    </p:spTree>
+    <p:extLst>
+      <p:ext uri="{BB962C8B-B14F-4D97-AF65-F5344CB8AC3E}">
+        <p14:creationId xmlns:p14="http://schemas.microsoft.com/office/powerpoint/2010/main" val="2456270316"/>
+      </p:ext>
+    </p:extLst>
+  </p:cSld>
+  <p:clrMapOvr>
+    <a:masterClrMapping/>
+  </p:clrMapOvr>
+</p:sld>
+</file>
+
+<file path=ppt/slides/slide12.xml><?xml version="1.0" encoding="utf-8"?>
+<p:sld xmlns:a="http://schemas.openxmlformats.org/drawingml/2006/main" xmlns:r="http://schemas.openxmlformats.org/officeDocument/2006/relationships" xmlns:p="http://schemas.openxmlformats.org/presentationml/2006/main">
+  <p:cSld>
+    <p:spTree>
+      <p:nvGrpSpPr>
+        <p:cNvPr id="1" name=""/>
+        <p:cNvGrpSpPr/>
+        <p:nvPr/>
+      </p:nvGrpSpPr>
+      <p:grpSpPr>
+        <a:xfrm>
+          <a:off x="0" y="0"/>
+          <a:ext cx="0" cy="0"/>
+          <a:chOff x="0" y="0"/>
+          <a:chExt cx="0" cy="0"/>
+        </a:xfrm>
+      </p:grpSpPr>
+      <p:sp>
+        <p:nvSpPr>
+          <p:cNvPr id="2" name="Title 1">
+            <a:extLst>
+              <a:ext uri="{FF2B5EF4-FFF2-40B4-BE49-F238E27FC236}">
+                <a16:creationId xmlns:a16="http://schemas.microsoft.com/office/drawing/2014/main" id="{5DF0E131-2291-4AEA-BBB7-AEA7E8C91F92}"/>
+              </a:ext>
+            </a:extLst>
+          </p:cNvPr>
+          <p:cNvSpPr txBox="1">
+            <a:spLocks/>
+          </p:cNvSpPr>
+          <p:nvPr/>
+        </p:nvSpPr>
+        <p:spPr>
+          <a:xfrm>
+            <a:off x="1143001" y="200047"/>
+            <a:ext cx="9905998" cy="774184"/>
+          </a:xfrm>
+          <a:prstGeom prst="rect">
+            <a:avLst/>
+          </a:prstGeom>
+        </p:spPr>
+        <p:txBody>
+          <a:bodyPr/>
+          <a:lstStyle>
+            <a:lvl1pPr algn="l" defTabSz="914400" rtl="0" eaLnBrk="1" latinLnBrk="0" hangingPunct="1">
+              <a:lnSpc>
+                <a:spcPct val="90000"/>
+              </a:lnSpc>
+              <a:spcBef>
+                <a:spcPct val="0"/>
+              </a:spcBef>
+              <a:buNone/>
+              <a:defRPr sz="3600" kern="1200" cap="all" baseline="0">
+                <a:solidFill>
+                  <a:schemeClr val="tx1"/>
+                </a:solidFill>
+                <a:latin typeface="+mj-lt"/>
+                <a:ea typeface="+mj-ea"/>
+                <a:cs typeface="+mj-cs"/>
+              </a:defRPr>
+            </a:lvl1pPr>
+          </a:lstStyle>
+          <a:p>
+            <a:r>
+              <a:rPr lang="en-US" dirty="0"/>
+              <a:t>We all use Internet provided by local ISP </a:t>
+            </a:r>
+            <a:endParaRPr lang="en-IN" dirty="0"/>
+          </a:p>
+        </p:txBody>
+      </p:sp>
+      <p:sp>
+        <p:nvSpPr>
+          <p:cNvPr id="3" name="Cloud 2">
+            <a:extLst>
+              <a:ext uri="{FF2B5EF4-FFF2-40B4-BE49-F238E27FC236}">
+                <a16:creationId xmlns:a16="http://schemas.microsoft.com/office/drawing/2014/main" id="{5E03B204-BD3F-4A77-9DF6-BEE52D64F3FB}"/>
+              </a:ext>
+            </a:extLst>
+          </p:cNvPr>
+          <p:cNvSpPr/>
+          <p:nvPr/>
+        </p:nvSpPr>
+        <p:spPr>
+          <a:xfrm>
+            <a:off x="2407505" y="1202789"/>
+            <a:ext cx="2642796" cy="1871003"/>
+          </a:xfrm>
+          <a:prstGeom prst="cloud">
+            <a:avLst/>
+          </a:prstGeom>
+          <a:solidFill>
+            <a:srgbClr val="92D050"/>
+          </a:solidFill>
+        </p:spPr>
+        <p:style>
+          <a:lnRef idx="2">
+            <a:schemeClr val="accent1">
+              <a:shade val="50000"/>
+            </a:schemeClr>
+          </a:lnRef>
+          <a:fillRef idx="1">
+            <a:schemeClr val="accent1"/>
+          </a:fillRef>
+          <a:effectRef idx="0">
+            <a:schemeClr val="accent1"/>
+          </a:effectRef>
+          <a:fontRef idx="minor">
+            <a:schemeClr val="lt1"/>
+          </a:fontRef>
+        </p:style>
+        <p:txBody>
+          <a:bodyPr rtlCol="0" anchor="ctr"/>
+          <a:lstStyle/>
+          <a:p>
+            <a:pPr algn="ctr"/>
+            <a:r>
+              <a:rPr lang="en-US" dirty="0"/>
+              <a:t>Farm Network (ISP-1)</a:t>
+            </a:r>
+          </a:p>
+          <a:p>
+            <a:pPr algn="ctr"/>
+            <a:r>
+              <a:rPr lang="en-US" dirty="0"/>
+              <a:t>(</a:t>
+            </a:r>
+            <a:r>
+              <a:rPr lang="en-US" dirty="0" err="1"/>
+              <a:t>wifi</a:t>
+            </a:r>
+            <a:r>
+              <a:rPr lang="en-US" dirty="0"/>
+              <a:t> at Farm)</a:t>
+            </a:r>
+            <a:endParaRPr lang="en-IN" dirty="0"/>
+          </a:p>
+        </p:txBody>
+      </p:sp>
+      <p:sp>
+        <p:nvSpPr>
+          <p:cNvPr id="4" name="Cloud 3">
+            <a:extLst>
+              <a:ext uri="{FF2B5EF4-FFF2-40B4-BE49-F238E27FC236}">
+                <a16:creationId xmlns:a16="http://schemas.microsoft.com/office/drawing/2014/main" id="{C865DE76-86E6-4FDC-B031-7C4784118731}"/>
+              </a:ext>
+            </a:extLst>
+          </p:cNvPr>
+          <p:cNvSpPr/>
+          <p:nvPr/>
+        </p:nvSpPr>
+        <p:spPr>
+          <a:xfrm>
+            <a:off x="9157653" y="1392702"/>
+            <a:ext cx="2642796" cy="1871003"/>
+          </a:xfrm>
+          <a:prstGeom prst="cloud">
+            <a:avLst/>
+          </a:prstGeom>
+          <a:solidFill>
+            <a:schemeClr val="accent5">
+              <a:lumMod val="40000"/>
+              <a:lumOff val="60000"/>
+            </a:schemeClr>
+          </a:solidFill>
+        </p:spPr>
+        <p:style>
+          <a:lnRef idx="2">
+            <a:schemeClr val="accent1">
+              <a:shade val="50000"/>
+            </a:schemeClr>
+          </a:lnRef>
+          <a:fillRef idx="1">
+            <a:schemeClr val="accent1"/>
+          </a:fillRef>
+          <a:effectRef idx="0">
+            <a:schemeClr val="accent1"/>
+          </a:effectRef>
+          <a:fontRef idx="minor">
+            <a:schemeClr val="lt1"/>
+          </a:fontRef>
+        </p:style>
+        <p:txBody>
+          <a:bodyPr rtlCol="0" anchor="ctr"/>
+          <a:lstStyle/>
+          <a:p>
+            <a:pPr algn="ctr"/>
+            <a:r>
+              <a:rPr lang="en-US" dirty="0"/>
+              <a:t>Home network (ISP-2)</a:t>
+            </a:r>
+          </a:p>
+          <a:p>
+            <a:pPr algn="ctr"/>
+            <a:r>
+              <a:rPr lang="en-US" dirty="0"/>
+              <a:t>(</a:t>
+            </a:r>
+            <a:r>
+              <a:rPr lang="en-US" dirty="0" err="1"/>
+              <a:t>Wifi</a:t>
+            </a:r>
+            <a:r>
+              <a:rPr lang="en-US" dirty="0"/>
+              <a:t> at home)</a:t>
+            </a:r>
+            <a:endParaRPr lang="en-IN" dirty="0"/>
+          </a:p>
+        </p:txBody>
+      </p:sp>
+      <p:sp>
+        <p:nvSpPr>
+          <p:cNvPr id="5" name="Oval 4">
+            <a:extLst>
+              <a:ext uri="{FF2B5EF4-FFF2-40B4-BE49-F238E27FC236}">
+                <a16:creationId xmlns:a16="http://schemas.microsoft.com/office/drawing/2014/main" id="{CDE9907D-9251-47B1-A458-307A9C46379C}"/>
+              </a:ext>
+            </a:extLst>
+          </p:cNvPr>
+          <p:cNvSpPr/>
+          <p:nvPr/>
+        </p:nvSpPr>
+        <p:spPr>
+          <a:xfrm>
+            <a:off x="872196" y="2883878"/>
+            <a:ext cx="1702191" cy="3712238"/>
+          </a:xfrm>
+          <a:prstGeom prst="ellipse">
+            <a:avLst/>
+          </a:prstGeom>
+          <a:solidFill>
+            <a:srgbClr val="92D050"/>
+          </a:solidFill>
+        </p:spPr>
+        <p:style>
+          <a:lnRef idx="2">
+            <a:schemeClr val="accent1">
+              <a:shade val="50000"/>
+            </a:schemeClr>
+          </a:lnRef>
+          <a:fillRef idx="1">
+            <a:schemeClr val="accent1"/>
+          </a:fillRef>
+          <a:effectRef idx="0">
+            <a:schemeClr val="accent1"/>
+          </a:effectRef>
+          <a:fontRef idx="minor">
+            <a:schemeClr val="lt1"/>
+          </a:fontRef>
+        </p:style>
+        <p:txBody>
+          <a:bodyPr rtlCol="0" anchor="ctr"/>
+          <a:lstStyle/>
+          <a:p>
+            <a:pPr algn="ctr"/>
+            <a:endParaRPr lang="en-IN"/>
+          </a:p>
+        </p:txBody>
+      </p:sp>
+      <p:pic>
+        <p:nvPicPr>
+          <p:cNvPr id="6" name="Picture 2" descr="Agricultural Pump - Agriculture Pump Latest Price, Manufacturers ...">
+            <a:extLst>
+              <a:ext uri="{FF2B5EF4-FFF2-40B4-BE49-F238E27FC236}">
+                <a16:creationId xmlns:a16="http://schemas.microsoft.com/office/drawing/2014/main" id="{80CE8266-7B4D-496E-8BAC-83392F203D0A}"/>
+              </a:ext>
+            </a:extLst>
+          </p:cNvPr>
+          <p:cNvPicPr>
+            <a:picLocks noChangeAspect="1" noChangeArrowheads="1"/>
+          </p:cNvPicPr>
+          <p:nvPr/>
+        </p:nvPicPr>
+        <p:blipFill>
+          <a:blip r:embed="rId2">
+            <a:extLst>
+              <a:ext uri="{28A0092B-C50C-407E-A947-70E740481C1C}">
+                <a14:useLocalDpi xmlns:a14="http://schemas.microsoft.com/office/drawing/2010/main" val="0"/>
+              </a:ext>
+            </a:extLst>
+          </a:blip>
+          <a:srcRect/>
+          <a:stretch>
+            <a:fillRect/>
+          </a:stretch>
+        </p:blipFill>
+        <p:spPr bwMode="auto">
+          <a:xfrm>
+            <a:off x="1336199" y="3263705"/>
+            <a:ext cx="774184" cy="774184"/>
+          </a:xfrm>
+          <a:prstGeom prst="rect">
+            <a:avLst/>
+          </a:prstGeom>
+          <a:noFill/>
+          <a:extLst>
+            <a:ext uri="{909E8E84-426E-40DD-AFC4-6F175D3DCCD1}">
+              <a14:hiddenFill xmlns:a14="http://schemas.microsoft.com/office/drawing/2010/main">
+                <a:solidFill>
+                  <a:srgbClr val="FFFFFF"/>
+                </a:solidFill>
+              </a14:hiddenFill>
+            </a:ext>
+          </a:extLst>
+        </p:spPr>
+      </p:pic>
+      <p:pic>
+        <p:nvPicPr>
+          <p:cNvPr id="7" name="Picture 6" descr="Electromagnetic Relay |HUIMULTD">
+            <a:extLst>
+              <a:ext uri="{FF2B5EF4-FFF2-40B4-BE49-F238E27FC236}">
+                <a16:creationId xmlns:a16="http://schemas.microsoft.com/office/drawing/2014/main" id="{65FEEE45-F120-4FDD-AF2C-208A547C6B45}"/>
+              </a:ext>
+            </a:extLst>
+          </p:cNvPr>
+          <p:cNvPicPr>
+            <a:picLocks noChangeAspect="1" noChangeArrowheads="1"/>
+          </p:cNvPicPr>
+          <p:nvPr/>
+        </p:nvPicPr>
+        <p:blipFill>
+          <a:blip r:embed="rId3">
+            <a:extLst>
+              <a:ext uri="{28A0092B-C50C-407E-A947-70E740481C1C}">
+                <a14:useLocalDpi xmlns:a14="http://schemas.microsoft.com/office/drawing/2010/main" val="0"/>
+              </a:ext>
+            </a:extLst>
+          </a:blip>
+          <a:srcRect/>
+          <a:stretch>
+            <a:fillRect/>
+          </a:stretch>
+        </p:blipFill>
+        <p:spPr bwMode="auto">
+          <a:xfrm>
+            <a:off x="1336199" y="4100648"/>
+            <a:ext cx="845455" cy="845455"/>
+          </a:xfrm>
+          <a:prstGeom prst="rect">
+            <a:avLst/>
+          </a:prstGeom>
+          <a:noFill/>
+          <a:extLst>
+            <a:ext uri="{909E8E84-426E-40DD-AFC4-6F175D3DCCD1}">
+              <a14:hiddenFill xmlns:a14="http://schemas.microsoft.com/office/drawing/2010/main">
+                <a:solidFill>
+                  <a:srgbClr val="FFFFFF"/>
+                </a:solidFill>
+              </a14:hiddenFill>
+            </a:ext>
+          </a:extLst>
+        </p:spPr>
+      </p:pic>
+      <p:pic>
+        <p:nvPicPr>
+          <p:cNvPr id="8" name="Picture 2" descr="centiot ESP-WROOM-32 ESP32 ESP-32S Development Board Micro Controller Board Electronic Hobby Kit">
+            <a:extLst>
+              <a:ext uri="{FF2B5EF4-FFF2-40B4-BE49-F238E27FC236}">
+                <a16:creationId xmlns:a16="http://schemas.microsoft.com/office/drawing/2014/main" id="{B87B19ED-C72F-437D-BE9A-AEF276353433}"/>
+              </a:ext>
+            </a:extLst>
+          </p:cNvPr>
+          <p:cNvPicPr>
+            <a:picLocks noChangeAspect="1" noChangeArrowheads="1"/>
+          </p:cNvPicPr>
+          <p:nvPr/>
+        </p:nvPicPr>
+        <p:blipFill>
+          <a:blip r:embed="rId4">
+            <a:extLst>
+              <a:ext uri="{28A0092B-C50C-407E-A947-70E740481C1C}">
+                <a14:useLocalDpi xmlns:a14="http://schemas.microsoft.com/office/drawing/2010/main" val="0"/>
+              </a:ext>
+            </a:extLst>
+          </a:blip>
+          <a:srcRect/>
+          <a:stretch>
+            <a:fillRect/>
+          </a:stretch>
+        </p:blipFill>
+        <p:spPr bwMode="auto">
+          <a:xfrm>
+            <a:off x="1256985" y="5223318"/>
+            <a:ext cx="1003882" cy="547791"/>
+          </a:xfrm>
+          <a:prstGeom prst="rect">
+            <a:avLst/>
+          </a:prstGeom>
+          <a:noFill/>
+          <a:extLst>
+            <a:ext uri="{909E8E84-426E-40DD-AFC4-6F175D3DCCD1}">
+              <a14:hiddenFill xmlns:a14="http://schemas.microsoft.com/office/drawing/2010/main">
+                <a:solidFill>
+                  <a:srgbClr val="FFFFFF"/>
+                </a:solidFill>
+              </a14:hiddenFill>
+            </a:ext>
+          </a:extLst>
+        </p:spPr>
+      </p:pic>
+      <p:sp>
+        <p:nvSpPr>
+          <p:cNvPr id="9" name="Oval 8">
+            <a:extLst>
+              <a:ext uri="{FF2B5EF4-FFF2-40B4-BE49-F238E27FC236}">
+                <a16:creationId xmlns:a16="http://schemas.microsoft.com/office/drawing/2014/main" id="{A1F38932-F06C-4EC6-BB25-BBB805EDD5CD}"/>
+              </a:ext>
+            </a:extLst>
+          </p:cNvPr>
+          <p:cNvSpPr/>
+          <p:nvPr/>
+        </p:nvSpPr>
+        <p:spPr>
+          <a:xfrm>
+            <a:off x="8278905" y="4038028"/>
+            <a:ext cx="3521544" cy="1816150"/>
+          </a:xfrm>
+          <a:prstGeom prst="ellipse">
+            <a:avLst/>
+          </a:prstGeom>
+          <a:solidFill>
+            <a:schemeClr val="accent5">
+              <a:lumMod val="40000"/>
+              <a:lumOff val="60000"/>
+            </a:schemeClr>
+          </a:solidFill>
+        </p:spPr>
+        <p:style>
+          <a:lnRef idx="2">
+            <a:schemeClr val="accent1">
+              <a:shade val="50000"/>
+            </a:schemeClr>
+          </a:lnRef>
+          <a:fillRef idx="1">
+            <a:schemeClr val="accent1"/>
+          </a:fillRef>
+          <a:effectRef idx="0">
+            <a:schemeClr val="accent1"/>
+          </a:effectRef>
+          <a:fontRef idx="minor">
+            <a:schemeClr val="lt1"/>
+          </a:fontRef>
+        </p:style>
+        <p:txBody>
+          <a:bodyPr rtlCol="0" anchor="ctr"/>
+          <a:lstStyle/>
+          <a:p>
+            <a:pPr algn="ctr"/>
+            <a:endParaRPr lang="en-IN"/>
+          </a:p>
+        </p:txBody>
+      </p:sp>
+      <p:pic>
+        <p:nvPicPr>
+          <p:cNvPr id="10" name="Picture 9">
+            <a:extLst>
+              <a:ext uri="{FF2B5EF4-FFF2-40B4-BE49-F238E27FC236}">
+                <a16:creationId xmlns:a16="http://schemas.microsoft.com/office/drawing/2014/main" id="{E1AD6D90-27D9-49C1-9DEF-0A44492A1673}"/>
+              </a:ext>
+            </a:extLst>
+          </p:cNvPr>
+          <p:cNvPicPr>
+            <a:picLocks noChangeAspect="1"/>
+          </p:cNvPicPr>
+          <p:nvPr/>
+        </p:nvPicPr>
+        <p:blipFill>
+          <a:blip r:embed="rId5"/>
+          <a:stretch>
+            <a:fillRect/>
+          </a:stretch>
+        </p:blipFill>
+        <p:spPr>
+          <a:xfrm>
+            <a:off x="9557400" y="4443537"/>
+            <a:ext cx="1005122" cy="1235210"/>
+          </a:xfrm>
+          <a:prstGeom prst="rect">
+            <a:avLst/>
+          </a:prstGeom>
+        </p:spPr>
+      </p:pic>
+      <p:cxnSp>
+        <p:nvCxnSpPr>
+          <p:cNvPr id="11" name="Straight Arrow Connector 10">
+            <a:extLst>
+              <a:ext uri="{FF2B5EF4-FFF2-40B4-BE49-F238E27FC236}">
+                <a16:creationId xmlns:a16="http://schemas.microsoft.com/office/drawing/2014/main" id="{B09C5473-7A95-43A5-8CC3-5BA73AE5BB16}"/>
+              </a:ext>
+            </a:extLst>
+          </p:cNvPr>
+          <p:cNvCxnSpPr>
+            <a:cxnSpLocks/>
+          </p:cNvCxnSpPr>
+          <p:nvPr/>
+        </p:nvCxnSpPr>
+        <p:spPr>
+          <a:xfrm flipH="1" flipV="1">
+            <a:off x="4759799" y="2611725"/>
+            <a:ext cx="1174957" cy="924134"/>
+          </a:xfrm>
+          <a:prstGeom prst="straightConnector1">
+            <a:avLst/>
+          </a:prstGeom>
+          <a:ln w="73025">
+            <a:headEnd type="triangle"/>
+            <a:tailEnd type="triangle"/>
+          </a:ln>
+        </p:spPr>
+        <p:style>
+          <a:lnRef idx="1">
+            <a:schemeClr val="accent1"/>
+          </a:lnRef>
+          <a:fillRef idx="0">
+            <a:schemeClr val="accent1"/>
+          </a:fillRef>
+          <a:effectRef idx="0">
+            <a:schemeClr val="accent1"/>
+          </a:effectRef>
+          <a:fontRef idx="minor">
+            <a:schemeClr val="tx1"/>
+          </a:fontRef>
+        </p:style>
+      </p:cxnSp>
+      <p:cxnSp>
+        <p:nvCxnSpPr>
+          <p:cNvPr id="12" name="Straight Arrow Connector 11">
+            <a:extLst>
+              <a:ext uri="{FF2B5EF4-FFF2-40B4-BE49-F238E27FC236}">
+                <a16:creationId xmlns:a16="http://schemas.microsoft.com/office/drawing/2014/main" id="{DCEF9384-1CB5-43E3-980E-3A7A4D1710C6}"/>
+              </a:ext>
+            </a:extLst>
+          </p:cNvPr>
+          <p:cNvCxnSpPr>
+            <a:cxnSpLocks/>
+          </p:cNvCxnSpPr>
+          <p:nvPr/>
+        </p:nvCxnSpPr>
+        <p:spPr>
+          <a:xfrm flipH="1">
+            <a:off x="7610622" y="2883422"/>
+            <a:ext cx="1576792" cy="1217226"/>
+          </a:xfrm>
+          <a:prstGeom prst="straightConnector1">
+            <a:avLst/>
+          </a:prstGeom>
+          <a:ln w="73025">
+            <a:headEnd type="triangle"/>
+            <a:tailEnd type="triangle"/>
+          </a:ln>
+        </p:spPr>
+        <p:style>
+          <a:lnRef idx="1">
+            <a:schemeClr val="accent1"/>
+          </a:lnRef>
+          <a:fillRef idx="0">
+            <a:schemeClr val="accent1"/>
+          </a:fillRef>
+          <a:effectRef idx="0">
+            <a:schemeClr val="accent1"/>
+          </a:effectRef>
+          <a:fontRef idx="minor">
+            <a:schemeClr val="tx1"/>
+          </a:fontRef>
+        </p:style>
+      </p:cxnSp>
+      <p:cxnSp>
+        <p:nvCxnSpPr>
+          <p:cNvPr id="13" name="Straight Arrow Connector 12">
+            <a:extLst>
+              <a:ext uri="{FF2B5EF4-FFF2-40B4-BE49-F238E27FC236}">
+                <a16:creationId xmlns:a16="http://schemas.microsoft.com/office/drawing/2014/main" id="{734ED412-6416-402B-B32E-3C217293E230}"/>
+              </a:ext>
+            </a:extLst>
+          </p:cNvPr>
+          <p:cNvCxnSpPr>
+            <a:cxnSpLocks/>
+          </p:cNvCxnSpPr>
+          <p:nvPr/>
+        </p:nvCxnSpPr>
+        <p:spPr>
+          <a:xfrm flipH="1">
+            <a:off x="2698519" y="3073792"/>
+            <a:ext cx="527266" cy="995705"/>
+          </a:xfrm>
+          <a:prstGeom prst="straightConnector1">
+            <a:avLst/>
+          </a:prstGeom>
+          <a:ln w="73025">
+            <a:headEnd type="triangle"/>
+            <a:tailEnd type="triangle"/>
+          </a:ln>
+        </p:spPr>
+        <p:style>
+          <a:lnRef idx="1">
+            <a:schemeClr val="accent1"/>
+          </a:lnRef>
+          <a:fillRef idx="0">
+            <a:schemeClr val="accent1"/>
+          </a:fillRef>
+          <a:effectRef idx="0">
+            <a:schemeClr val="accent1"/>
+          </a:effectRef>
+          <a:fontRef idx="minor">
+            <a:schemeClr val="tx1"/>
+          </a:fontRef>
+        </p:style>
+      </p:cxnSp>
+      <p:sp>
+        <p:nvSpPr>
+          <p:cNvPr id="14" name="Cloud 13">
+            <a:extLst>
+              <a:ext uri="{FF2B5EF4-FFF2-40B4-BE49-F238E27FC236}">
+                <a16:creationId xmlns:a16="http://schemas.microsoft.com/office/drawing/2014/main" id="{EAA7DCE3-616B-4C31-9428-E854F624E2D9}"/>
+              </a:ext>
+            </a:extLst>
+          </p:cNvPr>
+          <p:cNvSpPr/>
+          <p:nvPr/>
+        </p:nvSpPr>
+        <p:spPr>
+          <a:xfrm>
+            <a:off x="5347277" y="3681516"/>
+            <a:ext cx="2245802" cy="2146731"/>
+          </a:xfrm>
+          <a:prstGeom prst="cloud">
+            <a:avLst/>
+          </a:prstGeom>
+          <a:solidFill>
+            <a:srgbClr val="FF0000"/>
+          </a:solidFill>
+        </p:spPr>
+        <p:style>
+          <a:lnRef idx="2">
+            <a:schemeClr val="accent1">
+              <a:shade val="50000"/>
+            </a:schemeClr>
+          </a:lnRef>
+          <a:fillRef idx="1">
+            <a:schemeClr val="accent1"/>
+          </a:fillRef>
+          <a:effectRef idx="0">
+            <a:schemeClr val="accent1"/>
+          </a:effectRef>
+          <a:fontRef idx="minor">
+            <a:schemeClr val="lt1"/>
+          </a:fontRef>
+        </p:style>
+        <p:txBody>
+          <a:bodyPr rtlCol="0" anchor="ctr"/>
+          <a:lstStyle/>
+          <a:p>
+            <a:pPr algn="ctr"/>
+            <a:r>
+              <a:rPr lang="en-US" sz="3200" dirty="0">
+                <a:solidFill>
+                  <a:schemeClr val="bg1"/>
+                </a:solidFill>
+              </a:rPr>
+              <a:t>Public </a:t>
+            </a:r>
+          </a:p>
+          <a:p>
+            <a:pPr algn="ctr"/>
+            <a:r>
+              <a:rPr lang="en-US" sz="3200" dirty="0">
+                <a:solidFill>
+                  <a:schemeClr val="bg1"/>
+                </a:solidFill>
+              </a:rPr>
+              <a:t>Internet</a:t>
+            </a:r>
+            <a:endParaRPr lang="en-IN" sz="3200" dirty="0">
+              <a:solidFill>
+                <a:schemeClr val="bg1"/>
+              </a:solidFill>
+            </a:endParaRPr>
+          </a:p>
+        </p:txBody>
+      </p:sp>
+    </p:spTree>
+    <p:extLst>
+      <p:ext uri="{BB962C8B-B14F-4D97-AF65-F5344CB8AC3E}">
+        <p14:creationId xmlns:p14="http://schemas.microsoft.com/office/powerpoint/2010/main" val="3666758824"/>
+      </p:ext>
+    </p:extLst>
+  </p:cSld>
+  <p:clrMapOvr>
+    <a:masterClrMapping/>
+  </p:clrMapOvr>
+</p:sld>
+</file>
+
+<file path=ppt/slides/slide13.xml><?xml version="1.0" encoding="utf-8"?>
+<p:sld xmlns:a="http://schemas.openxmlformats.org/drawingml/2006/main" xmlns:r="http://schemas.openxmlformats.org/officeDocument/2006/relationships" xmlns:p="http://schemas.openxmlformats.org/presentationml/2006/main">
+  <p:cSld>
+    <p:spTree>
+      <p:nvGrpSpPr>
+        <p:cNvPr id="1" name=""/>
+        <p:cNvGrpSpPr/>
+        <p:nvPr/>
+      </p:nvGrpSpPr>
+      <p:grpSpPr>
+        <a:xfrm>
+          <a:off x="0" y="0"/>
+          <a:ext cx="0" cy="0"/>
+          <a:chOff x="0" y="0"/>
+          <a:chExt cx="0" cy="0"/>
+        </a:xfrm>
+      </p:grpSpPr>
+      <p:sp>
+        <p:nvSpPr>
+          <p:cNvPr id="2" name="Title 1">
+            <a:extLst>
+              <a:ext uri="{FF2B5EF4-FFF2-40B4-BE49-F238E27FC236}">
+                <a16:creationId xmlns:a16="http://schemas.microsoft.com/office/drawing/2014/main" id="{AACF6389-C260-4632-8A83-8DAC03541A95}"/>
+              </a:ext>
+            </a:extLst>
+          </p:cNvPr>
+          <p:cNvSpPr>
+            <a:spLocks noGrp="1"/>
+          </p:cNvSpPr>
+          <p:nvPr>
+            <p:ph type="title"/>
+          </p:nvPr>
+        </p:nvSpPr>
+        <p:spPr>
+          <a:xfrm>
+            <a:off x="1143001" y="260709"/>
+            <a:ext cx="9905998" cy="892230"/>
+          </a:xfrm>
+        </p:spPr>
+        <p:txBody>
+          <a:bodyPr/>
+          <a:lstStyle/>
+          <a:p>
+            <a:pPr algn="ctr"/>
+            <a:r>
+              <a:rPr lang="en-US" dirty="0"/>
+              <a:t>Instantaneous  data is not enough</a:t>
+            </a:r>
+            <a:endParaRPr lang="en-IN" dirty="0"/>
+          </a:p>
+        </p:txBody>
+      </p:sp>
+      <p:sp>
+        <p:nvSpPr>
+          <p:cNvPr id="3" name="TextBox 2">
+            <a:extLst>
+              <a:ext uri="{FF2B5EF4-FFF2-40B4-BE49-F238E27FC236}">
+                <a16:creationId xmlns:a16="http://schemas.microsoft.com/office/drawing/2014/main" id="{377AE1DE-8D36-4EC5-B9E4-24F7F7EC0C02}"/>
+              </a:ext>
+            </a:extLst>
+          </p:cNvPr>
+          <p:cNvSpPr txBox="1"/>
+          <p:nvPr/>
+        </p:nvSpPr>
+        <p:spPr>
+          <a:xfrm>
+            <a:off x="642730" y="1417983"/>
+            <a:ext cx="10906540" cy="4924425"/>
+          </a:xfrm>
+          <a:prstGeom prst="rect">
+            <a:avLst/>
+          </a:prstGeom>
+          <a:noFill/>
+        </p:spPr>
+        <p:txBody>
+          <a:bodyPr wrap="square" rtlCol="0">
+            <a:spAutoFit/>
+          </a:bodyPr>
+          <a:lstStyle/>
+          <a:p>
+            <a:pPr marL="571500" indent="-571500">
+              <a:buFont typeface="Wingdings" panose="05000000000000000000" pitchFamily="2" charset="2"/>
+              <a:buChar char="ü"/>
+            </a:pPr>
+            <a:r>
+              <a:rPr lang="en-US" sz="3600" dirty="0"/>
+              <a:t>Instantaneous data is not always sufficient</a:t>
+            </a:r>
+          </a:p>
+          <a:p>
+            <a:pPr marL="914400" lvl="1" indent="-457200">
+              <a:buFont typeface="Wingdings" panose="05000000000000000000" pitchFamily="2" charset="2"/>
+              <a:buChar char="Ø"/>
+            </a:pPr>
+            <a:r>
+              <a:rPr lang="en-US" sz="2800" dirty="0">
+                <a:solidFill>
+                  <a:srgbClr val="00B0F0"/>
+                </a:solidFill>
+              </a:rPr>
+              <a:t>What was the max and min temperature for the last 10 days</a:t>
+            </a:r>
+          </a:p>
+          <a:p>
+            <a:pPr marL="914400" lvl="1" indent="-457200">
+              <a:buFont typeface="Wingdings" panose="05000000000000000000" pitchFamily="2" charset="2"/>
+              <a:buChar char="Ø"/>
+            </a:pPr>
+            <a:r>
+              <a:rPr lang="en-US" sz="2800" dirty="0">
+                <a:solidFill>
+                  <a:srgbClr val="00B0F0"/>
+                </a:solidFill>
+              </a:rPr>
+              <a:t>Is the mean temperature changing ?</a:t>
+            </a:r>
+          </a:p>
+          <a:p>
+            <a:pPr marL="914400" lvl="1" indent="-457200">
+              <a:buFont typeface="Wingdings" panose="05000000000000000000" pitchFamily="2" charset="2"/>
+              <a:buChar char="Ø"/>
+            </a:pPr>
+            <a:r>
+              <a:rPr lang="en-US" sz="2800" dirty="0">
+                <a:solidFill>
+                  <a:srgbClr val="00B0F0"/>
+                </a:solidFill>
+              </a:rPr>
+              <a:t>Is humidity dropping compared to last 10 days ?</a:t>
+            </a:r>
+          </a:p>
+          <a:p>
+            <a:pPr marL="914400" lvl="1" indent="-457200">
+              <a:buFont typeface="Wingdings" panose="05000000000000000000" pitchFamily="2" charset="2"/>
+              <a:buChar char="Ø"/>
+            </a:pPr>
+            <a:r>
+              <a:rPr lang="en-US" sz="2800" dirty="0">
+                <a:solidFill>
+                  <a:srgbClr val="00B0F0"/>
+                </a:solidFill>
+              </a:rPr>
+              <a:t>What the pattern on rail fall during the last 10 days ?</a:t>
+            </a:r>
+          </a:p>
+          <a:p>
+            <a:pPr marL="914400" lvl="1" indent="-457200">
+              <a:buFont typeface="Wingdings" panose="05000000000000000000" pitchFamily="2" charset="2"/>
+              <a:buChar char="Ø"/>
+            </a:pPr>
+            <a:r>
+              <a:rPr lang="en-US" sz="2800" dirty="0">
+                <a:solidFill>
+                  <a:srgbClr val="00B0F0"/>
+                </a:solidFill>
+              </a:rPr>
+              <a:t>How is soil retaining moisture in the last one month</a:t>
+            </a:r>
+          </a:p>
+          <a:p>
+            <a:pPr marL="914400" lvl="1" indent="-457200">
+              <a:buFont typeface="Wingdings" panose="05000000000000000000" pitchFamily="2" charset="2"/>
+              <a:buChar char="Ø"/>
+            </a:pPr>
+            <a:r>
+              <a:rPr lang="en-US" sz="2800" dirty="0">
+                <a:solidFill>
+                  <a:srgbClr val="00B0F0"/>
+                </a:solidFill>
+              </a:rPr>
+              <a:t>Water levels in local well/ponds</a:t>
+            </a:r>
+          </a:p>
+          <a:p>
+            <a:pPr marL="914400" lvl="1" indent="-457200">
+              <a:buFont typeface="Wingdings" panose="05000000000000000000" pitchFamily="2" charset="2"/>
+              <a:buChar char="Ø"/>
+            </a:pPr>
+            <a:r>
+              <a:rPr lang="en-US" sz="2800" dirty="0">
+                <a:solidFill>
+                  <a:srgbClr val="00B0F0"/>
+                </a:solidFill>
+              </a:rPr>
+              <a:t>Has the pH level of soil changed after the use of fertilizers.</a:t>
+            </a:r>
+          </a:p>
+          <a:p>
+            <a:pPr marL="457200" indent="-457200">
+              <a:buFont typeface="Wingdings" panose="05000000000000000000" pitchFamily="2" charset="2"/>
+              <a:buChar char="ü"/>
+            </a:pPr>
+            <a:r>
+              <a:rPr lang="en-US" sz="3200" dirty="0"/>
+              <a:t>We need access to historic data to make decisions  </a:t>
+            </a:r>
+          </a:p>
+          <a:p>
+            <a:r>
+              <a:rPr lang="en-US" sz="3200" dirty="0"/>
+              <a:t> </a:t>
+            </a:r>
+          </a:p>
+          <a:p>
+            <a:endParaRPr lang="en-IN" dirty="0"/>
+          </a:p>
+        </p:txBody>
+      </p:sp>
+    </p:spTree>
+    <p:extLst>
+      <p:ext uri="{BB962C8B-B14F-4D97-AF65-F5344CB8AC3E}">
+        <p14:creationId xmlns:p14="http://schemas.microsoft.com/office/powerpoint/2010/main" val="1390924336"/>
+      </p:ext>
+    </p:extLst>
+  </p:cSld>
+  <p:clrMapOvr>
+    <a:masterClrMapping/>
+  </p:clrMapOvr>
+</p:sld>
+</file>
+
+<file path=ppt/slides/slide14.xml><?xml version="1.0" encoding="utf-8"?>
+<p:sld xmlns:a="http://schemas.openxmlformats.org/drawingml/2006/main" xmlns:r="http://schemas.openxmlformats.org/officeDocument/2006/relationships" xmlns:p="http://schemas.openxmlformats.org/presentationml/2006/main">
+  <p:cSld>
+    <p:spTree>
+      <p:nvGrpSpPr>
+        <p:cNvPr id="1" name=""/>
+        <p:cNvGrpSpPr/>
+        <p:nvPr/>
+      </p:nvGrpSpPr>
+      <p:grpSpPr>
+        <a:xfrm>
+          <a:off x="0" y="0"/>
+          <a:ext cx="0" cy="0"/>
+          <a:chOff x="0" y="0"/>
+          <a:chExt cx="0" cy="0"/>
+        </a:xfrm>
+      </p:grpSpPr>
+      <p:pic>
+        <p:nvPicPr>
+          <p:cNvPr id="3" name="Picture 2">
+            <a:extLst>
+              <a:ext uri="{FF2B5EF4-FFF2-40B4-BE49-F238E27FC236}">
+                <a16:creationId xmlns:a16="http://schemas.microsoft.com/office/drawing/2014/main" id="{1F57EFBA-38AA-4292-A8A7-9744AF9982F6}"/>
+              </a:ext>
+            </a:extLst>
+          </p:cNvPr>
+          <p:cNvPicPr>
+            <a:picLocks noChangeAspect="1"/>
+          </p:cNvPicPr>
+          <p:nvPr/>
+        </p:nvPicPr>
+        <p:blipFill>
+          <a:blip r:embed="rId2"/>
+          <a:stretch>
+            <a:fillRect/>
+          </a:stretch>
+        </p:blipFill>
+        <p:spPr>
+          <a:xfrm>
+            <a:off x="188636" y="275544"/>
+            <a:ext cx="3179758" cy="3439767"/>
+          </a:xfrm>
+          <a:prstGeom prst="rect">
+            <a:avLst/>
+          </a:prstGeom>
+        </p:spPr>
+      </p:pic>
+      <p:sp>
+        <p:nvSpPr>
+          <p:cNvPr id="4" name="TextBox 3">
+            <a:extLst>
+              <a:ext uri="{FF2B5EF4-FFF2-40B4-BE49-F238E27FC236}">
+                <a16:creationId xmlns:a16="http://schemas.microsoft.com/office/drawing/2014/main" id="{B17A86BC-79D7-4052-9F5D-3BEF91A7DCEC}"/>
+              </a:ext>
+            </a:extLst>
+          </p:cNvPr>
+          <p:cNvSpPr txBox="1"/>
+          <p:nvPr/>
+        </p:nvSpPr>
+        <p:spPr>
+          <a:xfrm>
+            <a:off x="4015408" y="2939612"/>
+            <a:ext cx="7447722" cy="1938992"/>
+          </a:xfrm>
+          <a:prstGeom prst="rect">
+            <a:avLst/>
+          </a:prstGeom>
+          <a:noFill/>
+          <a:ln w="38100">
+            <a:solidFill>
+              <a:srgbClr val="FF0000"/>
+            </a:solidFill>
+          </a:ln>
+        </p:spPr>
+        <p:txBody>
+          <a:bodyPr wrap="square" rtlCol="0">
+            <a:spAutoFit/>
+          </a:bodyPr>
+          <a:lstStyle/>
+          <a:p>
+            <a:pPr marL="285750" indent="-285750">
+              <a:buFont typeface="Arial" panose="020B0604020202020204" pitchFamily="34" charset="0"/>
+              <a:buChar char="•"/>
+            </a:pPr>
+            <a:r>
+              <a:rPr lang="en-US" sz="2400" dirty="0"/>
+              <a:t>We need to store data with time stamps  in a database</a:t>
+            </a:r>
+          </a:p>
+          <a:p>
+            <a:pPr marL="285750" indent="-285750">
+              <a:buFont typeface="Arial" panose="020B0604020202020204" pitchFamily="34" charset="0"/>
+              <a:buChar char="•"/>
+            </a:pPr>
+            <a:r>
+              <a:rPr lang="en-US" sz="2400" dirty="0"/>
+              <a:t>We need to have multiple database </a:t>
+            </a:r>
+          </a:p>
+          <a:p>
+            <a:pPr marL="285750" indent="-285750">
+              <a:buFont typeface="Arial" panose="020B0604020202020204" pitchFamily="34" charset="0"/>
+              <a:buChar char="•"/>
+            </a:pPr>
+            <a:r>
+              <a:rPr lang="en-US" sz="2400" dirty="0"/>
+              <a:t>Different types of data need to be stored</a:t>
+            </a:r>
+          </a:p>
+          <a:p>
+            <a:pPr marL="285750" indent="-285750">
+              <a:buFont typeface="Arial" panose="020B0604020202020204" pitchFamily="34" charset="0"/>
+              <a:buChar char="•"/>
+            </a:pPr>
+            <a:r>
+              <a:rPr lang="en-US" sz="2400" dirty="0"/>
+              <a:t>Data need to be retrieved </a:t>
+            </a:r>
+          </a:p>
+          <a:p>
+            <a:pPr marL="285750" indent="-285750">
+              <a:buFont typeface="Arial" panose="020B0604020202020204" pitchFamily="34" charset="0"/>
+              <a:buChar char="•"/>
+            </a:pPr>
+            <a:r>
+              <a:rPr lang="en-US" sz="2400" dirty="0"/>
+              <a:t>Presented to the farmer in a usable way</a:t>
+            </a:r>
+          </a:p>
+        </p:txBody>
+      </p:sp>
+      <p:sp>
+        <p:nvSpPr>
+          <p:cNvPr id="6" name="Rectangle 5">
+            <a:extLst>
+              <a:ext uri="{FF2B5EF4-FFF2-40B4-BE49-F238E27FC236}">
+                <a16:creationId xmlns:a16="http://schemas.microsoft.com/office/drawing/2014/main" id="{ADC74E13-E031-46C1-A341-E35BBDBEFFE8}"/>
+              </a:ext>
+            </a:extLst>
+          </p:cNvPr>
+          <p:cNvSpPr/>
+          <p:nvPr/>
+        </p:nvSpPr>
+        <p:spPr>
+          <a:xfrm>
+            <a:off x="2311807" y="5426765"/>
+            <a:ext cx="8045472" cy="923330"/>
+          </a:xfrm>
+          <a:prstGeom prst="rect">
+            <a:avLst/>
+          </a:prstGeom>
+          <a:noFill/>
+        </p:spPr>
+        <p:txBody>
+          <a:bodyPr wrap="none" lIns="91440" tIns="45720" rIns="91440" bIns="45720">
+            <a:spAutoFit/>
+          </a:bodyPr>
+          <a:lstStyle/>
+          <a:p>
+            <a:pPr algn="ctr"/>
+            <a:r>
+              <a:rPr lang="en-US" sz="5400" b="1" dirty="0">
+                <a:ln w="22225">
+                  <a:solidFill>
+                    <a:schemeClr val="accent2"/>
+                  </a:solidFill>
+                  <a:prstDash val="solid"/>
+                </a:ln>
+                <a:solidFill>
+                  <a:schemeClr val="accent2">
+                    <a:lumMod val="40000"/>
+                    <a:lumOff val="60000"/>
+                  </a:schemeClr>
+                </a:solidFill>
+              </a:rPr>
+              <a:t>Affordable and Deployable</a:t>
+            </a:r>
+            <a:endParaRPr lang="en-US" sz="5400" b="1" cap="none" spc="0" dirty="0">
+              <a:ln w="22225">
+                <a:solidFill>
+                  <a:schemeClr val="accent2"/>
+                </a:solidFill>
+                <a:prstDash val="solid"/>
+              </a:ln>
+              <a:solidFill>
+                <a:schemeClr val="accent2">
+                  <a:lumMod val="40000"/>
+                  <a:lumOff val="60000"/>
+                </a:schemeClr>
+              </a:solidFill>
+              <a:effectLst/>
+            </a:endParaRPr>
+          </a:p>
+        </p:txBody>
+      </p:sp>
+      <p:pic>
+        <p:nvPicPr>
+          <p:cNvPr id="7" name="Picture 6">
+            <a:extLst>
+              <a:ext uri="{FF2B5EF4-FFF2-40B4-BE49-F238E27FC236}">
+                <a16:creationId xmlns:a16="http://schemas.microsoft.com/office/drawing/2014/main" id="{225D34E2-E7CC-4589-A9CA-FFEA4C0949AA}"/>
+              </a:ext>
+            </a:extLst>
+          </p:cNvPr>
+          <p:cNvPicPr>
+            <a:picLocks noChangeAspect="1"/>
+          </p:cNvPicPr>
+          <p:nvPr/>
+        </p:nvPicPr>
+        <p:blipFill>
+          <a:blip r:embed="rId3"/>
+          <a:stretch>
+            <a:fillRect/>
+          </a:stretch>
+        </p:blipFill>
+        <p:spPr>
+          <a:xfrm>
+            <a:off x="8109295" y="550226"/>
+            <a:ext cx="1857375" cy="1257300"/>
+          </a:xfrm>
+          <a:prstGeom prst="rect">
+            <a:avLst/>
+          </a:prstGeom>
+        </p:spPr>
+      </p:pic>
+      <p:pic>
+        <p:nvPicPr>
+          <p:cNvPr id="3078" name="Picture 6" descr="Download Centralized Database - Centralized Database Icon - Full ...">
+            <a:extLst>
+              <a:ext uri="{FF2B5EF4-FFF2-40B4-BE49-F238E27FC236}">
+                <a16:creationId xmlns:a16="http://schemas.microsoft.com/office/drawing/2014/main" id="{13B35D4F-4E25-44E5-A6FC-87D87D51D643}"/>
+              </a:ext>
+            </a:extLst>
+          </p:cNvPr>
+          <p:cNvPicPr>
+            <a:picLocks noChangeAspect="1" noChangeArrowheads="1"/>
+          </p:cNvPicPr>
+          <p:nvPr/>
+        </p:nvPicPr>
+        <p:blipFill>
+          <a:blip r:embed="rId4">
+            <a:extLst>
+              <a:ext uri="{28A0092B-C50C-407E-A947-70E740481C1C}">
+                <a14:useLocalDpi xmlns:a14="http://schemas.microsoft.com/office/drawing/2010/main" val="0"/>
+              </a:ext>
+            </a:extLst>
+          </a:blip>
+          <a:srcRect/>
+          <a:stretch>
+            <a:fillRect/>
+          </a:stretch>
+        </p:blipFill>
+        <p:spPr bwMode="auto">
+          <a:xfrm>
+            <a:off x="4985716" y="437390"/>
+            <a:ext cx="2220567" cy="1900485"/>
+          </a:xfrm>
+          <a:prstGeom prst="rect">
+            <a:avLst/>
+          </a:prstGeom>
+          <a:noFill/>
+          <a:extLst>
+            <a:ext uri="{909E8E84-426E-40DD-AFC4-6F175D3DCCD1}">
+              <a14:hiddenFill xmlns:a14="http://schemas.microsoft.com/office/drawing/2010/main">
+                <a:solidFill>
+                  <a:srgbClr val="FFFFFF"/>
+                </a:solidFill>
+              </a14:hiddenFill>
+            </a:ext>
+          </a:extLst>
+        </p:spPr>
+      </p:pic>
+    </p:spTree>
+    <p:extLst>
+      <p:ext uri="{BB962C8B-B14F-4D97-AF65-F5344CB8AC3E}">
+        <p14:creationId xmlns:p14="http://schemas.microsoft.com/office/powerpoint/2010/main" val="2876351014"/>
+      </p:ext>
+    </p:extLst>
+  </p:cSld>
+  <p:clrMapOvr>
+    <a:masterClrMapping/>
+  </p:clrMapOvr>
+</p:sld>
+</file>
+
+<file path=ppt/slides/slide15.xml><?xml version="1.0" encoding="utf-8"?>
+<p:sld xmlns:a="http://schemas.openxmlformats.org/drawingml/2006/main" xmlns:r="http://schemas.openxmlformats.org/officeDocument/2006/relationships" xmlns:p="http://schemas.openxmlformats.org/presentationml/2006/main">
+  <p:cSld>
+    <p:spTree>
+      <p:nvGrpSpPr>
+        <p:cNvPr id="1" name=""/>
+        <p:cNvGrpSpPr/>
+        <p:nvPr/>
+      </p:nvGrpSpPr>
+      <p:grpSpPr>
+        <a:xfrm>
+          <a:off x="0" y="0"/>
+          <a:ext cx="0" cy="0"/>
+          <a:chOff x="0" y="0"/>
+          <a:chExt cx="0" cy="0"/>
+        </a:xfrm>
+      </p:grpSpPr>
+      <p:pic>
+        <p:nvPicPr>
+          <p:cNvPr id="4098" name="Picture 2" descr="What is the relationship between temperature and humidity ...">
+            <a:extLst>
+              <a:ext uri="{FF2B5EF4-FFF2-40B4-BE49-F238E27FC236}">
+                <a16:creationId xmlns:a16="http://schemas.microsoft.com/office/drawing/2014/main" id="{2C7E7A38-FBBC-40A4-BBBC-93EF6A4451D4}"/>
+              </a:ext>
+            </a:extLst>
+          </p:cNvPr>
+          <p:cNvPicPr>
+            <a:picLocks noChangeAspect="1" noChangeArrowheads="1"/>
+          </p:cNvPicPr>
+          <p:nvPr/>
+        </p:nvPicPr>
+        <p:blipFill>
+          <a:blip r:embed="rId2">
+            <a:extLst>
+              <a:ext uri="{28A0092B-C50C-407E-A947-70E740481C1C}">
+                <a14:useLocalDpi xmlns:a14="http://schemas.microsoft.com/office/drawing/2010/main" val="0"/>
+              </a:ext>
+            </a:extLst>
+          </a:blip>
+          <a:srcRect/>
+          <a:stretch>
+            <a:fillRect/>
+          </a:stretch>
+        </p:blipFill>
+        <p:spPr bwMode="auto">
+          <a:xfrm>
+            <a:off x="782785" y="227812"/>
+            <a:ext cx="10626429" cy="6402376"/>
+          </a:xfrm>
+          <a:prstGeom prst="rect">
+            <a:avLst/>
+          </a:prstGeom>
+          <a:noFill/>
+          <a:extLst>
+            <a:ext uri="{909E8E84-426E-40DD-AFC4-6F175D3DCCD1}">
+              <a14:hiddenFill xmlns:a14="http://schemas.microsoft.com/office/drawing/2010/main">
+                <a:solidFill>
+                  <a:srgbClr val="FFFFFF"/>
+                </a:solidFill>
+              </a14:hiddenFill>
+            </a:ext>
+          </a:extLst>
+        </p:spPr>
+      </p:pic>
+    </p:spTree>
+    <p:extLst>
+      <p:ext uri="{BB962C8B-B14F-4D97-AF65-F5344CB8AC3E}">
+        <p14:creationId xmlns:p14="http://schemas.microsoft.com/office/powerpoint/2010/main" val="764472197"/>
+      </p:ext>
+    </p:extLst>
+  </p:cSld>
+  <p:clrMapOvr>
+    <a:masterClrMapping/>
+  </p:clrMapOvr>
+</p:sld>
+</file>
+
+<file path=ppt/slides/slide16.xml><?xml version="1.0" encoding="utf-8"?>
+<p:sld xmlns:a="http://schemas.openxmlformats.org/drawingml/2006/main" xmlns:r="http://schemas.openxmlformats.org/officeDocument/2006/relationships" xmlns:p="http://schemas.openxmlformats.org/presentationml/2006/main">
+  <p:cSld>
+    <p:spTree>
+      <p:nvGrpSpPr>
+        <p:cNvPr id="1" name=""/>
+        <p:cNvGrpSpPr/>
+        <p:nvPr/>
+      </p:nvGrpSpPr>
+      <p:grpSpPr>
+        <a:xfrm>
+          <a:off x="0" y="0"/>
+          <a:ext cx="0" cy="0"/>
+          <a:chOff x="0" y="0"/>
+          <a:chExt cx="0" cy="0"/>
+        </a:xfrm>
+      </p:grpSpPr>
+      <p:pic>
+        <p:nvPicPr>
+          <p:cNvPr id="3" name="Picture 4" descr="Soil Moisture Analysis">
+            <a:extLst>
+              <a:ext uri="{FF2B5EF4-FFF2-40B4-BE49-F238E27FC236}">
+                <a16:creationId xmlns:a16="http://schemas.microsoft.com/office/drawing/2014/main" id="{61DCAE8C-BBFF-4E8A-A7BF-49F67D183C75}"/>
+              </a:ext>
+            </a:extLst>
+          </p:cNvPr>
+          <p:cNvPicPr>
+            <a:picLocks noChangeAspect="1" noChangeArrowheads="1"/>
+          </p:cNvPicPr>
+          <p:nvPr/>
+        </p:nvPicPr>
+        <p:blipFill>
+          <a:blip r:embed="rId2">
+            <a:extLst>
+              <a:ext uri="{28A0092B-C50C-407E-A947-70E740481C1C}">
+                <a14:useLocalDpi xmlns:a14="http://schemas.microsoft.com/office/drawing/2010/main" val="0"/>
+              </a:ext>
+            </a:extLst>
+          </a:blip>
+          <a:srcRect/>
+          <a:stretch>
+            <a:fillRect/>
+          </a:stretch>
+        </p:blipFill>
+        <p:spPr bwMode="auto">
+          <a:xfrm>
+            <a:off x="1247880" y="361049"/>
+            <a:ext cx="9696239" cy="6135902"/>
+          </a:xfrm>
+          <a:prstGeom prst="rect">
+            <a:avLst/>
+          </a:prstGeom>
+          <a:noFill/>
+          <a:extLst>
+            <a:ext uri="{909E8E84-426E-40DD-AFC4-6F175D3DCCD1}">
+              <a14:hiddenFill xmlns:a14="http://schemas.microsoft.com/office/drawing/2010/main">
+                <a:solidFill>
+                  <a:srgbClr val="FFFFFF"/>
+                </a:solidFill>
+              </a14:hiddenFill>
+            </a:ext>
+          </a:extLst>
+        </p:spPr>
+      </p:pic>
+    </p:spTree>
+    <p:extLst>
+      <p:ext uri="{BB962C8B-B14F-4D97-AF65-F5344CB8AC3E}">
+        <p14:creationId xmlns:p14="http://schemas.microsoft.com/office/powerpoint/2010/main" val="4064286361"/>
+      </p:ext>
+    </p:extLst>
+  </p:cSld>
+  <p:clrMapOvr>
+    <a:masterClrMapping/>
+  </p:clrMapOvr>
+</p:sld>
+</file>
+
+<file path=ppt/slides/slide17.xml><?xml version="1.0" encoding="utf-8"?>
+<p:sld xmlns:a="http://schemas.openxmlformats.org/drawingml/2006/main" xmlns:r="http://schemas.openxmlformats.org/officeDocument/2006/relationships" xmlns:p="http://schemas.openxmlformats.org/presentationml/2006/main">
+  <p:cSld>
+    <p:spTree>
+      <p:nvGrpSpPr>
+        <p:cNvPr id="1" name=""/>
+        <p:cNvGrpSpPr/>
+        <p:nvPr/>
+      </p:nvGrpSpPr>
+      <p:grpSpPr>
+        <a:xfrm>
+          <a:off x="0" y="0"/>
+          <a:ext cx="0" cy="0"/>
+          <a:chOff x="0" y="0"/>
+          <a:chExt cx="0" cy="0"/>
+        </a:xfrm>
+      </p:grpSpPr>
+      <p:sp>
+        <p:nvSpPr>
+          <p:cNvPr id="2" name="Rectangle 1">
+            <a:extLst>
+              <a:ext uri="{FF2B5EF4-FFF2-40B4-BE49-F238E27FC236}">
+                <a16:creationId xmlns:a16="http://schemas.microsoft.com/office/drawing/2014/main" id="{AD992EB9-AA60-4618-8695-EC46514D0E7C}"/>
+              </a:ext>
+            </a:extLst>
+          </p:cNvPr>
+          <p:cNvSpPr/>
+          <p:nvPr/>
+        </p:nvSpPr>
+        <p:spPr>
+          <a:xfrm>
+            <a:off x="1353169" y="1509596"/>
+            <a:ext cx="9777228" cy="1754326"/>
+          </a:xfrm>
+          <a:prstGeom prst="rect">
+            <a:avLst/>
+          </a:prstGeom>
+          <a:noFill/>
+        </p:spPr>
+        <p:txBody>
+          <a:bodyPr wrap="none" lIns="91440" tIns="45720" rIns="91440" bIns="45720">
+            <a:spAutoFit/>
+          </a:bodyPr>
+          <a:lstStyle/>
+          <a:p>
+            <a:pPr algn="ctr"/>
+            <a:r>
+              <a:rPr lang="en-US" sz="5400" b="1" dirty="0">
+                <a:ln w="22225">
+                  <a:solidFill>
+                    <a:schemeClr val="accent2"/>
+                  </a:solidFill>
+                  <a:prstDash val="solid"/>
+                </a:ln>
+                <a:solidFill>
+                  <a:schemeClr val="accent2">
+                    <a:lumMod val="40000"/>
+                    <a:lumOff val="60000"/>
+                  </a:schemeClr>
+                </a:solidFill>
+              </a:rPr>
+              <a:t>Presenting the data to farmer is a</a:t>
+            </a:r>
+          </a:p>
+          <a:p>
+            <a:pPr algn="ctr"/>
+            <a:r>
+              <a:rPr lang="en-US" sz="5400" b="1" cap="none" spc="0" dirty="0">
+                <a:ln w="22225">
+                  <a:solidFill>
+                    <a:schemeClr val="accent2"/>
+                  </a:solidFill>
+                  <a:prstDash val="solid"/>
+                </a:ln>
+                <a:solidFill>
+                  <a:schemeClr val="accent2">
+                    <a:lumMod val="40000"/>
+                    <a:lumOff val="60000"/>
+                  </a:schemeClr>
+                </a:solidFill>
+                <a:effectLst/>
+              </a:rPr>
+              <a:t>Very critical aspect.</a:t>
+            </a:r>
+          </a:p>
+        </p:txBody>
+      </p:sp>
+      <p:sp>
+        <p:nvSpPr>
+          <p:cNvPr id="3" name="Rectangle 2">
+            <a:extLst>
+              <a:ext uri="{FF2B5EF4-FFF2-40B4-BE49-F238E27FC236}">
+                <a16:creationId xmlns:a16="http://schemas.microsoft.com/office/drawing/2014/main" id="{3CBE2CA3-3B14-41E5-B1A2-6BCB82E3951B}"/>
+              </a:ext>
+            </a:extLst>
+          </p:cNvPr>
+          <p:cNvSpPr/>
+          <p:nvPr/>
+        </p:nvSpPr>
+        <p:spPr>
+          <a:xfrm>
+            <a:off x="2820814" y="4358813"/>
+            <a:ext cx="6841938" cy="1754326"/>
+          </a:xfrm>
+          <a:prstGeom prst="rect">
+            <a:avLst/>
+          </a:prstGeom>
+          <a:noFill/>
+        </p:spPr>
+        <p:txBody>
+          <a:bodyPr wrap="none" lIns="91440" tIns="45720" rIns="91440" bIns="45720">
+            <a:spAutoFit/>
+          </a:bodyPr>
+          <a:lstStyle/>
+          <a:p>
+            <a:pPr algn="ctr"/>
+            <a:r>
+              <a:rPr lang="en-US" sz="5400" b="1" dirty="0">
+                <a:ln w="12700">
+                  <a:solidFill>
+                    <a:schemeClr val="tx2">
+                      <a:lumMod val="75000"/>
+                    </a:schemeClr>
+                  </a:solidFill>
+                  <a:prstDash val="solid"/>
+                </a:ln>
+                <a:pattFill prst="dkUpDiag">
+                  <a:fgClr>
+                    <a:schemeClr val="tx2"/>
+                  </a:fgClr>
+                  <a:bgClr>
+                    <a:schemeClr val="tx2">
+                      <a:lumMod val="20000"/>
+                      <a:lumOff val="80000"/>
+                    </a:schemeClr>
+                  </a:bgClr>
+                </a:pattFill>
+                <a:effectLst>
+                  <a:outerShdw dist="38100" dir="2640000" algn="bl" rotWithShape="0">
+                    <a:schemeClr val="tx2">
+                      <a:lumMod val="75000"/>
+                    </a:schemeClr>
+                  </a:outerShdw>
+                </a:effectLst>
+              </a:rPr>
+              <a:t>Design Thinking comes</a:t>
+            </a:r>
+          </a:p>
+          <a:p>
+            <a:pPr algn="ctr"/>
+            <a:r>
+              <a:rPr lang="en-US" sz="5400" b="1" dirty="0">
+                <a:ln w="12700">
+                  <a:solidFill>
+                    <a:schemeClr val="tx2">
+                      <a:lumMod val="75000"/>
+                    </a:schemeClr>
+                  </a:solidFill>
+                  <a:prstDash val="solid"/>
+                </a:ln>
+                <a:pattFill prst="dkUpDiag">
+                  <a:fgClr>
+                    <a:schemeClr val="tx2"/>
+                  </a:fgClr>
+                  <a:bgClr>
+                    <a:schemeClr val="tx2">
+                      <a:lumMod val="20000"/>
+                      <a:lumOff val="80000"/>
+                    </a:schemeClr>
+                  </a:bgClr>
+                </a:pattFill>
+                <a:effectLst>
+                  <a:outerShdw dist="38100" dir="2640000" algn="bl" rotWithShape="0">
+                    <a:schemeClr val="tx2">
+                      <a:lumMod val="75000"/>
+                    </a:schemeClr>
+                  </a:outerShdw>
+                </a:effectLst>
+              </a:rPr>
+              <a:t> into picture</a:t>
+            </a:r>
+            <a:endParaRPr lang="en-US" sz="5400" b="1" cap="none" spc="0" dirty="0">
+              <a:ln w="12700">
+                <a:solidFill>
+                  <a:schemeClr val="tx2">
+                    <a:lumMod val="75000"/>
+                  </a:schemeClr>
+                </a:solidFill>
+                <a:prstDash val="solid"/>
+              </a:ln>
+              <a:pattFill prst="dkUpDiag">
+                <a:fgClr>
+                  <a:schemeClr val="tx2"/>
+                </a:fgClr>
+                <a:bgClr>
+                  <a:schemeClr val="tx2">
+                    <a:lumMod val="20000"/>
+                    <a:lumOff val="80000"/>
+                  </a:schemeClr>
+                </a:bgClr>
+              </a:pattFill>
+              <a:effectLst>
+                <a:outerShdw dist="38100" dir="2640000" algn="bl" rotWithShape="0">
+                  <a:schemeClr val="tx2">
+                    <a:lumMod val="75000"/>
+                  </a:schemeClr>
+                </a:outerShdw>
+              </a:effectLst>
+            </a:endParaRPr>
+          </a:p>
+        </p:txBody>
+      </p:sp>
+    </p:spTree>
+    <p:extLst>
+      <p:ext uri="{BB962C8B-B14F-4D97-AF65-F5344CB8AC3E}">
+        <p14:creationId xmlns:p14="http://schemas.microsoft.com/office/powerpoint/2010/main" val="95734751"/>
+      </p:ext>
+    </p:extLst>
+  </p:cSld>
+  <p:clrMapOvr>
+    <a:masterClrMapping/>
+  </p:clrMapOvr>
+</p:sld>
+</file>
+
+<file path=ppt/slides/slide18.xml><?xml version="1.0" encoding="utf-8"?>
+<p:sld xmlns:a="http://schemas.openxmlformats.org/drawingml/2006/main" xmlns:r="http://schemas.openxmlformats.org/officeDocument/2006/relationships" xmlns:p="http://schemas.openxmlformats.org/presentationml/2006/main">
+  <p:cSld>
+    <p:spTree>
+      <p:nvGrpSpPr>
+        <p:cNvPr id="1" name=""/>
+        <p:cNvGrpSpPr/>
+        <p:nvPr/>
+      </p:nvGrpSpPr>
+      <p:grpSpPr>
+        <a:xfrm>
+          <a:off x="0" y="0"/>
+          <a:ext cx="0" cy="0"/>
+          <a:chOff x="0" y="0"/>
+          <a:chExt cx="0" cy="0"/>
+        </a:xfrm>
+      </p:grpSpPr>
+      <p:sp>
+        <p:nvSpPr>
+          <p:cNvPr id="2" name="Rectangle 1">
+            <a:extLst>
+              <a:ext uri="{FF2B5EF4-FFF2-40B4-BE49-F238E27FC236}">
+                <a16:creationId xmlns:a16="http://schemas.microsoft.com/office/drawing/2014/main" id="{6FD933F7-5A51-4D15-A500-7B61F4C4DF8D}"/>
+              </a:ext>
+            </a:extLst>
+          </p:cNvPr>
+          <p:cNvSpPr/>
+          <p:nvPr/>
+        </p:nvSpPr>
+        <p:spPr>
+          <a:xfrm>
+            <a:off x="975887" y="2967335"/>
+            <a:ext cx="10240239" cy="1754326"/>
+          </a:xfrm>
+          <a:prstGeom prst="rect">
+            <a:avLst/>
+          </a:prstGeom>
+          <a:noFill/>
+        </p:spPr>
+        <p:txBody>
+          <a:bodyPr wrap="none" lIns="91440" tIns="45720" rIns="91440" bIns="45720">
+            <a:spAutoFit/>
+          </a:bodyPr>
+          <a:lstStyle/>
+          <a:p>
+            <a:pPr algn="ctr"/>
+            <a:r>
+              <a:rPr lang="en-US" sz="5400" b="1" dirty="0">
+                <a:ln w="12700">
+                  <a:solidFill>
+                    <a:schemeClr val="accent3">
+                      <a:lumMod val="50000"/>
+                    </a:schemeClr>
+                  </a:solidFill>
+                  <a:prstDash val="solid"/>
+                </a:ln>
+                <a:pattFill prst="narHorz">
+                  <a:fgClr>
+                    <a:schemeClr val="accent3"/>
+                  </a:fgClr>
+                  <a:bgClr>
+                    <a:schemeClr val="accent3">
+                      <a:lumMod val="40000"/>
+                      <a:lumOff val="60000"/>
+                    </a:schemeClr>
+                  </a:bgClr>
+                </a:pattFill>
+                <a:effectLst>
+                  <a:innerShdw blurRad="177800">
+                    <a:schemeClr val="accent3">
+                      <a:lumMod val="50000"/>
+                    </a:schemeClr>
+                  </a:innerShdw>
+                </a:effectLst>
+              </a:rPr>
+              <a:t>Necessity it he mother of Invention</a:t>
+            </a:r>
+          </a:p>
+          <a:p>
+            <a:pPr algn="ctr"/>
+            <a:endParaRPr lang="en-US" sz="5400" b="1" cap="none" spc="0" dirty="0">
+              <a:ln w="12700">
+                <a:solidFill>
+                  <a:schemeClr val="accent3">
+                    <a:lumMod val="50000"/>
+                  </a:schemeClr>
+                </a:solidFill>
+                <a:prstDash val="solid"/>
+              </a:ln>
+              <a:pattFill prst="narHorz">
+                <a:fgClr>
+                  <a:schemeClr val="accent3"/>
+                </a:fgClr>
+                <a:bgClr>
+                  <a:schemeClr val="accent3">
+                    <a:lumMod val="40000"/>
+                    <a:lumOff val="60000"/>
+                  </a:schemeClr>
+                </a:bgClr>
+              </a:pattFill>
+              <a:effectLst>
+                <a:innerShdw blurRad="177800">
+                  <a:schemeClr val="accent3">
+                    <a:lumMod val="50000"/>
+                  </a:schemeClr>
+                </a:innerShdw>
+              </a:effectLst>
+            </a:endParaRPr>
+          </a:p>
+        </p:txBody>
+      </p:sp>
+    </p:spTree>
+    <p:extLst>
+      <p:ext uri="{BB962C8B-B14F-4D97-AF65-F5344CB8AC3E}">
+        <p14:creationId xmlns:p14="http://schemas.microsoft.com/office/powerpoint/2010/main" val="1362023159"/>
+      </p:ext>
+    </p:extLst>
+  </p:cSld>
+  <p:clrMapOvr>
+    <a:masterClrMapping/>
+  </p:clrMapOvr>
+</p:sld>
+</file>
+
+<file path=ppt/slides/slide19.xml><?xml version="1.0" encoding="utf-8"?>
+<p:sld xmlns:a="http://schemas.openxmlformats.org/drawingml/2006/main" xmlns:r="http://schemas.openxmlformats.org/officeDocument/2006/relationships" xmlns:p="http://schemas.openxmlformats.org/presentationml/2006/main">
+  <p:cSld>
+    <p:spTree>
+      <p:nvGrpSpPr>
+        <p:cNvPr id="1" name=""/>
+        <p:cNvGrpSpPr/>
+        <p:nvPr/>
+      </p:nvGrpSpPr>
+      <p:grpSpPr>
+        <a:xfrm>
+          <a:off x="0" y="0"/>
+          <a:ext cx="0" cy="0"/>
+          <a:chOff x="0" y="0"/>
+          <a:chExt cx="0" cy="0"/>
+        </a:xfrm>
+      </p:grpSpPr>
+      <p:sp>
+        <p:nvSpPr>
+          <p:cNvPr id="7" name="Rectangle 6">
+            <a:extLst>
+              <a:ext uri="{FF2B5EF4-FFF2-40B4-BE49-F238E27FC236}">
+                <a16:creationId xmlns:a16="http://schemas.microsoft.com/office/drawing/2014/main" id="{8B838685-3CEF-48DE-B655-7AC42615EEF8}"/>
+              </a:ext>
+            </a:extLst>
+          </p:cNvPr>
+          <p:cNvSpPr/>
+          <p:nvPr/>
+        </p:nvSpPr>
+        <p:spPr>
+          <a:xfrm>
+            <a:off x="418967" y="2397492"/>
+            <a:ext cx="11354070" cy="1754326"/>
+          </a:xfrm>
+          <a:prstGeom prst="rect">
+            <a:avLst/>
+          </a:prstGeom>
+          <a:noFill/>
+        </p:spPr>
+        <p:txBody>
+          <a:bodyPr wrap="none" lIns="91440" tIns="45720" rIns="91440" bIns="45720">
+            <a:spAutoFit/>
+          </a:bodyPr>
+          <a:lstStyle/>
+          <a:p>
+            <a:pPr algn="ctr"/>
+            <a:r>
+              <a:rPr lang="en-US" sz="5400" b="1" cap="none" spc="0" dirty="0">
+                <a:ln w="9525">
+                  <a:solidFill>
+                    <a:schemeClr val="bg1"/>
+                  </a:solidFill>
+                  <a:prstDash val="solid"/>
+                </a:ln>
+                <a:solidFill>
+                  <a:schemeClr val="accent5"/>
+                </a:solidFill>
+                <a:effectLst>
+                  <a:outerShdw blurRad="12700" dist="38100" dir="2700000" algn="tl" rotWithShape="0">
+                    <a:schemeClr val="accent5">
+                      <a:lumMod val="60000"/>
+                      <a:lumOff val="40000"/>
+                    </a:schemeClr>
+                  </a:outerShdw>
+                </a:effectLst>
+              </a:rPr>
+              <a:t>This is what leads us to the need of an</a:t>
+            </a:r>
+          </a:p>
+          <a:p>
+            <a:pPr algn="ctr"/>
+            <a:r>
+              <a:rPr lang="en-US" sz="5400" b="1" cap="none" spc="0" dirty="0">
+                <a:ln w="9525">
+                  <a:solidFill>
+                    <a:schemeClr val="bg1"/>
+                  </a:solidFill>
+                  <a:prstDash val="solid"/>
+                </a:ln>
+                <a:solidFill>
+                  <a:schemeClr val="accent5"/>
+                </a:solidFill>
+                <a:effectLst>
+                  <a:outerShdw blurRad="12700" dist="38100" dir="2700000" algn="tl" rotWithShape="0">
+                    <a:schemeClr val="accent5">
+                      <a:lumMod val="60000"/>
+                      <a:lumOff val="40000"/>
+                    </a:schemeClr>
+                  </a:outerShdw>
+                </a:effectLst>
+              </a:rPr>
+              <a:t>IoT platform</a:t>
+            </a:r>
+          </a:p>
+        </p:txBody>
+      </p:sp>
+    </p:spTree>
+    <p:extLst>
+      <p:ext uri="{BB962C8B-B14F-4D97-AF65-F5344CB8AC3E}">
+        <p14:creationId xmlns:p14="http://schemas.microsoft.com/office/powerpoint/2010/main" val="1582394294"/>
+      </p:ext>
+    </p:extLst>
+  </p:cSld>
+  <p:clrMapOvr>
+    <a:masterClrMapping/>
+  </p:clrMapOvr>
+</p:sld>
+</file>
+
 <file path=ppt/slides/slide2.xml><?xml version="1.0" encoding="utf-8"?>
+<p:sld xmlns:a="http://schemas.openxmlformats.org/drawingml/2006/main" xmlns:r="http://schemas.openxmlformats.org/officeDocument/2006/relationships" xmlns:p="http://schemas.openxmlformats.org/presentationml/2006/main">
+  <p:cSld>
+    <p:spTree>
+      <p:nvGrpSpPr>
+        <p:cNvPr id="1" name=""/>
+        <p:cNvGrpSpPr/>
+        <p:nvPr/>
+      </p:nvGrpSpPr>
+      <p:grpSpPr>
+        <a:xfrm>
+          <a:off x="0" y="0"/>
+          <a:ext cx="0" cy="0"/>
+          <a:chOff x="0" y="0"/>
+          <a:chExt cx="0" cy="0"/>
+        </a:xfrm>
+      </p:grpSpPr>
+      <p:sp>
+        <p:nvSpPr>
+          <p:cNvPr id="2" name="Title 1">
+            <a:extLst>
+              <a:ext uri="{FF2B5EF4-FFF2-40B4-BE49-F238E27FC236}">
+                <a16:creationId xmlns:a16="http://schemas.microsoft.com/office/drawing/2014/main" id="{AC26A2FE-A983-484F-8042-0FBC773486F8}"/>
+              </a:ext>
+            </a:extLst>
+          </p:cNvPr>
+          <p:cNvSpPr>
+            <a:spLocks noGrp="1"/>
+          </p:cNvSpPr>
+          <p:nvPr>
+            <p:ph type="title"/>
+          </p:nvPr>
+        </p:nvSpPr>
+        <p:spPr>
+          <a:xfrm>
+            <a:off x="1101656" y="821635"/>
+            <a:ext cx="6253301" cy="2779644"/>
+          </a:xfrm>
+        </p:spPr>
+        <p:txBody>
+          <a:bodyPr>
+            <a:normAutofit fontScale="90000"/>
+          </a:bodyPr>
+          <a:lstStyle/>
+          <a:p>
+            <a:pPr algn="just"/>
+            <a:r>
+              <a:rPr lang="en-US" dirty="0"/>
+              <a:t> Knowledgeable  and talented people  who understand the science of agriculture is getting into farming</a:t>
+            </a:r>
+            <a:br>
+              <a:rPr lang="en-US" dirty="0"/>
+            </a:br>
+            <a:endParaRPr lang="en-IN" dirty="0"/>
+          </a:p>
+        </p:txBody>
+      </p:sp>
+      <p:pic>
+        <p:nvPicPr>
+          <p:cNvPr id="5122" name="Picture 2" descr="Inside Palla, Delhi's strawberry village - delhi news - Hindustan ...">
+            <a:extLst>
+              <a:ext uri="{FF2B5EF4-FFF2-40B4-BE49-F238E27FC236}">
+                <a16:creationId xmlns:a16="http://schemas.microsoft.com/office/drawing/2014/main" id="{7BC790DD-4348-41F7-8E3A-89F365C1BD91}"/>
+              </a:ext>
+            </a:extLst>
+          </p:cNvPr>
+          <p:cNvPicPr>
+            <a:picLocks noChangeAspect="1" noChangeArrowheads="1"/>
+          </p:cNvPicPr>
+          <p:nvPr/>
+        </p:nvPicPr>
+        <p:blipFill>
+          <a:blip r:embed="rId2">
+            <a:extLst>
+              <a:ext uri="{28A0092B-C50C-407E-A947-70E740481C1C}">
+                <a14:useLocalDpi xmlns:a14="http://schemas.microsoft.com/office/drawing/2010/main" val="0"/>
+              </a:ext>
+            </a:extLst>
+          </a:blip>
+          <a:srcRect/>
+          <a:stretch>
+            <a:fillRect/>
+          </a:stretch>
+        </p:blipFill>
+        <p:spPr bwMode="auto">
+          <a:xfrm>
+            <a:off x="7137538" y="3601279"/>
+            <a:ext cx="4179818" cy="2793180"/>
+          </a:xfrm>
+          <a:prstGeom prst="rect">
+            <a:avLst/>
+          </a:prstGeom>
+          <a:noFill/>
+          <a:extLst>
+            <a:ext uri="{909E8E84-426E-40DD-AFC4-6F175D3DCCD1}">
+              <a14:hiddenFill xmlns:a14="http://schemas.microsoft.com/office/drawing/2010/main">
+                <a:solidFill>
+                  <a:srgbClr val="FFFFFF"/>
+                </a:solidFill>
+              </a14:hiddenFill>
+            </a:ext>
+          </a:extLst>
+        </p:spPr>
+      </p:pic>
+    </p:spTree>
+    <p:extLst>
+      <p:ext uri="{BB962C8B-B14F-4D97-AF65-F5344CB8AC3E}">
+        <p14:creationId xmlns:p14="http://schemas.microsoft.com/office/powerpoint/2010/main" val="2235938793"/>
+      </p:ext>
+    </p:extLst>
+  </p:cSld>
+  <p:clrMapOvr>
+    <a:masterClrMapping/>
+  </p:clrMapOvr>
+</p:sld>
+</file>
+
+<file path=ppt/slides/slide20.xml><?xml version="1.0" encoding="utf-8"?>
+<p:sld xmlns:a="http://schemas.openxmlformats.org/drawingml/2006/main" xmlns:r="http://schemas.openxmlformats.org/officeDocument/2006/relationships" xmlns:p="http://schemas.openxmlformats.org/presentationml/2006/main">
+  <p:cSld>
+    <p:spTree>
+      <p:nvGrpSpPr>
+        <p:cNvPr id="1" name=""/>
+        <p:cNvGrpSpPr/>
+        <p:nvPr/>
+      </p:nvGrpSpPr>
+      <p:grpSpPr>
+        <a:xfrm>
+          <a:off x="0" y="0"/>
+          <a:ext cx="0" cy="0"/>
+          <a:chOff x="0" y="0"/>
+          <a:chExt cx="0" cy="0"/>
+        </a:xfrm>
+      </p:grpSpPr>
+      <p:sp>
+        <p:nvSpPr>
+          <p:cNvPr id="2" name="Oval 1">
+            <a:extLst>
+              <a:ext uri="{FF2B5EF4-FFF2-40B4-BE49-F238E27FC236}">
+                <a16:creationId xmlns:a16="http://schemas.microsoft.com/office/drawing/2014/main" id="{44172387-8734-49B7-A973-10FD6E982107}"/>
+              </a:ext>
+            </a:extLst>
+          </p:cNvPr>
+          <p:cNvSpPr/>
+          <p:nvPr/>
+        </p:nvSpPr>
+        <p:spPr>
+          <a:xfrm>
+            <a:off x="463825" y="4903305"/>
+            <a:ext cx="3154018" cy="1789044"/>
+          </a:xfrm>
+          <a:prstGeom prst="ellipse">
+            <a:avLst/>
+          </a:prstGeom>
+        </p:spPr>
+        <p:style>
+          <a:lnRef idx="2">
+            <a:schemeClr val="accent1">
+              <a:shade val="50000"/>
+            </a:schemeClr>
+          </a:lnRef>
+          <a:fillRef idx="1">
+            <a:schemeClr val="accent1"/>
+          </a:fillRef>
+          <a:effectRef idx="0">
+            <a:schemeClr val="accent1"/>
+          </a:effectRef>
+          <a:fontRef idx="minor">
+            <a:schemeClr val="lt1"/>
+          </a:fontRef>
+        </p:style>
+        <p:txBody>
+          <a:bodyPr rtlCol="0" anchor="ctr"/>
+          <a:lstStyle/>
+          <a:p>
+            <a:pPr algn="ctr"/>
+            <a:r>
+              <a:rPr lang="en-US" dirty="0"/>
+              <a:t>Collect Data</a:t>
+            </a:r>
+            <a:endParaRPr lang="en-IN" dirty="0"/>
+          </a:p>
+        </p:txBody>
+      </p:sp>
+      <p:sp>
+        <p:nvSpPr>
+          <p:cNvPr id="4" name="Oval 3">
+            <a:extLst>
+              <a:ext uri="{FF2B5EF4-FFF2-40B4-BE49-F238E27FC236}">
+                <a16:creationId xmlns:a16="http://schemas.microsoft.com/office/drawing/2014/main" id="{0F0C9402-ADF2-4889-9829-464E1DC71387}"/>
+              </a:ext>
+            </a:extLst>
+          </p:cNvPr>
+          <p:cNvSpPr/>
+          <p:nvPr/>
+        </p:nvSpPr>
+        <p:spPr>
+          <a:xfrm>
+            <a:off x="3458817" y="3578088"/>
+            <a:ext cx="3154018" cy="1789044"/>
+          </a:xfrm>
+          <a:prstGeom prst="ellipse">
+            <a:avLst/>
+          </a:prstGeom>
+        </p:spPr>
+        <p:style>
+          <a:lnRef idx="2">
+            <a:schemeClr val="accent1">
+              <a:shade val="50000"/>
+            </a:schemeClr>
+          </a:lnRef>
+          <a:fillRef idx="1">
+            <a:schemeClr val="accent1"/>
+          </a:fillRef>
+          <a:effectRef idx="0">
+            <a:schemeClr val="accent1"/>
+          </a:effectRef>
+          <a:fontRef idx="minor">
+            <a:schemeClr val="lt1"/>
+          </a:fontRef>
+        </p:style>
+        <p:txBody>
+          <a:bodyPr rtlCol="0" anchor="ctr"/>
+          <a:lstStyle/>
+          <a:p>
+            <a:pPr algn="ctr"/>
+            <a:r>
+              <a:rPr lang="en-US" dirty="0"/>
+              <a:t>Store Data</a:t>
+            </a:r>
+            <a:endParaRPr lang="en-IN" dirty="0"/>
+          </a:p>
+        </p:txBody>
+      </p:sp>
+      <p:sp>
+        <p:nvSpPr>
+          <p:cNvPr id="6" name="Oval 5">
+            <a:extLst>
+              <a:ext uri="{FF2B5EF4-FFF2-40B4-BE49-F238E27FC236}">
+                <a16:creationId xmlns:a16="http://schemas.microsoft.com/office/drawing/2014/main" id="{4C080313-BC37-4C43-86AC-68BACF7382F3}"/>
+              </a:ext>
+            </a:extLst>
+          </p:cNvPr>
+          <p:cNvSpPr/>
+          <p:nvPr/>
+        </p:nvSpPr>
+        <p:spPr>
+          <a:xfrm>
+            <a:off x="8116955" y="583095"/>
+            <a:ext cx="4075045" cy="1789044"/>
+          </a:xfrm>
+          <a:prstGeom prst="ellipse">
+            <a:avLst/>
+          </a:prstGeom>
+        </p:spPr>
+        <p:style>
+          <a:lnRef idx="2">
+            <a:schemeClr val="accent1">
+              <a:shade val="50000"/>
+            </a:schemeClr>
+          </a:lnRef>
+          <a:fillRef idx="1">
+            <a:schemeClr val="accent1"/>
+          </a:fillRef>
+          <a:effectRef idx="0">
+            <a:schemeClr val="accent1"/>
+          </a:effectRef>
+          <a:fontRef idx="minor">
+            <a:schemeClr val="lt1"/>
+          </a:fontRef>
+        </p:style>
+        <p:txBody>
+          <a:bodyPr rtlCol="0" anchor="ctr"/>
+          <a:lstStyle/>
+          <a:p>
+            <a:pPr algn="ctr"/>
+            <a:r>
+              <a:rPr lang="en-US" dirty="0"/>
+              <a:t>Present the information</a:t>
+            </a:r>
+            <a:endParaRPr lang="en-IN" dirty="0"/>
+          </a:p>
+        </p:txBody>
+      </p:sp>
+      <p:sp>
+        <p:nvSpPr>
+          <p:cNvPr id="8" name="Oval 7">
+            <a:extLst>
+              <a:ext uri="{FF2B5EF4-FFF2-40B4-BE49-F238E27FC236}">
+                <a16:creationId xmlns:a16="http://schemas.microsoft.com/office/drawing/2014/main" id="{3DDB5FB1-6C0F-44EB-82A1-FEC813CCE1AA}"/>
+              </a:ext>
+            </a:extLst>
+          </p:cNvPr>
+          <p:cNvSpPr/>
+          <p:nvPr/>
+        </p:nvSpPr>
+        <p:spPr>
+          <a:xfrm>
+            <a:off x="6251712" y="2226367"/>
+            <a:ext cx="3154018" cy="1789044"/>
+          </a:xfrm>
+          <a:prstGeom prst="ellipse">
+            <a:avLst/>
+          </a:prstGeom>
+        </p:spPr>
+        <p:style>
+          <a:lnRef idx="2">
+            <a:schemeClr val="accent1">
+              <a:shade val="50000"/>
+            </a:schemeClr>
+          </a:lnRef>
+          <a:fillRef idx="1">
+            <a:schemeClr val="accent1"/>
+          </a:fillRef>
+          <a:effectRef idx="0">
+            <a:schemeClr val="accent1"/>
+          </a:effectRef>
+          <a:fontRef idx="minor">
+            <a:schemeClr val="lt1"/>
+          </a:fontRef>
+        </p:style>
+        <p:txBody>
+          <a:bodyPr rtlCol="0" anchor="ctr"/>
+          <a:lstStyle/>
+          <a:p>
+            <a:pPr algn="ctr"/>
+            <a:r>
+              <a:rPr lang="en-US" dirty="0"/>
+              <a:t>Analyze data</a:t>
+            </a:r>
+            <a:endParaRPr lang="en-IN" dirty="0"/>
+          </a:p>
+        </p:txBody>
+      </p:sp>
+    </p:spTree>
+    <p:extLst>
+      <p:ext uri="{BB962C8B-B14F-4D97-AF65-F5344CB8AC3E}">
+        <p14:creationId xmlns:p14="http://schemas.microsoft.com/office/powerpoint/2010/main" val="1367383705"/>
+      </p:ext>
+    </p:extLst>
+  </p:cSld>
+  <p:clrMapOvr>
+    <a:masterClrMapping/>
+  </p:clrMapOvr>
+</p:sld>
+</file>
+
+<file path=ppt/slides/slide3.xml><?xml version="1.0" encoding="utf-8"?>
 <p:sld xmlns:a="http://schemas.openxmlformats.org/drawingml/2006/main" xmlns:r="http://schemas.openxmlformats.org/officeDocument/2006/relationships" xmlns:p="http://schemas.openxmlformats.org/presentationml/2006/main">
   <p:cSld>
     <p:bg>
@@ -12547,7 +14929,7 @@
             </a:pPr>
             <a:r>
               <a:rPr lang="en-US" dirty="0"/>
-              <a:t>Framers are  getting into entrepreneur   mode</a:t>
+              <a:t>Entrepreneurs are getting into Farming.</a:t>
             </a:r>
           </a:p>
           <a:p>
@@ -12557,7 +14939,7 @@
             </a:pPr>
             <a:r>
               <a:rPr lang="en-US" dirty="0"/>
-              <a:t>Farming is just another source of Income.</a:t>
+              <a:t>Farming is just another source of Income for them.</a:t>
             </a:r>
           </a:p>
           <a:p>
@@ -12728,7 +15110,7 @@
 </p:sld>
 </file>
 
-<file path=ppt/slides/slide3.xml><?xml version="1.0" encoding="utf-8"?>
+<file path=ppt/slides/slide4.xml><?xml version="1.0" encoding="utf-8"?>
 <p:sld xmlns:a="http://schemas.openxmlformats.org/drawingml/2006/main" xmlns:r="http://schemas.openxmlformats.org/officeDocument/2006/relationships" xmlns:p="http://schemas.openxmlformats.org/presentationml/2006/main">
   <p:cSld>
     <p:spTree>
@@ -12891,7 +15273,7 @@
 </p:sld>
 </file>
 
-<file path=ppt/slides/slide4.xml><?xml version="1.0" encoding="utf-8"?>
+<file path=ppt/slides/slide5.xml><?xml version="1.0" encoding="utf-8"?>
 <p:sld xmlns:a="http://schemas.openxmlformats.org/drawingml/2006/main" xmlns:r="http://schemas.openxmlformats.org/officeDocument/2006/relationships" xmlns:p="http://schemas.openxmlformats.org/presentationml/2006/main">
   <p:cSld>
     <p:bg>
@@ -13220,7 +15602,7 @@
 </p:sld>
 </file>
 
-<file path=ppt/slides/slide5.xml><?xml version="1.0" encoding="utf-8"?>
+<file path=ppt/slides/slide6.xml><?xml version="1.0" encoding="utf-8"?>
 <p:sld xmlns:a="http://schemas.openxmlformats.org/drawingml/2006/main" xmlns:r="http://schemas.openxmlformats.org/officeDocument/2006/relationships" xmlns:p="http://schemas.openxmlformats.org/presentationml/2006/main">
   <p:cSld>
     <p:spTree>
@@ -13255,8 +15637,8 @@
         </p:nvSpPr>
         <p:spPr>
           <a:xfrm>
-            <a:off x="1141413" y="618518"/>
-            <a:ext cx="4654476" cy="1758922"/>
+            <a:off x="2256024" y="734581"/>
+            <a:ext cx="3557196" cy="2318112"/>
           </a:xfrm>
         </p:spPr>
         <p:txBody>
@@ -13300,8 +15682,102 @@
         </p:blipFill>
         <p:spPr bwMode="auto">
           <a:xfrm>
-            <a:off x="6392935" y="368836"/>
-            <a:ext cx="3724275" cy="2800350"/>
+            <a:off x="7858539" y="245419"/>
+            <a:ext cx="3966203" cy="2982260"/>
+          </a:xfrm>
+          <a:prstGeom prst="rect">
+            <a:avLst/>
+          </a:prstGeom>
+          <a:noFill/>
+          <a:extLst>
+            <a:ext uri="{909E8E84-426E-40DD-AFC4-6F175D3DCCD1}">
+              <a14:hiddenFill xmlns:a14="http://schemas.microsoft.com/office/drawing/2010/main">
+                <a:solidFill>
+                  <a:srgbClr val="FFFFFF"/>
+                </a:solidFill>
+              </a14:hiddenFill>
+            </a:ext>
+          </a:extLst>
+        </p:spPr>
+      </p:pic>
+      <p:pic>
+        <p:nvPicPr>
+          <p:cNvPr id="1026" name="Picture 2" descr="Arduino Projects - Instructables">
+            <a:extLst>
+              <a:ext uri="{FF2B5EF4-FFF2-40B4-BE49-F238E27FC236}">
+                <a16:creationId xmlns:a16="http://schemas.microsoft.com/office/drawing/2014/main" id="{13FD76EA-A0B6-4809-BADF-6EDD6644FCB2}"/>
+              </a:ext>
+            </a:extLst>
+          </p:cNvPr>
+          <p:cNvPicPr>
+            <a:picLocks noChangeAspect="1" noChangeArrowheads="1"/>
+          </p:cNvPicPr>
+          <p:nvPr/>
+        </p:nvPicPr>
+        <p:blipFill>
+          <a:blip r:embed="rId3">
+            <a:extLst>
+              <a:ext uri="{28A0092B-C50C-407E-A947-70E740481C1C}">
+                <a14:useLocalDpi xmlns:a14="http://schemas.microsoft.com/office/drawing/2010/main" val="0"/>
+              </a:ext>
+            </a:extLst>
+          </a:blip>
+          <a:srcRect/>
+          <a:stretch>
+            <a:fillRect/>
+          </a:stretch>
+        </p:blipFill>
+        <p:spPr bwMode="auto">
+          <a:xfrm>
+            <a:off x="6559826" y="3512299"/>
+            <a:ext cx="3541845" cy="2951537"/>
+          </a:xfrm>
+          <a:prstGeom prst="rect">
+            <a:avLst/>
+          </a:prstGeom>
+          <a:noFill/>
+          <a:extLst>
+            <a:ext uri="{909E8E84-426E-40DD-AFC4-6F175D3DCCD1}">
+              <a14:hiddenFill xmlns:a14="http://schemas.microsoft.com/office/drawing/2010/main">
+                <a:solidFill>
+                  <a:srgbClr val="FFFFFF"/>
+                </a:solidFill>
+              </a14:hiddenFill>
+            </a:ext>
+          </a:extLst>
+        </p:spPr>
+      </p:pic>
+      <p:pic>
+        <p:nvPicPr>
+          <p:cNvPr id="1028" name="Picture 4" descr="The Coolest Arduino Projects You Can Build at Home | Digital Trends">
+            <a:extLst>
+              <a:ext uri="{FF2B5EF4-FFF2-40B4-BE49-F238E27FC236}">
+                <a16:creationId xmlns:a16="http://schemas.microsoft.com/office/drawing/2014/main" id="{411A952C-BDA0-49EC-9D0D-17C3D0E1835C}"/>
+              </a:ext>
+            </a:extLst>
+          </p:cNvPr>
+          <p:cNvPicPr>
+            <a:picLocks noChangeAspect="1" noChangeArrowheads="1"/>
+          </p:cNvPicPr>
+          <p:nvPr/>
+        </p:nvPicPr>
+        <p:blipFill>
+          <a:blip r:embed="rId4">
+            <a:extLst>
+              <a:ext uri="{28A0092B-C50C-407E-A947-70E740481C1C}">
+                <a14:useLocalDpi xmlns:a14="http://schemas.microsoft.com/office/drawing/2010/main" val="0"/>
+              </a:ext>
+            </a:extLst>
+          </a:blip>
+          <a:srcRect/>
+          <a:stretch>
+            <a:fillRect/>
+          </a:stretch>
+        </p:blipFill>
+        <p:spPr bwMode="auto">
+          <a:xfrm>
+            <a:off x="1828800" y="3465880"/>
+            <a:ext cx="3934701" cy="2951537"/>
           </a:xfrm>
           <a:prstGeom prst="rect">
             <a:avLst/>
@@ -13331,7 +15807,7 @@
 </p:sld>
 </file>
 
-<file path=ppt/slides/slide6.xml><?xml version="1.0" encoding="utf-8"?>
+<file path=ppt/slides/slide7.xml><?xml version="1.0" encoding="utf-8"?>
 <p:sld xmlns:a="http://schemas.openxmlformats.org/drawingml/2006/main" xmlns:r="http://schemas.openxmlformats.org/officeDocument/2006/relationships" xmlns:p="http://schemas.openxmlformats.org/presentationml/2006/main">
   <p:cSld>
     <p:spTree>
@@ -13508,7 +15984,7 @@
 </p:sld>
 </file>
 
-<file path=ppt/slides/slide7.xml><?xml version="1.0" encoding="utf-8"?>
+<file path=ppt/slides/slide8.xml><?xml version="1.0" encoding="utf-8"?>
 <p:sld xmlns:a="http://schemas.openxmlformats.org/drawingml/2006/main" xmlns:r="http://schemas.openxmlformats.org/officeDocument/2006/relationships" xmlns:p="http://schemas.openxmlformats.org/presentationml/2006/main">
   <p:cSld>
     <p:spTree>
@@ -13543,7 +16019,7 @@
         </p:nvSpPr>
         <p:spPr>
           <a:xfrm>
-            <a:off x="1143001" y="393435"/>
+            <a:off x="1143001" y="182415"/>
             <a:ext cx="9905998" cy="760116"/>
           </a:xfrm>
         </p:spPr>
@@ -13721,7 +16197,7 @@
 </p:sld>
 </file>
 
-<file path=ppt/slides/slide8.xml><?xml version="1.0" encoding="utf-8"?>
+<file path=ppt/slides/slide9.xml><?xml version="1.0" encoding="utf-8"?>
 <p:sld xmlns:a="http://schemas.openxmlformats.org/drawingml/2006/main" xmlns:r="http://schemas.openxmlformats.org/officeDocument/2006/relationships" xmlns:p="http://schemas.openxmlformats.org/presentationml/2006/main">
   <p:cSld>
     <p:spTree>
@@ -13954,8 +16430,8 @@
         </p:nvSpPr>
         <p:spPr>
           <a:xfrm>
-            <a:off x="1143001" y="1264429"/>
-            <a:ext cx="10499721" cy="923330"/>
+            <a:off x="1109539" y="1264429"/>
+            <a:ext cx="10533184" cy="923330"/>
           </a:xfrm>
           <a:prstGeom prst="rect">
             <a:avLst/>
@@ -14036,90 +16512,6 @@
     <p:extLst>
       <p:ext uri="{BB962C8B-B14F-4D97-AF65-F5344CB8AC3E}">
         <p14:creationId xmlns:p14="http://schemas.microsoft.com/office/powerpoint/2010/main" val="1082069277"/>
-      </p:ext>
-    </p:extLst>
-  </p:cSld>
-  <p:clrMapOvr>
-    <a:masterClrMapping/>
-  </p:clrMapOvr>
-</p:sld>
-</file>
-
-<file path=ppt/slides/slide9.xml><?xml version="1.0" encoding="utf-8"?>
-<p:sld xmlns:a="http://schemas.openxmlformats.org/drawingml/2006/main" xmlns:r="http://schemas.openxmlformats.org/officeDocument/2006/relationships" xmlns:p="http://schemas.openxmlformats.org/presentationml/2006/main">
-  <p:cSld>
-    <p:spTree>
-      <p:nvGrpSpPr>
-        <p:cNvPr id="1" name=""/>
-        <p:cNvGrpSpPr/>
-        <p:nvPr/>
-      </p:nvGrpSpPr>
-      <p:grpSpPr>
-        <a:xfrm>
-          <a:off x="0" y="0"/>
-          <a:ext cx="0" cy="0"/>
-          <a:chOff x="0" y="0"/>
-          <a:chExt cx="0" cy="0"/>
-        </a:xfrm>
-      </p:grpSpPr>
-      <p:sp>
-        <p:nvSpPr>
-          <p:cNvPr id="2" name="Rectangle 1">
-            <a:extLst>
-              <a:ext uri="{FF2B5EF4-FFF2-40B4-BE49-F238E27FC236}">
-                <a16:creationId xmlns:a16="http://schemas.microsoft.com/office/drawing/2014/main" id="{7F479660-A4FE-4E59-A302-140CFACE586A}"/>
-              </a:ext>
-            </a:extLst>
-          </p:cNvPr>
-          <p:cNvSpPr/>
-          <p:nvPr/>
-        </p:nvSpPr>
-        <p:spPr>
-          <a:xfrm>
-            <a:off x="2577380" y="2967335"/>
-            <a:ext cx="7037247" cy="923330"/>
-          </a:xfrm>
-          <a:prstGeom prst="rect">
-            <a:avLst/>
-          </a:prstGeom>
-          <a:noFill/>
-        </p:spPr>
-        <p:txBody>
-          <a:bodyPr wrap="none" lIns="91440" tIns="45720" rIns="91440" bIns="45720">
-            <a:spAutoFit/>
-            <a:scene3d>
-              <a:camera prst="orthographicFront"/>
-              <a:lightRig rig="harsh" dir="t"/>
-            </a:scene3d>
-            <a:sp3d extrusionH="57150" prstMaterial="matte">
-              <a:bevelT w="63500" h="12700" prst="angle"/>
-              <a:contourClr>
-                <a:schemeClr val="bg1">
-                  <a:lumMod val="65000"/>
-                </a:schemeClr>
-              </a:contourClr>
-            </a:sp3d>
-          </a:bodyPr>
-          <a:lstStyle/>
-          <a:p>
-            <a:pPr algn="ctr"/>
-            <a:r>
-              <a:rPr lang="en-US" sz="5400" b="1" cap="none" spc="0" dirty="0">
-                <a:ln/>
-                <a:solidFill>
-                  <a:schemeClr val="accent3"/>
-                </a:solidFill>
-                <a:effectLst/>
-              </a:rPr>
-              <a:t>Let us Review the Code </a:t>
-            </a:r>
-          </a:p>
-        </p:txBody>
-      </p:sp>
-    </p:spTree>
-    <p:extLst>
-      <p:ext uri="{BB962C8B-B14F-4D97-AF65-F5344CB8AC3E}">
-        <p14:creationId xmlns:p14="http://schemas.microsoft.com/office/powerpoint/2010/main" val="3879529561"/>
       </p:ext>
     </p:extLst>
   </p:cSld>

--- a/Module-4.pptx
+++ b/Module-4.pptx
@@ -4,27 +4,35 @@
   <p:sldMasterIdLst>
     <p:sldMasterId id="2147483648" r:id="rId1"/>
   </p:sldMasterIdLst>
+  <p:notesMasterIdLst>
+    <p:notesMasterId r:id="rId27"/>
+  </p:notesMasterIdLst>
   <p:sldIdLst>
     <p:sldId id="287" r:id="rId2"/>
     <p:sldId id="301" r:id="rId3"/>
     <p:sldId id="264" r:id="rId4"/>
     <p:sldId id="265" r:id="rId5"/>
     <p:sldId id="288" r:id="rId6"/>
-    <p:sldId id="291" r:id="rId7"/>
-    <p:sldId id="292" r:id="rId8"/>
-    <p:sldId id="289" r:id="rId9"/>
-    <p:sldId id="290" r:id="rId10"/>
-    <p:sldId id="293" r:id="rId11"/>
-    <p:sldId id="294" r:id="rId12"/>
-    <p:sldId id="295" r:id="rId13"/>
-    <p:sldId id="296" r:id="rId14"/>
-    <p:sldId id="297" r:id="rId15"/>
-    <p:sldId id="300" r:id="rId16"/>
-    <p:sldId id="302" r:id="rId17"/>
-    <p:sldId id="303" r:id="rId18"/>
-    <p:sldId id="299" r:id="rId19"/>
-    <p:sldId id="298" r:id="rId20"/>
-    <p:sldId id="304" r:id="rId21"/>
+    <p:sldId id="305" r:id="rId7"/>
+    <p:sldId id="291" r:id="rId8"/>
+    <p:sldId id="292" r:id="rId9"/>
+    <p:sldId id="289" r:id="rId10"/>
+    <p:sldId id="306" r:id="rId11"/>
+    <p:sldId id="290" r:id="rId12"/>
+    <p:sldId id="293" r:id="rId13"/>
+    <p:sldId id="294" r:id="rId14"/>
+    <p:sldId id="295" r:id="rId15"/>
+    <p:sldId id="296" r:id="rId16"/>
+    <p:sldId id="297" r:id="rId17"/>
+    <p:sldId id="300" r:id="rId18"/>
+    <p:sldId id="302" r:id="rId19"/>
+    <p:sldId id="303" r:id="rId20"/>
+    <p:sldId id="307" r:id="rId21"/>
+    <p:sldId id="299" r:id="rId22"/>
+    <p:sldId id="298" r:id="rId23"/>
+    <p:sldId id="309" r:id="rId24"/>
+    <p:sldId id="304" r:id="rId25"/>
+    <p:sldId id="308" r:id="rId26"/>
   </p:sldIdLst>
   <p:sldSz cx="12192000" cy="6858000"/>
   <p:notesSz cx="6858000" cy="9144000"/>
@@ -131,6 +139,356 @@
 </p:presentation>
 </file>
 
+<file path=ppt/notesMasters/notesMaster1.xml><?xml version="1.0" encoding="utf-8"?>
+<p:notesMaster xmlns:a="http://schemas.openxmlformats.org/drawingml/2006/main" xmlns:r="http://schemas.openxmlformats.org/officeDocument/2006/relationships" xmlns:p="http://schemas.openxmlformats.org/presentationml/2006/main">
+  <p:cSld>
+    <p:bg>
+      <p:bgRef idx="1001">
+        <a:schemeClr val="bg1"/>
+      </p:bgRef>
+    </p:bg>
+    <p:spTree>
+      <p:nvGrpSpPr>
+        <p:cNvPr id="1" name=""/>
+        <p:cNvGrpSpPr/>
+        <p:nvPr/>
+      </p:nvGrpSpPr>
+      <p:grpSpPr>
+        <a:xfrm>
+          <a:off x="0" y="0"/>
+          <a:ext cx="0" cy="0"/>
+          <a:chOff x="0" y="0"/>
+          <a:chExt cx="0" cy="0"/>
+        </a:xfrm>
+      </p:grpSpPr>
+      <p:sp>
+        <p:nvSpPr>
+          <p:cNvPr id="2" name="Header Placeholder 1"/>
+          <p:cNvSpPr>
+            <a:spLocks noGrp="1"/>
+          </p:cNvSpPr>
+          <p:nvPr>
+            <p:ph type="hdr" sz="quarter"/>
+          </p:nvPr>
+        </p:nvSpPr>
+        <p:spPr>
+          <a:xfrm>
+            <a:off x="0" y="0"/>
+            <a:ext cx="2971800" cy="458788"/>
+          </a:xfrm>
+          <a:prstGeom prst="rect">
+            <a:avLst/>
+          </a:prstGeom>
+        </p:spPr>
+        <p:txBody>
+          <a:bodyPr vert="horz" lIns="91440" tIns="45720" rIns="91440" bIns="45720" rtlCol="0"/>
+          <a:lstStyle>
+            <a:lvl1pPr algn="l">
+              <a:defRPr sz="1200"/>
+            </a:lvl1pPr>
+          </a:lstStyle>
+          <a:p>
+            <a:endParaRPr lang="en-IN"/>
+          </a:p>
+        </p:txBody>
+      </p:sp>
+      <p:sp>
+        <p:nvSpPr>
+          <p:cNvPr id="3" name="Date Placeholder 2"/>
+          <p:cNvSpPr>
+            <a:spLocks noGrp="1"/>
+          </p:cNvSpPr>
+          <p:nvPr>
+            <p:ph type="dt" idx="1"/>
+          </p:nvPr>
+        </p:nvSpPr>
+        <p:spPr>
+          <a:xfrm>
+            <a:off x="3884613" y="0"/>
+            <a:ext cx="2971800" cy="458788"/>
+          </a:xfrm>
+          <a:prstGeom prst="rect">
+            <a:avLst/>
+          </a:prstGeom>
+        </p:spPr>
+        <p:txBody>
+          <a:bodyPr vert="horz" lIns="91440" tIns="45720" rIns="91440" bIns="45720" rtlCol="0"/>
+          <a:lstStyle>
+            <a:lvl1pPr algn="r">
+              <a:defRPr sz="1200"/>
+            </a:lvl1pPr>
+          </a:lstStyle>
+          <a:p>
+            <a:fld id="{878C831B-7532-481F-951D-ABFC218662A4}" type="datetimeFigureOut">
+              <a:rPr lang="en-IN" smtClean="0"/>
+              <a:t>05-08-2020</a:t>
+            </a:fld>
+            <a:endParaRPr lang="en-IN"/>
+          </a:p>
+        </p:txBody>
+      </p:sp>
+      <p:sp>
+        <p:nvSpPr>
+          <p:cNvPr id="4" name="Slide Image Placeholder 3"/>
+          <p:cNvSpPr>
+            <a:spLocks noGrp="1" noRot="1" noChangeAspect="1"/>
+          </p:cNvSpPr>
+          <p:nvPr>
+            <p:ph type="sldImg" idx="2"/>
+          </p:nvPr>
+        </p:nvSpPr>
+        <p:spPr>
+          <a:xfrm>
+            <a:off x="685800" y="1143000"/>
+            <a:ext cx="5486400" cy="3086100"/>
+          </a:xfrm>
+          <a:prstGeom prst="rect">
+            <a:avLst/>
+          </a:prstGeom>
+          <a:noFill/>
+          <a:ln w="12700">
+            <a:solidFill>
+              <a:prstClr val="black"/>
+            </a:solidFill>
+          </a:ln>
+        </p:spPr>
+        <p:txBody>
+          <a:bodyPr vert="horz" lIns="91440" tIns="45720" rIns="91440" bIns="45720" rtlCol="0" anchor="ctr"/>
+          <a:lstStyle/>
+          <a:p>
+            <a:endParaRPr lang="en-IN"/>
+          </a:p>
+        </p:txBody>
+      </p:sp>
+      <p:sp>
+        <p:nvSpPr>
+          <p:cNvPr id="5" name="Notes Placeholder 4"/>
+          <p:cNvSpPr>
+            <a:spLocks noGrp="1"/>
+          </p:cNvSpPr>
+          <p:nvPr>
+            <p:ph type="body" sz="quarter" idx="3"/>
+          </p:nvPr>
+        </p:nvSpPr>
+        <p:spPr>
+          <a:xfrm>
+            <a:off x="685800" y="4400550"/>
+            <a:ext cx="5486400" cy="3600450"/>
+          </a:xfrm>
+          <a:prstGeom prst="rect">
+            <a:avLst/>
+          </a:prstGeom>
+        </p:spPr>
+        <p:txBody>
+          <a:bodyPr vert="horz" lIns="91440" tIns="45720" rIns="91440" bIns="45720" rtlCol="0"/>
+          <a:lstStyle/>
+          <a:p>
+            <a:pPr lvl="0"/>
+            <a:r>
+              <a:rPr lang="en-US"/>
+              <a:t>Click to edit Master text styles</a:t>
+            </a:r>
+          </a:p>
+          <a:p>
+            <a:pPr lvl="1"/>
+            <a:r>
+              <a:rPr lang="en-US"/>
+              <a:t>Second level</a:t>
+            </a:r>
+          </a:p>
+          <a:p>
+            <a:pPr lvl="2"/>
+            <a:r>
+              <a:rPr lang="en-US"/>
+              <a:t>Third level</a:t>
+            </a:r>
+          </a:p>
+          <a:p>
+            <a:pPr lvl="3"/>
+            <a:r>
+              <a:rPr lang="en-US"/>
+              <a:t>Fourth level</a:t>
+            </a:r>
+          </a:p>
+          <a:p>
+            <a:pPr lvl="4"/>
+            <a:r>
+              <a:rPr lang="en-US"/>
+              <a:t>Fifth level</a:t>
+            </a:r>
+            <a:endParaRPr lang="en-IN"/>
+          </a:p>
+        </p:txBody>
+      </p:sp>
+      <p:sp>
+        <p:nvSpPr>
+          <p:cNvPr id="6" name="Footer Placeholder 5"/>
+          <p:cNvSpPr>
+            <a:spLocks noGrp="1"/>
+          </p:cNvSpPr>
+          <p:nvPr>
+            <p:ph type="ftr" sz="quarter" idx="4"/>
+          </p:nvPr>
+        </p:nvSpPr>
+        <p:spPr>
+          <a:xfrm>
+            <a:off x="0" y="8685213"/>
+            <a:ext cx="2971800" cy="458787"/>
+          </a:xfrm>
+          <a:prstGeom prst="rect">
+            <a:avLst/>
+          </a:prstGeom>
+        </p:spPr>
+        <p:txBody>
+          <a:bodyPr vert="horz" lIns="91440" tIns="45720" rIns="91440" bIns="45720" rtlCol="0" anchor="b"/>
+          <a:lstStyle>
+            <a:lvl1pPr algn="l">
+              <a:defRPr sz="1200"/>
+            </a:lvl1pPr>
+          </a:lstStyle>
+          <a:p>
+            <a:endParaRPr lang="en-IN"/>
+          </a:p>
+        </p:txBody>
+      </p:sp>
+      <p:sp>
+        <p:nvSpPr>
+          <p:cNvPr id="7" name="Slide Number Placeholder 6"/>
+          <p:cNvSpPr>
+            <a:spLocks noGrp="1"/>
+          </p:cNvSpPr>
+          <p:nvPr>
+            <p:ph type="sldNum" sz="quarter" idx="5"/>
+          </p:nvPr>
+        </p:nvSpPr>
+        <p:spPr>
+          <a:xfrm>
+            <a:off x="3884613" y="8685213"/>
+            <a:ext cx="2971800" cy="458787"/>
+          </a:xfrm>
+          <a:prstGeom prst="rect">
+            <a:avLst/>
+          </a:prstGeom>
+        </p:spPr>
+        <p:txBody>
+          <a:bodyPr vert="horz" lIns="91440" tIns="45720" rIns="91440" bIns="45720" rtlCol="0" anchor="b"/>
+          <a:lstStyle>
+            <a:lvl1pPr algn="r">
+              <a:defRPr sz="1200"/>
+            </a:lvl1pPr>
+          </a:lstStyle>
+          <a:p>
+            <a:fld id="{FA387D28-E5C3-4D4E-94EA-49A38B661BD0}" type="slidenum">
+              <a:rPr lang="en-IN" smtClean="0"/>
+              <a:t>‹#›</a:t>
+            </a:fld>
+            <a:endParaRPr lang="en-IN"/>
+          </a:p>
+        </p:txBody>
+      </p:sp>
+    </p:spTree>
+    <p:extLst>
+      <p:ext uri="{BB962C8B-B14F-4D97-AF65-F5344CB8AC3E}">
+        <p14:creationId xmlns:p14="http://schemas.microsoft.com/office/powerpoint/2010/main" val="328929357"/>
+      </p:ext>
+    </p:extLst>
+  </p:cSld>
+  <p:clrMap bg1="lt1" tx1="dk1" bg2="lt2" tx2="dk2" accent1="accent1" accent2="accent2" accent3="accent3" accent4="accent4" accent5="accent5" accent6="accent6" hlink="hlink" folHlink="folHlink"/>
+  <p:notesStyle>
+    <a:lvl1pPr marL="0" algn="l" defTabSz="914400" rtl="0" eaLnBrk="1" latinLnBrk="0" hangingPunct="1">
+      <a:defRPr sz="1200" kern="1200">
+        <a:solidFill>
+          <a:schemeClr val="tx1"/>
+        </a:solidFill>
+        <a:latin typeface="+mn-lt"/>
+        <a:ea typeface="+mn-ea"/>
+        <a:cs typeface="+mn-cs"/>
+      </a:defRPr>
+    </a:lvl1pPr>
+    <a:lvl2pPr marL="457200" algn="l" defTabSz="914400" rtl="0" eaLnBrk="1" latinLnBrk="0" hangingPunct="1">
+      <a:defRPr sz="1200" kern="1200">
+        <a:solidFill>
+          <a:schemeClr val="tx1"/>
+        </a:solidFill>
+        <a:latin typeface="+mn-lt"/>
+        <a:ea typeface="+mn-ea"/>
+        <a:cs typeface="+mn-cs"/>
+      </a:defRPr>
+    </a:lvl2pPr>
+    <a:lvl3pPr marL="914400" algn="l" defTabSz="914400" rtl="0" eaLnBrk="1" latinLnBrk="0" hangingPunct="1">
+      <a:defRPr sz="1200" kern="1200">
+        <a:solidFill>
+          <a:schemeClr val="tx1"/>
+        </a:solidFill>
+        <a:latin typeface="+mn-lt"/>
+        <a:ea typeface="+mn-ea"/>
+        <a:cs typeface="+mn-cs"/>
+      </a:defRPr>
+    </a:lvl3pPr>
+    <a:lvl4pPr marL="1371600" algn="l" defTabSz="914400" rtl="0" eaLnBrk="1" latinLnBrk="0" hangingPunct="1">
+      <a:defRPr sz="1200" kern="1200">
+        <a:solidFill>
+          <a:schemeClr val="tx1"/>
+        </a:solidFill>
+        <a:latin typeface="+mn-lt"/>
+        <a:ea typeface="+mn-ea"/>
+        <a:cs typeface="+mn-cs"/>
+      </a:defRPr>
+    </a:lvl4pPr>
+    <a:lvl5pPr marL="1828800" algn="l" defTabSz="914400" rtl="0" eaLnBrk="1" latinLnBrk="0" hangingPunct="1">
+      <a:defRPr sz="1200" kern="1200">
+        <a:solidFill>
+          <a:schemeClr val="tx1"/>
+        </a:solidFill>
+        <a:latin typeface="+mn-lt"/>
+        <a:ea typeface="+mn-ea"/>
+        <a:cs typeface="+mn-cs"/>
+      </a:defRPr>
+    </a:lvl5pPr>
+    <a:lvl6pPr marL="2286000" algn="l" defTabSz="914400" rtl="0" eaLnBrk="1" latinLnBrk="0" hangingPunct="1">
+      <a:defRPr sz="1200" kern="1200">
+        <a:solidFill>
+          <a:schemeClr val="tx1"/>
+        </a:solidFill>
+        <a:latin typeface="+mn-lt"/>
+        <a:ea typeface="+mn-ea"/>
+        <a:cs typeface="+mn-cs"/>
+      </a:defRPr>
+    </a:lvl6pPr>
+    <a:lvl7pPr marL="2743200" algn="l" defTabSz="914400" rtl="0" eaLnBrk="1" latinLnBrk="0" hangingPunct="1">
+      <a:defRPr sz="1200" kern="1200">
+        <a:solidFill>
+          <a:schemeClr val="tx1"/>
+        </a:solidFill>
+        <a:latin typeface="+mn-lt"/>
+        <a:ea typeface="+mn-ea"/>
+        <a:cs typeface="+mn-cs"/>
+      </a:defRPr>
+    </a:lvl7pPr>
+    <a:lvl8pPr marL="3200400" algn="l" defTabSz="914400" rtl="0" eaLnBrk="1" latinLnBrk="0" hangingPunct="1">
+      <a:defRPr sz="1200" kern="1200">
+        <a:solidFill>
+          <a:schemeClr val="tx1"/>
+        </a:solidFill>
+        <a:latin typeface="+mn-lt"/>
+        <a:ea typeface="+mn-ea"/>
+        <a:cs typeface="+mn-cs"/>
+      </a:defRPr>
+    </a:lvl8pPr>
+    <a:lvl9pPr marL="3657600" algn="l" defTabSz="914400" rtl="0" eaLnBrk="1" latinLnBrk="0" hangingPunct="1">
+      <a:defRPr sz="1200" kern="1200">
+        <a:solidFill>
+          <a:schemeClr val="tx1"/>
+        </a:solidFill>
+        <a:latin typeface="+mn-lt"/>
+        <a:ea typeface="+mn-ea"/>
+        <a:cs typeface="+mn-cs"/>
+      </a:defRPr>
+    </a:lvl9pPr>
+  </p:notesStyle>
+</p:notesMaster>
+</file>
+
 <file path=ppt/slideLayouts/slideLayout1.xml><?xml version="1.0" encoding="utf-8"?>
 <p:sldLayout xmlns:a="http://schemas.openxmlformats.org/drawingml/2006/main" xmlns:r="http://schemas.openxmlformats.org/officeDocument/2006/relationships" xmlns:p="http://schemas.openxmlformats.org/presentationml/2006/main" showMasterSp="0" type="title" preserve="1">
   <p:cSld name="Title Slide">
@@ -188,7 +546,7 @@
           <a:noFill/>
           <a:extLst>
             <a:ext uri="{909E8E84-426E-40dd-AFC4-6F175D3DCCD1}">
-              <a14:hiddenFill xmlns="" xmlns:a14="http://schemas.microsoft.com/office/drawing/2010/main">
+              <a14:hiddenFill xmlns:a14="http://schemas.microsoft.com/office/drawing/2010/main" xmlns="">
                 <a:solidFill>
                   <a:srgbClr val="FFFFFF"/>
                 </a:solidFill>
@@ -247,7 +605,7 @@
             </a:ln>
             <a:extLst>
               <a:ext uri="{91240B29-F687-4f45-9708-019B960494DF}">
-                <a14:hiddenLine xmlns="" xmlns:a14="http://schemas.microsoft.com/office/drawing/2010/main" w="9525">
+                <a14:hiddenLine xmlns:a14="http://schemas.microsoft.com/office/drawing/2010/main" xmlns="" w="9525">
                   <a:solidFill>
                     <a:srgbClr val="000000"/>
                   </a:solidFill>
@@ -337,7 +695,7 @@
             </a:ln>
             <a:extLst>
               <a:ext uri="{91240B29-F687-4f45-9708-019B960494DF}">
-                <a14:hiddenLine xmlns="" xmlns:a14="http://schemas.microsoft.com/office/drawing/2010/main" w="9525">
+                <a14:hiddenLine xmlns:a14="http://schemas.microsoft.com/office/drawing/2010/main" xmlns="" w="9525">
                   <a:solidFill>
                     <a:srgbClr val="000000"/>
                   </a:solidFill>
@@ -427,7 +785,7 @@
             </a:ln>
             <a:extLst>
               <a:ext uri="{91240B29-F687-4f45-9708-019B960494DF}">
-                <a14:hiddenLine xmlns="" xmlns:a14="http://schemas.microsoft.com/office/drawing/2010/main" w="9525">
+                <a14:hiddenLine xmlns:a14="http://schemas.microsoft.com/office/drawing/2010/main" xmlns="" w="9525">
                   <a:solidFill>
                     <a:srgbClr val="000000"/>
                   </a:solidFill>
@@ -461,7 +819,7 @@
             </a:ln>
             <a:extLst>
               <a:ext uri="{91240B29-F687-4f45-9708-019B960494DF}">
-                <a14:hiddenLine xmlns="" xmlns:a14="http://schemas.microsoft.com/office/drawing/2010/main" w="9525">
+                <a14:hiddenLine xmlns:a14="http://schemas.microsoft.com/office/drawing/2010/main" xmlns="" w="9525">
                   <a:solidFill>
                     <a:srgbClr val="000000"/>
                   </a:solidFill>
@@ -551,7 +909,7 @@
             </a:ln>
             <a:extLst>
               <a:ext uri="{91240B29-F687-4f45-9708-019B960494DF}">
-                <a14:hiddenLine xmlns="" xmlns:a14="http://schemas.microsoft.com/office/drawing/2010/main" w="9525">
+                <a14:hiddenLine xmlns:a14="http://schemas.microsoft.com/office/drawing/2010/main" xmlns="" w="9525">
                   <a:solidFill>
                     <a:srgbClr val="000000"/>
                   </a:solidFill>
@@ -613,7 +971,7 @@
             </a:ln>
             <a:extLst>
               <a:ext uri="{91240B29-F687-4f45-9708-019B960494DF}">
-                <a14:hiddenLine xmlns="" xmlns:a14="http://schemas.microsoft.com/office/drawing/2010/main" w="9525">
+                <a14:hiddenLine xmlns:a14="http://schemas.microsoft.com/office/drawing/2010/main" xmlns="" w="9525">
                   <a:solidFill>
                     <a:srgbClr val="000000"/>
                   </a:solidFill>
@@ -675,7 +1033,7 @@
             </a:ln>
             <a:extLst>
               <a:ext uri="{91240B29-F687-4f45-9708-019B960494DF}">
-                <a14:hiddenLine xmlns="" xmlns:a14="http://schemas.microsoft.com/office/drawing/2010/main" w="9525">
+                <a14:hiddenLine xmlns:a14="http://schemas.microsoft.com/office/drawing/2010/main" xmlns="" w="9525">
                   <a:solidFill>
                     <a:srgbClr val="000000"/>
                   </a:solidFill>
@@ -765,7 +1123,7 @@
             </a:ln>
             <a:extLst>
               <a:ext uri="{91240B29-F687-4f45-9708-019B960494DF}">
-                <a14:hiddenLine xmlns="" xmlns:a14="http://schemas.microsoft.com/office/drawing/2010/main" w="9525">
+                <a14:hiddenLine xmlns:a14="http://schemas.microsoft.com/office/drawing/2010/main" xmlns="" w="9525">
                   <a:solidFill>
                     <a:srgbClr val="000000"/>
                   </a:solidFill>
@@ -827,7 +1185,7 @@
             </a:ln>
             <a:extLst>
               <a:ext uri="{91240B29-F687-4f45-9708-019B960494DF}">
-                <a14:hiddenLine xmlns="" xmlns:a14="http://schemas.microsoft.com/office/drawing/2010/main" w="9525">
+                <a14:hiddenLine xmlns:a14="http://schemas.microsoft.com/office/drawing/2010/main" xmlns="" w="9525">
                   <a:solidFill>
                     <a:srgbClr val="000000"/>
                   </a:solidFill>
@@ -889,7 +1247,7 @@
             </a:ln>
             <a:extLst>
               <a:ext uri="{91240B29-F687-4f45-9708-019B960494DF}">
-                <a14:hiddenLine xmlns="" xmlns:a14="http://schemas.microsoft.com/office/drawing/2010/main" w="9525">
+                <a14:hiddenLine xmlns:a14="http://schemas.microsoft.com/office/drawing/2010/main" xmlns="" w="9525">
                   <a:solidFill>
                     <a:srgbClr val="000000"/>
                   </a:solidFill>
@@ -979,7 +1337,7 @@
             </a:ln>
             <a:extLst>
               <a:ext uri="{91240B29-F687-4f45-9708-019B960494DF}">
-                <a14:hiddenLine xmlns="" xmlns:a14="http://schemas.microsoft.com/office/drawing/2010/main" w="9525">
+                <a14:hiddenLine xmlns:a14="http://schemas.microsoft.com/office/drawing/2010/main" xmlns="" w="9525">
                   <a:solidFill>
                     <a:srgbClr val="000000"/>
                   </a:solidFill>
@@ -1069,7 +1427,7 @@
             </a:ln>
             <a:extLst>
               <a:ext uri="{91240B29-F687-4f45-9708-019B960494DF}">
-                <a14:hiddenLine xmlns="" xmlns:a14="http://schemas.microsoft.com/office/drawing/2010/main" w="9525">
+                <a14:hiddenLine xmlns:a14="http://schemas.microsoft.com/office/drawing/2010/main" xmlns="" w="9525">
                   <a:solidFill>
                     <a:srgbClr val="000000"/>
                   </a:solidFill>
@@ -1131,7 +1489,7 @@
             </a:ln>
             <a:extLst>
               <a:ext uri="{91240B29-F687-4f45-9708-019B960494DF}">
-                <a14:hiddenLine xmlns="" xmlns:a14="http://schemas.microsoft.com/office/drawing/2010/main" w="9525">
+                <a14:hiddenLine xmlns:a14="http://schemas.microsoft.com/office/drawing/2010/main" xmlns="" w="9525">
                   <a:solidFill>
                     <a:srgbClr val="000000"/>
                   </a:solidFill>
@@ -1241,7 +1599,7 @@
             </a:ln>
             <a:extLst>
               <a:ext uri="{91240B29-F687-4f45-9708-019B960494DF}">
-                <a14:hiddenLine xmlns="" xmlns:a14="http://schemas.microsoft.com/office/drawing/2010/main" w="9525">
+                <a14:hiddenLine xmlns:a14="http://schemas.microsoft.com/office/drawing/2010/main" xmlns="" w="9525">
                   <a:solidFill>
                     <a:srgbClr val="000000"/>
                   </a:solidFill>
@@ -1303,7 +1661,7 @@
             </a:ln>
             <a:extLst>
               <a:ext uri="{91240B29-F687-4f45-9708-019B960494DF}">
-                <a14:hiddenLine xmlns="" xmlns:a14="http://schemas.microsoft.com/office/drawing/2010/main" w="9525">
+                <a14:hiddenLine xmlns:a14="http://schemas.microsoft.com/office/drawing/2010/main" xmlns="" w="9525">
                   <a:solidFill>
                     <a:srgbClr val="000000"/>
                   </a:solidFill>
@@ -1393,7 +1751,7 @@
             </a:ln>
             <a:extLst>
               <a:ext uri="{91240B29-F687-4f45-9708-019B960494DF}">
-                <a14:hiddenLine xmlns="" xmlns:a14="http://schemas.microsoft.com/office/drawing/2010/main" w="9525">
+                <a14:hiddenLine xmlns:a14="http://schemas.microsoft.com/office/drawing/2010/main" xmlns="" w="9525">
                   <a:solidFill>
                     <a:srgbClr val="000000"/>
                   </a:solidFill>
@@ -1483,7 +1841,7 @@
             </a:ln>
             <a:extLst>
               <a:ext uri="{91240B29-F687-4f45-9708-019B960494DF}">
-                <a14:hiddenLine xmlns="" xmlns:a14="http://schemas.microsoft.com/office/drawing/2010/main" w="9525">
+                <a14:hiddenLine xmlns:a14="http://schemas.microsoft.com/office/drawing/2010/main" xmlns="" w="9525">
                   <a:solidFill>
                     <a:srgbClr val="000000"/>
                   </a:solidFill>
@@ -1545,7 +1903,7 @@
             </a:ln>
             <a:extLst>
               <a:ext uri="{91240B29-F687-4f45-9708-019B960494DF}">
-                <a14:hiddenLine xmlns="" xmlns:a14="http://schemas.microsoft.com/office/drawing/2010/main" w="9525">
+                <a14:hiddenLine xmlns:a14="http://schemas.microsoft.com/office/drawing/2010/main" xmlns="" w="9525">
                   <a:solidFill>
                     <a:srgbClr val="000000"/>
                   </a:solidFill>
@@ -1635,7 +1993,7 @@
             </a:ln>
             <a:extLst>
               <a:ext uri="{91240B29-F687-4f45-9708-019B960494DF}">
-                <a14:hiddenLine xmlns="" xmlns:a14="http://schemas.microsoft.com/office/drawing/2010/main" w="9525">
+                <a14:hiddenLine xmlns:a14="http://schemas.microsoft.com/office/drawing/2010/main" xmlns="" w="9525">
                   <a:solidFill>
                     <a:srgbClr val="000000"/>
                   </a:solidFill>
@@ -1725,7 +2083,7 @@
             </a:ln>
             <a:extLst>
               <a:ext uri="{91240B29-F687-4f45-9708-019B960494DF}">
-                <a14:hiddenLine xmlns="" xmlns:a14="http://schemas.microsoft.com/office/drawing/2010/main" w="9525">
+                <a14:hiddenLine xmlns:a14="http://schemas.microsoft.com/office/drawing/2010/main" xmlns="" w="9525">
                   <a:solidFill>
                     <a:srgbClr val="000000"/>
                   </a:solidFill>
@@ -1781,7 +2139,7 @@
             </a:ln>
             <a:extLst>
               <a:ext uri="{91240B29-F687-4f45-9708-019B960494DF}">
-                <a14:hiddenLine xmlns="" xmlns:a14="http://schemas.microsoft.com/office/drawing/2010/main" w="9525">
+                <a14:hiddenLine xmlns:a14="http://schemas.microsoft.com/office/drawing/2010/main" xmlns="" w="9525">
                   <a:solidFill>
                     <a:srgbClr val="000000"/>
                   </a:solidFill>
@@ -1871,7 +2229,7 @@
             </a:ln>
             <a:extLst>
               <a:ext uri="{91240B29-F687-4f45-9708-019B960494DF}">
-                <a14:hiddenLine xmlns="" xmlns:a14="http://schemas.microsoft.com/office/drawing/2010/main" w="9525">
+                <a14:hiddenLine xmlns:a14="http://schemas.microsoft.com/office/drawing/2010/main" xmlns="" w="9525">
                   <a:solidFill>
                     <a:srgbClr val="000000"/>
                   </a:solidFill>
@@ -1927,7 +2285,7 @@
             </a:ln>
             <a:extLst>
               <a:ext uri="{91240B29-F687-4f45-9708-019B960494DF}">
-                <a14:hiddenLine xmlns="" xmlns:a14="http://schemas.microsoft.com/office/drawing/2010/main" w="9525">
+                <a14:hiddenLine xmlns:a14="http://schemas.microsoft.com/office/drawing/2010/main" xmlns="" w="9525">
                   <a:solidFill>
                     <a:srgbClr val="000000"/>
                   </a:solidFill>
@@ -2017,7 +2375,7 @@
             </a:ln>
             <a:extLst>
               <a:ext uri="{91240B29-F687-4f45-9708-019B960494DF}">
-                <a14:hiddenLine xmlns="" xmlns:a14="http://schemas.microsoft.com/office/drawing/2010/main" w="9525">
+                <a14:hiddenLine xmlns:a14="http://schemas.microsoft.com/office/drawing/2010/main" xmlns="" w="9525">
                   <a:solidFill>
                     <a:srgbClr val="000000"/>
                   </a:solidFill>
@@ -2085,7 +2443,7 @@
             </a:ln>
             <a:extLst>
               <a:ext uri="{91240B29-F687-4f45-9708-019B960494DF}">
-                <a14:hiddenLine xmlns="" xmlns:a14="http://schemas.microsoft.com/office/drawing/2010/main" w="9525">
+                <a14:hiddenLine xmlns:a14="http://schemas.microsoft.com/office/drawing/2010/main" xmlns="" w="9525">
                   <a:solidFill>
                     <a:srgbClr val="000000"/>
                   </a:solidFill>
@@ -2175,7 +2533,7 @@
             </a:ln>
             <a:extLst>
               <a:ext uri="{91240B29-F687-4f45-9708-019B960494DF}">
-                <a14:hiddenLine xmlns="" xmlns:a14="http://schemas.microsoft.com/office/drawing/2010/main" w="9525">
+                <a14:hiddenLine xmlns:a14="http://schemas.microsoft.com/office/drawing/2010/main" xmlns="" w="9525">
                   <a:solidFill>
                     <a:srgbClr val="000000"/>
                   </a:solidFill>
@@ -2243,7 +2601,7 @@
             </a:ln>
             <a:extLst>
               <a:ext uri="{91240B29-F687-4f45-9708-019B960494DF}">
-                <a14:hiddenLine xmlns="" xmlns:a14="http://schemas.microsoft.com/office/drawing/2010/main" w="9525">
+                <a14:hiddenLine xmlns:a14="http://schemas.microsoft.com/office/drawing/2010/main" xmlns="" w="9525">
                   <a:solidFill>
                     <a:srgbClr val="000000"/>
                   </a:solidFill>
@@ -2333,7 +2691,7 @@
             </a:ln>
             <a:extLst>
               <a:ext uri="{91240B29-F687-4f45-9708-019B960494DF}">
-                <a14:hiddenLine xmlns="" xmlns:a14="http://schemas.microsoft.com/office/drawing/2010/main" w="9525">
+                <a14:hiddenLine xmlns:a14="http://schemas.microsoft.com/office/drawing/2010/main" xmlns="" w="9525">
                   <a:solidFill>
                     <a:srgbClr val="000000"/>
                   </a:solidFill>
@@ -2367,7 +2725,7 @@
             </a:ln>
             <a:extLst>
               <a:ext uri="{91240B29-F687-4f45-9708-019B960494DF}">
-                <a14:hiddenLine xmlns="" xmlns:a14="http://schemas.microsoft.com/office/drawing/2010/main" w="9525">
+                <a14:hiddenLine xmlns:a14="http://schemas.microsoft.com/office/drawing/2010/main" xmlns="" w="9525">
                   <a:solidFill>
                     <a:srgbClr val="000000"/>
                   </a:solidFill>
@@ -2457,7 +2815,7 @@
             </a:ln>
             <a:extLst>
               <a:ext uri="{91240B29-F687-4f45-9708-019B960494DF}">
-                <a14:hiddenLine xmlns="" xmlns:a14="http://schemas.microsoft.com/office/drawing/2010/main" w="9525">
+                <a14:hiddenLine xmlns:a14="http://schemas.microsoft.com/office/drawing/2010/main" xmlns="" w="9525">
                   <a:solidFill>
                     <a:srgbClr val="000000"/>
                   </a:solidFill>
@@ -2519,7 +2877,7 @@
             </a:ln>
             <a:extLst>
               <a:ext uri="{91240B29-F687-4f45-9708-019B960494DF}">
-                <a14:hiddenLine xmlns="" xmlns:a14="http://schemas.microsoft.com/office/drawing/2010/main" w="9525">
+                <a14:hiddenLine xmlns:a14="http://schemas.microsoft.com/office/drawing/2010/main" xmlns="" w="9525">
                   <a:solidFill>
                     <a:srgbClr val="000000"/>
                   </a:solidFill>
@@ -2581,7 +2939,7 @@
             </a:ln>
             <a:extLst>
               <a:ext uri="{91240B29-F687-4f45-9708-019B960494DF}">
-                <a14:hiddenLine xmlns="" xmlns:a14="http://schemas.microsoft.com/office/drawing/2010/main" w="9525">
+                <a14:hiddenLine xmlns:a14="http://schemas.microsoft.com/office/drawing/2010/main" xmlns="" w="9525">
                   <a:solidFill>
                     <a:srgbClr val="000000"/>
                   </a:solidFill>
@@ -2671,7 +3029,7 @@
             </a:ln>
             <a:extLst>
               <a:ext uri="{91240B29-F687-4f45-9708-019B960494DF}">
-                <a14:hiddenLine xmlns="" xmlns:a14="http://schemas.microsoft.com/office/drawing/2010/main" w="9525">
+                <a14:hiddenLine xmlns:a14="http://schemas.microsoft.com/office/drawing/2010/main" xmlns="" w="9525">
                   <a:solidFill>
                     <a:srgbClr val="000000"/>
                   </a:solidFill>
@@ -2739,7 +3097,7 @@
             </a:ln>
             <a:extLst>
               <a:ext uri="{91240B29-F687-4f45-9708-019B960494DF}">
-                <a14:hiddenLine xmlns="" xmlns:a14="http://schemas.microsoft.com/office/drawing/2010/main" w="9525">
+                <a14:hiddenLine xmlns:a14="http://schemas.microsoft.com/office/drawing/2010/main" xmlns="" w="9525">
                   <a:solidFill>
                     <a:srgbClr val="000000"/>
                   </a:solidFill>
@@ -2801,7 +3159,7 @@
             </a:ln>
             <a:extLst>
               <a:ext uri="{91240B29-F687-4f45-9708-019B960494DF}">
-                <a14:hiddenLine xmlns="" xmlns:a14="http://schemas.microsoft.com/office/drawing/2010/main" w="9525">
+                <a14:hiddenLine xmlns:a14="http://schemas.microsoft.com/office/drawing/2010/main" xmlns="" w="9525">
                   <a:solidFill>
                     <a:srgbClr val="000000"/>
                   </a:solidFill>
@@ -2891,7 +3249,7 @@
             </a:ln>
             <a:extLst>
               <a:ext uri="{91240B29-F687-4f45-9708-019B960494DF}">
-                <a14:hiddenLine xmlns="" xmlns:a14="http://schemas.microsoft.com/office/drawing/2010/main" w="9525">
+                <a14:hiddenLine xmlns:a14="http://schemas.microsoft.com/office/drawing/2010/main" xmlns="" w="9525">
                   <a:solidFill>
                     <a:srgbClr val="000000"/>
                   </a:solidFill>
@@ -2953,7 +3311,7 @@
             </a:ln>
             <a:extLst>
               <a:ext uri="{91240B29-F687-4f45-9708-019B960494DF}">
-                <a14:hiddenLine xmlns="" xmlns:a14="http://schemas.microsoft.com/office/drawing/2010/main" w="9525">
+                <a14:hiddenLine xmlns:a14="http://schemas.microsoft.com/office/drawing/2010/main" xmlns="" w="9525">
                   <a:solidFill>
                     <a:srgbClr val="000000"/>
                   </a:solidFill>
@@ -3043,7 +3401,7 @@
             </a:ln>
             <a:extLst>
               <a:ext uri="{91240B29-F687-4f45-9708-019B960494DF}">
-                <a14:hiddenLine xmlns="" xmlns:a14="http://schemas.microsoft.com/office/drawing/2010/main" w="9525">
+                <a14:hiddenLine xmlns:a14="http://schemas.microsoft.com/office/drawing/2010/main" xmlns="" w="9525">
                   <a:solidFill>
                     <a:srgbClr val="000000"/>
                   </a:solidFill>
@@ -3105,7 +3463,7 @@
             </a:ln>
             <a:extLst>
               <a:ext uri="{91240B29-F687-4f45-9708-019B960494DF}">
-                <a14:hiddenLine xmlns="" xmlns:a14="http://schemas.microsoft.com/office/drawing/2010/main" w="9525">
+                <a14:hiddenLine xmlns:a14="http://schemas.microsoft.com/office/drawing/2010/main" xmlns="" w="9525">
                   <a:solidFill>
                     <a:srgbClr val="000000"/>
                   </a:solidFill>
@@ -3195,7 +3553,7 @@
             </a:ln>
             <a:extLst>
               <a:ext uri="{91240B29-F687-4f45-9708-019B960494DF}">
-                <a14:hiddenLine xmlns="" xmlns:a14="http://schemas.microsoft.com/office/drawing/2010/main" w="9525">
+                <a14:hiddenLine xmlns:a14="http://schemas.microsoft.com/office/drawing/2010/main" xmlns="" w="9525">
                   <a:solidFill>
                     <a:srgbClr val="000000"/>
                   </a:solidFill>
@@ -3229,7 +3587,7 @@
             </a:ln>
             <a:extLst>
               <a:ext uri="{91240B29-F687-4f45-9708-019B960494DF}">
-                <a14:hiddenLine xmlns="" xmlns:a14="http://schemas.microsoft.com/office/drawing/2010/main" w="9525">
+                <a14:hiddenLine xmlns:a14="http://schemas.microsoft.com/office/drawing/2010/main" xmlns="" w="9525">
                   <a:solidFill>
                     <a:srgbClr val="000000"/>
                   </a:solidFill>
@@ -3294,7 +3652,7 @@
             </a:ln>
             <a:extLst>
               <a:ext uri="{91240B29-F687-4f45-9708-019B960494DF}">
-                <a14:hiddenLine xmlns="" xmlns:a14="http://schemas.microsoft.com/office/drawing/2010/main" w="9525">
+                <a14:hiddenLine xmlns:a14="http://schemas.microsoft.com/office/drawing/2010/main" xmlns="" w="9525">
                   <a:solidFill>
                     <a:srgbClr val="000000"/>
                   </a:solidFill>
@@ -3384,7 +3742,7 @@
             </a:ln>
             <a:extLst>
               <a:ext uri="{91240B29-F687-4f45-9708-019B960494DF}">
-                <a14:hiddenLine xmlns="" xmlns:a14="http://schemas.microsoft.com/office/drawing/2010/main" w="9525">
+                <a14:hiddenLine xmlns:a14="http://schemas.microsoft.com/office/drawing/2010/main" xmlns="" w="9525">
                   <a:solidFill>
                     <a:srgbClr val="000000"/>
                   </a:solidFill>
@@ -3446,7 +3804,7 @@
             </a:ln>
             <a:extLst>
               <a:ext uri="{91240B29-F687-4f45-9708-019B960494DF}">
-                <a14:hiddenLine xmlns="" xmlns:a14="http://schemas.microsoft.com/office/drawing/2010/main" w="9525">
+                <a14:hiddenLine xmlns:a14="http://schemas.microsoft.com/office/drawing/2010/main" xmlns="" w="9525">
                   <a:solidFill>
                     <a:srgbClr val="000000"/>
                   </a:solidFill>
@@ -3536,7 +3894,7 @@
             </a:ln>
             <a:extLst>
               <a:ext uri="{91240B29-F687-4f45-9708-019B960494DF}">
-                <a14:hiddenLine xmlns="" xmlns:a14="http://schemas.microsoft.com/office/drawing/2010/main" w="9525">
+                <a14:hiddenLine xmlns:a14="http://schemas.microsoft.com/office/drawing/2010/main" xmlns="" w="9525">
                   <a:solidFill>
                     <a:srgbClr val="000000"/>
                   </a:solidFill>
@@ -3626,7 +3984,7 @@
             </a:ln>
             <a:extLst>
               <a:ext uri="{91240B29-F687-4f45-9708-019B960494DF}">
-                <a14:hiddenLine xmlns="" xmlns:a14="http://schemas.microsoft.com/office/drawing/2010/main" w="9525">
+                <a14:hiddenLine xmlns:a14="http://schemas.microsoft.com/office/drawing/2010/main" xmlns="" w="9525">
                   <a:solidFill>
                     <a:srgbClr val="000000"/>
                   </a:solidFill>
@@ -3691,7 +4049,7 @@
             </a:ln>
             <a:extLst>
               <a:ext uri="{91240B29-F687-4f45-9708-019B960494DF}">
-                <a14:hiddenLine xmlns="" xmlns:a14="http://schemas.microsoft.com/office/drawing/2010/main" w="9525">
+                <a14:hiddenLine xmlns:a14="http://schemas.microsoft.com/office/drawing/2010/main" xmlns="" w="9525">
                   <a:solidFill>
                     <a:srgbClr val="000000"/>
                   </a:solidFill>
@@ -3753,7 +4111,7 @@
             </a:ln>
             <a:extLst>
               <a:ext uri="{91240B29-F687-4f45-9708-019B960494DF}">
-                <a14:hiddenLine xmlns="" xmlns:a14="http://schemas.microsoft.com/office/drawing/2010/main" w="9525">
+                <a14:hiddenLine xmlns:a14="http://schemas.microsoft.com/office/drawing/2010/main" xmlns="" w="9525">
                   <a:solidFill>
                     <a:srgbClr val="000000"/>
                   </a:solidFill>
@@ -3843,7 +4201,7 @@
             </a:ln>
             <a:extLst>
               <a:ext uri="{91240B29-F687-4f45-9708-019B960494DF}">
-                <a14:hiddenLine xmlns="" xmlns:a14="http://schemas.microsoft.com/office/drawing/2010/main" w="9525">
+                <a14:hiddenLine xmlns:a14="http://schemas.microsoft.com/office/drawing/2010/main" xmlns="" w="9525">
                   <a:solidFill>
                     <a:srgbClr val="000000"/>
                   </a:solidFill>
@@ -3933,7 +4291,7 @@
             </a:ln>
             <a:extLst>
               <a:ext uri="{91240B29-F687-4f45-9708-019B960494DF}">
-                <a14:hiddenLine xmlns="" xmlns:a14="http://schemas.microsoft.com/office/drawing/2010/main" w="9525">
+                <a14:hiddenLine xmlns:a14="http://schemas.microsoft.com/office/drawing/2010/main" xmlns="" w="9525">
                   <a:solidFill>
                     <a:srgbClr val="000000"/>
                   </a:solidFill>
@@ -3995,7 +4353,7 @@
             </a:ln>
             <a:extLst>
               <a:ext uri="{91240B29-F687-4f45-9708-019B960494DF}">
-                <a14:hiddenLine xmlns="" xmlns:a14="http://schemas.microsoft.com/office/drawing/2010/main" w="9525">
+                <a14:hiddenLine xmlns:a14="http://schemas.microsoft.com/office/drawing/2010/main" xmlns="" w="9525">
                   <a:solidFill>
                     <a:srgbClr val="000000"/>
                   </a:solidFill>
@@ -4115,7 +4473,7 @@
             </a:ln>
             <a:extLst>
               <a:ext uri="{91240B29-F687-4f45-9708-019B960494DF}">
-                <a14:hiddenLine xmlns="" xmlns:a14="http://schemas.microsoft.com/office/drawing/2010/main" w="9525">
+                <a14:hiddenLine xmlns:a14="http://schemas.microsoft.com/office/drawing/2010/main" xmlns="" w="9525">
                   <a:solidFill>
                     <a:srgbClr val="000000"/>
                   </a:solidFill>
@@ -4183,7 +4541,7 @@
             </a:ln>
             <a:extLst>
               <a:ext uri="{91240B29-F687-4f45-9708-019B960494DF}">
-                <a14:hiddenLine xmlns="" xmlns:a14="http://schemas.microsoft.com/office/drawing/2010/main" w="9525">
+                <a14:hiddenLine xmlns:a14="http://schemas.microsoft.com/office/drawing/2010/main" xmlns="" w="9525">
                   <a:solidFill>
                     <a:srgbClr val="000000"/>
                   </a:solidFill>
@@ -4273,7 +4631,7 @@
             </a:ln>
             <a:extLst>
               <a:ext uri="{91240B29-F687-4f45-9708-019B960494DF}">
-                <a14:hiddenLine xmlns="" xmlns:a14="http://schemas.microsoft.com/office/drawing/2010/main" w="9525">
+                <a14:hiddenLine xmlns:a14="http://schemas.microsoft.com/office/drawing/2010/main" xmlns="" w="9525">
                   <a:solidFill>
                     <a:srgbClr val="000000"/>
                   </a:solidFill>
@@ -4413,7 +4771,7 @@
           <a:p>
             <a:fld id="{48A87A34-81AB-432B-8DAE-1953F412C126}" type="datetimeFigureOut">
               <a:rPr lang="en-US" dirty="0"/>
-              <a:t>7/23/2020</a:t>
+              <a:t>8/5/2020</a:t>
             </a:fld>
             <a:endParaRPr lang="en-US" dirty="0"/>
           </a:p>
@@ -4675,7 +5033,7 @@
           <a:p>
             <a:fld id="{48A87A34-81AB-432B-8DAE-1953F412C126}" type="datetimeFigureOut">
               <a:rPr lang="en-US" dirty="0"/>
-              <a:t>7/23/2020</a:t>
+              <a:t>8/5/2020</a:t>
             </a:fld>
             <a:endParaRPr lang="en-US" dirty="0"/>
           </a:p>
@@ -4866,7 +5224,7 @@
           <a:p>
             <a:fld id="{48A87A34-81AB-432B-8DAE-1953F412C126}" type="datetimeFigureOut">
               <a:rPr lang="en-US" dirty="0"/>
-              <a:t>7/23/2020</a:t>
+              <a:t>8/5/2020</a:t>
             </a:fld>
             <a:endParaRPr lang="en-US" dirty="0"/>
           </a:p>
@@ -5124,7 +5482,7 @@
           <a:p>
             <a:fld id="{48A87A34-81AB-432B-8DAE-1953F412C126}" type="datetimeFigureOut">
               <a:rPr lang="en-US" dirty="0"/>
-              <a:t>7/23/2020</a:t>
+              <a:t>8/5/2020</a:t>
             </a:fld>
             <a:endParaRPr lang="en-US" dirty="0"/>
           </a:p>
@@ -5553,7 +5911,7 @@
           <a:p>
             <a:fld id="{48A87A34-81AB-432B-8DAE-1953F412C126}" type="datetimeFigureOut">
               <a:rPr lang="en-US" dirty="0"/>
-              <a:t>7/23/2020</a:t>
+              <a:t>8/5/2020</a:t>
             </a:fld>
             <a:endParaRPr lang="en-US" dirty="0"/>
           </a:p>
@@ -6094,7 +6452,7 @@
           <a:p>
             <a:fld id="{48A87A34-81AB-432B-8DAE-1953F412C126}" type="datetimeFigureOut">
               <a:rPr lang="en-US" dirty="0"/>
-              <a:t>7/23/2020</a:t>
+              <a:t>8/5/2020</a:t>
             </a:fld>
             <a:endParaRPr lang="en-US" dirty="0"/>
           </a:p>
@@ -6809,7 +7167,7 @@
           <a:p>
             <a:fld id="{48A87A34-81AB-432B-8DAE-1953F412C126}" type="datetimeFigureOut">
               <a:rPr lang="en-US" dirty="0"/>
-              <a:t>7/23/2020</a:t>
+              <a:t>8/5/2020</a:t>
             </a:fld>
             <a:endParaRPr lang="en-US" dirty="0"/>
           </a:p>
@@ -6974,7 +7332,7 @@
           <a:p>
             <a:fld id="{48A87A34-81AB-432B-8DAE-1953F412C126}" type="datetimeFigureOut">
               <a:rPr lang="en-US" dirty="0"/>
-              <a:t>7/23/2020</a:t>
+              <a:t>8/5/2020</a:t>
             </a:fld>
             <a:endParaRPr lang="en-US" dirty="0"/>
           </a:p>
@@ -7149,7 +7507,7 @@
           <a:p>
             <a:fld id="{48A87A34-81AB-432B-8DAE-1953F412C126}" type="datetimeFigureOut">
               <a:rPr lang="en-US" dirty="0"/>
-              <a:t>7/23/2020</a:t>
+              <a:t>8/5/2020</a:t>
             </a:fld>
             <a:endParaRPr lang="en-US" dirty="0"/>
           </a:p>
@@ -7314,7 +7672,7 @@
           <a:p>
             <a:fld id="{48A87A34-81AB-432B-8DAE-1953F412C126}" type="datetimeFigureOut">
               <a:rPr lang="en-US" dirty="0"/>
-              <a:t>7/23/2020</a:t>
+              <a:t>8/5/2020</a:t>
             </a:fld>
             <a:endParaRPr lang="en-US" dirty="0"/>
           </a:p>
@@ -7559,7 +7917,7 @@
           <a:p>
             <a:fld id="{48A87A34-81AB-432B-8DAE-1953F412C126}" type="datetimeFigureOut">
               <a:rPr lang="en-US" dirty="0"/>
-              <a:t>7/23/2020</a:t>
+              <a:t>8/5/2020</a:t>
             </a:fld>
             <a:endParaRPr lang="en-US" dirty="0"/>
           </a:p>
@@ -7786,7 +8144,7 @@
           <a:p>
             <a:fld id="{48A87A34-81AB-432B-8DAE-1953F412C126}" type="datetimeFigureOut">
               <a:rPr lang="en-US" dirty="0"/>
-              <a:t>7/23/2020</a:t>
+              <a:t>8/5/2020</a:t>
             </a:fld>
             <a:endParaRPr lang="en-US" dirty="0"/>
           </a:p>
@@ -8162,7 +8520,7 @@
           <a:p>
             <a:fld id="{48A87A34-81AB-432B-8DAE-1953F412C126}" type="datetimeFigureOut">
               <a:rPr lang="en-US" dirty="0"/>
-              <a:t>7/23/2020</a:t>
+              <a:t>8/5/2020</a:t>
             </a:fld>
             <a:endParaRPr lang="en-US" dirty="0"/>
           </a:p>
@@ -8274,7 +8632,7 @@
           <a:p>
             <a:fld id="{48A87A34-81AB-432B-8DAE-1953F412C126}" type="datetimeFigureOut">
               <a:rPr lang="en-US" dirty="0"/>
-              <a:t>7/23/2020</a:t>
+              <a:t>8/5/2020</a:t>
             </a:fld>
             <a:endParaRPr lang="en-US" dirty="0"/>
           </a:p>
@@ -8364,7 +8722,7 @@
           <a:p>
             <a:fld id="{48A87A34-81AB-432B-8DAE-1953F412C126}" type="datetimeFigureOut">
               <a:rPr lang="en-US" dirty="0"/>
-              <a:t>7/23/2020</a:t>
+              <a:t>8/5/2020</a:t>
             </a:fld>
             <a:endParaRPr lang="en-US" dirty="0"/>
           </a:p>
@@ -8608,7 +8966,7 @@
           <a:p>
             <a:fld id="{48A87A34-81AB-432B-8DAE-1953F412C126}" type="datetimeFigureOut">
               <a:rPr lang="en-US" dirty="0"/>
-              <a:t>7/23/2020</a:t>
+              <a:t>8/5/2020</a:t>
             </a:fld>
             <a:endParaRPr lang="en-US" dirty="0"/>
           </a:p>
@@ -8883,7 +9241,7 @@
           <a:p>
             <a:fld id="{48A87A34-81AB-432B-8DAE-1953F412C126}" type="datetimeFigureOut">
               <a:rPr lang="en-US" dirty="0"/>
-              <a:t>7/23/2020</a:t>
+              <a:t>8/5/2020</a:t>
             </a:fld>
             <a:endParaRPr lang="en-US" dirty="0"/>
           </a:p>
@@ -9001,7 +9359,7 @@
           <a:noFill/>
           <a:extLst>
             <a:ext uri="{909E8E84-426E-40dd-AFC4-6F175D3DCCD1}">
-              <a14:hiddenFill xmlns="" xmlns:a14="http://schemas.microsoft.com/office/drawing/2010/main">
+              <a14:hiddenFill xmlns:a14="http://schemas.microsoft.com/office/drawing/2010/main" xmlns="">
                 <a:solidFill>
                   <a:srgbClr val="FFFFFF"/>
                 </a:solidFill>
@@ -9075,7 +9433,7 @@
               </a:ln>
               <a:extLst>
                 <a:ext uri="{91240B29-F687-4f45-9708-019B960494DF}">
-                  <a14:hiddenLine xmlns="" xmlns:a14="http://schemas.microsoft.com/office/drawing/2010/main" w="9525">
+                  <a14:hiddenLine xmlns:a14="http://schemas.microsoft.com/office/drawing/2010/main" xmlns="" w="9525">
                     <a:solidFill>
                       <a:srgbClr val="000000"/>
                     </a:solidFill>
@@ -9165,7 +9523,7 @@
               </a:ln>
               <a:extLst>
                 <a:ext uri="{91240B29-F687-4f45-9708-019B960494DF}">
-                  <a14:hiddenLine xmlns="" xmlns:a14="http://schemas.microsoft.com/office/drawing/2010/main" w="9525">
+                  <a14:hiddenLine xmlns:a14="http://schemas.microsoft.com/office/drawing/2010/main" xmlns="" w="9525">
                     <a:solidFill>
                       <a:srgbClr val="000000"/>
                     </a:solidFill>
@@ -9255,7 +9613,7 @@
               </a:ln>
               <a:extLst>
                 <a:ext uri="{91240B29-F687-4f45-9708-019B960494DF}">
-                  <a14:hiddenLine xmlns="" xmlns:a14="http://schemas.microsoft.com/office/drawing/2010/main" w="9525">
+                  <a14:hiddenLine xmlns:a14="http://schemas.microsoft.com/office/drawing/2010/main" xmlns="" w="9525">
                     <a:solidFill>
                       <a:srgbClr val="000000"/>
                     </a:solidFill>
@@ -9317,7 +9675,7 @@
               </a:ln>
               <a:extLst>
                 <a:ext uri="{91240B29-F687-4f45-9708-019B960494DF}">
-                  <a14:hiddenLine xmlns="" xmlns:a14="http://schemas.microsoft.com/office/drawing/2010/main" w="9525">
+                  <a14:hiddenLine xmlns:a14="http://schemas.microsoft.com/office/drawing/2010/main" xmlns="" w="9525">
                     <a:solidFill>
                       <a:srgbClr val="000000"/>
                     </a:solidFill>
@@ -9407,7 +9765,7 @@
               </a:ln>
               <a:extLst>
                 <a:ext uri="{91240B29-F687-4f45-9708-019B960494DF}">
-                  <a14:hiddenLine xmlns="" xmlns:a14="http://schemas.microsoft.com/office/drawing/2010/main" w="9525">
+                  <a14:hiddenLine xmlns:a14="http://schemas.microsoft.com/office/drawing/2010/main" xmlns="" w="9525">
                     <a:solidFill>
                       <a:srgbClr val="000000"/>
                     </a:solidFill>
@@ -9469,7 +9827,7 @@
               </a:ln>
               <a:extLst>
                 <a:ext uri="{91240B29-F687-4f45-9708-019B960494DF}">
-                  <a14:hiddenLine xmlns="" xmlns:a14="http://schemas.microsoft.com/office/drawing/2010/main" w="9525">
+                  <a14:hiddenLine xmlns:a14="http://schemas.microsoft.com/office/drawing/2010/main" xmlns="" w="9525">
                     <a:solidFill>
                       <a:srgbClr val="000000"/>
                     </a:solidFill>
@@ -9531,7 +9889,7 @@
               </a:ln>
               <a:extLst>
                 <a:ext uri="{91240B29-F687-4f45-9708-019B960494DF}">
-                  <a14:hiddenLine xmlns="" xmlns:a14="http://schemas.microsoft.com/office/drawing/2010/main" w="9525">
+                  <a14:hiddenLine xmlns:a14="http://schemas.microsoft.com/office/drawing/2010/main" xmlns="" w="9525">
                     <a:solidFill>
                       <a:srgbClr val="000000"/>
                     </a:solidFill>
@@ -9621,7 +9979,7 @@
               </a:ln>
               <a:extLst>
                 <a:ext uri="{91240B29-F687-4f45-9708-019B960494DF}">
-                  <a14:hiddenLine xmlns="" xmlns:a14="http://schemas.microsoft.com/office/drawing/2010/main" w="9525">
+                  <a14:hiddenLine xmlns:a14="http://schemas.microsoft.com/office/drawing/2010/main" xmlns="" w="9525">
                     <a:solidFill>
                       <a:srgbClr val="000000"/>
                     </a:solidFill>
@@ -9711,7 +10069,7 @@
               </a:ln>
               <a:extLst>
                 <a:ext uri="{91240B29-F687-4f45-9708-019B960494DF}">
-                  <a14:hiddenLine xmlns="" xmlns:a14="http://schemas.microsoft.com/office/drawing/2010/main" w="9525">
+                  <a14:hiddenLine xmlns:a14="http://schemas.microsoft.com/office/drawing/2010/main" xmlns="" w="9525">
                     <a:solidFill>
                       <a:srgbClr val="000000"/>
                     </a:solidFill>
@@ -9773,7 +10131,7 @@
               </a:ln>
               <a:extLst>
                 <a:ext uri="{91240B29-F687-4f45-9708-019B960494DF}">
-                  <a14:hiddenLine xmlns="" xmlns:a14="http://schemas.microsoft.com/office/drawing/2010/main" w="9525">
+                  <a14:hiddenLine xmlns:a14="http://schemas.microsoft.com/office/drawing/2010/main" xmlns="" w="9525">
                     <a:solidFill>
                       <a:srgbClr val="000000"/>
                     </a:solidFill>
@@ -9883,7 +10241,7 @@
               </a:ln>
               <a:extLst>
                 <a:ext uri="{91240B29-F687-4f45-9708-019B960494DF}">
-                  <a14:hiddenLine xmlns="" xmlns:a14="http://schemas.microsoft.com/office/drawing/2010/main" w="9525">
+                  <a14:hiddenLine xmlns:a14="http://schemas.microsoft.com/office/drawing/2010/main" xmlns="" w="9525">
                     <a:solidFill>
                       <a:srgbClr val="000000"/>
                     </a:solidFill>
@@ -9967,7 +10325,7 @@
               </a:ln>
               <a:extLst>
                 <a:ext uri="{91240B29-F687-4f45-9708-019B960494DF}">
-                  <a14:hiddenLine xmlns="" xmlns:a14="http://schemas.microsoft.com/office/drawing/2010/main" w="9525">
+                  <a14:hiddenLine xmlns:a14="http://schemas.microsoft.com/office/drawing/2010/main" xmlns="" w="9525">
                     <a:solidFill>
                       <a:srgbClr val="000000"/>
                     </a:solidFill>
@@ -10029,7 +10387,7 @@
               </a:ln>
               <a:extLst>
                 <a:ext uri="{91240B29-F687-4f45-9708-019B960494DF}">
-                  <a14:hiddenLine xmlns="" xmlns:a14="http://schemas.microsoft.com/office/drawing/2010/main" w="9525">
+                  <a14:hiddenLine xmlns:a14="http://schemas.microsoft.com/office/drawing/2010/main" xmlns="" w="9525">
                     <a:solidFill>
                       <a:srgbClr val="000000"/>
                     </a:solidFill>
@@ -10091,7 +10449,7 @@
               </a:ln>
               <a:extLst>
                 <a:ext uri="{91240B29-F687-4f45-9708-019B960494DF}">
-                  <a14:hiddenLine xmlns="" xmlns:a14="http://schemas.microsoft.com/office/drawing/2010/main" w="9525">
+                  <a14:hiddenLine xmlns:a14="http://schemas.microsoft.com/office/drawing/2010/main" xmlns="" w="9525">
                     <a:solidFill>
                       <a:srgbClr val="000000"/>
                     </a:solidFill>
@@ -10181,7 +10539,7 @@
               </a:ln>
               <a:extLst>
                 <a:ext uri="{91240B29-F687-4f45-9708-019B960494DF}">
-                  <a14:hiddenLine xmlns="" xmlns:a14="http://schemas.microsoft.com/office/drawing/2010/main" w="9525">
+                  <a14:hiddenLine xmlns:a14="http://schemas.microsoft.com/office/drawing/2010/main" xmlns="" w="9525">
                     <a:solidFill>
                       <a:srgbClr val="000000"/>
                     </a:solidFill>
@@ -10215,7 +10573,7 @@
               </a:ln>
               <a:extLst>
                 <a:ext uri="{91240B29-F687-4f45-9708-019B960494DF}">
-                  <a14:hiddenLine xmlns="" xmlns:a14="http://schemas.microsoft.com/office/drawing/2010/main" w="9525">
+                  <a14:hiddenLine xmlns:a14="http://schemas.microsoft.com/office/drawing/2010/main" xmlns="" w="9525">
                     <a:solidFill>
                       <a:srgbClr val="000000"/>
                     </a:solidFill>
@@ -10280,7 +10638,7 @@
               </a:ln>
               <a:extLst>
                 <a:ext uri="{91240B29-F687-4f45-9708-019B960494DF}">
-                  <a14:hiddenLine xmlns="" xmlns:a14="http://schemas.microsoft.com/office/drawing/2010/main" w="9525">
+                  <a14:hiddenLine xmlns:a14="http://schemas.microsoft.com/office/drawing/2010/main" xmlns="" w="9525">
                     <a:solidFill>
                       <a:srgbClr val="000000"/>
                     </a:solidFill>
@@ -10370,7 +10728,7 @@
               </a:ln>
               <a:extLst>
                 <a:ext uri="{91240B29-F687-4f45-9708-019B960494DF}">
-                  <a14:hiddenLine xmlns="" xmlns:a14="http://schemas.microsoft.com/office/drawing/2010/main" w="9525">
+                  <a14:hiddenLine xmlns:a14="http://schemas.microsoft.com/office/drawing/2010/main" xmlns="" w="9525">
                     <a:solidFill>
                       <a:srgbClr val="000000"/>
                     </a:solidFill>
@@ -10432,7 +10790,7 @@
               </a:ln>
               <a:extLst>
                 <a:ext uri="{91240B29-F687-4f45-9708-019B960494DF}">
-                  <a14:hiddenLine xmlns="" xmlns:a14="http://schemas.microsoft.com/office/drawing/2010/main" w="9525">
+                  <a14:hiddenLine xmlns:a14="http://schemas.microsoft.com/office/drawing/2010/main" xmlns="" w="9525">
                     <a:solidFill>
                       <a:srgbClr val="000000"/>
                     </a:solidFill>
@@ -10522,7 +10880,7 @@
               </a:ln>
               <a:extLst>
                 <a:ext uri="{91240B29-F687-4f45-9708-019B960494DF}">
-                  <a14:hiddenLine xmlns="" xmlns:a14="http://schemas.microsoft.com/office/drawing/2010/main" w="9525">
+                  <a14:hiddenLine xmlns:a14="http://schemas.microsoft.com/office/drawing/2010/main" xmlns="" w="9525">
                     <a:solidFill>
                       <a:srgbClr val="000000"/>
                     </a:solidFill>
@@ -10587,7 +10945,7 @@
               </a:ln>
               <a:extLst>
                 <a:ext uri="{91240B29-F687-4f45-9708-019B960494DF}">
-                  <a14:hiddenLine xmlns="" xmlns:a14="http://schemas.microsoft.com/office/drawing/2010/main" w="9525">
+                  <a14:hiddenLine xmlns:a14="http://schemas.microsoft.com/office/drawing/2010/main" xmlns="" w="9525">
                     <a:solidFill>
                       <a:srgbClr val="000000"/>
                     </a:solidFill>
@@ -10649,7 +11007,7 @@
               </a:ln>
               <a:extLst>
                 <a:ext uri="{91240B29-F687-4f45-9708-019B960494DF}">
-                  <a14:hiddenLine xmlns="" xmlns:a14="http://schemas.microsoft.com/office/drawing/2010/main" w="9525">
+                  <a14:hiddenLine xmlns:a14="http://schemas.microsoft.com/office/drawing/2010/main" xmlns="" w="9525">
                     <a:solidFill>
                       <a:srgbClr val="000000"/>
                     </a:solidFill>
@@ -10739,7 +11097,7 @@
               </a:ln>
               <a:extLst>
                 <a:ext uri="{91240B29-F687-4f45-9708-019B960494DF}">
-                  <a14:hiddenLine xmlns="" xmlns:a14="http://schemas.microsoft.com/office/drawing/2010/main" w="9525">
+                  <a14:hiddenLine xmlns:a14="http://schemas.microsoft.com/office/drawing/2010/main" xmlns="" w="9525">
                     <a:solidFill>
                       <a:srgbClr val="000000"/>
                     </a:solidFill>
@@ -10829,7 +11187,7 @@
               </a:ln>
               <a:extLst>
                 <a:ext uri="{91240B29-F687-4f45-9708-019B960494DF}">
-                  <a14:hiddenLine xmlns="" xmlns:a14="http://schemas.microsoft.com/office/drawing/2010/main" w="9525">
+                  <a14:hiddenLine xmlns:a14="http://schemas.microsoft.com/office/drawing/2010/main" xmlns="" w="9525">
                     <a:solidFill>
                       <a:srgbClr val="000000"/>
                     </a:solidFill>
@@ -10894,7 +11252,7 @@
               </a:ln>
               <a:extLst>
                 <a:ext uri="{91240B29-F687-4f45-9708-019B960494DF}">
-                  <a14:hiddenLine xmlns="" xmlns:a14="http://schemas.microsoft.com/office/drawing/2010/main" w="9525">
+                  <a14:hiddenLine xmlns:a14="http://schemas.microsoft.com/office/drawing/2010/main" xmlns="" w="9525">
                     <a:solidFill>
                       <a:srgbClr val="000000"/>
                     </a:solidFill>
@@ -11014,7 +11372,7 @@
               </a:ln>
               <a:extLst>
                 <a:ext uri="{91240B29-F687-4f45-9708-019B960494DF}">
-                  <a14:hiddenLine xmlns="" xmlns:a14="http://schemas.microsoft.com/office/drawing/2010/main" w="9525">
+                  <a14:hiddenLine xmlns:a14="http://schemas.microsoft.com/office/drawing/2010/main" xmlns="" w="9525">
                     <a:solidFill>
                       <a:srgbClr val="000000"/>
                     </a:solidFill>
@@ -11095,7 +11453,7 @@
               </a:ln>
               <a:extLst>
                 <a:ext uri="{91240B29-F687-4f45-9708-019B960494DF}">
-                  <a14:hiddenLine xmlns="" xmlns:a14="http://schemas.microsoft.com/office/drawing/2010/main" w="9525">
+                  <a14:hiddenLine xmlns:a14="http://schemas.microsoft.com/office/drawing/2010/main" xmlns="" w="9525">
                     <a:solidFill>
                       <a:srgbClr val="000000"/>
                     </a:solidFill>
@@ -11210,7 +11568,7 @@
               </a:ln>
               <a:extLst>
                 <a:ext uri="{91240B29-F687-4f45-9708-019B960494DF}">
-                  <a14:hiddenLine xmlns="" xmlns:a14="http://schemas.microsoft.com/office/drawing/2010/main" w="9525">
+                  <a14:hiddenLine xmlns:a14="http://schemas.microsoft.com/office/drawing/2010/main" xmlns="" w="9525">
                     <a:solidFill>
                       <a:srgbClr val="000000"/>
                     </a:solidFill>
@@ -11300,7 +11658,7 @@
               </a:ln>
               <a:extLst>
                 <a:ext uri="{91240B29-F687-4f45-9708-019B960494DF}">
-                  <a14:hiddenLine xmlns="" xmlns:a14="http://schemas.microsoft.com/office/drawing/2010/main" w="9525">
+                  <a14:hiddenLine xmlns:a14="http://schemas.microsoft.com/office/drawing/2010/main" xmlns="" w="9525">
                     <a:solidFill>
                       <a:srgbClr val="000000"/>
                     </a:solidFill>
@@ -11365,7 +11723,7 @@
               </a:ln>
               <a:extLst>
                 <a:ext uri="{91240B29-F687-4f45-9708-019B960494DF}">
-                  <a14:hiddenLine xmlns="" xmlns:a14="http://schemas.microsoft.com/office/drawing/2010/main" w="9525">
+                  <a14:hiddenLine xmlns:a14="http://schemas.microsoft.com/office/drawing/2010/main" xmlns="" w="9525">
                     <a:solidFill>
                       <a:srgbClr val="000000"/>
                     </a:solidFill>
@@ -11455,7 +11813,7 @@
               </a:ln>
               <a:extLst>
                 <a:ext uri="{91240B29-F687-4f45-9708-019B960494DF}">
-                  <a14:hiddenLine xmlns="" xmlns:a14="http://schemas.microsoft.com/office/drawing/2010/main" w="9525">
+                  <a14:hiddenLine xmlns:a14="http://schemas.microsoft.com/office/drawing/2010/main" xmlns="" w="9525">
                     <a:solidFill>
                       <a:srgbClr val="000000"/>
                     </a:solidFill>
@@ -11523,7 +11881,7 @@
               </a:ln>
               <a:extLst>
                 <a:ext uri="{91240B29-F687-4f45-9708-019B960494DF}">
-                  <a14:hiddenLine xmlns="" xmlns:a14="http://schemas.microsoft.com/office/drawing/2010/main" w="9525">
+                  <a14:hiddenLine xmlns:a14="http://schemas.microsoft.com/office/drawing/2010/main" xmlns="" w="9525">
                     <a:solidFill>
                       <a:srgbClr val="000000"/>
                     </a:solidFill>
@@ -11613,7 +11971,7 @@
               </a:ln>
               <a:extLst>
                 <a:ext uri="{91240B29-F687-4f45-9708-019B960494DF}">
-                  <a14:hiddenLine xmlns="" xmlns:a14="http://schemas.microsoft.com/office/drawing/2010/main" w="9525">
+                  <a14:hiddenLine xmlns:a14="http://schemas.microsoft.com/office/drawing/2010/main" xmlns="" w="9525">
                     <a:solidFill>
                       <a:srgbClr val="000000"/>
                     </a:solidFill>
@@ -11681,7 +12039,7 @@
               </a:ln>
               <a:extLst>
                 <a:ext uri="{91240B29-F687-4f45-9708-019B960494DF}">
-                  <a14:hiddenLine xmlns="" xmlns:a14="http://schemas.microsoft.com/office/drawing/2010/main" w="9525">
+                  <a14:hiddenLine xmlns:a14="http://schemas.microsoft.com/office/drawing/2010/main" xmlns="" w="9525">
                     <a:solidFill>
                       <a:srgbClr val="000000"/>
                     </a:solidFill>
@@ -11771,7 +12129,7 @@
               </a:ln>
               <a:extLst>
                 <a:ext uri="{91240B29-F687-4f45-9708-019B960494DF}">
-                  <a14:hiddenLine xmlns="" xmlns:a14="http://schemas.microsoft.com/office/drawing/2010/main" w="9525">
+                  <a14:hiddenLine xmlns:a14="http://schemas.microsoft.com/office/drawing/2010/main" xmlns="" w="9525">
                     <a:solidFill>
                       <a:srgbClr val="000000"/>
                     </a:solidFill>
@@ -11805,7 +12163,7 @@
               </a:ln>
               <a:extLst>
                 <a:ext uri="{91240B29-F687-4f45-9708-019B960494DF}">
-                  <a14:hiddenLine xmlns="" xmlns:a14="http://schemas.microsoft.com/office/drawing/2010/main" w="9525">
+                  <a14:hiddenLine xmlns:a14="http://schemas.microsoft.com/office/drawing/2010/main" xmlns="" w="9525">
                     <a:solidFill>
                       <a:srgbClr val="000000"/>
                     </a:solidFill>
@@ -11946,7 +12304,7 @@
             <a:fld id="{48A87A34-81AB-432B-8DAE-1953F412C126}" type="datetimeFigureOut">
               <a:rPr lang="en-US" dirty="0"/>
               <a:pPr/>
-              <a:t>7/23/2020</a:t>
+              <a:t>8/5/2020</a:t>
             </a:fld>
             <a:endParaRPr lang="en-US" dirty="0"/>
           </a:p>
@@ -12448,6 +12806,390 @@
           <a:chExt cx="0" cy="0"/>
         </a:xfrm>
       </p:grpSpPr>
+      <p:pic>
+        <p:nvPicPr>
+          <p:cNvPr id="3" name="Picture 2">
+            <a:extLst>
+              <a:ext uri="{FF2B5EF4-FFF2-40B4-BE49-F238E27FC236}">
+                <a16:creationId xmlns:a16="http://schemas.microsoft.com/office/drawing/2014/main" id="{1C5159D6-E40A-4A94-A358-6985E6DF2D75}"/>
+              </a:ext>
+            </a:extLst>
+          </p:cNvPr>
+          <p:cNvPicPr>
+            <a:picLocks noChangeAspect="1"/>
+          </p:cNvPicPr>
+          <p:nvPr/>
+        </p:nvPicPr>
+        <p:blipFill>
+          <a:blip r:embed="rId2"/>
+          <a:stretch>
+            <a:fillRect/>
+          </a:stretch>
+        </p:blipFill>
+        <p:spPr>
+          <a:xfrm>
+            <a:off x="4256598" y="1589598"/>
+            <a:ext cx="3678803" cy="3678803"/>
+          </a:xfrm>
+          <a:prstGeom prst="rect">
+            <a:avLst/>
+          </a:prstGeom>
+        </p:spPr>
+      </p:pic>
+    </p:spTree>
+    <p:extLst>
+      <p:ext uri="{BB962C8B-B14F-4D97-AF65-F5344CB8AC3E}">
+        <p14:creationId xmlns:p14="http://schemas.microsoft.com/office/powerpoint/2010/main" val="4245304028"/>
+      </p:ext>
+    </p:extLst>
+  </p:cSld>
+  <p:clrMapOvr>
+    <a:masterClrMapping/>
+  </p:clrMapOvr>
+</p:sld>
+</file>
+
+<file path=ppt/slides/slide11.xml><?xml version="1.0" encoding="utf-8"?>
+<p:sld xmlns:a="http://schemas.openxmlformats.org/drawingml/2006/main" xmlns:r="http://schemas.openxmlformats.org/officeDocument/2006/relationships" xmlns:p="http://schemas.openxmlformats.org/presentationml/2006/main">
+  <p:cSld>
+    <p:spTree>
+      <p:nvGrpSpPr>
+        <p:cNvPr id="1" name=""/>
+        <p:cNvGrpSpPr/>
+        <p:nvPr/>
+      </p:nvGrpSpPr>
+      <p:grpSpPr>
+        <a:xfrm>
+          <a:off x="0" y="0"/>
+          <a:ext cx="0" cy="0"/>
+          <a:chOff x="0" y="0"/>
+          <a:chExt cx="0" cy="0"/>
+        </a:xfrm>
+      </p:grpSpPr>
+      <p:sp>
+        <p:nvSpPr>
+          <p:cNvPr id="2" name="Title 1">
+            <a:extLst>
+              <a:ext uri="{FF2B5EF4-FFF2-40B4-BE49-F238E27FC236}">
+                <a16:creationId xmlns:a16="http://schemas.microsoft.com/office/drawing/2014/main" id="{2B7E81A1-D1C7-450F-9881-D8636841F6F5}"/>
+              </a:ext>
+            </a:extLst>
+          </p:cNvPr>
+          <p:cNvSpPr>
+            <a:spLocks noGrp="1"/>
+          </p:cNvSpPr>
+          <p:nvPr>
+            <p:ph type="title"/>
+          </p:nvPr>
+        </p:nvSpPr>
+        <p:spPr>
+          <a:xfrm>
+            <a:off x="1143001" y="126146"/>
+            <a:ext cx="9905998" cy="923331"/>
+          </a:xfrm>
+        </p:spPr>
+        <p:txBody>
+          <a:bodyPr>
+            <a:normAutofit/>
+          </a:bodyPr>
+          <a:lstStyle/>
+          <a:p>
+            <a:pPr algn="ctr"/>
+            <a:r>
+              <a:rPr lang="en-US" sz="3200" dirty="0"/>
+              <a:t>How do we interface this  Sensor with ESP32</a:t>
+            </a:r>
+            <a:endParaRPr lang="en-IN" sz="3200" dirty="0"/>
+          </a:p>
+        </p:txBody>
+      </p:sp>
+      <p:sp>
+        <p:nvSpPr>
+          <p:cNvPr id="3" name="TextBox 2">
+            <a:extLst>
+              <a:ext uri="{FF2B5EF4-FFF2-40B4-BE49-F238E27FC236}">
+                <a16:creationId xmlns:a16="http://schemas.microsoft.com/office/drawing/2014/main" id="{14533802-FD29-4E14-9CA1-CD2F3EC833E4}"/>
+              </a:ext>
+            </a:extLst>
+          </p:cNvPr>
+          <p:cNvSpPr txBox="1"/>
+          <p:nvPr/>
+        </p:nvSpPr>
+        <p:spPr>
+          <a:xfrm>
+            <a:off x="1109538" y="2386823"/>
+            <a:ext cx="10533184" cy="2862322"/>
+          </a:xfrm>
+          <a:prstGeom prst="rect">
+            <a:avLst/>
+          </a:prstGeom>
+          <a:noFill/>
+          <a:ln w="82550">
+            <a:solidFill>
+              <a:srgbClr val="FFFF00"/>
+            </a:solidFill>
+          </a:ln>
+        </p:spPr>
+        <p:txBody>
+          <a:bodyPr wrap="square" rtlCol="0">
+            <a:spAutoFit/>
+          </a:bodyPr>
+          <a:lstStyle/>
+          <a:p>
+            <a:endParaRPr lang="en-US" dirty="0">
+              <a:latin typeface="Courier New" panose="02070309020205020404" pitchFamily="49" charset="0"/>
+            </a:endParaRPr>
+          </a:p>
+          <a:p>
+            <a:r>
+              <a:rPr lang="en-US" sz="1800" dirty="0">
+                <a:latin typeface="Courier New" panose="02070309020205020404" pitchFamily="49" charset="0"/>
+              </a:rPr>
+              <a:t>const int   </a:t>
+            </a:r>
+            <a:r>
+              <a:rPr lang="en-US" sz="1800" dirty="0" err="1">
+                <a:latin typeface="Courier New" panose="02070309020205020404" pitchFamily="49" charset="0"/>
+              </a:rPr>
+              <a:t>inputPIN</a:t>
+            </a:r>
+            <a:r>
+              <a:rPr lang="en-US" sz="1800" dirty="0">
+                <a:latin typeface="Courier New" panose="02070309020205020404" pitchFamily="49" charset="0"/>
+              </a:rPr>
+              <a:t>  = 4 ; //GPIO 4</a:t>
+            </a:r>
+          </a:p>
+          <a:p>
+            <a:endParaRPr lang="en-US" sz="1800" dirty="0">
+              <a:latin typeface="Courier New" panose="02070309020205020404" pitchFamily="49" charset="0"/>
+            </a:endParaRPr>
+          </a:p>
+          <a:p>
+            <a:r>
+              <a:rPr lang="en-US" sz="1800" dirty="0">
+                <a:latin typeface="Courier New" panose="02070309020205020404" pitchFamily="49" charset="0"/>
+              </a:rPr>
+              <a:t>void ICACHE_RAM_ATTR </a:t>
+            </a:r>
+            <a:r>
+              <a:rPr lang="en-US" sz="1800" dirty="0" err="1">
+                <a:latin typeface="Courier New" panose="02070309020205020404" pitchFamily="49" charset="0"/>
+              </a:rPr>
+              <a:t>pin_ISR</a:t>
+            </a:r>
+            <a:r>
+              <a:rPr lang="en-US" sz="1800" dirty="0">
+                <a:latin typeface="Courier New" panose="02070309020205020404" pitchFamily="49" charset="0"/>
+              </a:rPr>
+              <a:t>()</a:t>
+            </a:r>
+          </a:p>
+          <a:p>
+            <a:r>
+              <a:rPr lang="en-US" sz="1800" dirty="0">
+                <a:latin typeface="Courier New" panose="02070309020205020404" pitchFamily="49" charset="0"/>
+              </a:rPr>
+              <a:t>{</a:t>
+            </a:r>
+          </a:p>
+          <a:p>
+            <a:r>
+              <a:rPr lang="en-US" sz="1800" dirty="0">
+                <a:latin typeface="Courier New" panose="02070309020205020404" pitchFamily="49" charset="0"/>
+              </a:rPr>
+              <a:t>  ticks++;</a:t>
+            </a:r>
+          </a:p>
+          <a:p>
+            <a:r>
+              <a:rPr lang="en-US" sz="1800" dirty="0">
+                <a:latin typeface="Courier New" panose="02070309020205020404" pitchFamily="49" charset="0"/>
+              </a:rPr>
+              <a:t>}</a:t>
+            </a:r>
+          </a:p>
+          <a:p>
+            <a:endParaRPr lang="en-IN" dirty="0"/>
+          </a:p>
+          <a:p>
+            <a:r>
+              <a:rPr lang="en-US" sz="1800" dirty="0" err="1">
+                <a:latin typeface="Courier New" panose="02070309020205020404" pitchFamily="49" charset="0"/>
+              </a:rPr>
+              <a:t>attachInterrupt</a:t>
+            </a:r>
+            <a:r>
+              <a:rPr lang="en-US" sz="1800" dirty="0">
+                <a:latin typeface="Courier New" panose="02070309020205020404" pitchFamily="49" charset="0"/>
+              </a:rPr>
+              <a:t>(</a:t>
+            </a:r>
+            <a:r>
+              <a:rPr lang="en-US" sz="1800" dirty="0" err="1">
+                <a:latin typeface="Courier New" panose="02070309020205020404" pitchFamily="49" charset="0"/>
+              </a:rPr>
+              <a:t>digitalPinToInterrupt</a:t>
+            </a:r>
+            <a:r>
+              <a:rPr lang="en-US" sz="1800" dirty="0">
+                <a:latin typeface="Courier New" panose="02070309020205020404" pitchFamily="49" charset="0"/>
+              </a:rPr>
+              <a:t>(</a:t>
+            </a:r>
+            <a:r>
+              <a:rPr lang="en-US" sz="1800" dirty="0" err="1">
+                <a:latin typeface="Courier New" panose="02070309020205020404" pitchFamily="49" charset="0"/>
+              </a:rPr>
+              <a:t>inputPIN</a:t>
+            </a:r>
+            <a:r>
+              <a:rPr lang="en-US" sz="1800" dirty="0">
+                <a:latin typeface="Courier New" panose="02070309020205020404" pitchFamily="49" charset="0"/>
+              </a:rPr>
+              <a:t>), </a:t>
+            </a:r>
+            <a:r>
+              <a:rPr lang="en-US" sz="1800" dirty="0" err="1">
+                <a:latin typeface="Courier New" panose="02070309020205020404" pitchFamily="49" charset="0"/>
+              </a:rPr>
+              <a:t>pin_ISR</a:t>
+            </a:r>
+            <a:r>
+              <a:rPr lang="en-US" sz="1800" dirty="0">
+                <a:latin typeface="Courier New" panose="02070309020205020404" pitchFamily="49" charset="0"/>
+              </a:rPr>
+              <a:t>, RISING);</a:t>
+            </a:r>
+            <a:endParaRPr lang="en-IN" dirty="0"/>
+          </a:p>
+          <a:p>
+            <a:endParaRPr lang="en-IN" dirty="0"/>
+          </a:p>
+        </p:txBody>
+      </p:sp>
+      <p:sp>
+        <p:nvSpPr>
+          <p:cNvPr id="4" name="TextBox 3">
+            <a:extLst>
+              <a:ext uri="{FF2B5EF4-FFF2-40B4-BE49-F238E27FC236}">
+                <a16:creationId xmlns:a16="http://schemas.microsoft.com/office/drawing/2014/main" id="{A5CD9611-C928-446D-946D-8F79830F6633}"/>
+              </a:ext>
+            </a:extLst>
+          </p:cNvPr>
+          <p:cNvSpPr txBox="1"/>
+          <p:nvPr/>
+        </p:nvSpPr>
+        <p:spPr>
+          <a:xfrm>
+            <a:off x="1109539" y="1264429"/>
+            <a:ext cx="10533184" cy="923330"/>
+          </a:xfrm>
+          <a:prstGeom prst="rect">
+            <a:avLst/>
+          </a:prstGeom>
+          <a:noFill/>
+          <a:ln w="50800">
+            <a:solidFill>
+              <a:srgbClr val="FFFF00"/>
+            </a:solidFill>
+          </a:ln>
+        </p:spPr>
+        <p:txBody>
+          <a:bodyPr wrap="square" rtlCol="0">
+            <a:spAutoFit/>
+          </a:bodyPr>
+          <a:lstStyle/>
+          <a:p>
+            <a:r>
+              <a:rPr lang="en-US" dirty="0"/>
+              <a:t>In the previous code we discussed, all we need to do is :  Just add the following routine connect the sensors </a:t>
+            </a:r>
+          </a:p>
+          <a:p>
+            <a:r>
+              <a:rPr lang="en-US" dirty="0"/>
+              <a:t>data pin to GPIO 4 and power up the sensor</a:t>
+            </a:r>
+          </a:p>
+          <a:p>
+            <a:endParaRPr lang="en-IN" dirty="0"/>
+          </a:p>
+        </p:txBody>
+      </p:sp>
+      <p:sp>
+        <p:nvSpPr>
+          <p:cNvPr id="5" name="TextBox 4">
+            <a:extLst>
+              <a:ext uri="{FF2B5EF4-FFF2-40B4-BE49-F238E27FC236}">
+                <a16:creationId xmlns:a16="http://schemas.microsoft.com/office/drawing/2014/main" id="{12FF8A7B-2B5E-4311-90E8-403A6EA0195E}"/>
+              </a:ext>
+            </a:extLst>
+          </p:cNvPr>
+          <p:cNvSpPr txBox="1"/>
+          <p:nvPr/>
+        </p:nvSpPr>
+        <p:spPr>
+          <a:xfrm>
+            <a:off x="1109538" y="5448209"/>
+            <a:ext cx="10533184" cy="923330"/>
+          </a:xfrm>
+          <a:prstGeom prst="rect">
+            <a:avLst/>
+          </a:prstGeom>
+          <a:noFill/>
+          <a:ln w="73025">
+            <a:solidFill>
+              <a:srgbClr val="FFFF00"/>
+            </a:solidFill>
+          </a:ln>
+        </p:spPr>
+        <p:txBody>
+          <a:bodyPr wrap="square" rtlCol="0">
+            <a:spAutoFit/>
+          </a:bodyPr>
+          <a:lstStyle/>
+          <a:p>
+            <a:r>
+              <a:rPr lang="en-IN" dirty="0"/>
+              <a:t>All we need to do is periodically take the value in global variable ticks and calculate the volume through put and reset the variable ticks.</a:t>
+            </a:r>
+          </a:p>
+          <a:p>
+            <a:endParaRPr lang="en-IN" dirty="0"/>
+          </a:p>
+        </p:txBody>
+      </p:sp>
+    </p:spTree>
+    <p:extLst>
+      <p:ext uri="{BB962C8B-B14F-4D97-AF65-F5344CB8AC3E}">
+        <p14:creationId xmlns:p14="http://schemas.microsoft.com/office/powerpoint/2010/main" val="1082069277"/>
+      </p:ext>
+    </p:extLst>
+  </p:cSld>
+  <p:clrMapOvr>
+    <a:masterClrMapping/>
+  </p:clrMapOvr>
+</p:sld>
+</file>
+
+<file path=ppt/slides/slide12.xml><?xml version="1.0" encoding="utf-8"?>
+<p:sld xmlns:a="http://schemas.openxmlformats.org/drawingml/2006/main" xmlns:r="http://schemas.openxmlformats.org/officeDocument/2006/relationships" xmlns:p="http://schemas.openxmlformats.org/presentationml/2006/main">
+  <p:cSld>
+    <p:spTree>
+      <p:nvGrpSpPr>
+        <p:cNvPr id="1" name=""/>
+        <p:cNvGrpSpPr/>
+        <p:nvPr/>
+      </p:nvGrpSpPr>
+      <p:grpSpPr>
+        <a:xfrm>
+          <a:off x="0" y="0"/>
+          <a:ext cx="0" cy="0"/>
+          <a:chOff x="0" y="0"/>
+          <a:chExt cx="0" cy="0"/>
+        </a:xfrm>
+      </p:grpSpPr>
       <p:sp>
         <p:nvSpPr>
           <p:cNvPr id="2" name="Rectangle 1">
@@ -12515,7 +13257,7 @@
 </p:sld>
 </file>
 
-<file path=ppt/slides/slide11.xml><?xml version="1.0" encoding="utf-8"?>
+<file path=ppt/slides/slide13.xml><?xml version="1.0" encoding="utf-8"?>
 <p:sld xmlns:a="http://schemas.openxmlformats.org/drawingml/2006/main" xmlns:r="http://schemas.openxmlformats.org/officeDocument/2006/relationships" xmlns:p="http://schemas.openxmlformats.org/presentationml/2006/main">
   <p:cSld>
     <p:bg>
@@ -12645,7 +13387,7 @@
 </p:sld>
 </file>
 
-<file path=ppt/slides/slide12.xml><?xml version="1.0" encoding="utf-8"?>
+<file path=ppt/slides/slide14.xml><?xml version="1.0" encoding="utf-8"?>
 <p:sld xmlns:a="http://schemas.openxmlformats.org/drawingml/2006/main" xmlns:r="http://schemas.openxmlformats.org/officeDocument/2006/relationships" xmlns:p="http://schemas.openxmlformats.org/presentationml/2006/main">
   <p:cSld>
     <p:spTree>
@@ -13337,7 +14079,7 @@
 </p:sld>
 </file>
 
-<file path=ppt/slides/slide13.xml><?xml version="1.0" encoding="utf-8"?>
+<file path=ppt/slides/slide15.xml><?xml version="1.0" encoding="utf-8"?>
 <p:sld xmlns:a="http://schemas.openxmlformats.org/drawingml/2006/main" xmlns:r="http://schemas.openxmlformats.org/officeDocument/2006/relationships" xmlns:p="http://schemas.openxmlformats.org/presentationml/2006/main">
   <p:cSld>
     <p:spTree>
@@ -13558,7 +14300,7 @@
 </p:sld>
 </file>
 
-<file path=ppt/slides/slide14.xml><?xml version="1.0" encoding="utf-8"?>
+<file path=ppt/slides/slide16.xml><?xml version="1.0" encoding="utf-8"?>
 <p:sld xmlns:a="http://schemas.openxmlformats.org/drawingml/2006/main" xmlns:r="http://schemas.openxmlformats.org/officeDocument/2006/relationships" xmlns:p="http://schemas.openxmlformats.org/presentationml/2006/main">
   <p:cSld>
     <p:spTree>
@@ -13843,7 +14585,7 @@
 </p:sld>
 </file>
 
-<file path=ppt/slides/slide15.xml><?xml version="1.0" encoding="utf-8"?>
+<file path=ppt/slides/slide17.xml><?xml version="1.0" encoding="utf-8"?>
 <p:sld xmlns:a="http://schemas.openxmlformats.org/drawingml/2006/main" xmlns:r="http://schemas.openxmlformats.org/officeDocument/2006/relationships" xmlns:p="http://schemas.openxmlformats.org/presentationml/2006/main">
   <p:cSld>
     <p:spTree>
@@ -13920,7 +14662,7 @@
 </p:sld>
 </file>
 
-<file path=ppt/slides/slide16.xml><?xml version="1.0" encoding="utf-8"?>
+<file path=ppt/slides/slide18.xml><?xml version="1.0" encoding="utf-8"?>
 <p:sld xmlns:a="http://schemas.openxmlformats.org/drawingml/2006/main" xmlns:r="http://schemas.openxmlformats.org/officeDocument/2006/relationships" xmlns:p="http://schemas.openxmlformats.org/presentationml/2006/main">
   <p:cSld>
     <p:spTree>
@@ -13997,7 +14739,7 @@
 </p:sld>
 </file>
 
-<file path=ppt/slides/slide17.xml><?xml version="1.0" encoding="utf-8"?>
+<file path=ppt/slides/slide19.xml><?xml version="1.0" encoding="utf-8"?>
 <p:sld xmlns:a="http://schemas.openxmlformats.org/drawingml/2006/main" xmlns:r="http://schemas.openxmlformats.org/officeDocument/2006/relationships" xmlns:p="http://schemas.openxmlformats.org/presentationml/2006/main">
   <p:cSld>
     <p:spTree>
@@ -14213,239 +14955,6 @@
     <p:extLst>
       <p:ext uri="{BB962C8B-B14F-4D97-AF65-F5344CB8AC3E}">
         <p14:creationId xmlns:p14="http://schemas.microsoft.com/office/powerpoint/2010/main" val="95734751"/>
-      </p:ext>
-    </p:extLst>
-  </p:cSld>
-  <p:clrMapOvr>
-    <a:masterClrMapping/>
-  </p:clrMapOvr>
-</p:sld>
-</file>
-
-<file path=ppt/slides/slide18.xml><?xml version="1.0" encoding="utf-8"?>
-<p:sld xmlns:a="http://schemas.openxmlformats.org/drawingml/2006/main" xmlns:r="http://schemas.openxmlformats.org/officeDocument/2006/relationships" xmlns:p="http://schemas.openxmlformats.org/presentationml/2006/main">
-  <p:cSld>
-    <p:spTree>
-      <p:nvGrpSpPr>
-        <p:cNvPr id="1" name=""/>
-        <p:cNvGrpSpPr/>
-        <p:nvPr/>
-      </p:nvGrpSpPr>
-      <p:grpSpPr>
-        <a:xfrm>
-          <a:off x="0" y="0"/>
-          <a:ext cx="0" cy="0"/>
-          <a:chOff x="0" y="0"/>
-          <a:chExt cx="0" cy="0"/>
-        </a:xfrm>
-      </p:grpSpPr>
-      <p:sp>
-        <p:nvSpPr>
-          <p:cNvPr id="2" name="Rectangle 1">
-            <a:extLst>
-              <a:ext uri="{FF2B5EF4-FFF2-40B4-BE49-F238E27FC236}">
-                <a16:creationId xmlns:a16="http://schemas.microsoft.com/office/drawing/2014/main" id="{6FD933F7-5A51-4D15-A500-7B61F4C4DF8D}"/>
-              </a:ext>
-            </a:extLst>
-          </p:cNvPr>
-          <p:cNvSpPr/>
-          <p:nvPr/>
-        </p:nvSpPr>
-        <p:spPr>
-          <a:xfrm>
-            <a:off x="975887" y="2967335"/>
-            <a:ext cx="10240239" cy="1754326"/>
-          </a:xfrm>
-          <a:prstGeom prst="rect">
-            <a:avLst/>
-          </a:prstGeom>
-          <a:noFill/>
-        </p:spPr>
-        <p:txBody>
-          <a:bodyPr wrap="none" lIns="91440" tIns="45720" rIns="91440" bIns="45720">
-            <a:spAutoFit/>
-          </a:bodyPr>
-          <a:lstStyle/>
-          <a:p>
-            <a:pPr algn="ctr"/>
-            <a:r>
-              <a:rPr lang="en-US" sz="5400" b="1" dirty="0">
-                <a:ln w="12700">
-                  <a:solidFill>
-                    <a:schemeClr val="accent3">
-                      <a:lumMod val="50000"/>
-                    </a:schemeClr>
-                  </a:solidFill>
-                  <a:prstDash val="solid"/>
-                </a:ln>
-                <a:pattFill prst="narHorz">
-                  <a:fgClr>
-                    <a:schemeClr val="accent3"/>
-                  </a:fgClr>
-                  <a:bgClr>
-                    <a:schemeClr val="accent3">
-                      <a:lumMod val="40000"/>
-                      <a:lumOff val="60000"/>
-                    </a:schemeClr>
-                  </a:bgClr>
-                </a:pattFill>
-                <a:effectLst>
-                  <a:innerShdw blurRad="177800">
-                    <a:schemeClr val="accent3">
-                      <a:lumMod val="50000"/>
-                    </a:schemeClr>
-                  </a:innerShdw>
-                </a:effectLst>
-              </a:rPr>
-              <a:t>Necessity it he mother of Invention</a:t>
-            </a:r>
-          </a:p>
-          <a:p>
-            <a:pPr algn="ctr"/>
-            <a:endParaRPr lang="en-US" sz="5400" b="1" cap="none" spc="0" dirty="0">
-              <a:ln w="12700">
-                <a:solidFill>
-                  <a:schemeClr val="accent3">
-                    <a:lumMod val="50000"/>
-                  </a:schemeClr>
-                </a:solidFill>
-                <a:prstDash val="solid"/>
-              </a:ln>
-              <a:pattFill prst="narHorz">
-                <a:fgClr>
-                  <a:schemeClr val="accent3"/>
-                </a:fgClr>
-                <a:bgClr>
-                  <a:schemeClr val="accent3">
-                    <a:lumMod val="40000"/>
-                    <a:lumOff val="60000"/>
-                  </a:schemeClr>
-                </a:bgClr>
-              </a:pattFill>
-              <a:effectLst>
-                <a:innerShdw blurRad="177800">
-                  <a:schemeClr val="accent3">
-                    <a:lumMod val="50000"/>
-                  </a:schemeClr>
-                </a:innerShdw>
-              </a:effectLst>
-            </a:endParaRPr>
-          </a:p>
-        </p:txBody>
-      </p:sp>
-    </p:spTree>
-    <p:extLst>
-      <p:ext uri="{BB962C8B-B14F-4D97-AF65-F5344CB8AC3E}">
-        <p14:creationId xmlns:p14="http://schemas.microsoft.com/office/powerpoint/2010/main" val="1362023159"/>
-      </p:ext>
-    </p:extLst>
-  </p:cSld>
-  <p:clrMapOvr>
-    <a:masterClrMapping/>
-  </p:clrMapOvr>
-</p:sld>
-</file>
-
-<file path=ppt/slides/slide19.xml><?xml version="1.0" encoding="utf-8"?>
-<p:sld xmlns:a="http://schemas.openxmlformats.org/drawingml/2006/main" xmlns:r="http://schemas.openxmlformats.org/officeDocument/2006/relationships" xmlns:p="http://schemas.openxmlformats.org/presentationml/2006/main">
-  <p:cSld>
-    <p:spTree>
-      <p:nvGrpSpPr>
-        <p:cNvPr id="1" name=""/>
-        <p:cNvGrpSpPr/>
-        <p:nvPr/>
-      </p:nvGrpSpPr>
-      <p:grpSpPr>
-        <a:xfrm>
-          <a:off x="0" y="0"/>
-          <a:ext cx="0" cy="0"/>
-          <a:chOff x="0" y="0"/>
-          <a:chExt cx="0" cy="0"/>
-        </a:xfrm>
-      </p:grpSpPr>
-      <p:sp>
-        <p:nvSpPr>
-          <p:cNvPr id="7" name="Rectangle 6">
-            <a:extLst>
-              <a:ext uri="{FF2B5EF4-FFF2-40B4-BE49-F238E27FC236}">
-                <a16:creationId xmlns:a16="http://schemas.microsoft.com/office/drawing/2014/main" id="{8B838685-3CEF-48DE-B655-7AC42615EEF8}"/>
-              </a:ext>
-            </a:extLst>
-          </p:cNvPr>
-          <p:cNvSpPr/>
-          <p:nvPr/>
-        </p:nvSpPr>
-        <p:spPr>
-          <a:xfrm>
-            <a:off x="418967" y="2397492"/>
-            <a:ext cx="11354070" cy="1754326"/>
-          </a:xfrm>
-          <a:prstGeom prst="rect">
-            <a:avLst/>
-          </a:prstGeom>
-          <a:noFill/>
-        </p:spPr>
-        <p:txBody>
-          <a:bodyPr wrap="none" lIns="91440" tIns="45720" rIns="91440" bIns="45720">
-            <a:spAutoFit/>
-          </a:bodyPr>
-          <a:lstStyle/>
-          <a:p>
-            <a:pPr algn="ctr"/>
-            <a:r>
-              <a:rPr lang="en-US" sz="5400" b="1" cap="none" spc="0" dirty="0">
-                <a:ln w="9525">
-                  <a:solidFill>
-                    <a:schemeClr val="bg1"/>
-                  </a:solidFill>
-                  <a:prstDash val="solid"/>
-                </a:ln>
-                <a:solidFill>
-                  <a:schemeClr val="accent5"/>
-                </a:solidFill>
-                <a:effectLst>
-                  <a:outerShdw blurRad="12700" dist="38100" dir="2700000" algn="tl" rotWithShape="0">
-                    <a:schemeClr val="accent5">
-                      <a:lumMod val="60000"/>
-                      <a:lumOff val="40000"/>
-                    </a:schemeClr>
-                  </a:outerShdw>
-                </a:effectLst>
-              </a:rPr>
-              <a:t>This is what leads us to the need of an</a:t>
-            </a:r>
-          </a:p>
-          <a:p>
-            <a:pPr algn="ctr"/>
-            <a:r>
-              <a:rPr lang="en-US" sz="5400" b="1" cap="none" spc="0" dirty="0">
-                <a:ln w="9525">
-                  <a:solidFill>
-                    <a:schemeClr val="bg1"/>
-                  </a:solidFill>
-                  <a:prstDash val="solid"/>
-                </a:ln>
-                <a:solidFill>
-                  <a:schemeClr val="accent5"/>
-                </a:solidFill>
-                <a:effectLst>
-                  <a:outerShdw blurRad="12700" dist="38100" dir="2700000" algn="tl" rotWithShape="0">
-                    <a:schemeClr val="accent5">
-                      <a:lumMod val="60000"/>
-                      <a:lumOff val="40000"/>
-                    </a:schemeClr>
-                  </a:outerShdw>
-                </a:effectLst>
-              </a:rPr>
-              <a:t>IoT platform</a:t>
-            </a:r>
-          </a:p>
-        </p:txBody>
-      </p:sp>
-    </p:spTree>
-    <p:extLst>
-      <p:ext uri="{BB962C8B-B14F-4D97-AF65-F5344CB8AC3E}">
-        <p14:creationId xmlns:p14="http://schemas.microsoft.com/office/powerpoint/2010/main" val="1582394294"/>
       </p:ext>
     </p:extLst>
   </p:cSld>
@@ -14589,6 +15098,2016 @@
           <a:chExt cx="0" cy="0"/>
         </a:xfrm>
       </p:grpSpPr>
+      <p:pic>
+        <p:nvPicPr>
+          <p:cNvPr id="2" name="Picture 1">
+            <a:extLst>
+              <a:ext uri="{FF2B5EF4-FFF2-40B4-BE49-F238E27FC236}">
+                <a16:creationId xmlns:a16="http://schemas.microsoft.com/office/drawing/2014/main" id="{9F102131-610F-478C-AECC-3E1CD36A5F88}"/>
+              </a:ext>
+            </a:extLst>
+          </p:cNvPr>
+          <p:cNvPicPr>
+            <a:picLocks noChangeAspect="1"/>
+          </p:cNvPicPr>
+          <p:nvPr/>
+        </p:nvPicPr>
+        <p:blipFill>
+          <a:blip r:embed="rId2"/>
+          <a:stretch>
+            <a:fillRect/>
+          </a:stretch>
+        </p:blipFill>
+        <p:spPr>
+          <a:xfrm>
+            <a:off x="7310905" y="405020"/>
+            <a:ext cx="3924300" cy="5676900"/>
+          </a:xfrm>
+          <a:prstGeom prst="rect">
+            <a:avLst/>
+          </a:prstGeom>
+        </p:spPr>
+      </p:pic>
+      <p:sp>
+        <p:nvSpPr>
+          <p:cNvPr id="6" name="Rectangle 5">
+            <a:extLst>
+              <a:ext uri="{FF2B5EF4-FFF2-40B4-BE49-F238E27FC236}">
+                <a16:creationId xmlns:a16="http://schemas.microsoft.com/office/drawing/2014/main" id="{F8168814-2FDE-4578-8E55-B7A14E7CD20D}"/>
+              </a:ext>
+            </a:extLst>
+          </p:cNvPr>
+          <p:cNvSpPr/>
+          <p:nvPr/>
+        </p:nvSpPr>
+        <p:spPr>
+          <a:xfrm>
+            <a:off x="6770087" y="1717582"/>
+            <a:ext cx="450574" cy="4456808"/>
+          </a:xfrm>
+          <a:prstGeom prst="rect">
+            <a:avLst/>
+          </a:prstGeom>
+          <a:gradFill flip="none" rotWithShape="1">
+            <a:gsLst>
+              <a:gs pos="0">
+                <a:schemeClr val="accent5">
+                  <a:lumMod val="0"/>
+                  <a:lumOff val="100000"/>
+                </a:schemeClr>
+              </a:gs>
+              <a:gs pos="28000">
+                <a:schemeClr val="accent5">
+                  <a:lumMod val="0"/>
+                  <a:lumOff val="100000"/>
+                </a:schemeClr>
+              </a:gs>
+              <a:gs pos="100000">
+                <a:schemeClr val="accent5">
+                  <a:lumMod val="100000"/>
+                </a:schemeClr>
+              </a:gs>
+            </a:gsLst>
+            <a:path path="circle">
+              <a:fillToRect l="100000" t="100000"/>
+            </a:path>
+            <a:tileRect r="-100000" b="-100000"/>
+          </a:gradFill>
+          <a:ln>
+            <a:noFill/>
+          </a:ln>
+          <a:effectLst>
+            <a:outerShdw blurRad="190500" dist="228600" dir="2700000" algn="ctr">
+              <a:srgbClr val="000000">
+                <a:alpha val="30000"/>
+              </a:srgbClr>
+            </a:outerShdw>
+          </a:effectLst>
+          <a:scene3d>
+            <a:camera prst="orthographicFront">
+              <a:rot lat="0" lon="0" rev="0"/>
+            </a:camera>
+            <a:lightRig rig="glow" dir="t">
+              <a:rot lat="0" lon="0" rev="4800000"/>
+            </a:lightRig>
+          </a:scene3d>
+          <a:sp3d prstMaterial="matte">
+            <a:bevelT w="127000" h="63500"/>
+          </a:sp3d>
+        </p:spPr>
+        <p:style>
+          <a:lnRef idx="2">
+            <a:schemeClr val="accent1">
+              <a:shade val="50000"/>
+            </a:schemeClr>
+          </a:lnRef>
+          <a:fillRef idx="1">
+            <a:schemeClr val="accent1"/>
+          </a:fillRef>
+          <a:effectRef idx="0">
+            <a:schemeClr val="accent1"/>
+          </a:effectRef>
+          <a:fontRef idx="minor">
+            <a:schemeClr val="lt1"/>
+          </a:fontRef>
+        </p:style>
+        <p:txBody>
+          <a:bodyPr rtlCol="0" anchor="ctr"/>
+          <a:lstStyle/>
+          <a:p>
+            <a:pPr algn="ctr"/>
+            <a:endParaRPr lang="en-IN"/>
+          </a:p>
+        </p:txBody>
+      </p:sp>
+      <p:grpSp>
+        <p:nvGrpSpPr>
+          <p:cNvPr id="39" name="Group 38">
+            <a:extLst>
+              <a:ext uri="{FF2B5EF4-FFF2-40B4-BE49-F238E27FC236}">
+                <a16:creationId xmlns:a16="http://schemas.microsoft.com/office/drawing/2014/main" id="{26881469-F2C7-49B3-A8AC-88C4C472DCED}"/>
+              </a:ext>
+            </a:extLst>
+          </p:cNvPr>
+          <p:cNvGrpSpPr/>
+          <p:nvPr/>
+        </p:nvGrpSpPr>
+        <p:grpSpPr>
+          <a:xfrm>
+            <a:off x="5711066" y="1466914"/>
+            <a:ext cx="1083218" cy="4735611"/>
+            <a:chOff x="3713455" y="1466915"/>
+            <a:chExt cx="1083218" cy="4678018"/>
+          </a:xfrm>
+        </p:grpSpPr>
+        <p:sp>
+          <p:nvSpPr>
+            <p:cNvPr id="7" name="Rectangle: Rounded Corners 6">
+              <a:extLst>
+                <a:ext uri="{FF2B5EF4-FFF2-40B4-BE49-F238E27FC236}">
+                  <a16:creationId xmlns:a16="http://schemas.microsoft.com/office/drawing/2014/main" id="{98748DA5-2E30-4977-9B03-7EAF4DCF3084}"/>
+                </a:ext>
+              </a:extLst>
+            </p:cNvPr>
+            <p:cNvSpPr/>
+            <p:nvPr/>
+          </p:nvSpPr>
+          <p:spPr>
+            <a:xfrm>
+              <a:off x="3713455" y="1466915"/>
+              <a:ext cx="1031640" cy="4678018"/>
+            </a:xfrm>
+            <a:prstGeom prst="roundRect">
+              <a:avLst/>
+            </a:prstGeom>
+            <a:solidFill>
+              <a:schemeClr val="accent6">
+                <a:lumMod val="20000"/>
+                <a:lumOff val="80000"/>
+              </a:schemeClr>
+            </a:solidFill>
+            <a:ln>
+              <a:noFill/>
+            </a:ln>
+            <a:effectLst>
+              <a:outerShdw blurRad="44450" dist="27940" dir="5400000" algn="ctr">
+                <a:srgbClr val="000000">
+                  <a:alpha val="32000"/>
+                </a:srgbClr>
+              </a:outerShdw>
+            </a:effectLst>
+            <a:scene3d>
+              <a:camera prst="orthographicFront">
+                <a:rot lat="0" lon="0" rev="0"/>
+              </a:camera>
+              <a:lightRig rig="balanced" dir="t">
+                <a:rot lat="0" lon="0" rev="8700000"/>
+              </a:lightRig>
+            </a:scene3d>
+            <a:sp3d>
+              <a:bevelT w="190500" h="38100"/>
+            </a:sp3d>
+          </p:spPr>
+          <p:style>
+            <a:lnRef idx="2">
+              <a:schemeClr val="accent1">
+                <a:shade val="50000"/>
+              </a:schemeClr>
+            </a:lnRef>
+            <a:fillRef idx="1">
+              <a:schemeClr val="accent1"/>
+            </a:fillRef>
+            <a:effectRef idx="0">
+              <a:schemeClr val="accent1"/>
+            </a:effectRef>
+            <a:fontRef idx="minor">
+              <a:schemeClr val="lt1"/>
+            </a:fontRef>
+          </p:style>
+          <p:txBody>
+            <a:bodyPr rtlCol="0" anchor="ctr"/>
+            <a:lstStyle/>
+            <a:p>
+              <a:pPr algn="ctr"/>
+              <a:endParaRPr lang="en-IN" dirty="0"/>
+            </a:p>
+          </p:txBody>
+        </p:sp>
+        <p:cxnSp>
+          <p:nvCxnSpPr>
+            <p:cNvPr id="9" name="Straight Connector 8">
+              <a:extLst>
+                <a:ext uri="{FF2B5EF4-FFF2-40B4-BE49-F238E27FC236}">
+                  <a16:creationId xmlns:a16="http://schemas.microsoft.com/office/drawing/2014/main" id="{8B7B9B78-01E0-4778-B61F-F64D25DDBC24}"/>
+                </a:ext>
+              </a:extLst>
+            </p:cNvPr>
+            <p:cNvCxnSpPr/>
+            <p:nvPr/>
+          </p:nvCxnSpPr>
+          <p:spPr>
+            <a:xfrm>
+              <a:off x="4065563" y="1758462"/>
+              <a:ext cx="665463" cy="0"/>
+            </a:xfrm>
+            <a:prstGeom prst="line">
+              <a:avLst/>
+            </a:prstGeom>
+          </p:spPr>
+          <p:style>
+            <a:lnRef idx="1">
+              <a:schemeClr val="accent1"/>
+            </a:lnRef>
+            <a:fillRef idx="0">
+              <a:schemeClr val="accent1"/>
+            </a:fillRef>
+            <a:effectRef idx="0">
+              <a:schemeClr val="accent1"/>
+            </a:effectRef>
+            <a:fontRef idx="minor">
+              <a:schemeClr val="tx1"/>
+            </a:fontRef>
+          </p:style>
+        </p:cxnSp>
+        <p:cxnSp>
+          <p:nvCxnSpPr>
+            <p:cNvPr id="10" name="Straight Connector 9">
+              <a:extLst>
+                <a:ext uri="{FF2B5EF4-FFF2-40B4-BE49-F238E27FC236}">
+                  <a16:creationId xmlns:a16="http://schemas.microsoft.com/office/drawing/2014/main" id="{1DFC2A1E-FA57-466D-80A4-F4ADB3A17A13}"/>
+                </a:ext>
+              </a:extLst>
+            </p:cNvPr>
+            <p:cNvCxnSpPr>
+              <a:cxnSpLocks/>
+            </p:cNvCxnSpPr>
+            <p:nvPr/>
+          </p:nvCxnSpPr>
+          <p:spPr>
+            <a:xfrm>
+              <a:off x="4445391" y="2037470"/>
+              <a:ext cx="297358" cy="0"/>
+            </a:xfrm>
+            <a:prstGeom prst="line">
+              <a:avLst/>
+            </a:prstGeom>
+          </p:spPr>
+          <p:style>
+            <a:lnRef idx="1">
+              <a:schemeClr val="accent1"/>
+            </a:lnRef>
+            <a:fillRef idx="0">
+              <a:schemeClr val="accent1"/>
+            </a:fillRef>
+            <a:effectRef idx="0">
+              <a:schemeClr val="accent1"/>
+            </a:effectRef>
+            <a:fontRef idx="minor">
+              <a:schemeClr val="tx1"/>
+            </a:fontRef>
+          </p:style>
+        </p:cxnSp>
+        <p:cxnSp>
+          <p:nvCxnSpPr>
+            <p:cNvPr id="12" name="Straight Connector 11">
+              <a:extLst>
+                <a:ext uri="{FF2B5EF4-FFF2-40B4-BE49-F238E27FC236}">
+                  <a16:creationId xmlns:a16="http://schemas.microsoft.com/office/drawing/2014/main" id="{7820829E-A379-452D-B935-644C29DAADEB}"/>
+                </a:ext>
+              </a:extLst>
+            </p:cNvPr>
+            <p:cNvCxnSpPr>
+              <a:cxnSpLocks/>
+            </p:cNvCxnSpPr>
+            <p:nvPr/>
+          </p:nvCxnSpPr>
+          <p:spPr>
+            <a:xfrm>
+              <a:off x="4443046" y="2316480"/>
+              <a:ext cx="297358" cy="0"/>
+            </a:xfrm>
+            <a:prstGeom prst="line">
+              <a:avLst/>
+            </a:prstGeom>
+          </p:spPr>
+          <p:style>
+            <a:lnRef idx="1">
+              <a:schemeClr val="accent1"/>
+            </a:lnRef>
+            <a:fillRef idx="0">
+              <a:schemeClr val="accent1"/>
+            </a:fillRef>
+            <a:effectRef idx="0">
+              <a:schemeClr val="accent1"/>
+            </a:effectRef>
+            <a:fontRef idx="minor">
+              <a:schemeClr val="tx1"/>
+            </a:fontRef>
+          </p:style>
+        </p:cxnSp>
+        <p:cxnSp>
+          <p:nvCxnSpPr>
+            <p:cNvPr id="13" name="Straight Connector 12">
+              <a:extLst>
+                <a:ext uri="{FF2B5EF4-FFF2-40B4-BE49-F238E27FC236}">
+                  <a16:creationId xmlns:a16="http://schemas.microsoft.com/office/drawing/2014/main" id="{20986488-7AAA-4993-BA08-743E65C4AAAA}"/>
+                </a:ext>
+              </a:extLst>
+            </p:cNvPr>
+            <p:cNvCxnSpPr/>
+            <p:nvPr/>
+          </p:nvCxnSpPr>
+          <p:spPr>
+            <a:xfrm>
+              <a:off x="4077284" y="2586108"/>
+              <a:ext cx="665463" cy="0"/>
+            </a:xfrm>
+            <a:prstGeom prst="line">
+              <a:avLst/>
+            </a:prstGeom>
+          </p:spPr>
+          <p:style>
+            <a:lnRef idx="1">
+              <a:schemeClr val="accent1"/>
+            </a:lnRef>
+            <a:fillRef idx="0">
+              <a:schemeClr val="accent1"/>
+            </a:fillRef>
+            <a:effectRef idx="0">
+              <a:schemeClr val="accent1"/>
+            </a:effectRef>
+            <a:fontRef idx="minor">
+              <a:schemeClr val="tx1"/>
+            </a:fontRef>
+          </p:style>
+        </p:cxnSp>
+        <p:cxnSp>
+          <p:nvCxnSpPr>
+            <p:cNvPr id="16" name="Straight Connector 15">
+              <a:extLst>
+                <a:ext uri="{FF2B5EF4-FFF2-40B4-BE49-F238E27FC236}">
+                  <a16:creationId xmlns:a16="http://schemas.microsoft.com/office/drawing/2014/main" id="{1B522E8E-4898-4894-A19B-1D055E3290CC}"/>
+                </a:ext>
+              </a:extLst>
+            </p:cNvPr>
+            <p:cNvCxnSpPr/>
+            <p:nvPr/>
+          </p:nvCxnSpPr>
+          <p:spPr>
+            <a:xfrm>
+              <a:off x="4119487" y="2586105"/>
+              <a:ext cx="665463" cy="0"/>
+            </a:xfrm>
+            <a:prstGeom prst="line">
+              <a:avLst/>
+            </a:prstGeom>
+          </p:spPr>
+          <p:style>
+            <a:lnRef idx="1">
+              <a:schemeClr val="accent1"/>
+            </a:lnRef>
+            <a:fillRef idx="0">
+              <a:schemeClr val="accent1"/>
+            </a:fillRef>
+            <a:effectRef idx="0">
+              <a:schemeClr val="accent1"/>
+            </a:effectRef>
+            <a:fontRef idx="minor">
+              <a:schemeClr val="tx1"/>
+            </a:fontRef>
+          </p:style>
+        </p:cxnSp>
+        <p:cxnSp>
+          <p:nvCxnSpPr>
+            <p:cNvPr id="17" name="Straight Connector 16">
+              <a:extLst>
+                <a:ext uri="{FF2B5EF4-FFF2-40B4-BE49-F238E27FC236}">
+                  <a16:creationId xmlns:a16="http://schemas.microsoft.com/office/drawing/2014/main" id="{D3C3C878-562E-4C08-8A18-DD8DB90392ED}"/>
+                </a:ext>
+              </a:extLst>
+            </p:cNvPr>
+            <p:cNvCxnSpPr>
+              <a:cxnSpLocks/>
+            </p:cNvCxnSpPr>
+            <p:nvPr/>
+          </p:nvCxnSpPr>
+          <p:spPr>
+            <a:xfrm>
+              <a:off x="4499315" y="2865113"/>
+              <a:ext cx="297358" cy="0"/>
+            </a:xfrm>
+            <a:prstGeom prst="line">
+              <a:avLst/>
+            </a:prstGeom>
+          </p:spPr>
+          <p:style>
+            <a:lnRef idx="1">
+              <a:schemeClr val="accent1"/>
+            </a:lnRef>
+            <a:fillRef idx="0">
+              <a:schemeClr val="accent1"/>
+            </a:fillRef>
+            <a:effectRef idx="0">
+              <a:schemeClr val="accent1"/>
+            </a:effectRef>
+            <a:fontRef idx="minor">
+              <a:schemeClr val="tx1"/>
+            </a:fontRef>
+          </p:style>
+        </p:cxnSp>
+        <p:cxnSp>
+          <p:nvCxnSpPr>
+            <p:cNvPr id="18" name="Straight Connector 17">
+              <a:extLst>
+                <a:ext uri="{FF2B5EF4-FFF2-40B4-BE49-F238E27FC236}">
+                  <a16:creationId xmlns:a16="http://schemas.microsoft.com/office/drawing/2014/main" id="{1A3E42C7-83E9-4E71-B1DB-A491A8E916F8}"/>
+                </a:ext>
+              </a:extLst>
+            </p:cNvPr>
+            <p:cNvCxnSpPr>
+              <a:cxnSpLocks/>
+            </p:cNvCxnSpPr>
+            <p:nvPr/>
+          </p:nvCxnSpPr>
+          <p:spPr>
+            <a:xfrm>
+              <a:off x="4496970" y="3144123"/>
+              <a:ext cx="297358" cy="0"/>
+            </a:xfrm>
+            <a:prstGeom prst="line">
+              <a:avLst/>
+            </a:prstGeom>
+          </p:spPr>
+          <p:style>
+            <a:lnRef idx="1">
+              <a:schemeClr val="accent1"/>
+            </a:lnRef>
+            <a:fillRef idx="0">
+              <a:schemeClr val="accent1"/>
+            </a:fillRef>
+            <a:effectRef idx="0">
+              <a:schemeClr val="accent1"/>
+            </a:effectRef>
+            <a:fontRef idx="minor">
+              <a:schemeClr val="tx1"/>
+            </a:fontRef>
+          </p:style>
+        </p:cxnSp>
+        <p:cxnSp>
+          <p:nvCxnSpPr>
+            <p:cNvPr id="19" name="Straight Connector 18">
+              <a:extLst>
+                <a:ext uri="{FF2B5EF4-FFF2-40B4-BE49-F238E27FC236}">
+                  <a16:creationId xmlns:a16="http://schemas.microsoft.com/office/drawing/2014/main" id="{717F059D-CAD5-4A1F-9AA1-1CB0DEC18C67}"/>
+                </a:ext>
+              </a:extLst>
+            </p:cNvPr>
+            <p:cNvCxnSpPr/>
+            <p:nvPr/>
+          </p:nvCxnSpPr>
+          <p:spPr>
+            <a:xfrm>
+              <a:off x="4131208" y="3413751"/>
+              <a:ext cx="665463" cy="0"/>
+            </a:xfrm>
+            <a:prstGeom prst="line">
+              <a:avLst/>
+            </a:prstGeom>
+          </p:spPr>
+          <p:style>
+            <a:lnRef idx="1">
+              <a:schemeClr val="accent1"/>
+            </a:lnRef>
+            <a:fillRef idx="0">
+              <a:schemeClr val="accent1"/>
+            </a:fillRef>
+            <a:effectRef idx="0">
+              <a:schemeClr val="accent1"/>
+            </a:effectRef>
+            <a:fontRef idx="minor">
+              <a:schemeClr val="tx1"/>
+            </a:fontRef>
+          </p:style>
+        </p:cxnSp>
+        <p:cxnSp>
+          <p:nvCxnSpPr>
+            <p:cNvPr id="20" name="Straight Connector 19">
+              <a:extLst>
+                <a:ext uri="{FF2B5EF4-FFF2-40B4-BE49-F238E27FC236}">
+                  <a16:creationId xmlns:a16="http://schemas.microsoft.com/office/drawing/2014/main" id="{CDAA45F4-6A53-4D2A-880E-07DD278C59CF}"/>
+                </a:ext>
+              </a:extLst>
+            </p:cNvPr>
+            <p:cNvCxnSpPr/>
+            <p:nvPr/>
+          </p:nvCxnSpPr>
+          <p:spPr>
+            <a:xfrm>
+              <a:off x="4077283" y="3416104"/>
+              <a:ext cx="665463" cy="0"/>
+            </a:xfrm>
+            <a:prstGeom prst="line">
+              <a:avLst/>
+            </a:prstGeom>
+          </p:spPr>
+          <p:style>
+            <a:lnRef idx="1">
+              <a:schemeClr val="accent1"/>
+            </a:lnRef>
+            <a:fillRef idx="0">
+              <a:schemeClr val="accent1"/>
+            </a:fillRef>
+            <a:effectRef idx="0">
+              <a:schemeClr val="accent1"/>
+            </a:effectRef>
+            <a:fontRef idx="minor">
+              <a:schemeClr val="tx1"/>
+            </a:fontRef>
+          </p:style>
+        </p:cxnSp>
+        <p:cxnSp>
+          <p:nvCxnSpPr>
+            <p:cNvPr id="21" name="Straight Connector 20">
+              <a:extLst>
+                <a:ext uri="{FF2B5EF4-FFF2-40B4-BE49-F238E27FC236}">
+                  <a16:creationId xmlns:a16="http://schemas.microsoft.com/office/drawing/2014/main" id="{256B51F3-FE2C-415A-BDFA-3C26214CD0FA}"/>
+                </a:ext>
+              </a:extLst>
+            </p:cNvPr>
+            <p:cNvCxnSpPr>
+              <a:cxnSpLocks/>
+            </p:cNvCxnSpPr>
+            <p:nvPr/>
+          </p:nvCxnSpPr>
+          <p:spPr>
+            <a:xfrm>
+              <a:off x="4457111" y="3695112"/>
+              <a:ext cx="297358" cy="0"/>
+            </a:xfrm>
+            <a:prstGeom prst="line">
+              <a:avLst/>
+            </a:prstGeom>
+          </p:spPr>
+          <p:style>
+            <a:lnRef idx="1">
+              <a:schemeClr val="accent1"/>
+            </a:lnRef>
+            <a:fillRef idx="0">
+              <a:schemeClr val="accent1"/>
+            </a:fillRef>
+            <a:effectRef idx="0">
+              <a:schemeClr val="accent1"/>
+            </a:effectRef>
+            <a:fontRef idx="minor">
+              <a:schemeClr val="tx1"/>
+            </a:fontRef>
+          </p:style>
+        </p:cxnSp>
+        <p:cxnSp>
+          <p:nvCxnSpPr>
+            <p:cNvPr id="22" name="Straight Connector 21">
+              <a:extLst>
+                <a:ext uri="{FF2B5EF4-FFF2-40B4-BE49-F238E27FC236}">
+                  <a16:creationId xmlns:a16="http://schemas.microsoft.com/office/drawing/2014/main" id="{AA05856D-2B97-4B5E-A80F-77523A7EE709}"/>
+                </a:ext>
+              </a:extLst>
+            </p:cNvPr>
+            <p:cNvCxnSpPr>
+              <a:cxnSpLocks/>
+            </p:cNvCxnSpPr>
+            <p:nvPr/>
+          </p:nvCxnSpPr>
+          <p:spPr>
+            <a:xfrm>
+              <a:off x="4454766" y="3974122"/>
+              <a:ext cx="297358" cy="0"/>
+            </a:xfrm>
+            <a:prstGeom prst="line">
+              <a:avLst/>
+            </a:prstGeom>
+          </p:spPr>
+          <p:style>
+            <a:lnRef idx="1">
+              <a:schemeClr val="accent1"/>
+            </a:lnRef>
+            <a:fillRef idx="0">
+              <a:schemeClr val="accent1"/>
+            </a:fillRef>
+            <a:effectRef idx="0">
+              <a:schemeClr val="accent1"/>
+            </a:effectRef>
+            <a:fontRef idx="minor">
+              <a:schemeClr val="tx1"/>
+            </a:fontRef>
+          </p:style>
+        </p:cxnSp>
+        <p:cxnSp>
+          <p:nvCxnSpPr>
+            <p:cNvPr id="23" name="Straight Connector 22">
+              <a:extLst>
+                <a:ext uri="{FF2B5EF4-FFF2-40B4-BE49-F238E27FC236}">
+                  <a16:creationId xmlns:a16="http://schemas.microsoft.com/office/drawing/2014/main" id="{5C5B9A27-F33A-4FE2-9705-F6D0DAAD8284}"/>
+                </a:ext>
+              </a:extLst>
+            </p:cNvPr>
+            <p:cNvCxnSpPr/>
+            <p:nvPr/>
+          </p:nvCxnSpPr>
+          <p:spPr>
+            <a:xfrm>
+              <a:off x="4089004" y="4243750"/>
+              <a:ext cx="665463" cy="0"/>
+            </a:xfrm>
+            <a:prstGeom prst="line">
+              <a:avLst/>
+            </a:prstGeom>
+          </p:spPr>
+          <p:style>
+            <a:lnRef idx="1">
+              <a:schemeClr val="accent1"/>
+            </a:lnRef>
+            <a:fillRef idx="0">
+              <a:schemeClr val="accent1"/>
+            </a:fillRef>
+            <a:effectRef idx="0">
+              <a:schemeClr val="accent1"/>
+            </a:effectRef>
+            <a:fontRef idx="minor">
+              <a:schemeClr val="tx1"/>
+            </a:fontRef>
+          </p:style>
+        </p:cxnSp>
+        <p:cxnSp>
+          <p:nvCxnSpPr>
+            <p:cNvPr id="25" name="Straight Connector 24">
+              <a:extLst>
+                <a:ext uri="{FF2B5EF4-FFF2-40B4-BE49-F238E27FC236}">
+                  <a16:creationId xmlns:a16="http://schemas.microsoft.com/office/drawing/2014/main" id="{8F20163A-E240-43B4-A6A9-73B16FB6A7D9}"/>
+                </a:ext>
+              </a:extLst>
+            </p:cNvPr>
+            <p:cNvCxnSpPr/>
+            <p:nvPr/>
+          </p:nvCxnSpPr>
+          <p:spPr>
+            <a:xfrm>
+              <a:off x="4089006" y="4243749"/>
+              <a:ext cx="665463" cy="0"/>
+            </a:xfrm>
+            <a:prstGeom prst="line">
+              <a:avLst/>
+            </a:prstGeom>
+          </p:spPr>
+          <p:style>
+            <a:lnRef idx="1">
+              <a:schemeClr val="accent1"/>
+            </a:lnRef>
+            <a:fillRef idx="0">
+              <a:schemeClr val="accent1"/>
+            </a:fillRef>
+            <a:effectRef idx="0">
+              <a:schemeClr val="accent1"/>
+            </a:effectRef>
+            <a:fontRef idx="minor">
+              <a:schemeClr val="tx1"/>
+            </a:fontRef>
+          </p:style>
+        </p:cxnSp>
+        <p:cxnSp>
+          <p:nvCxnSpPr>
+            <p:cNvPr id="26" name="Straight Connector 25">
+              <a:extLst>
+                <a:ext uri="{FF2B5EF4-FFF2-40B4-BE49-F238E27FC236}">
+                  <a16:creationId xmlns:a16="http://schemas.microsoft.com/office/drawing/2014/main" id="{725904BD-6E08-4BB7-8225-DECCCF85144E}"/>
+                </a:ext>
+              </a:extLst>
+            </p:cNvPr>
+            <p:cNvCxnSpPr>
+              <a:cxnSpLocks/>
+            </p:cNvCxnSpPr>
+            <p:nvPr/>
+          </p:nvCxnSpPr>
+          <p:spPr>
+            <a:xfrm>
+              <a:off x="4468834" y="4522757"/>
+              <a:ext cx="297358" cy="0"/>
+            </a:xfrm>
+            <a:prstGeom prst="line">
+              <a:avLst/>
+            </a:prstGeom>
+          </p:spPr>
+          <p:style>
+            <a:lnRef idx="1">
+              <a:schemeClr val="accent1"/>
+            </a:lnRef>
+            <a:fillRef idx="0">
+              <a:schemeClr val="accent1"/>
+            </a:fillRef>
+            <a:effectRef idx="0">
+              <a:schemeClr val="accent1"/>
+            </a:effectRef>
+            <a:fontRef idx="minor">
+              <a:schemeClr val="tx1"/>
+            </a:fontRef>
+          </p:style>
+        </p:cxnSp>
+        <p:cxnSp>
+          <p:nvCxnSpPr>
+            <p:cNvPr id="27" name="Straight Connector 26">
+              <a:extLst>
+                <a:ext uri="{FF2B5EF4-FFF2-40B4-BE49-F238E27FC236}">
+                  <a16:creationId xmlns:a16="http://schemas.microsoft.com/office/drawing/2014/main" id="{B011CE66-BFB4-49A0-AE2B-6382A93DC325}"/>
+                </a:ext>
+              </a:extLst>
+            </p:cNvPr>
+            <p:cNvCxnSpPr>
+              <a:cxnSpLocks/>
+            </p:cNvCxnSpPr>
+            <p:nvPr/>
+          </p:nvCxnSpPr>
+          <p:spPr>
+            <a:xfrm>
+              <a:off x="4466489" y="4801767"/>
+              <a:ext cx="297358" cy="0"/>
+            </a:xfrm>
+            <a:prstGeom prst="line">
+              <a:avLst/>
+            </a:prstGeom>
+          </p:spPr>
+          <p:style>
+            <a:lnRef idx="1">
+              <a:schemeClr val="accent1"/>
+            </a:lnRef>
+            <a:fillRef idx="0">
+              <a:schemeClr val="accent1"/>
+            </a:fillRef>
+            <a:effectRef idx="0">
+              <a:schemeClr val="accent1"/>
+            </a:effectRef>
+            <a:fontRef idx="minor">
+              <a:schemeClr val="tx1"/>
+            </a:fontRef>
+          </p:style>
+        </p:cxnSp>
+        <p:cxnSp>
+          <p:nvCxnSpPr>
+            <p:cNvPr id="28" name="Straight Connector 27">
+              <a:extLst>
+                <a:ext uri="{FF2B5EF4-FFF2-40B4-BE49-F238E27FC236}">
+                  <a16:creationId xmlns:a16="http://schemas.microsoft.com/office/drawing/2014/main" id="{F4FBB222-124F-4331-9AA0-0045D336F0F0}"/>
+                </a:ext>
+              </a:extLst>
+            </p:cNvPr>
+            <p:cNvCxnSpPr/>
+            <p:nvPr/>
+          </p:nvCxnSpPr>
+          <p:spPr>
+            <a:xfrm>
+              <a:off x="4100727" y="5071395"/>
+              <a:ext cx="665463" cy="0"/>
+            </a:xfrm>
+            <a:prstGeom prst="line">
+              <a:avLst/>
+            </a:prstGeom>
+          </p:spPr>
+          <p:style>
+            <a:lnRef idx="1">
+              <a:schemeClr val="accent1"/>
+            </a:lnRef>
+            <a:fillRef idx="0">
+              <a:schemeClr val="accent1"/>
+            </a:fillRef>
+            <a:effectRef idx="0">
+              <a:schemeClr val="accent1"/>
+            </a:effectRef>
+            <a:fontRef idx="minor">
+              <a:schemeClr val="tx1"/>
+            </a:fontRef>
+          </p:style>
+        </p:cxnSp>
+        <p:sp>
+          <p:nvSpPr>
+            <p:cNvPr id="29" name="TextBox 28">
+              <a:extLst>
+                <a:ext uri="{FF2B5EF4-FFF2-40B4-BE49-F238E27FC236}">
+                  <a16:creationId xmlns:a16="http://schemas.microsoft.com/office/drawing/2014/main" id="{C2C0B7A3-1DA2-4F77-9741-D0162BDBABF4}"/>
+                </a:ext>
+              </a:extLst>
+            </p:cNvPr>
+            <p:cNvSpPr txBox="1"/>
+            <p:nvPr/>
+          </p:nvSpPr>
+          <p:spPr>
+            <a:xfrm>
+              <a:off x="3713455" y="1589651"/>
+              <a:ext cx="312253" cy="369332"/>
+            </a:xfrm>
+            <a:prstGeom prst="rect">
+              <a:avLst/>
+            </a:prstGeom>
+            <a:noFill/>
+          </p:spPr>
+          <p:txBody>
+            <a:bodyPr wrap="square" rtlCol="0">
+              <a:spAutoFit/>
+            </a:bodyPr>
+            <a:lstStyle/>
+            <a:p>
+              <a:r>
+                <a:rPr lang="en-US" dirty="0">
+                  <a:solidFill>
+                    <a:srgbClr val="FF0000"/>
+                  </a:solidFill>
+                </a:rPr>
+                <a:t>0</a:t>
+              </a:r>
+              <a:endParaRPr lang="en-IN" dirty="0">
+                <a:solidFill>
+                  <a:srgbClr val="FF0000"/>
+                </a:solidFill>
+              </a:endParaRPr>
+            </a:p>
+          </p:txBody>
+        </p:sp>
+        <p:sp>
+          <p:nvSpPr>
+            <p:cNvPr id="31" name="TextBox 30">
+              <a:extLst>
+                <a:ext uri="{FF2B5EF4-FFF2-40B4-BE49-F238E27FC236}">
+                  <a16:creationId xmlns:a16="http://schemas.microsoft.com/office/drawing/2014/main" id="{66DA91FC-648C-449A-AC6A-7FD543DC9CFA}"/>
+                </a:ext>
+              </a:extLst>
+            </p:cNvPr>
+            <p:cNvSpPr txBox="1"/>
+            <p:nvPr/>
+          </p:nvSpPr>
+          <p:spPr>
+            <a:xfrm>
+              <a:off x="3807242" y="2408479"/>
+              <a:ext cx="312253" cy="369332"/>
+            </a:xfrm>
+            <a:prstGeom prst="rect">
+              <a:avLst/>
+            </a:prstGeom>
+            <a:noFill/>
+          </p:spPr>
+          <p:txBody>
+            <a:bodyPr wrap="square" rtlCol="0">
+              <a:spAutoFit/>
+            </a:bodyPr>
+            <a:lstStyle/>
+            <a:p>
+              <a:r>
+                <a:rPr lang="en-US" dirty="0">
+                  <a:solidFill>
+                    <a:srgbClr val="FF0000"/>
+                  </a:solidFill>
+                </a:rPr>
+                <a:t>1</a:t>
+              </a:r>
+              <a:endParaRPr lang="en-IN" dirty="0">
+                <a:solidFill>
+                  <a:srgbClr val="FF0000"/>
+                </a:solidFill>
+              </a:endParaRPr>
+            </a:p>
+          </p:txBody>
+        </p:sp>
+        <p:sp>
+          <p:nvSpPr>
+            <p:cNvPr id="33" name="TextBox 32">
+              <a:extLst>
+                <a:ext uri="{FF2B5EF4-FFF2-40B4-BE49-F238E27FC236}">
+                  <a16:creationId xmlns:a16="http://schemas.microsoft.com/office/drawing/2014/main" id="{93431BB5-E087-4035-9F74-6121B4DB83C9}"/>
+                </a:ext>
+              </a:extLst>
+            </p:cNvPr>
+            <p:cNvSpPr txBox="1"/>
+            <p:nvPr/>
+          </p:nvSpPr>
+          <p:spPr>
+            <a:xfrm>
+              <a:off x="3819941" y="3229089"/>
+              <a:ext cx="312253" cy="369332"/>
+            </a:xfrm>
+            <a:prstGeom prst="rect">
+              <a:avLst/>
+            </a:prstGeom>
+            <a:noFill/>
+          </p:spPr>
+          <p:txBody>
+            <a:bodyPr wrap="square" rtlCol="0">
+              <a:spAutoFit/>
+            </a:bodyPr>
+            <a:lstStyle/>
+            <a:p>
+              <a:r>
+                <a:rPr lang="en-US" dirty="0">
+                  <a:solidFill>
+                    <a:srgbClr val="FF0000"/>
+                  </a:solidFill>
+                </a:rPr>
+                <a:t>2</a:t>
+              </a:r>
+              <a:endParaRPr lang="en-IN" dirty="0">
+                <a:solidFill>
+                  <a:srgbClr val="FF0000"/>
+                </a:solidFill>
+              </a:endParaRPr>
+            </a:p>
+          </p:txBody>
+        </p:sp>
+        <p:sp>
+          <p:nvSpPr>
+            <p:cNvPr id="35" name="TextBox 34">
+              <a:extLst>
+                <a:ext uri="{FF2B5EF4-FFF2-40B4-BE49-F238E27FC236}">
+                  <a16:creationId xmlns:a16="http://schemas.microsoft.com/office/drawing/2014/main" id="{F43D0687-B94C-4578-B788-03F36985787B}"/>
+                </a:ext>
+              </a:extLst>
+            </p:cNvPr>
+            <p:cNvSpPr txBox="1"/>
+            <p:nvPr/>
+          </p:nvSpPr>
+          <p:spPr>
+            <a:xfrm>
+              <a:off x="3803504" y="4063767"/>
+              <a:ext cx="312253" cy="369332"/>
+            </a:xfrm>
+            <a:prstGeom prst="rect">
+              <a:avLst/>
+            </a:prstGeom>
+            <a:noFill/>
+          </p:spPr>
+          <p:txBody>
+            <a:bodyPr wrap="square" rtlCol="0">
+              <a:spAutoFit/>
+            </a:bodyPr>
+            <a:lstStyle/>
+            <a:p>
+              <a:r>
+                <a:rPr lang="en-US" dirty="0">
+                  <a:solidFill>
+                    <a:srgbClr val="FF0000"/>
+                  </a:solidFill>
+                </a:rPr>
+                <a:t>3</a:t>
+              </a:r>
+              <a:endParaRPr lang="en-IN" dirty="0">
+                <a:solidFill>
+                  <a:srgbClr val="FF0000"/>
+                </a:solidFill>
+              </a:endParaRPr>
+            </a:p>
+          </p:txBody>
+        </p:sp>
+        <p:sp>
+          <p:nvSpPr>
+            <p:cNvPr id="37" name="TextBox 36">
+              <a:extLst>
+                <a:ext uri="{FF2B5EF4-FFF2-40B4-BE49-F238E27FC236}">
+                  <a16:creationId xmlns:a16="http://schemas.microsoft.com/office/drawing/2014/main" id="{6719830A-8E26-4F7D-A9D4-DF18D8113468}"/>
+                </a:ext>
+              </a:extLst>
+            </p:cNvPr>
+            <p:cNvSpPr txBox="1"/>
+            <p:nvPr/>
+          </p:nvSpPr>
+          <p:spPr>
+            <a:xfrm>
+              <a:off x="3798261" y="4884949"/>
+              <a:ext cx="312253" cy="369332"/>
+            </a:xfrm>
+            <a:prstGeom prst="rect">
+              <a:avLst/>
+            </a:prstGeom>
+            <a:noFill/>
+          </p:spPr>
+          <p:txBody>
+            <a:bodyPr wrap="square" rtlCol="0">
+              <a:spAutoFit/>
+            </a:bodyPr>
+            <a:lstStyle/>
+            <a:p>
+              <a:r>
+                <a:rPr lang="en-US" dirty="0">
+                  <a:solidFill>
+                    <a:srgbClr val="FF0000"/>
+                  </a:solidFill>
+                </a:rPr>
+                <a:t>4</a:t>
+              </a:r>
+              <a:endParaRPr lang="en-IN" dirty="0">
+                <a:solidFill>
+                  <a:srgbClr val="FF0000"/>
+                </a:solidFill>
+              </a:endParaRPr>
+            </a:p>
+          </p:txBody>
+        </p:sp>
+        <p:sp>
+          <p:nvSpPr>
+            <p:cNvPr id="38" name="Oval 37">
+              <a:extLst>
+                <a:ext uri="{FF2B5EF4-FFF2-40B4-BE49-F238E27FC236}">
+                  <a16:creationId xmlns:a16="http://schemas.microsoft.com/office/drawing/2014/main" id="{90034F4B-B040-4CC8-8BEC-787B6098CB04}"/>
+                </a:ext>
+              </a:extLst>
+            </p:cNvPr>
+            <p:cNvSpPr/>
+            <p:nvPr/>
+          </p:nvSpPr>
+          <p:spPr>
+            <a:xfrm>
+              <a:off x="3976067" y="5458265"/>
+              <a:ext cx="450574" cy="440773"/>
+            </a:xfrm>
+            <a:prstGeom prst="ellipse">
+              <a:avLst/>
+            </a:prstGeom>
+            <a:gradFill flip="none" rotWithShape="1">
+              <a:gsLst>
+                <a:gs pos="0">
+                  <a:schemeClr val="accent5">
+                    <a:lumMod val="0"/>
+                    <a:lumOff val="100000"/>
+                  </a:schemeClr>
+                </a:gs>
+                <a:gs pos="35000">
+                  <a:schemeClr val="accent5">
+                    <a:lumMod val="0"/>
+                    <a:lumOff val="100000"/>
+                  </a:schemeClr>
+                </a:gs>
+                <a:gs pos="100000">
+                  <a:schemeClr val="accent5">
+                    <a:lumMod val="100000"/>
+                  </a:schemeClr>
+                </a:gs>
+              </a:gsLst>
+              <a:path path="circle">
+                <a:fillToRect l="50000" t="-80000" r="50000" b="180000"/>
+              </a:path>
+              <a:tileRect/>
+            </a:gradFill>
+          </p:spPr>
+          <p:style>
+            <a:lnRef idx="2">
+              <a:schemeClr val="accent1">
+                <a:shade val="50000"/>
+              </a:schemeClr>
+            </a:lnRef>
+            <a:fillRef idx="1">
+              <a:schemeClr val="accent1"/>
+            </a:fillRef>
+            <a:effectRef idx="0">
+              <a:schemeClr val="accent1"/>
+            </a:effectRef>
+            <a:fontRef idx="minor">
+              <a:schemeClr val="lt1"/>
+            </a:fontRef>
+          </p:style>
+          <p:txBody>
+            <a:bodyPr rtlCol="0" anchor="ctr"/>
+            <a:lstStyle/>
+            <a:p>
+              <a:pPr algn="ctr"/>
+              <a:endParaRPr lang="en-IN"/>
+            </a:p>
+          </p:txBody>
+        </p:sp>
+      </p:grpSp>
+      <p:pic>
+        <p:nvPicPr>
+          <p:cNvPr id="1028" name="Picture 4" descr="Top View Background Of Fields With Various Types Of Agriculture ...">
+            <a:extLst>
+              <a:ext uri="{FF2B5EF4-FFF2-40B4-BE49-F238E27FC236}">
+                <a16:creationId xmlns:a16="http://schemas.microsoft.com/office/drawing/2014/main" id="{E4C38347-B2D7-4EB3-89C9-4955DE5208FC}"/>
+              </a:ext>
+            </a:extLst>
+          </p:cNvPr>
+          <p:cNvPicPr>
+            <a:picLocks noChangeAspect="1" noChangeArrowheads="1"/>
+          </p:cNvPicPr>
+          <p:nvPr/>
+        </p:nvPicPr>
+        <p:blipFill>
+          <a:blip r:embed="rId3">
+            <a:extLst>
+              <a:ext uri="{28A0092B-C50C-407E-A947-70E740481C1C}">
+                <a14:useLocalDpi xmlns:a14="http://schemas.microsoft.com/office/drawing/2010/main" val="0"/>
+              </a:ext>
+            </a:extLst>
+          </a:blip>
+          <a:srcRect/>
+          <a:stretch>
+            <a:fillRect/>
+          </a:stretch>
+        </p:blipFill>
+        <p:spPr bwMode="auto">
+          <a:xfrm>
+            <a:off x="431493" y="4454009"/>
+            <a:ext cx="3475431" cy="2106788"/>
+          </a:xfrm>
+          <a:prstGeom prst="rect">
+            <a:avLst/>
+          </a:prstGeom>
+          <a:noFill/>
+          <a:extLst>
+            <a:ext uri="{909E8E84-426E-40DD-AFC4-6F175D3DCCD1}">
+              <a14:hiddenFill xmlns:a14="http://schemas.microsoft.com/office/drawing/2010/main">
+                <a:solidFill>
+                  <a:srgbClr val="FFFFFF"/>
+                </a:solidFill>
+              </a14:hiddenFill>
+            </a:ext>
+          </a:extLst>
+        </p:spPr>
+      </p:pic>
+      <p:pic>
+        <p:nvPicPr>
+          <p:cNvPr id="1030" name="Picture 6">
+            <a:extLst>
+              <a:ext uri="{FF2B5EF4-FFF2-40B4-BE49-F238E27FC236}">
+                <a16:creationId xmlns:a16="http://schemas.microsoft.com/office/drawing/2014/main" id="{65A5142C-65A6-45D7-B1BD-717BA1E1E1AD}"/>
+              </a:ext>
+            </a:extLst>
+          </p:cNvPr>
+          <p:cNvPicPr>
+            <a:picLocks noChangeAspect="1" noChangeArrowheads="1"/>
+          </p:cNvPicPr>
+          <p:nvPr/>
+        </p:nvPicPr>
+        <p:blipFill>
+          <a:blip r:embed="rId4">
+            <a:extLst>
+              <a:ext uri="{28A0092B-C50C-407E-A947-70E740481C1C}">
+                <a14:useLocalDpi xmlns:a14="http://schemas.microsoft.com/office/drawing/2010/main" val="0"/>
+              </a:ext>
+            </a:extLst>
+          </a:blip>
+          <a:srcRect/>
+          <a:stretch>
+            <a:fillRect/>
+          </a:stretch>
+        </p:blipFill>
+        <p:spPr bwMode="auto">
+          <a:xfrm>
+            <a:off x="1116037" y="958115"/>
+            <a:ext cx="1688123" cy="1266092"/>
+          </a:xfrm>
+          <a:prstGeom prst="rect">
+            <a:avLst/>
+          </a:prstGeom>
+          <a:noFill/>
+          <a:extLst>
+            <a:ext uri="{909E8E84-426E-40DD-AFC4-6F175D3DCCD1}">
+              <a14:hiddenFill xmlns:a14="http://schemas.microsoft.com/office/drawing/2010/main">
+                <a:solidFill>
+                  <a:srgbClr val="FFFFFF"/>
+                </a:solidFill>
+              </a14:hiddenFill>
+            </a:ext>
+          </a:extLst>
+        </p:spPr>
+      </p:pic>
+    </p:spTree>
+    <p:extLst>
+      <p:ext uri="{BB962C8B-B14F-4D97-AF65-F5344CB8AC3E}">
+        <p14:creationId xmlns:p14="http://schemas.microsoft.com/office/powerpoint/2010/main" val="3694469965"/>
+      </p:ext>
+    </p:extLst>
+  </p:cSld>
+  <p:clrMapOvr>
+    <a:masterClrMapping/>
+  </p:clrMapOvr>
+</p:sld>
+</file>
+
+<file path=ppt/slides/slide21.xml><?xml version="1.0" encoding="utf-8"?>
+<p:sld xmlns:a="http://schemas.openxmlformats.org/drawingml/2006/main" xmlns:r="http://schemas.openxmlformats.org/officeDocument/2006/relationships" xmlns:p="http://schemas.openxmlformats.org/presentationml/2006/main">
+  <p:cSld>
+    <p:spTree>
+      <p:nvGrpSpPr>
+        <p:cNvPr id="1" name=""/>
+        <p:cNvGrpSpPr/>
+        <p:nvPr/>
+      </p:nvGrpSpPr>
+      <p:grpSpPr>
+        <a:xfrm>
+          <a:off x="0" y="0"/>
+          <a:ext cx="0" cy="0"/>
+          <a:chOff x="0" y="0"/>
+          <a:chExt cx="0" cy="0"/>
+        </a:xfrm>
+      </p:grpSpPr>
+      <p:sp>
+        <p:nvSpPr>
+          <p:cNvPr id="2" name="Rectangle 1">
+            <a:extLst>
+              <a:ext uri="{FF2B5EF4-FFF2-40B4-BE49-F238E27FC236}">
+                <a16:creationId xmlns:a16="http://schemas.microsoft.com/office/drawing/2014/main" id="{6FD933F7-5A51-4D15-A500-7B61F4C4DF8D}"/>
+              </a:ext>
+            </a:extLst>
+          </p:cNvPr>
+          <p:cNvSpPr/>
+          <p:nvPr/>
+        </p:nvSpPr>
+        <p:spPr>
+          <a:xfrm>
+            <a:off x="975887" y="2967335"/>
+            <a:ext cx="10240239" cy="1754326"/>
+          </a:xfrm>
+          <a:prstGeom prst="rect">
+            <a:avLst/>
+          </a:prstGeom>
+          <a:noFill/>
+        </p:spPr>
+        <p:txBody>
+          <a:bodyPr wrap="none" lIns="91440" tIns="45720" rIns="91440" bIns="45720">
+            <a:spAutoFit/>
+          </a:bodyPr>
+          <a:lstStyle/>
+          <a:p>
+            <a:pPr algn="ctr"/>
+            <a:r>
+              <a:rPr lang="en-US" sz="5400" b="1" dirty="0">
+                <a:ln w="12700">
+                  <a:solidFill>
+                    <a:schemeClr val="accent3">
+                      <a:lumMod val="50000"/>
+                    </a:schemeClr>
+                  </a:solidFill>
+                  <a:prstDash val="solid"/>
+                </a:ln>
+                <a:pattFill prst="narHorz">
+                  <a:fgClr>
+                    <a:schemeClr val="accent3"/>
+                  </a:fgClr>
+                  <a:bgClr>
+                    <a:schemeClr val="accent3">
+                      <a:lumMod val="40000"/>
+                      <a:lumOff val="60000"/>
+                    </a:schemeClr>
+                  </a:bgClr>
+                </a:pattFill>
+                <a:effectLst>
+                  <a:innerShdw blurRad="177800">
+                    <a:schemeClr val="accent3">
+                      <a:lumMod val="50000"/>
+                    </a:schemeClr>
+                  </a:innerShdw>
+                </a:effectLst>
+              </a:rPr>
+              <a:t>Necessity it he mother of Invention</a:t>
+            </a:r>
+          </a:p>
+          <a:p>
+            <a:pPr algn="ctr"/>
+            <a:endParaRPr lang="en-US" sz="5400" b="1" cap="none" spc="0" dirty="0">
+              <a:ln w="12700">
+                <a:solidFill>
+                  <a:schemeClr val="accent3">
+                    <a:lumMod val="50000"/>
+                  </a:schemeClr>
+                </a:solidFill>
+                <a:prstDash val="solid"/>
+              </a:ln>
+              <a:pattFill prst="narHorz">
+                <a:fgClr>
+                  <a:schemeClr val="accent3"/>
+                </a:fgClr>
+                <a:bgClr>
+                  <a:schemeClr val="accent3">
+                    <a:lumMod val="40000"/>
+                    <a:lumOff val="60000"/>
+                  </a:schemeClr>
+                </a:bgClr>
+              </a:pattFill>
+              <a:effectLst>
+                <a:innerShdw blurRad="177800">
+                  <a:schemeClr val="accent3">
+                    <a:lumMod val="50000"/>
+                  </a:schemeClr>
+                </a:innerShdw>
+              </a:effectLst>
+            </a:endParaRPr>
+          </a:p>
+        </p:txBody>
+      </p:sp>
+    </p:spTree>
+    <p:extLst>
+      <p:ext uri="{BB962C8B-B14F-4D97-AF65-F5344CB8AC3E}">
+        <p14:creationId xmlns:p14="http://schemas.microsoft.com/office/powerpoint/2010/main" val="1362023159"/>
+      </p:ext>
+    </p:extLst>
+  </p:cSld>
+  <p:clrMapOvr>
+    <a:masterClrMapping/>
+  </p:clrMapOvr>
+</p:sld>
+</file>
+
+<file path=ppt/slides/slide22.xml><?xml version="1.0" encoding="utf-8"?>
+<p:sld xmlns:a="http://schemas.openxmlformats.org/drawingml/2006/main" xmlns:r="http://schemas.openxmlformats.org/officeDocument/2006/relationships" xmlns:p="http://schemas.openxmlformats.org/presentationml/2006/main">
+  <p:cSld>
+    <p:spTree>
+      <p:nvGrpSpPr>
+        <p:cNvPr id="1" name=""/>
+        <p:cNvGrpSpPr/>
+        <p:nvPr/>
+      </p:nvGrpSpPr>
+      <p:grpSpPr>
+        <a:xfrm>
+          <a:off x="0" y="0"/>
+          <a:ext cx="0" cy="0"/>
+          <a:chOff x="0" y="0"/>
+          <a:chExt cx="0" cy="0"/>
+        </a:xfrm>
+      </p:grpSpPr>
+      <p:sp>
+        <p:nvSpPr>
+          <p:cNvPr id="7" name="Rectangle 6">
+            <a:extLst>
+              <a:ext uri="{FF2B5EF4-FFF2-40B4-BE49-F238E27FC236}">
+                <a16:creationId xmlns:a16="http://schemas.microsoft.com/office/drawing/2014/main" id="{8B838685-3CEF-48DE-B655-7AC42615EEF8}"/>
+              </a:ext>
+            </a:extLst>
+          </p:cNvPr>
+          <p:cNvSpPr/>
+          <p:nvPr/>
+        </p:nvSpPr>
+        <p:spPr>
+          <a:xfrm>
+            <a:off x="418967" y="2397492"/>
+            <a:ext cx="11354070" cy="1754326"/>
+          </a:xfrm>
+          <a:prstGeom prst="rect">
+            <a:avLst/>
+          </a:prstGeom>
+          <a:noFill/>
+        </p:spPr>
+        <p:txBody>
+          <a:bodyPr wrap="none" lIns="91440" tIns="45720" rIns="91440" bIns="45720">
+            <a:spAutoFit/>
+          </a:bodyPr>
+          <a:lstStyle/>
+          <a:p>
+            <a:pPr algn="ctr"/>
+            <a:r>
+              <a:rPr lang="en-US" sz="5400" b="1" cap="none" spc="0" dirty="0">
+                <a:ln w="9525">
+                  <a:solidFill>
+                    <a:schemeClr val="bg1"/>
+                  </a:solidFill>
+                  <a:prstDash val="solid"/>
+                </a:ln>
+                <a:solidFill>
+                  <a:schemeClr val="accent5"/>
+                </a:solidFill>
+                <a:effectLst>
+                  <a:outerShdw blurRad="12700" dist="38100" dir="2700000" algn="tl" rotWithShape="0">
+                    <a:schemeClr val="accent5">
+                      <a:lumMod val="60000"/>
+                      <a:lumOff val="40000"/>
+                    </a:schemeClr>
+                  </a:outerShdw>
+                </a:effectLst>
+              </a:rPr>
+              <a:t>This is what leads us to the need of an</a:t>
+            </a:r>
+          </a:p>
+          <a:p>
+            <a:pPr algn="ctr"/>
+            <a:r>
+              <a:rPr lang="en-US" sz="5400" b="1" cap="none" spc="0" dirty="0">
+                <a:ln w="9525">
+                  <a:solidFill>
+                    <a:schemeClr val="bg1"/>
+                  </a:solidFill>
+                  <a:prstDash val="solid"/>
+                </a:ln>
+                <a:solidFill>
+                  <a:schemeClr val="accent5"/>
+                </a:solidFill>
+                <a:effectLst>
+                  <a:outerShdw blurRad="12700" dist="38100" dir="2700000" algn="tl" rotWithShape="0">
+                    <a:schemeClr val="accent5">
+                      <a:lumMod val="60000"/>
+                      <a:lumOff val="40000"/>
+                    </a:schemeClr>
+                  </a:outerShdw>
+                </a:effectLst>
+              </a:rPr>
+              <a:t>IoT platform</a:t>
+            </a:r>
+          </a:p>
+        </p:txBody>
+      </p:sp>
+    </p:spTree>
+    <p:extLst>
+      <p:ext uri="{BB962C8B-B14F-4D97-AF65-F5344CB8AC3E}">
+        <p14:creationId xmlns:p14="http://schemas.microsoft.com/office/powerpoint/2010/main" val="1582394294"/>
+      </p:ext>
+    </p:extLst>
+  </p:cSld>
+  <p:clrMapOvr>
+    <a:masterClrMapping/>
+  </p:clrMapOvr>
+</p:sld>
+</file>
+
+<file path=ppt/slides/slide23.xml><?xml version="1.0" encoding="utf-8"?>
+<p:sld xmlns:a="http://schemas.openxmlformats.org/drawingml/2006/main" xmlns:r="http://schemas.openxmlformats.org/officeDocument/2006/relationships" xmlns:p="http://schemas.openxmlformats.org/presentationml/2006/main">
+  <p:cSld>
+    <p:spTree>
+      <p:nvGrpSpPr>
+        <p:cNvPr id="1" name=""/>
+        <p:cNvGrpSpPr/>
+        <p:nvPr/>
+      </p:nvGrpSpPr>
+      <p:grpSpPr>
+        <a:xfrm>
+          <a:off x="0" y="0"/>
+          <a:ext cx="0" cy="0"/>
+          <a:chOff x="0" y="0"/>
+          <a:chExt cx="0" cy="0"/>
+        </a:xfrm>
+      </p:grpSpPr>
+      <p:sp>
+        <p:nvSpPr>
+          <p:cNvPr id="2" name="Oval 1">
+            <a:extLst>
+              <a:ext uri="{FF2B5EF4-FFF2-40B4-BE49-F238E27FC236}">
+                <a16:creationId xmlns:a16="http://schemas.microsoft.com/office/drawing/2014/main" id="{47E3A17C-9D5E-4118-8024-2833EF86C17E}"/>
+              </a:ext>
+            </a:extLst>
+          </p:cNvPr>
+          <p:cNvSpPr/>
+          <p:nvPr/>
+        </p:nvSpPr>
+        <p:spPr>
+          <a:xfrm>
+            <a:off x="463825" y="4903305"/>
+            <a:ext cx="3154018" cy="1789044"/>
+          </a:xfrm>
+          <a:prstGeom prst="ellipse">
+            <a:avLst/>
+          </a:prstGeom>
+          <a:ln>
+            <a:noFill/>
+          </a:ln>
+          <a:effectLst>
+            <a:outerShdw blurRad="152400" dist="317500" dir="5400000" sx="90000" sy="-19000" rotWithShape="0">
+              <a:prstClr val="black">
+                <a:alpha val="15000"/>
+              </a:prstClr>
+            </a:outerShdw>
+          </a:effectLst>
+          <a:scene3d>
+            <a:camera prst="orthographicFront">
+              <a:rot lat="0" lon="0" rev="0"/>
+            </a:camera>
+            <a:lightRig rig="balanced" dir="t">
+              <a:rot lat="0" lon="0" rev="8700000"/>
+            </a:lightRig>
+          </a:scene3d>
+          <a:sp3d>
+            <a:bevelT w="190500" h="38100"/>
+          </a:sp3d>
+        </p:spPr>
+        <p:style>
+          <a:lnRef idx="2">
+            <a:schemeClr val="accent1">
+              <a:shade val="50000"/>
+            </a:schemeClr>
+          </a:lnRef>
+          <a:fillRef idx="1">
+            <a:schemeClr val="accent1"/>
+          </a:fillRef>
+          <a:effectRef idx="0">
+            <a:schemeClr val="accent1"/>
+          </a:effectRef>
+          <a:fontRef idx="minor">
+            <a:schemeClr val="lt1"/>
+          </a:fontRef>
+        </p:style>
+        <p:txBody>
+          <a:bodyPr rtlCol="0" anchor="ctr"/>
+          <a:lstStyle/>
+          <a:p>
+            <a:pPr algn="ctr"/>
+            <a:r>
+              <a:rPr lang="en-US" sz="3200" dirty="0"/>
+              <a:t>Collect Data</a:t>
+            </a:r>
+            <a:endParaRPr lang="en-IN" sz="3200" dirty="0"/>
+          </a:p>
+        </p:txBody>
+      </p:sp>
+      <p:sp>
+        <p:nvSpPr>
+          <p:cNvPr id="3" name="Oval 2">
+            <a:extLst>
+              <a:ext uri="{FF2B5EF4-FFF2-40B4-BE49-F238E27FC236}">
+                <a16:creationId xmlns:a16="http://schemas.microsoft.com/office/drawing/2014/main" id="{BF32259E-C564-441D-8469-6E69C1C84B33}"/>
+              </a:ext>
+            </a:extLst>
+          </p:cNvPr>
+          <p:cNvSpPr/>
+          <p:nvPr/>
+        </p:nvSpPr>
+        <p:spPr>
+          <a:xfrm>
+            <a:off x="3843130" y="3114261"/>
+            <a:ext cx="3154018" cy="1789044"/>
+          </a:xfrm>
+          <a:prstGeom prst="ellipse">
+            <a:avLst/>
+          </a:prstGeom>
+          <a:ln>
+            <a:noFill/>
+          </a:ln>
+          <a:effectLst>
+            <a:outerShdw blurRad="152400" dist="317500" dir="5400000" sx="90000" sy="-19000" rotWithShape="0">
+              <a:prstClr val="black">
+                <a:alpha val="15000"/>
+              </a:prstClr>
+            </a:outerShdw>
+          </a:effectLst>
+          <a:scene3d>
+            <a:camera prst="orthographicFront">
+              <a:rot lat="0" lon="0" rev="0"/>
+            </a:camera>
+            <a:lightRig rig="balanced" dir="t">
+              <a:rot lat="0" lon="0" rev="8700000"/>
+            </a:lightRig>
+          </a:scene3d>
+          <a:sp3d>
+            <a:bevelT w="190500" h="38100"/>
+          </a:sp3d>
+        </p:spPr>
+        <p:style>
+          <a:lnRef idx="2">
+            <a:schemeClr val="accent1">
+              <a:shade val="50000"/>
+            </a:schemeClr>
+          </a:lnRef>
+          <a:fillRef idx="1">
+            <a:schemeClr val="accent1"/>
+          </a:fillRef>
+          <a:effectRef idx="0">
+            <a:schemeClr val="accent1"/>
+          </a:effectRef>
+          <a:fontRef idx="minor">
+            <a:schemeClr val="lt1"/>
+          </a:fontRef>
+        </p:style>
+        <p:txBody>
+          <a:bodyPr rtlCol="0" anchor="ctr"/>
+          <a:lstStyle/>
+          <a:p>
+            <a:pPr algn="ctr"/>
+            <a:r>
+              <a:rPr lang="en-US" sz="3200" dirty="0"/>
+              <a:t>Store Data</a:t>
+            </a:r>
+            <a:endParaRPr lang="en-IN" sz="3200" dirty="0"/>
+          </a:p>
+        </p:txBody>
+      </p:sp>
+      <p:sp>
+        <p:nvSpPr>
+          <p:cNvPr id="4" name="Oval 3">
+            <a:extLst>
+              <a:ext uri="{FF2B5EF4-FFF2-40B4-BE49-F238E27FC236}">
+                <a16:creationId xmlns:a16="http://schemas.microsoft.com/office/drawing/2014/main" id="{3D5E94C2-8B74-4462-94D6-C356D6E036F9}"/>
+              </a:ext>
+            </a:extLst>
+          </p:cNvPr>
+          <p:cNvSpPr/>
+          <p:nvPr/>
+        </p:nvSpPr>
+        <p:spPr>
+          <a:xfrm>
+            <a:off x="6612835" y="927591"/>
+            <a:ext cx="4075045" cy="1789044"/>
+          </a:xfrm>
+          <a:prstGeom prst="ellipse">
+            <a:avLst/>
+          </a:prstGeom>
+          <a:ln>
+            <a:noFill/>
+          </a:ln>
+          <a:effectLst>
+            <a:outerShdw blurRad="152400" dist="317500" dir="5400000" sx="90000" sy="-19000" rotWithShape="0">
+              <a:prstClr val="black">
+                <a:alpha val="15000"/>
+              </a:prstClr>
+            </a:outerShdw>
+          </a:effectLst>
+          <a:scene3d>
+            <a:camera prst="orthographicFront">
+              <a:rot lat="0" lon="0" rev="0"/>
+            </a:camera>
+            <a:lightRig rig="balanced" dir="t">
+              <a:rot lat="0" lon="0" rev="8700000"/>
+            </a:lightRig>
+          </a:scene3d>
+          <a:sp3d>
+            <a:bevelT w="190500" h="38100"/>
+          </a:sp3d>
+        </p:spPr>
+        <p:style>
+          <a:lnRef idx="2">
+            <a:schemeClr val="accent1">
+              <a:shade val="50000"/>
+            </a:schemeClr>
+          </a:lnRef>
+          <a:fillRef idx="1">
+            <a:schemeClr val="accent1"/>
+          </a:fillRef>
+          <a:effectRef idx="0">
+            <a:schemeClr val="accent1"/>
+          </a:effectRef>
+          <a:fontRef idx="minor">
+            <a:schemeClr val="lt1"/>
+          </a:fontRef>
+        </p:style>
+        <p:txBody>
+          <a:bodyPr rtlCol="0" anchor="ctr"/>
+          <a:lstStyle/>
+          <a:p>
+            <a:pPr algn="ctr"/>
+            <a:r>
+              <a:rPr lang="en-US" sz="2800" dirty="0"/>
+              <a:t>Present the information</a:t>
+            </a:r>
+            <a:endParaRPr lang="en-IN" sz="2800" dirty="0"/>
+          </a:p>
+        </p:txBody>
+      </p:sp>
+      <p:sp>
+        <p:nvSpPr>
+          <p:cNvPr id="6" name="Rectangle 5">
+            <a:extLst>
+              <a:ext uri="{FF2B5EF4-FFF2-40B4-BE49-F238E27FC236}">
+                <a16:creationId xmlns:a16="http://schemas.microsoft.com/office/drawing/2014/main" id="{22A52ED8-CFEB-4E95-BCA9-6F7A9A771997}"/>
+              </a:ext>
+            </a:extLst>
+          </p:cNvPr>
+          <p:cNvSpPr/>
+          <p:nvPr/>
+        </p:nvSpPr>
+        <p:spPr>
+          <a:xfrm>
+            <a:off x="3617843" y="6029743"/>
+            <a:ext cx="1329210" cy="523220"/>
+          </a:xfrm>
+          <a:prstGeom prst="rect">
+            <a:avLst/>
+          </a:prstGeom>
+          <a:noFill/>
+        </p:spPr>
+        <p:txBody>
+          <a:bodyPr wrap="none" lIns="91440" tIns="45720" rIns="91440" bIns="45720">
+            <a:spAutoFit/>
+          </a:bodyPr>
+          <a:lstStyle/>
+          <a:p>
+            <a:pPr algn="ctr"/>
+            <a:r>
+              <a:rPr lang="en-US" sz="2800" b="1" cap="none" spc="0" dirty="0">
+                <a:ln w="12700">
+                  <a:solidFill>
+                    <a:schemeClr val="tx2">
+                      <a:lumMod val="75000"/>
+                    </a:schemeClr>
+                  </a:solidFill>
+                  <a:prstDash val="solid"/>
+                </a:ln>
+                <a:pattFill prst="dkUpDiag">
+                  <a:fgClr>
+                    <a:schemeClr val="tx2"/>
+                  </a:fgClr>
+                  <a:bgClr>
+                    <a:schemeClr val="tx2">
+                      <a:lumMod val="20000"/>
+                      <a:lumOff val="80000"/>
+                    </a:schemeClr>
+                  </a:bgClr>
+                </a:pattFill>
+                <a:effectLst>
+                  <a:outerShdw dist="38100" dir="2640000" algn="bl" rotWithShape="0">
+                    <a:schemeClr val="tx2">
+                      <a:lumMod val="75000"/>
+                    </a:schemeClr>
+                  </a:outerShdw>
+                </a:effectLst>
+              </a:rPr>
+              <a:t>Sensors</a:t>
+            </a:r>
+          </a:p>
+        </p:txBody>
+      </p:sp>
+      <p:sp>
+        <p:nvSpPr>
+          <p:cNvPr id="7" name="Rectangle 6">
+            <a:extLst>
+              <a:ext uri="{FF2B5EF4-FFF2-40B4-BE49-F238E27FC236}">
+                <a16:creationId xmlns:a16="http://schemas.microsoft.com/office/drawing/2014/main" id="{081A0717-E610-4395-BB5B-76E975A7D1C4}"/>
+              </a:ext>
+            </a:extLst>
+          </p:cNvPr>
+          <p:cNvSpPr/>
+          <p:nvPr/>
+        </p:nvSpPr>
+        <p:spPr>
+          <a:xfrm>
+            <a:off x="6421605" y="4641695"/>
+            <a:ext cx="1846147" cy="523220"/>
+          </a:xfrm>
+          <a:prstGeom prst="rect">
+            <a:avLst/>
+          </a:prstGeom>
+          <a:noFill/>
+        </p:spPr>
+        <p:txBody>
+          <a:bodyPr wrap="none" lIns="91440" tIns="45720" rIns="91440" bIns="45720">
+            <a:spAutoFit/>
+          </a:bodyPr>
+          <a:lstStyle/>
+          <a:p>
+            <a:pPr algn="ctr"/>
+            <a:r>
+              <a:rPr lang="en-US" sz="2800" b="1" cap="none" spc="0" dirty="0">
+                <a:ln w="12700">
+                  <a:solidFill>
+                    <a:schemeClr val="tx2">
+                      <a:lumMod val="75000"/>
+                    </a:schemeClr>
+                  </a:solidFill>
+                  <a:prstDash val="solid"/>
+                </a:ln>
+                <a:pattFill prst="dkUpDiag">
+                  <a:fgClr>
+                    <a:schemeClr val="tx2"/>
+                  </a:fgClr>
+                  <a:bgClr>
+                    <a:schemeClr val="tx2">
+                      <a:lumMod val="20000"/>
+                      <a:lumOff val="80000"/>
+                    </a:schemeClr>
+                  </a:bgClr>
+                </a:pattFill>
+                <a:effectLst>
+                  <a:outerShdw dist="38100" dir="2640000" algn="bl" rotWithShape="0">
+                    <a:schemeClr val="tx2">
+                      <a:lumMod val="75000"/>
+                    </a:schemeClr>
+                  </a:outerShdw>
+                </a:effectLst>
+              </a:rPr>
+              <a:t>Data bases</a:t>
+            </a:r>
+          </a:p>
+        </p:txBody>
+      </p:sp>
+      <p:sp>
+        <p:nvSpPr>
+          <p:cNvPr id="9" name="Rectangle 8">
+            <a:extLst>
+              <a:ext uri="{FF2B5EF4-FFF2-40B4-BE49-F238E27FC236}">
+                <a16:creationId xmlns:a16="http://schemas.microsoft.com/office/drawing/2014/main" id="{0BAACD05-4C36-4DDA-A111-9E77CED433DD}"/>
+              </a:ext>
+            </a:extLst>
+          </p:cNvPr>
+          <p:cNvSpPr/>
+          <p:nvPr/>
+        </p:nvSpPr>
+        <p:spPr>
+          <a:xfrm>
+            <a:off x="4493283" y="182099"/>
+            <a:ext cx="4854662" cy="523220"/>
+          </a:xfrm>
+          <a:prstGeom prst="rect">
+            <a:avLst/>
+          </a:prstGeom>
+          <a:noFill/>
+        </p:spPr>
+        <p:txBody>
+          <a:bodyPr wrap="none" lIns="91440" tIns="45720" rIns="91440" bIns="45720">
+            <a:spAutoFit/>
+          </a:bodyPr>
+          <a:lstStyle/>
+          <a:p>
+            <a:pPr algn="ctr"/>
+            <a:r>
+              <a:rPr lang="en-US" sz="2800" b="1" cap="none" spc="0" dirty="0">
+                <a:ln w="12700">
+                  <a:solidFill>
+                    <a:schemeClr val="tx2">
+                      <a:lumMod val="75000"/>
+                    </a:schemeClr>
+                  </a:solidFill>
+                  <a:prstDash val="solid"/>
+                </a:ln>
+                <a:pattFill prst="dkUpDiag">
+                  <a:fgClr>
+                    <a:schemeClr val="tx2"/>
+                  </a:fgClr>
+                  <a:bgClr>
+                    <a:schemeClr val="tx2">
+                      <a:lumMod val="20000"/>
+                      <a:lumOff val="80000"/>
+                    </a:schemeClr>
+                  </a:bgClr>
+                </a:pattFill>
+                <a:effectLst>
+                  <a:outerShdw dist="38100" dir="2640000" algn="bl" rotWithShape="0">
+                    <a:schemeClr val="tx2">
+                      <a:lumMod val="75000"/>
+                    </a:schemeClr>
+                  </a:outerShdw>
+                </a:effectLst>
+              </a:rPr>
+              <a:t>Visualization or other front end</a:t>
+            </a:r>
+          </a:p>
+        </p:txBody>
+      </p:sp>
+      <p:cxnSp>
+        <p:nvCxnSpPr>
+          <p:cNvPr id="10" name="Connector: Curved 9">
+            <a:extLst>
+              <a:ext uri="{FF2B5EF4-FFF2-40B4-BE49-F238E27FC236}">
+                <a16:creationId xmlns:a16="http://schemas.microsoft.com/office/drawing/2014/main" id="{B15FB3AD-AF08-46D3-9813-7919A01CE03C}"/>
+              </a:ext>
+            </a:extLst>
+          </p:cNvPr>
+          <p:cNvCxnSpPr>
+            <a:cxnSpLocks/>
+            <a:stCxn id="2" idx="6"/>
+            <a:endCxn id="3" idx="4"/>
+          </p:cNvCxnSpPr>
+          <p:nvPr/>
+        </p:nvCxnSpPr>
+        <p:spPr>
+          <a:xfrm flipV="1">
+            <a:off x="3617843" y="4903305"/>
+            <a:ext cx="1802296" cy="894522"/>
+          </a:xfrm>
+          <a:prstGeom prst="curvedConnector2">
+            <a:avLst/>
+          </a:prstGeom>
+          <a:ln w="57150">
+            <a:tailEnd type="triangle"/>
+          </a:ln>
+        </p:spPr>
+        <p:style>
+          <a:lnRef idx="1">
+            <a:schemeClr val="accent2"/>
+          </a:lnRef>
+          <a:fillRef idx="0">
+            <a:schemeClr val="accent2"/>
+          </a:fillRef>
+          <a:effectRef idx="0">
+            <a:schemeClr val="accent2"/>
+          </a:effectRef>
+          <a:fontRef idx="minor">
+            <a:schemeClr val="tx1"/>
+          </a:fontRef>
+        </p:style>
+      </p:cxnSp>
+      <p:cxnSp>
+        <p:nvCxnSpPr>
+          <p:cNvPr id="11" name="Connector: Curved 10">
+            <a:extLst>
+              <a:ext uri="{FF2B5EF4-FFF2-40B4-BE49-F238E27FC236}">
+                <a16:creationId xmlns:a16="http://schemas.microsoft.com/office/drawing/2014/main" id="{B836968D-FA5B-417B-9859-851E17D4AD7D}"/>
+              </a:ext>
+            </a:extLst>
+          </p:cNvPr>
+          <p:cNvCxnSpPr>
+            <a:cxnSpLocks/>
+            <a:stCxn id="3" idx="6"/>
+            <a:endCxn id="4" idx="4"/>
+          </p:cNvCxnSpPr>
+          <p:nvPr/>
+        </p:nvCxnSpPr>
+        <p:spPr>
+          <a:xfrm flipV="1">
+            <a:off x="6997148" y="2716635"/>
+            <a:ext cx="1653210" cy="1292148"/>
+          </a:xfrm>
+          <a:prstGeom prst="curvedConnector2">
+            <a:avLst/>
+          </a:prstGeom>
+          <a:ln w="57150">
+            <a:tailEnd type="triangle"/>
+          </a:ln>
+        </p:spPr>
+        <p:style>
+          <a:lnRef idx="1">
+            <a:schemeClr val="accent2"/>
+          </a:lnRef>
+          <a:fillRef idx="0">
+            <a:schemeClr val="accent2"/>
+          </a:fillRef>
+          <a:effectRef idx="0">
+            <a:schemeClr val="accent2"/>
+          </a:effectRef>
+          <a:fontRef idx="minor">
+            <a:schemeClr val="tx1"/>
+          </a:fontRef>
+        </p:style>
+      </p:cxnSp>
+      <p:sp>
+        <p:nvSpPr>
+          <p:cNvPr id="16" name="TextBox 15">
+            <a:extLst>
+              <a:ext uri="{FF2B5EF4-FFF2-40B4-BE49-F238E27FC236}">
+                <a16:creationId xmlns:a16="http://schemas.microsoft.com/office/drawing/2014/main" id="{C5C7D6EE-5E18-4A47-91FF-E10D69DD4E6B}"/>
+              </a:ext>
+            </a:extLst>
+          </p:cNvPr>
+          <p:cNvSpPr txBox="1"/>
+          <p:nvPr/>
+        </p:nvSpPr>
+        <p:spPr>
+          <a:xfrm>
+            <a:off x="9568070" y="5930409"/>
+            <a:ext cx="1631152" cy="584775"/>
+          </a:xfrm>
+          <a:prstGeom prst="rect">
+            <a:avLst/>
+          </a:prstGeom>
+          <a:noFill/>
+        </p:spPr>
+        <p:txBody>
+          <a:bodyPr wrap="none" rtlCol="0">
+            <a:spAutoFit/>
+          </a:bodyPr>
+          <a:lstStyle/>
+          <a:p>
+            <a:r>
+              <a:rPr lang="en-US" sz="3200" b="1" dirty="0"/>
+              <a:t>Level -1 </a:t>
+            </a:r>
+            <a:endParaRPr lang="en-IN" sz="3200" b="1" dirty="0"/>
+          </a:p>
+        </p:txBody>
+      </p:sp>
+    </p:spTree>
+    <p:extLst>
+      <p:ext uri="{BB962C8B-B14F-4D97-AF65-F5344CB8AC3E}">
+        <p14:creationId xmlns:p14="http://schemas.microsoft.com/office/powerpoint/2010/main" val="1417000819"/>
+      </p:ext>
+    </p:extLst>
+  </p:cSld>
+  <p:clrMapOvr>
+    <a:masterClrMapping/>
+  </p:clrMapOvr>
+</p:sld>
+</file>
+
+<file path=ppt/slides/slide24.xml><?xml version="1.0" encoding="utf-8"?>
+<p:sld xmlns:a="http://schemas.openxmlformats.org/drawingml/2006/main" xmlns:r="http://schemas.openxmlformats.org/officeDocument/2006/relationships" xmlns:p="http://schemas.openxmlformats.org/presentationml/2006/main">
+  <p:cSld>
+    <p:spTree>
+      <p:nvGrpSpPr>
+        <p:cNvPr id="1" name=""/>
+        <p:cNvGrpSpPr/>
+        <p:nvPr/>
+      </p:nvGrpSpPr>
+      <p:grpSpPr>
+        <a:xfrm>
+          <a:off x="0" y="0"/>
+          <a:ext cx="0" cy="0"/>
+          <a:chOff x="0" y="0"/>
+          <a:chExt cx="0" cy="0"/>
+        </a:xfrm>
+      </p:grpSpPr>
       <p:sp>
         <p:nvSpPr>
           <p:cNvPr id="2" name="Oval 1">
@@ -14609,6 +17128,27 @@
           <a:prstGeom prst="ellipse">
             <a:avLst/>
           </a:prstGeom>
+          <a:ln>
+            <a:noFill/>
+          </a:ln>
+          <a:effectLst>
+            <a:outerShdw blurRad="152400" dist="317500" dir="5400000" sx="90000" sy="-19000" rotWithShape="0">
+              <a:prstClr val="black">
+                <a:alpha val="15000"/>
+              </a:prstClr>
+            </a:outerShdw>
+          </a:effectLst>
+          <a:scene3d>
+            <a:camera prst="orthographicFront">
+              <a:rot lat="0" lon="0" rev="0"/>
+            </a:camera>
+            <a:lightRig rig="balanced" dir="t">
+              <a:rot lat="0" lon="0" rev="8700000"/>
+            </a:lightRig>
+          </a:scene3d>
+          <a:sp3d>
+            <a:bevelT w="190500" h="38100"/>
+          </a:sp3d>
         </p:spPr>
         <p:style>
           <a:lnRef idx="2">
@@ -14632,10 +17172,10 @@
           <a:p>
             <a:pPr algn="ctr"/>
             <a:r>
-              <a:rPr lang="en-US" dirty="0"/>
+              <a:rPr lang="en-US" sz="3200" dirty="0"/>
               <a:t>Collect Data</a:t>
             </a:r>
-            <a:endParaRPr lang="en-IN" dirty="0"/>
+            <a:endParaRPr lang="en-IN" sz="3200" dirty="0"/>
           </a:p>
         </p:txBody>
       </p:sp>
@@ -14659,6 +17199,27 @@
           <a:prstGeom prst="ellipse">
             <a:avLst/>
           </a:prstGeom>
+          <a:ln>
+            <a:noFill/>
+          </a:ln>
+          <a:effectLst>
+            <a:outerShdw blurRad="152400" dist="317500" dir="5400000" sx="90000" sy="-19000" rotWithShape="0">
+              <a:prstClr val="black">
+                <a:alpha val="15000"/>
+              </a:prstClr>
+            </a:outerShdw>
+          </a:effectLst>
+          <a:scene3d>
+            <a:camera prst="orthographicFront">
+              <a:rot lat="0" lon="0" rev="0"/>
+            </a:camera>
+            <a:lightRig rig="balanced" dir="t">
+              <a:rot lat="0" lon="0" rev="8700000"/>
+            </a:lightRig>
+          </a:scene3d>
+          <a:sp3d>
+            <a:bevelT w="190500" h="38100"/>
+          </a:sp3d>
         </p:spPr>
         <p:style>
           <a:lnRef idx="2">
@@ -14682,10 +17243,10 @@
           <a:p>
             <a:pPr algn="ctr"/>
             <a:r>
-              <a:rPr lang="en-US" dirty="0"/>
+              <a:rPr lang="en-US" sz="3200" dirty="0"/>
               <a:t>Store Data</a:t>
             </a:r>
-            <a:endParaRPr lang="en-IN" dirty="0"/>
+            <a:endParaRPr lang="en-IN" sz="3200" dirty="0"/>
           </a:p>
         </p:txBody>
       </p:sp>
@@ -14709,6 +17270,27 @@
           <a:prstGeom prst="ellipse">
             <a:avLst/>
           </a:prstGeom>
+          <a:ln>
+            <a:noFill/>
+          </a:ln>
+          <a:effectLst>
+            <a:outerShdw blurRad="152400" dist="317500" dir="5400000" sx="90000" sy="-19000" rotWithShape="0">
+              <a:prstClr val="black">
+                <a:alpha val="15000"/>
+              </a:prstClr>
+            </a:outerShdw>
+          </a:effectLst>
+          <a:scene3d>
+            <a:camera prst="orthographicFront">
+              <a:rot lat="0" lon="0" rev="0"/>
+            </a:camera>
+            <a:lightRig rig="balanced" dir="t">
+              <a:rot lat="0" lon="0" rev="8700000"/>
+            </a:lightRig>
+          </a:scene3d>
+          <a:sp3d>
+            <a:bevelT w="190500" h="38100"/>
+          </a:sp3d>
         </p:spPr>
         <p:style>
           <a:lnRef idx="2">
@@ -14732,10 +17314,10 @@
           <a:p>
             <a:pPr algn="ctr"/>
             <a:r>
-              <a:rPr lang="en-US" dirty="0"/>
+              <a:rPr lang="en-US" sz="2800" dirty="0"/>
               <a:t>Present the information</a:t>
             </a:r>
-            <a:endParaRPr lang="en-IN" dirty="0"/>
+            <a:endParaRPr lang="en-IN" sz="2800" dirty="0"/>
           </a:p>
         </p:txBody>
       </p:sp>
@@ -14759,6 +17341,27 @@
           <a:prstGeom prst="ellipse">
             <a:avLst/>
           </a:prstGeom>
+          <a:ln>
+            <a:noFill/>
+          </a:ln>
+          <a:effectLst>
+            <a:outerShdw blurRad="152400" dist="317500" dir="5400000" sx="90000" sy="-19000" rotWithShape="0">
+              <a:prstClr val="black">
+                <a:alpha val="15000"/>
+              </a:prstClr>
+            </a:outerShdw>
+          </a:effectLst>
+          <a:scene3d>
+            <a:camera prst="orthographicFront">
+              <a:rot lat="0" lon="0" rev="0"/>
+            </a:camera>
+            <a:lightRig rig="balanced" dir="t">
+              <a:rot lat="0" lon="0" rev="8700000"/>
+            </a:lightRig>
+          </a:scene3d>
+          <a:sp3d>
+            <a:bevelT w="190500" h="38100"/>
+          </a:sp3d>
         </p:spPr>
         <p:style>
           <a:lnRef idx="2">
@@ -14782,10 +17385,422 @@
           <a:p>
             <a:pPr algn="ctr"/>
             <a:r>
-              <a:rPr lang="en-US" dirty="0"/>
+              <a:rPr lang="en-US" sz="2800" dirty="0"/>
               <a:t>Analyze data</a:t>
             </a:r>
-            <a:endParaRPr lang="en-IN" dirty="0"/>
+            <a:endParaRPr lang="en-IN" sz="2800" dirty="0"/>
+          </a:p>
+        </p:txBody>
+      </p:sp>
+      <p:sp>
+        <p:nvSpPr>
+          <p:cNvPr id="9" name="Rectangle 8">
+            <a:extLst>
+              <a:ext uri="{FF2B5EF4-FFF2-40B4-BE49-F238E27FC236}">
+                <a16:creationId xmlns:a16="http://schemas.microsoft.com/office/drawing/2014/main" id="{30B9906E-3053-4AD8-AF5F-E7A1DCA7B17A}"/>
+              </a:ext>
+            </a:extLst>
+          </p:cNvPr>
+          <p:cNvSpPr/>
+          <p:nvPr/>
+        </p:nvSpPr>
+        <p:spPr>
+          <a:xfrm>
+            <a:off x="3617843" y="6029743"/>
+            <a:ext cx="1329210" cy="523220"/>
+          </a:xfrm>
+          <a:prstGeom prst="rect">
+            <a:avLst/>
+          </a:prstGeom>
+          <a:noFill/>
+        </p:spPr>
+        <p:txBody>
+          <a:bodyPr wrap="none" lIns="91440" tIns="45720" rIns="91440" bIns="45720">
+            <a:spAutoFit/>
+          </a:bodyPr>
+          <a:lstStyle/>
+          <a:p>
+            <a:pPr algn="ctr"/>
+            <a:r>
+              <a:rPr lang="en-US" sz="2800" b="1" cap="none" spc="0" dirty="0">
+                <a:ln w="12700">
+                  <a:solidFill>
+                    <a:schemeClr val="tx2">
+                      <a:lumMod val="75000"/>
+                    </a:schemeClr>
+                  </a:solidFill>
+                  <a:prstDash val="solid"/>
+                </a:ln>
+                <a:pattFill prst="dkUpDiag">
+                  <a:fgClr>
+                    <a:schemeClr val="tx2"/>
+                  </a:fgClr>
+                  <a:bgClr>
+                    <a:schemeClr val="tx2">
+                      <a:lumMod val="20000"/>
+                      <a:lumOff val="80000"/>
+                    </a:schemeClr>
+                  </a:bgClr>
+                </a:pattFill>
+                <a:effectLst>
+                  <a:outerShdw dist="38100" dir="2640000" algn="bl" rotWithShape="0">
+                    <a:schemeClr val="tx2">
+                      <a:lumMod val="75000"/>
+                    </a:schemeClr>
+                  </a:outerShdw>
+                </a:effectLst>
+              </a:rPr>
+              <a:t>Sensors</a:t>
+            </a:r>
+          </a:p>
+        </p:txBody>
+      </p:sp>
+      <p:sp>
+        <p:nvSpPr>
+          <p:cNvPr id="11" name="Rectangle 10">
+            <a:extLst>
+              <a:ext uri="{FF2B5EF4-FFF2-40B4-BE49-F238E27FC236}">
+                <a16:creationId xmlns:a16="http://schemas.microsoft.com/office/drawing/2014/main" id="{1B7B247A-C78C-43E2-B1EF-C5F178B1BFE0}"/>
+              </a:ext>
+            </a:extLst>
+          </p:cNvPr>
+          <p:cNvSpPr/>
+          <p:nvPr/>
+        </p:nvSpPr>
+        <p:spPr>
+          <a:xfrm>
+            <a:off x="6421605" y="4641695"/>
+            <a:ext cx="1846147" cy="523220"/>
+          </a:xfrm>
+          <a:prstGeom prst="rect">
+            <a:avLst/>
+          </a:prstGeom>
+          <a:noFill/>
+        </p:spPr>
+        <p:txBody>
+          <a:bodyPr wrap="none" lIns="91440" tIns="45720" rIns="91440" bIns="45720">
+            <a:spAutoFit/>
+          </a:bodyPr>
+          <a:lstStyle/>
+          <a:p>
+            <a:pPr algn="ctr"/>
+            <a:r>
+              <a:rPr lang="en-US" sz="2800" b="1" cap="none" spc="0" dirty="0">
+                <a:ln w="12700">
+                  <a:solidFill>
+                    <a:schemeClr val="tx2">
+                      <a:lumMod val="75000"/>
+                    </a:schemeClr>
+                  </a:solidFill>
+                  <a:prstDash val="solid"/>
+                </a:ln>
+                <a:pattFill prst="dkUpDiag">
+                  <a:fgClr>
+                    <a:schemeClr val="tx2"/>
+                  </a:fgClr>
+                  <a:bgClr>
+                    <a:schemeClr val="tx2">
+                      <a:lumMod val="20000"/>
+                      <a:lumOff val="80000"/>
+                    </a:schemeClr>
+                  </a:bgClr>
+                </a:pattFill>
+                <a:effectLst>
+                  <a:outerShdw dist="38100" dir="2640000" algn="bl" rotWithShape="0">
+                    <a:schemeClr val="tx2">
+                      <a:lumMod val="75000"/>
+                    </a:schemeClr>
+                  </a:outerShdw>
+                </a:effectLst>
+              </a:rPr>
+              <a:t>Data bases</a:t>
+            </a:r>
+          </a:p>
+        </p:txBody>
+      </p:sp>
+      <p:sp>
+        <p:nvSpPr>
+          <p:cNvPr id="13" name="Rectangle 12">
+            <a:extLst>
+              <a:ext uri="{FF2B5EF4-FFF2-40B4-BE49-F238E27FC236}">
+                <a16:creationId xmlns:a16="http://schemas.microsoft.com/office/drawing/2014/main" id="{D3F57BAB-B3B5-4820-8F85-E7832097B4F1}"/>
+              </a:ext>
+            </a:extLst>
+          </p:cNvPr>
+          <p:cNvSpPr/>
+          <p:nvPr/>
+        </p:nvSpPr>
+        <p:spPr>
+          <a:xfrm>
+            <a:off x="9538764" y="3316478"/>
+            <a:ext cx="1231427" cy="523220"/>
+          </a:xfrm>
+          <a:prstGeom prst="rect">
+            <a:avLst/>
+          </a:prstGeom>
+          <a:noFill/>
+        </p:spPr>
+        <p:txBody>
+          <a:bodyPr wrap="none" lIns="91440" tIns="45720" rIns="91440" bIns="45720">
+            <a:spAutoFit/>
+          </a:bodyPr>
+          <a:lstStyle/>
+          <a:p>
+            <a:pPr algn="ctr"/>
+            <a:r>
+              <a:rPr lang="en-US" sz="2800" b="1" cap="none" spc="0" dirty="0">
+                <a:ln w="12700">
+                  <a:solidFill>
+                    <a:schemeClr val="tx2">
+                      <a:lumMod val="75000"/>
+                    </a:schemeClr>
+                  </a:solidFill>
+                  <a:prstDash val="solid"/>
+                </a:ln>
+                <a:pattFill prst="dkUpDiag">
+                  <a:fgClr>
+                    <a:schemeClr val="tx2"/>
+                  </a:fgClr>
+                  <a:bgClr>
+                    <a:schemeClr val="tx2">
+                      <a:lumMod val="20000"/>
+                      <a:lumOff val="80000"/>
+                    </a:schemeClr>
+                  </a:bgClr>
+                </a:pattFill>
+                <a:effectLst>
+                  <a:outerShdw dist="38100" dir="2640000" algn="bl" rotWithShape="0">
+                    <a:schemeClr val="tx2">
+                      <a:lumMod val="75000"/>
+                    </a:schemeClr>
+                  </a:outerShdw>
+                </a:effectLst>
+              </a:rPr>
+              <a:t>Python</a:t>
+            </a:r>
+          </a:p>
+        </p:txBody>
+      </p:sp>
+      <p:sp>
+        <p:nvSpPr>
+          <p:cNvPr id="15" name="Rectangle 14">
+            <a:extLst>
+              <a:ext uri="{FF2B5EF4-FFF2-40B4-BE49-F238E27FC236}">
+                <a16:creationId xmlns:a16="http://schemas.microsoft.com/office/drawing/2014/main" id="{54C76919-7847-471B-9D4B-D8B8532F4C7E}"/>
+              </a:ext>
+            </a:extLst>
+          </p:cNvPr>
+          <p:cNvSpPr/>
+          <p:nvPr/>
+        </p:nvSpPr>
+        <p:spPr>
+          <a:xfrm>
+            <a:off x="4493283" y="182099"/>
+            <a:ext cx="4854662" cy="523220"/>
+          </a:xfrm>
+          <a:prstGeom prst="rect">
+            <a:avLst/>
+          </a:prstGeom>
+          <a:noFill/>
+        </p:spPr>
+        <p:txBody>
+          <a:bodyPr wrap="none" lIns="91440" tIns="45720" rIns="91440" bIns="45720">
+            <a:spAutoFit/>
+          </a:bodyPr>
+          <a:lstStyle/>
+          <a:p>
+            <a:pPr algn="ctr"/>
+            <a:r>
+              <a:rPr lang="en-US" sz="2800" b="1" cap="none" spc="0" dirty="0">
+                <a:ln w="12700">
+                  <a:solidFill>
+                    <a:schemeClr val="tx2">
+                      <a:lumMod val="75000"/>
+                    </a:schemeClr>
+                  </a:solidFill>
+                  <a:prstDash val="solid"/>
+                </a:ln>
+                <a:pattFill prst="dkUpDiag">
+                  <a:fgClr>
+                    <a:schemeClr val="tx2"/>
+                  </a:fgClr>
+                  <a:bgClr>
+                    <a:schemeClr val="tx2">
+                      <a:lumMod val="20000"/>
+                      <a:lumOff val="80000"/>
+                    </a:schemeClr>
+                  </a:bgClr>
+                </a:pattFill>
+                <a:effectLst>
+                  <a:outerShdw dist="38100" dir="2640000" algn="bl" rotWithShape="0">
+                    <a:schemeClr val="tx2">
+                      <a:lumMod val="75000"/>
+                    </a:schemeClr>
+                  </a:outerShdw>
+                </a:effectLst>
+              </a:rPr>
+              <a:t>Visualization or other front end</a:t>
+            </a:r>
+          </a:p>
+        </p:txBody>
+      </p:sp>
+      <p:cxnSp>
+        <p:nvCxnSpPr>
+          <p:cNvPr id="10" name="Connector: Curved 9">
+            <a:extLst>
+              <a:ext uri="{FF2B5EF4-FFF2-40B4-BE49-F238E27FC236}">
+                <a16:creationId xmlns:a16="http://schemas.microsoft.com/office/drawing/2014/main" id="{703AE68F-A66B-4193-85D4-9D2559BEE746}"/>
+              </a:ext>
+            </a:extLst>
+          </p:cNvPr>
+          <p:cNvCxnSpPr>
+            <a:cxnSpLocks/>
+            <a:endCxn id="4" idx="4"/>
+          </p:cNvCxnSpPr>
+          <p:nvPr/>
+        </p:nvCxnSpPr>
+        <p:spPr>
+          <a:xfrm flipV="1">
+            <a:off x="3617843" y="5367132"/>
+            <a:ext cx="1417983" cy="543218"/>
+          </a:xfrm>
+          <a:prstGeom prst="curvedConnector2">
+            <a:avLst/>
+          </a:prstGeom>
+          <a:ln w="57150">
+            <a:tailEnd type="triangle"/>
+          </a:ln>
+        </p:spPr>
+        <p:style>
+          <a:lnRef idx="1">
+            <a:schemeClr val="accent2"/>
+          </a:lnRef>
+          <a:fillRef idx="0">
+            <a:schemeClr val="accent2"/>
+          </a:fillRef>
+          <a:effectRef idx="0">
+            <a:schemeClr val="accent2"/>
+          </a:effectRef>
+          <a:fontRef idx="minor">
+            <a:schemeClr val="tx1"/>
+          </a:fontRef>
+        </p:style>
+      </p:cxnSp>
+      <p:cxnSp>
+        <p:nvCxnSpPr>
+          <p:cNvPr id="12" name="Connector: Curved 11">
+            <a:extLst>
+              <a:ext uri="{FF2B5EF4-FFF2-40B4-BE49-F238E27FC236}">
+                <a16:creationId xmlns:a16="http://schemas.microsoft.com/office/drawing/2014/main" id="{E3CB8398-D87B-4289-863E-8CE4238949DE}"/>
+              </a:ext>
+            </a:extLst>
+          </p:cNvPr>
+          <p:cNvCxnSpPr>
+            <a:cxnSpLocks/>
+          </p:cNvCxnSpPr>
+          <p:nvPr/>
+        </p:nvCxnSpPr>
+        <p:spPr>
+          <a:xfrm flipV="1">
+            <a:off x="6612835" y="3978964"/>
+            <a:ext cx="1417983" cy="543218"/>
+          </a:xfrm>
+          <a:prstGeom prst="curvedConnector2">
+            <a:avLst/>
+          </a:prstGeom>
+          <a:ln w="57150">
+            <a:tailEnd type="triangle"/>
+          </a:ln>
+        </p:spPr>
+        <p:style>
+          <a:lnRef idx="1">
+            <a:schemeClr val="accent2"/>
+          </a:lnRef>
+          <a:fillRef idx="0">
+            <a:schemeClr val="accent2"/>
+          </a:fillRef>
+          <a:effectRef idx="0">
+            <a:schemeClr val="accent2"/>
+          </a:effectRef>
+          <a:fontRef idx="minor">
+            <a:schemeClr val="tx1"/>
+          </a:fontRef>
+        </p:style>
+      </p:cxnSp>
+      <p:cxnSp>
+        <p:nvCxnSpPr>
+          <p:cNvPr id="14" name="Connector: Curved 13">
+            <a:extLst>
+              <a:ext uri="{FF2B5EF4-FFF2-40B4-BE49-F238E27FC236}">
+                <a16:creationId xmlns:a16="http://schemas.microsoft.com/office/drawing/2014/main" id="{28B5C0B9-8772-4375-9EE6-57D8D0C725DC}"/>
+              </a:ext>
+            </a:extLst>
+          </p:cNvPr>
+          <p:cNvCxnSpPr>
+            <a:cxnSpLocks/>
+          </p:cNvCxnSpPr>
+          <p:nvPr/>
+        </p:nvCxnSpPr>
+        <p:spPr>
+          <a:xfrm flipV="1">
+            <a:off x="9380881" y="2353916"/>
+            <a:ext cx="1417983" cy="543218"/>
+          </a:xfrm>
+          <a:prstGeom prst="curvedConnector2">
+            <a:avLst/>
+          </a:prstGeom>
+          <a:ln w="57150">
+            <a:tailEnd type="triangle"/>
+          </a:ln>
+        </p:spPr>
+        <p:style>
+          <a:lnRef idx="1">
+            <a:schemeClr val="accent2"/>
+          </a:lnRef>
+          <a:fillRef idx="0">
+            <a:schemeClr val="accent2"/>
+          </a:fillRef>
+          <a:effectRef idx="0">
+            <a:schemeClr val="accent2"/>
+          </a:effectRef>
+          <a:fontRef idx="minor">
+            <a:schemeClr val="tx1"/>
+          </a:fontRef>
+        </p:style>
+      </p:cxnSp>
+      <p:sp>
+        <p:nvSpPr>
+          <p:cNvPr id="5" name="TextBox 4">
+            <a:extLst>
+              <a:ext uri="{FF2B5EF4-FFF2-40B4-BE49-F238E27FC236}">
+                <a16:creationId xmlns:a16="http://schemas.microsoft.com/office/drawing/2014/main" id="{3568F404-EE26-4C6A-9C15-9F87A5887671}"/>
+              </a:ext>
+            </a:extLst>
+          </p:cNvPr>
+          <p:cNvSpPr txBox="1"/>
+          <p:nvPr/>
+        </p:nvSpPr>
+        <p:spPr>
+          <a:xfrm>
+            <a:off x="9787037" y="6029743"/>
+            <a:ext cx="1631152" cy="584775"/>
+          </a:xfrm>
+          <a:prstGeom prst="rect">
+            <a:avLst/>
+          </a:prstGeom>
+          <a:noFill/>
+        </p:spPr>
+        <p:txBody>
+          <a:bodyPr wrap="none" rtlCol="0">
+            <a:spAutoFit/>
+          </a:bodyPr>
+          <a:lstStyle/>
+          <a:p>
+            <a:r>
+              <a:rPr lang="en-US" sz="3200" b="1" dirty="0"/>
+              <a:t>Level -2 </a:t>
+            </a:r>
+            <a:endParaRPr lang="en-IN" sz="3200" b="1" dirty="0"/>
           </a:p>
         </p:txBody>
       </p:sp>
@@ -14793,6 +17808,549 @@
     <p:extLst>
       <p:ext uri="{BB962C8B-B14F-4D97-AF65-F5344CB8AC3E}">
         <p14:creationId xmlns:p14="http://schemas.microsoft.com/office/powerpoint/2010/main" val="1367383705"/>
+      </p:ext>
+    </p:extLst>
+  </p:cSld>
+  <p:clrMapOvr>
+    <a:masterClrMapping/>
+  </p:clrMapOvr>
+</p:sld>
+</file>
+
+<file path=ppt/slides/slide25.xml><?xml version="1.0" encoding="utf-8"?>
+<p:sld xmlns:a="http://schemas.openxmlformats.org/drawingml/2006/main" xmlns:r="http://schemas.openxmlformats.org/officeDocument/2006/relationships" xmlns:p="http://schemas.openxmlformats.org/presentationml/2006/main">
+  <p:cSld>
+    <p:spTree>
+      <p:nvGrpSpPr>
+        <p:cNvPr id="1" name=""/>
+        <p:cNvGrpSpPr/>
+        <p:nvPr/>
+      </p:nvGrpSpPr>
+      <p:grpSpPr>
+        <a:xfrm>
+          <a:off x="0" y="0"/>
+          <a:ext cx="0" cy="0"/>
+          <a:chOff x="0" y="0"/>
+          <a:chExt cx="0" cy="0"/>
+        </a:xfrm>
+      </p:grpSpPr>
+      <p:sp>
+        <p:nvSpPr>
+          <p:cNvPr id="3" name="Oval 2">
+            <a:extLst>
+              <a:ext uri="{FF2B5EF4-FFF2-40B4-BE49-F238E27FC236}">
+                <a16:creationId xmlns:a16="http://schemas.microsoft.com/office/drawing/2014/main" id="{F2D95F84-BA44-47F7-AF8D-6B51B46FEF22}"/>
+              </a:ext>
+            </a:extLst>
+          </p:cNvPr>
+          <p:cNvSpPr/>
+          <p:nvPr/>
+        </p:nvSpPr>
+        <p:spPr>
+          <a:xfrm>
+            <a:off x="781878" y="4492488"/>
+            <a:ext cx="3154018" cy="1789044"/>
+          </a:xfrm>
+          <a:prstGeom prst="ellipse">
+            <a:avLst/>
+          </a:prstGeom>
+          <a:ln>
+            <a:noFill/>
+          </a:ln>
+          <a:effectLst>
+            <a:outerShdw blurRad="152400" dist="317500" dir="5400000" sx="90000" sy="-19000" rotWithShape="0">
+              <a:prstClr val="black">
+                <a:alpha val="15000"/>
+              </a:prstClr>
+            </a:outerShdw>
+          </a:effectLst>
+          <a:scene3d>
+            <a:camera prst="orthographicFront">
+              <a:rot lat="0" lon="0" rev="0"/>
+            </a:camera>
+            <a:lightRig rig="balanced" dir="t">
+              <a:rot lat="0" lon="0" rev="8700000"/>
+            </a:lightRig>
+          </a:scene3d>
+          <a:sp3d>
+            <a:bevelT w="190500" h="38100"/>
+          </a:sp3d>
+        </p:spPr>
+        <p:style>
+          <a:lnRef idx="2">
+            <a:schemeClr val="accent1">
+              <a:shade val="50000"/>
+            </a:schemeClr>
+          </a:lnRef>
+          <a:fillRef idx="1">
+            <a:schemeClr val="accent1"/>
+          </a:fillRef>
+          <a:effectRef idx="0">
+            <a:schemeClr val="accent1"/>
+          </a:effectRef>
+          <a:fontRef idx="minor">
+            <a:schemeClr val="lt1"/>
+          </a:fontRef>
+        </p:style>
+        <p:txBody>
+          <a:bodyPr rtlCol="0" anchor="ctr"/>
+          <a:lstStyle/>
+          <a:p>
+            <a:pPr algn="ctr"/>
+            <a:r>
+              <a:rPr lang="en-US" dirty="0"/>
+              <a:t>Collect Data</a:t>
+            </a:r>
+            <a:endParaRPr lang="en-IN" dirty="0"/>
+          </a:p>
+        </p:txBody>
+      </p:sp>
+      <p:sp>
+        <p:nvSpPr>
+          <p:cNvPr id="5" name="Oval 4">
+            <a:extLst>
+              <a:ext uri="{FF2B5EF4-FFF2-40B4-BE49-F238E27FC236}">
+                <a16:creationId xmlns:a16="http://schemas.microsoft.com/office/drawing/2014/main" id="{E6C3E428-0A07-4D09-91A2-2879AFEDF18E}"/>
+              </a:ext>
+            </a:extLst>
+          </p:cNvPr>
+          <p:cNvSpPr/>
+          <p:nvPr/>
+        </p:nvSpPr>
+        <p:spPr>
+          <a:xfrm>
+            <a:off x="4412974" y="2173356"/>
+            <a:ext cx="3154018" cy="1789044"/>
+          </a:xfrm>
+          <a:prstGeom prst="ellipse">
+            <a:avLst/>
+          </a:prstGeom>
+          <a:ln>
+            <a:noFill/>
+          </a:ln>
+          <a:effectLst>
+            <a:outerShdw blurRad="152400" dist="317500" dir="5400000" sx="90000" sy="-19000" rotWithShape="0">
+              <a:prstClr val="black">
+                <a:alpha val="15000"/>
+              </a:prstClr>
+            </a:outerShdw>
+          </a:effectLst>
+          <a:scene3d>
+            <a:camera prst="orthographicFront">
+              <a:rot lat="0" lon="0" rev="0"/>
+            </a:camera>
+            <a:lightRig rig="balanced" dir="t">
+              <a:rot lat="0" lon="0" rev="8700000"/>
+            </a:lightRig>
+          </a:scene3d>
+          <a:sp3d>
+            <a:bevelT w="190500" h="38100"/>
+          </a:sp3d>
+        </p:spPr>
+        <p:style>
+          <a:lnRef idx="2">
+            <a:schemeClr val="accent1">
+              <a:shade val="50000"/>
+            </a:schemeClr>
+          </a:lnRef>
+          <a:fillRef idx="1">
+            <a:schemeClr val="accent1"/>
+          </a:fillRef>
+          <a:effectRef idx="0">
+            <a:schemeClr val="accent1"/>
+          </a:effectRef>
+          <a:fontRef idx="minor">
+            <a:schemeClr val="lt1"/>
+          </a:fontRef>
+        </p:style>
+        <p:txBody>
+          <a:bodyPr rtlCol="0" anchor="ctr"/>
+          <a:lstStyle/>
+          <a:p>
+            <a:pPr algn="ctr"/>
+            <a:r>
+              <a:rPr lang="en-US" dirty="0"/>
+              <a:t>Analyze data</a:t>
+            </a:r>
+            <a:endParaRPr lang="en-IN" dirty="0"/>
+          </a:p>
+        </p:txBody>
+      </p:sp>
+      <p:sp>
+        <p:nvSpPr>
+          <p:cNvPr id="7" name="Oval 6">
+            <a:extLst>
+              <a:ext uri="{FF2B5EF4-FFF2-40B4-BE49-F238E27FC236}">
+                <a16:creationId xmlns:a16="http://schemas.microsoft.com/office/drawing/2014/main" id="{DE17FE63-49A9-4DCD-BBD9-4823B0C1FB79}"/>
+              </a:ext>
+            </a:extLst>
+          </p:cNvPr>
+          <p:cNvSpPr/>
+          <p:nvPr/>
+        </p:nvSpPr>
+        <p:spPr>
+          <a:xfrm>
+            <a:off x="7673009" y="79514"/>
+            <a:ext cx="3154018" cy="1789044"/>
+          </a:xfrm>
+          <a:prstGeom prst="ellipse">
+            <a:avLst/>
+          </a:prstGeom>
+          <a:gradFill flip="none" rotWithShape="1">
+            <a:gsLst>
+              <a:gs pos="0">
+                <a:srgbClr val="92D050">
+                  <a:shade val="30000"/>
+                  <a:satMod val="115000"/>
+                </a:srgbClr>
+              </a:gs>
+              <a:gs pos="50000">
+                <a:srgbClr val="92D050">
+                  <a:shade val="67500"/>
+                  <a:satMod val="115000"/>
+                </a:srgbClr>
+              </a:gs>
+              <a:gs pos="100000">
+                <a:srgbClr val="92D050">
+                  <a:shade val="100000"/>
+                  <a:satMod val="115000"/>
+                </a:srgbClr>
+              </a:gs>
+            </a:gsLst>
+            <a:path path="circle">
+              <a:fillToRect l="50000" t="50000" r="50000" b="50000"/>
+            </a:path>
+            <a:tileRect/>
+          </a:gradFill>
+          <a:ln>
+            <a:noFill/>
+          </a:ln>
+          <a:effectLst>
+            <a:outerShdw blurRad="152400" dist="317500" dir="5400000" sx="90000" sy="-19000" rotWithShape="0">
+              <a:prstClr val="black">
+                <a:alpha val="15000"/>
+              </a:prstClr>
+            </a:outerShdw>
+          </a:effectLst>
+          <a:scene3d>
+            <a:camera prst="orthographicFront">
+              <a:rot lat="0" lon="0" rev="0"/>
+            </a:camera>
+            <a:lightRig rig="balanced" dir="t">
+              <a:rot lat="0" lon="0" rev="8700000"/>
+            </a:lightRig>
+          </a:scene3d>
+          <a:sp3d>
+            <a:bevelT w="190500" h="38100"/>
+          </a:sp3d>
+        </p:spPr>
+        <p:style>
+          <a:lnRef idx="2">
+            <a:schemeClr val="accent1">
+              <a:shade val="50000"/>
+            </a:schemeClr>
+          </a:lnRef>
+          <a:fillRef idx="1">
+            <a:schemeClr val="accent1"/>
+          </a:fillRef>
+          <a:effectRef idx="0">
+            <a:schemeClr val="accent1"/>
+          </a:effectRef>
+          <a:fontRef idx="minor">
+            <a:schemeClr val="lt1"/>
+          </a:fontRef>
+        </p:style>
+        <p:txBody>
+          <a:bodyPr rtlCol="0" anchor="ctr"/>
+          <a:lstStyle/>
+          <a:p>
+            <a:pPr algn="ctr"/>
+            <a:r>
+              <a:rPr lang="en-US" dirty="0"/>
+              <a:t>Optimize your operations</a:t>
+            </a:r>
+            <a:endParaRPr lang="en-IN" dirty="0"/>
+          </a:p>
+        </p:txBody>
+      </p:sp>
+      <p:cxnSp>
+        <p:nvCxnSpPr>
+          <p:cNvPr id="9" name="Connector: Curved 8">
+            <a:extLst>
+              <a:ext uri="{FF2B5EF4-FFF2-40B4-BE49-F238E27FC236}">
+                <a16:creationId xmlns:a16="http://schemas.microsoft.com/office/drawing/2014/main" id="{AAAE6BFB-0029-4053-811D-80472DAB8136}"/>
+              </a:ext>
+            </a:extLst>
+          </p:cNvPr>
+          <p:cNvCxnSpPr>
+            <a:cxnSpLocks/>
+            <a:endCxn id="5" idx="4"/>
+          </p:cNvCxnSpPr>
+          <p:nvPr/>
+        </p:nvCxnSpPr>
+        <p:spPr>
+          <a:xfrm flipV="1">
+            <a:off x="3989870" y="3962400"/>
+            <a:ext cx="2000113" cy="1424612"/>
+          </a:xfrm>
+          <a:prstGeom prst="curvedConnector2">
+            <a:avLst/>
+          </a:prstGeom>
+          <a:ln w="57150">
+            <a:tailEnd type="triangle"/>
+          </a:ln>
+        </p:spPr>
+        <p:style>
+          <a:lnRef idx="1">
+            <a:schemeClr val="accent2"/>
+          </a:lnRef>
+          <a:fillRef idx="0">
+            <a:schemeClr val="accent2"/>
+          </a:fillRef>
+          <a:effectRef idx="0">
+            <a:schemeClr val="accent2"/>
+          </a:effectRef>
+          <a:fontRef idx="minor">
+            <a:schemeClr val="tx1"/>
+          </a:fontRef>
+        </p:style>
+      </p:cxnSp>
+      <p:cxnSp>
+        <p:nvCxnSpPr>
+          <p:cNvPr id="10" name="Connector: Curved 9">
+            <a:extLst>
+              <a:ext uri="{FF2B5EF4-FFF2-40B4-BE49-F238E27FC236}">
+                <a16:creationId xmlns:a16="http://schemas.microsoft.com/office/drawing/2014/main" id="{6B25D817-BC10-4532-873A-DB9F7E951622}"/>
+              </a:ext>
+            </a:extLst>
+          </p:cNvPr>
+          <p:cNvCxnSpPr>
+            <a:cxnSpLocks/>
+            <a:endCxn id="7" idx="4"/>
+          </p:cNvCxnSpPr>
+          <p:nvPr/>
+        </p:nvCxnSpPr>
+        <p:spPr>
+          <a:xfrm flipV="1">
+            <a:off x="7566992" y="1868558"/>
+            <a:ext cx="1683026" cy="1060172"/>
+          </a:xfrm>
+          <a:prstGeom prst="curvedConnector2">
+            <a:avLst/>
+          </a:prstGeom>
+          <a:ln w="57150">
+            <a:tailEnd type="triangle"/>
+          </a:ln>
+        </p:spPr>
+        <p:style>
+          <a:lnRef idx="1">
+            <a:schemeClr val="accent2"/>
+          </a:lnRef>
+          <a:fillRef idx="0">
+            <a:schemeClr val="accent2"/>
+          </a:fillRef>
+          <a:effectRef idx="0">
+            <a:schemeClr val="accent2"/>
+          </a:effectRef>
+          <a:fontRef idx="minor">
+            <a:schemeClr val="tx1"/>
+          </a:fontRef>
+        </p:style>
+      </p:cxnSp>
+      <p:pic>
+        <p:nvPicPr>
+          <p:cNvPr id="18" name="Picture 17">
+            <a:extLst>
+              <a:ext uri="{FF2B5EF4-FFF2-40B4-BE49-F238E27FC236}">
+                <a16:creationId xmlns:a16="http://schemas.microsoft.com/office/drawing/2014/main" id="{572FF544-2A22-43B6-AD2F-C3A34E1A98F7}"/>
+              </a:ext>
+            </a:extLst>
+          </p:cNvPr>
+          <p:cNvPicPr>
+            <a:picLocks noChangeAspect="1"/>
+          </p:cNvPicPr>
+          <p:nvPr/>
+        </p:nvPicPr>
+        <p:blipFill>
+          <a:blip r:embed="rId2"/>
+          <a:stretch>
+            <a:fillRect/>
+          </a:stretch>
+        </p:blipFill>
+        <p:spPr>
+          <a:xfrm>
+            <a:off x="8408506" y="3657602"/>
+            <a:ext cx="1233354" cy="834886"/>
+          </a:xfrm>
+          <a:prstGeom prst="rect">
+            <a:avLst/>
+          </a:prstGeom>
+        </p:spPr>
+      </p:pic>
+      <p:cxnSp>
+        <p:nvCxnSpPr>
+          <p:cNvPr id="19" name="Connector: Curved 18">
+            <a:extLst>
+              <a:ext uri="{FF2B5EF4-FFF2-40B4-BE49-F238E27FC236}">
+                <a16:creationId xmlns:a16="http://schemas.microsoft.com/office/drawing/2014/main" id="{349B0CBA-5A39-40F1-AA4F-4D6DD786F9E4}"/>
+              </a:ext>
+            </a:extLst>
+          </p:cNvPr>
+          <p:cNvCxnSpPr>
+            <a:cxnSpLocks/>
+            <a:stCxn id="5" idx="6"/>
+            <a:endCxn id="18" idx="0"/>
+          </p:cNvCxnSpPr>
+          <p:nvPr/>
+        </p:nvCxnSpPr>
+        <p:spPr>
+          <a:xfrm>
+            <a:off x="7566992" y="3067878"/>
+            <a:ext cx="1458191" cy="589724"/>
+          </a:xfrm>
+          <a:prstGeom prst="curvedConnector2">
+            <a:avLst/>
+          </a:prstGeom>
+          <a:ln w="57150">
+            <a:tailEnd type="triangle"/>
+          </a:ln>
+        </p:spPr>
+        <p:style>
+          <a:lnRef idx="1">
+            <a:schemeClr val="accent2"/>
+          </a:lnRef>
+          <a:fillRef idx="0">
+            <a:schemeClr val="accent2"/>
+          </a:fillRef>
+          <a:effectRef idx="0">
+            <a:schemeClr val="accent2"/>
+          </a:effectRef>
+          <a:fontRef idx="minor">
+            <a:schemeClr val="tx1"/>
+          </a:fontRef>
+        </p:style>
+      </p:cxnSp>
+      <p:sp>
+        <p:nvSpPr>
+          <p:cNvPr id="22" name="TextBox 21">
+            <a:extLst>
+              <a:ext uri="{FF2B5EF4-FFF2-40B4-BE49-F238E27FC236}">
+                <a16:creationId xmlns:a16="http://schemas.microsoft.com/office/drawing/2014/main" id="{B5EBC330-8879-4850-A736-3440985115FA}"/>
+              </a:ext>
+            </a:extLst>
+          </p:cNvPr>
+          <p:cNvSpPr txBox="1"/>
+          <p:nvPr/>
+        </p:nvSpPr>
+        <p:spPr>
+          <a:xfrm>
+            <a:off x="8692561" y="4672256"/>
+            <a:ext cx="949299" cy="369332"/>
+          </a:xfrm>
+          <a:prstGeom prst="rect">
+            <a:avLst/>
+          </a:prstGeom>
+          <a:noFill/>
+        </p:spPr>
+        <p:txBody>
+          <a:bodyPr wrap="none" rtlCol="0">
+            <a:spAutoFit/>
+          </a:bodyPr>
+          <a:lstStyle/>
+          <a:p>
+            <a:r>
+              <a:rPr lang="en-US" dirty="0"/>
+              <a:t>Metrices</a:t>
+            </a:r>
+            <a:endParaRPr lang="en-IN" dirty="0"/>
+          </a:p>
+        </p:txBody>
+      </p:sp>
+      <p:cxnSp>
+        <p:nvCxnSpPr>
+          <p:cNvPr id="27" name="Connector: Curved 26">
+            <a:extLst>
+              <a:ext uri="{FF2B5EF4-FFF2-40B4-BE49-F238E27FC236}">
+                <a16:creationId xmlns:a16="http://schemas.microsoft.com/office/drawing/2014/main" id="{700904DF-C0DA-4F50-8727-EF6370C8CDA1}"/>
+              </a:ext>
+            </a:extLst>
+          </p:cNvPr>
+          <p:cNvCxnSpPr>
+            <a:cxnSpLocks/>
+            <a:stCxn id="3" idx="2"/>
+          </p:cNvCxnSpPr>
+          <p:nvPr/>
+        </p:nvCxnSpPr>
+        <p:spPr>
+          <a:xfrm rot="10800000" flipH="1">
+            <a:off x="781878" y="974036"/>
+            <a:ext cx="6838604" cy="4412974"/>
+          </a:xfrm>
+          <a:prstGeom prst="curvedConnector3">
+            <a:avLst>
+              <a:gd name="adj1" fmla="val -7994"/>
+            </a:avLst>
+          </a:prstGeom>
+          <a:ln w="57150">
+            <a:headEnd type="triangle"/>
+            <a:tailEnd type="triangle"/>
+          </a:ln>
+        </p:spPr>
+        <p:style>
+          <a:lnRef idx="1">
+            <a:schemeClr val="accent2"/>
+          </a:lnRef>
+          <a:fillRef idx="0">
+            <a:schemeClr val="accent2"/>
+          </a:fillRef>
+          <a:effectRef idx="0">
+            <a:schemeClr val="accent2"/>
+          </a:effectRef>
+          <a:fontRef idx="minor">
+            <a:schemeClr val="tx1"/>
+          </a:fontRef>
+        </p:style>
+      </p:cxnSp>
+      <p:sp>
+        <p:nvSpPr>
+          <p:cNvPr id="35" name="TextBox 34">
+            <a:extLst>
+              <a:ext uri="{FF2B5EF4-FFF2-40B4-BE49-F238E27FC236}">
+                <a16:creationId xmlns:a16="http://schemas.microsoft.com/office/drawing/2014/main" id="{D5E35F63-A387-42E0-B73A-4454A5F84EB2}"/>
+              </a:ext>
+            </a:extLst>
+          </p:cNvPr>
+          <p:cNvSpPr txBox="1"/>
+          <p:nvPr/>
+        </p:nvSpPr>
+        <p:spPr>
+          <a:xfrm>
+            <a:off x="9787037" y="6029743"/>
+            <a:ext cx="1631152" cy="584775"/>
+          </a:xfrm>
+          <a:prstGeom prst="rect">
+            <a:avLst/>
+          </a:prstGeom>
+          <a:noFill/>
+        </p:spPr>
+        <p:txBody>
+          <a:bodyPr wrap="none" rtlCol="0">
+            <a:spAutoFit/>
+          </a:bodyPr>
+          <a:lstStyle/>
+          <a:p>
+            <a:r>
+              <a:rPr lang="en-US" sz="3200" b="1" dirty="0"/>
+              <a:t>Level -3 </a:t>
+            </a:r>
+            <a:endParaRPr lang="en-IN" sz="3200" b="1" dirty="0"/>
+          </a:p>
+        </p:txBody>
+      </p:sp>
+    </p:spTree>
+    <p:extLst>
+      <p:ext uri="{BB962C8B-B14F-4D97-AF65-F5344CB8AC3E}">
+        <p14:creationId xmlns:p14="http://schemas.microsoft.com/office/powerpoint/2010/main" val="2013097616"/>
       </p:ext>
     </p:extLst>
   </p:cSld>
@@ -15177,8 +18735,8 @@
         </p:nvSpPr>
         <p:spPr>
           <a:xfrm>
-            <a:off x="5984628" y="3094893"/>
-            <a:ext cx="5536811" cy="3284806"/>
+            <a:off x="5984628" y="2663687"/>
+            <a:ext cx="5536811" cy="3716012"/>
           </a:xfrm>
           <a:prstGeom prst="verticalScroll">
             <a:avLst/>
@@ -15203,6 +18761,15 @@
         <p:txBody>
           <a:bodyPr rtlCol="0" anchor="ctr"/>
           <a:lstStyle/>
+          <a:p>
+            <a:pPr algn="ctr"/>
+            <a:r>
+              <a:rPr lang="en-US" sz="11500" dirty="0">
+                <a:latin typeface="Arial Black" panose="020B0A04020102020204" pitchFamily="34" charset="0"/>
+              </a:rPr>
+              <a:t>?</a:t>
+            </a:r>
+          </a:p>
           <a:p>
             <a:pPr algn="ctr"/>
             <a:r>
@@ -15603,6 +19170,70 @@
 </file>
 
 <file path=ppt/slides/slide6.xml><?xml version="1.0" encoding="utf-8"?>
+<p:sld xmlns:a="http://schemas.openxmlformats.org/drawingml/2006/main" xmlns:r="http://schemas.openxmlformats.org/officeDocument/2006/relationships" xmlns:p="http://schemas.openxmlformats.org/presentationml/2006/main">
+  <p:cSld>
+    <p:spTree>
+      <p:nvGrpSpPr>
+        <p:cNvPr id="1" name=""/>
+        <p:cNvGrpSpPr/>
+        <p:nvPr/>
+      </p:nvGrpSpPr>
+      <p:grpSpPr>
+        <a:xfrm>
+          <a:off x="0" y="0"/>
+          <a:ext cx="0" cy="0"/>
+          <a:chOff x="0" y="0"/>
+          <a:chExt cx="0" cy="0"/>
+        </a:xfrm>
+      </p:grpSpPr>
+      <p:sp>
+        <p:nvSpPr>
+          <p:cNvPr id="2" name="Title 1">
+            <a:extLst>
+              <a:ext uri="{FF2B5EF4-FFF2-40B4-BE49-F238E27FC236}">
+                <a16:creationId xmlns:a16="http://schemas.microsoft.com/office/drawing/2014/main" id="{0A0822C7-DCC2-48A2-B213-B23A343E716C}"/>
+              </a:ext>
+            </a:extLst>
+          </p:cNvPr>
+          <p:cNvSpPr>
+            <a:spLocks noGrp="1"/>
+          </p:cNvSpPr>
+          <p:nvPr>
+            <p:ph type="title"/>
+          </p:nvPr>
+        </p:nvSpPr>
+        <p:spPr>
+          <a:xfrm>
+            <a:off x="1340196" y="2142518"/>
+            <a:ext cx="9905998" cy="1478570"/>
+          </a:xfrm>
+        </p:spPr>
+        <p:txBody>
+          <a:bodyPr/>
+          <a:lstStyle/>
+          <a:p>
+            <a:r>
+              <a:rPr lang="en-US" dirty="0"/>
+              <a:t>How the solution should looks like ?</a:t>
+            </a:r>
+            <a:endParaRPr lang="en-IN" dirty="0"/>
+          </a:p>
+        </p:txBody>
+      </p:sp>
+    </p:spTree>
+    <p:extLst>
+      <p:ext uri="{BB962C8B-B14F-4D97-AF65-F5344CB8AC3E}">
+        <p14:creationId xmlns:p14="http://schemas.microsoft.com/office/powerpoint/2010/main" val="1369014580"/>
+      </p:ext>
+    </p:extLst>
+  </p:cSld>
+  <p:clrMapOvr>
+    <a:masterClrMapping/>
+  </p:clrMapOvr>
+</p:sld>
+</file>
+
+<file path=ppt/slides/slide7.xml><?xml version="1.0" encoding="utf-8"?>
 <p:sld xmlns:a="http://schemas.openxmlformats.org/drawingml/2006/main" xmlns:r="http://schemas.openxmlformats.org/officeDocument/2006/relationships" xmlns:p="http://schemas.openxmlformats.org/presentationml/2006/main">
   <p:cSld>
     <p:spTree>
@@ -15807,7 +19438,7 @@
 </p:sld>
 </file>
 
-<file path=ppt/slides/slide7.xml><?xml version="1.0" encoding="utf-8"?>
+<file path=ppt/slides/slide8.xml><?xml version="1.0" encoding="utf-8"?>
 <p:sld xmlns:a="http://schemas.openxmlformats.org/drawingml/2006/main" xmlns:r="http://schemas.openxmlformats.org/officeDocument/2006/relationships" xmlns:p="http://schemas.openxmlformats.org/presentationml/2006/main">
   <p:cSld>
     <p:spTree>
@@ -15853,7 +19484,7 @@
         </p:blipFill>
         <p:spPr bwMode="auto">
           <a:xfrm>
-            <a:off x="708075" y="3643532"/>
+            <a:off x="878387" y="3684416"/>
             <a:ext cx="5387925" cy="3030708"/>
           </a:xfrm>
           <a:prstGeom prst="rect">
@@ -15971,6 +19602,36 @@
           </a:p>
         </p:txBody>
       </p:sp>
+      <p:pic>
+        <p:nvPicPr>
+          <p:cNvPr id="2" name="Picture 1">
+            <a:extLst>
+              <a:ext uri="{FF2B5EF4-FFF2-40B4-BE49-F238E27FC236}">
+                <a16:creationId xmlns:a16="http://schemas.microsoft.com/office/drawing/2014/main" id="{8F9E920B-BAAD-4640-8760-7D21947675DF}"/>
+              </a:ext>
+            </a:extLst>
+          </p:cNvPr>
+          <p:cNvPicPr>
+            <a:picLocks noChangeAspect="1"/>
+          </p:cNvPicPr>
+          <p:nvPr/>
+        </p:nvPicPr>
+        <p:blipFill>
+          <a:blip r:embed="rId4"/>
+          <a:stretch>
+            <a:fillRect/>
+          </a:stretch>
+        </p:blipFill>
+        <p:spPr>
+          <a:xfrm>
+            <a:off x="7112899" y="3598047"/>
+            <a:ext cx="3372480" cy="3117077"/>
+          </a:xfrm>
+          <a:prstGeom prst="rect">
+            <a:avLst/>
+          </a:prstGeom>
+        </p:spPr>
+      </p:pic>
     </p:spTree>
     <p:extLst>
       <p:ext uri="{BB962C8B-B14F-4D97-AF65-F5344CB8AC3E}">
@@ -15984,7 +19645,7 @@
 </p:sld>
 </file>
 
-<file path=ppt/slides/slide8.xml><?xml version="1.0" encoding="utf-8"?>
+<file path=ppt/slides/slide9.xml><?xml version="1.0" encoding="utf-8"?>
 <p:sld xmlns:a="http://schemas.openxmlformats.org/drawingml/2006/main" xmlns:r="http://schemas.openxmlformats.org/officeDocument/2006/relationships" xmlns:p="http://schemas.openxmlformats.org/presentationml/2006/main">
   <p:cSld>
     <p:spTree>
@@ -16037,36 +19698,6 @@
       </p:sp>
       <p:pic>
         <p:nvPicPr>
-          <p:cNvPr id="9" name="Picture 8">
-            <a:extLst>
-              <a:ext uri="{FF2B5EF4-FFF2-40B4-BE49-F238E27FC236}">
-                <a16:creationId xmlns:a16="http://schemas.microsoft.com/office/drawing/2014/main" id="{DB5D8E83-5A9C-40B0-939E-7544A0F04CB0}"/>
-              </a:ext>
-            </a:extLst>
-          </p:cNvPr>
-          <p:cNvPicPr>
-            <a:picLocks noChangeAspect="1"/>
-          </p:cNvPicPr>
-          <p:nvPr/>
-        </p:nvPicPr>
-        <p:blipFill>
-          <a:blip r:embed="rId2"/>
-          <a:stretch>
-            <a:fillRect/>
-          </a:stretch>
-        </p:blipFill>
-        <p:spPr>
-          <a:xfrm>
-            <a:off x="548641" y="1445457"/>
-            <a:ext cx="2293032" cy="2293032"/>
-          </a:xfrm>
-          <a:prstGeom prst="rect">
-            <a:avLst/>
-          </a:prstGeom>
-        </p:spPr>
-      </p:pic>
-      <p:pic>
-        <p:nvPicPr>
           <p:cNvPr id="11" name="Picture 10">
             <a:extLst>
               <a:ext uri="{FF2B5EF4-FFF2-40B4-BE49-F238E27FC236}">
@@ -16080,7 +19711,7 @@
           <p:nvPr/>
         </p:nvPicPr>
         <p:blipFill>
-          <a:blip r:embed="rId3"/>
+          <a:blip r:embed="rId2"/>
           <a:stretch>
             <a:fillRect/>
           </a:stretch>
@@ -16110,7 +19741,7 @@
           <p:nvPr/>
         </p:nvPicPr>
         <p:blipFill>
-          <a:blip r:embed="rId4"/>
+          <a:blip r:embed="rId3"/>
           <a:stretch>
             <a:fillRect/>
           </a:stretch>
@@ -16188,330 +19819,6 @@
     <p:extLst>
       <p:ext uri="{BB962C8B-B14F-4D97-AF65-F5344CB8AC3E}">
         <p14:creationId xmlns:p14="http://schemas.microsoft.com/office/powerpoint/2010/main" val="4292977658"/>
-      </p:ext>
-    </p:extLst>
-  </p:cSld>
-  <p:clrMapOvr>
-    <a:masterClrMapping/>
-  </p:clrMapOvr>
-</p:sld>
-</file>
-
-<file path=ppt/slides/slide9.xml><?xml version="1.0" encoding="utf-8"?>
-<p:sld xmlns:a="http://schemas.openxmlformats.org/drawingml/2006/main" xmlns:r="http://schemas.openxmlformats.org/officeDocument/2006/relationships" xmlns:p="http://schemas.openxmlformats.org/presentationml/2006/main">
-  <p:cSld>
-    <p:spTree>
-      <p:nvGrpSpPr>
-        <p:cNvPr id="1" name=""/>
-        <p:cNvGrpSpPr/>
-        <p:nvPr/>
-      </p:nvGrpSpPr>
-      <p:grpSpPr>
-        <a:xfrm>
-          <a:off x="0" y="0"/>
-          <a:ext cx="0" cy="0"/>
-          <a:chOff x="0" y="0"/>
-          <a:chExt cx="0" cy="0"/>
-        </a:xfrm>
-      </p:grpSpPr>
-      <p:sp>
-        <p:nvSpPr>
-          <p:cNvPr id="2" name="Title 1">
-            <a:extLst>
-              <a:ext uri="{FF2B5EF4-FFF2-40B4-BE49-F238E27FC236}">
-                <a16:creationId xmlns:a16="http://schemas.microsoft.com/office/drawing/2014/main" id="{2B7E81A1-D1C7-450F-9881-D8636841F6F5}"/>
-              </a:ext>
-            </a:extLst>
-          </p:cNvPr>
-          <p:cNvSpPr>
-            <a:spLocks noGrp="1"/>
-          </p:cNvSpPr>
-          <p:nvPr>
-            <p:ph type="title"/>
-          </p:nvPr>
-        </p:nvSpPr>
-        <p:spPr>
-          <a:xfrm>
-            <a:off x="1143001" y="126146"/>
-            <a:ext cx="9905998" cy="923331"/>
-          </a:xfrm>
-        </p:spPr>
-        <p:txBody>
-          <a:bodyPr>
-            <a:normAutofit/>
-          </a:bodyPr>
-          <a:lstStyle/>
-          <a:p>
-            <a:pPr algn="ctr"/>
-            <a:r>
-              <a:rPr lang="en-US" sz="3200" dirty="0"/>
-              <a:t>How do we interface this  Sensor with ESP32</a:t>
-            </a:r>
-            <a:endParaRPr lang="en-IN" sz="3200" dirty="0"/>
-          </a:p>
-        </p:txBody>
-      </p:sp>
-      <p:sp>
-        <p:nvSpPr>
-          <p:cNvPr id="3" name="TextBox 2">
-            <a:extLst>
-              <a:ext uri="{FF2B5EF4-FFF2-40B4-BE49-F238E27FC236}">
-                <a16:creationId xmlns:a16="http://schemas.microsoft.com/office/drawing/2014/main" id="{14533802-FD29-4E14-9CA1-CD2F3EC833E4}"/>
-              </a:ext>
-            </a:extLst>
-          </p:cNvPr>
-          <p:cNvSpPr txBox="1"/>
-          <p:nvPr/>
-        </p:nvSpPr>
-        <p:spPr>
-          <a:xfrm>
-            <a:off x="1109538" y="2386823"/>
-            <a:ext cx="10533184" cy="2862322"/>
-          </a:xfrm>
-          <a:prstGeom prst="rect">
-            <a:avLst/>
-          </a:prstGeom>
-          <a:noFill/>
-          <a:ln w="82550">
-            <a:solidFill>
-              <a:srgbClr val="FFFF00"/>
-            </a:solidFill>
-          </a:ln>
-        </p:spPr>
-        <p:txBody>
-          <a:bodyPr wrap="square" rtlCol="0">
-            <a:spAutoFit/>
-          </a:bodyPr>
-          <a:lstStyle/>
-          <a:p>
-            <a:endParaRPr lang="en-US" dirty="0">
-              <a:latin typeface="Courier New" panose="02070309020205020404" pitchFamily="49" charset="0"/>
-            </a:endParaRPr>
-          </a:p>
-          <a:p>
-            <a:r>
-              <a:rPr lang="en-US" sz="1800" dirty="0">
-                <a:latin typeface="Courier New" panose="02070309020205020404" pitchFamily="49" charset="0"/>
-              </a:rPr>
-              <a:t>const int   </a:t>
-            </a:r>
-            <a:r>
-              <a:rPr lang="en-US" sz="1800" dirty="0" err="1">
-                <a:latin typeface="Courier New" panose="02070309020205020404" pitchFamily="49" charset="0"/>
-              </a:rPr>
-              <a:t>inputPIN</a:t>
-            </a:r>
-            <a:r>
-              <a:rPr lang="en-US" sz="1800" dirty="0">
-                <a:latin typeface="Courier New" panose="02070309020205020404" pitchFamily="49" charset="0"/>
-              </a:rPr>
-              <a:t>  = 4 ; //GPIO 4</a:t>
-            </a:r>
-          </a:p>
-          <a:p>
-            <a:endParaRPr lang="en-US" sz="1800" dirty="0">
-              <a:latin typeface="Courier New" panose="02070309020205020404" pitchFamily="49" charset="0"/>
-            </a:endParaRPr>
-          </a:p>
-          <a:p>
-            <a:r>
-              <a:rPr lang="en-US" sz="1800" dirty="0">
-                <a:latin typeface="Courier New" panose="02070309020205020404" pitchFamily="49" charset="0"/>
-              </a:rPr>
-              <a:t>void ICACHE_RAM_ATTR </a:t>
-            </a:r>
-            <a:r>
-              <a:rPr lang="en-US" sz="1800" dirty="0" err="1">
-                <a:latin typeface="Courier New" panose="02070309020205020404" pitchFamily="49" charset="0"/>
-              </a:rPr>
-              <a:t>pin_ISR</a:t>
-            </a:r>
-            <a:r>
-              <a:rPr lang="en-US" sz="1800" dirty="0">
-                <a:latin typeface="Courier New" panose="02070309020205020404" pitchFamily="49" charset="0"/>
-              </a:rPr>
-              <a:t>()</a:t>
-            </a:r>
-          </a:p>
-          <a:p>
-            <a:r>
-              <a:rPr lang="en-US" sz="1800" dirty="0">
-                <a:latin typeface="Courier New" panose="02070309020205020404" pitchFamily="49" charset="0"/>
-              </a:rPr>
-              <a:t>{</a:t>
-            </a:r>
-          </a:p>
-          <a:p>
-            <a:r>
-              <a:rPr lang="en-US" sz="1800" dirty="0">
-                <a:latin typeface="Courier New" panose="02070309020205020404" pitchFamily="49" charset="0"/>
-              </a:rPr>
-              <a:t>  ticks++;</a:t>
-            </a:r>
-          </a:p>
-          <a:p>
-            <a:r>
-              <a:rPr lang="en-US" sz="1800" dirty="0">
-                <a:latin typeface="Courier New" panose="02070309020205020404" pitchFamily="49" charset="0"/>
-              </a:rPr>
-              <a:t>}</a:t>
-            </a:r>
-          </a:p>
-          <a:p>
-            <a:endParaRPr lang="en-IN" dirty="0"/>
-          </a:p>
-          <a:p>
-            <a:r>
-              <a:rPr lang="en-US" sz="1800" dirty="0" err="1">
-                <a:latin typeface="Courier New" panose="02070309020205020404" pitchFamily="49" charset="0"/>
-              </a:rPr>
-              <a:t>attachInterrupt</a:t>
-            </a:r>
-            <a:r>
-              <a:rPr lang="en-US" sz="1800" dirty="0">
-                <a:latin typeface="Courier New" panose="02070309020205020404" pitchFamily="49" charset="0"/>
-              </a:rPr>
-              <a:t>(</a:t>
-            </a:r>
-            <a:r>
-              <a:rPr lang="en-US" sz="1800" dirty="0" err="1">
-                <a:latin typeface="Courier New" panose="02070309020205020404" pitchFamily="49" charset="0"/>
-              </a:rPr>
-              <a:t>digitalPinToInterrupt</a:t>
-            </a:r>
-            <a:r>
-              <a:rPr lang="en-US" sz="1800" dirty="0">
-                <a:latin typeface="Courier New" panose="02070309020205020404" pitchFamily="49" charset="0"/>
-              </a:rPr>
-              <a:t>(</a:t>
-            </a:r>
-            <a:r>
-              <a:rPr lang="en-US" sz="1800" dirty="0" err="1">
-                <a:latin typeface="Courier New" panose="02070309020205020404" pitchFamily="49" charset="0"/>
-              </a:rPr>
-              <a:t>inputPIN</a:t>
-            </a:r>
-            <a:r>
-              <a:rPr lang="en-US" sz="1800" dirty="0">
-                <a:latin typeface="Courier New" panose="02070309020205020404" pitchFamily="49" charset="0"/>
-              </a:rPr>
-              <a:t>), </a:t>
-            </a:r>
-            <a:r>
-              <a:rPr lang="en-US" sz="1800" dirty="0" err="1">
-                <a:latin typeface="Courier New" panose="02070309020205020404" pitchFamily="49" charset="0"/>
-              </a:rPr>
-              <a:t>pin_ISR</a:t>
-            </a:r>
-            <a:r>
-              <a:rPr lang="en-US" sz="1800" dirty="0">
-                <a:latin typeface="Courier New" panose="02070309020205020404" pitchFamily="49" charset="0"/>
-              </a:rPr>
-              <a:t>, RISING);</a:t>
-            </a:r>
-            <a:endParaRPr lang="en-IN" dirty="0"/>
-          </a:p>
-          <a:p>
-            <a:endParaRPr lang="en-IN" dirty="0"/>
-          </a:p>
-        </p:txBody>
-      </p:sp>
-      <p:sp>
-        <p:nvSpPr>
-          <p:cNvPr id="4" name="TextBox 3">
-            <a:extLst>
-              <a:ext uri="{FF2B5EF4-FFF2-40B4-BE49-F238E27FC236}">
-                <a16:creationId xmlns:a16="http://schemas.microsoft.com/office/drawing/2014/main" id="{A5CD9611-C928-446D-946D-8F79830F6633}"/>
-              </a:ext>
-            </a:extLst>
-          </p:cNvPr>
-          <p:cNvSpPr txBox="1"/>
-          <p:nvPr/>
-        </p:nvSpPr>
-        <p:spPr>
-          <a:xfrm>
-            <a:off x="1109539" y="1264429"/>
-            <a:ext cx="10533184" cy="923330"/>
-          </a:xfrm>
-          <a:prstGeom prst="rect">
-            <a:avLst/>
-          </a:prstGeom>
-          <a:noFill/>
-          <a:ln w="50800">
-            <a:solidFill>
-              <a:srgbClr val="FFFF00"/>
-            </a:solidFill>
-          </a:ln>
-        </p:spPr>
-        <p:txBody>
-          <a:bodyPr wrap="square" rtlCol="0">
-            <a:spAutoFit/>
-          </a:bodyPr>
-          <a:lstStyle/>
-          <a:p>
-            <a:r>
-              <a:rPr lang="en-US" dirty="0"/>
-              <a:t>In the previous code we discussed, all we need to do is :  Just add the following routine connect the sensors </a:t>
-            </a:r>
-          </a:p>
-          <a:p>
-            <a:r>
-              <a:rPr lang="en-US" dirty="0"/>
-              <a:t>data pin to GPIO 4 and power up the sensor</a:t>
-            </a:r>
-          </a:p>
-          <a:p>
-            <a:endParaRPr lang="en-IN" dirty="0"/>
-          </a:p>
-        </p:txBody>
-      </p:sp>
-      <p:sp>
-        <p:nvSpPr>
-          <p:cNvPr id="5" name="TextBox 4">
-            <a:extLst>
-              <a:ext uri="{FF2B5EF4-FFF2-40B4-BE49-F238E27FC236}">
-                <a16:creationId xmlns:a16="http://schemas.microsoft.com/office/drawing/2014/main" id="{12FF8A7B-2B5E-4311-90E8-403A6EA0195E}"/>
-              </a:ext>
-            </a:extLst>
-          </p:cNvPr>
-          <p:cNvSpPr txBox="1"/>
-          <p:nvPr/>
-        </p:nvSpPr>
-        <p:spPr>
-          <a:xfrm>
-            <a:off x="1109538" y="5448209"/>
-            <a:ext cx="10533184" cy="923330"/>
-          </a:xfrm>
-          <a:prstGeom prst="rect">
-            <a:avLst/>
-          </a:prstGeom>
-          <a:noFill/>
-          <a:ln w="73025">
-            <a:solidFill>
-              <a:srgbClr val="FFFF00"/>
-            </a:solidFill>
-          </a:ln>
-        </p:spPr>
-        <p:txBody>
-          <a:bodyPr wrap="square" rtlCol="0">
-            <a:spAutoFit/>
-          </a:bodyPr>
-          <a:lstStyle/>
-          <a:p>
-            <a:r>
-              <a:rPr lang="en-IN" dirty="0"/>
-              <a:t>All we need to do is periodically take the value in global variable ticks and calculate the volume through put and reset the variable ticks.</a:t>
-            </a:r>
-          </a:p>
-          <a:p>
-            <a:endParaRPr lang="en-IN" dirty="0"/>
-          </a:p>
-        </p:txBody>
-      </p:sp>
-    </p:spTree>
-    <p:extLst>
-      <p:ext uri="{BB962C8B-B14F-4D97-AF65-F5344CB8AC3E}">
-        <p14:creationId xmlns:p14="http://schemas.microsoft.com/office/powerpoint/2010/main" val="1082069277"/>
       </p:ext>
     </p:extLst>
   </p:cSld>
@@ -16770,4 +20077,299 @@
     </a:ext>
   </a:extLst>
 </a:theme>
+</file>
+
+<file path=ppt/theme/theme2.xml><?xml version="1.0" encoding="utf-8"?>
+<a:theme xmlns:a="http://schemas.openxmlformats.org/drawingml/2006/main" name="Office Theme">
+  <a:themeElements>
+    <a:clrScheme name="Office">
+      <a:dk1>
+        <a:sysClr val="windowText" lastClr="000000"/>
+      </a:dk1>
+      <a:lt1>
+        <a:sysClr val="window" lastClr="FFFFFF"/>
+      </a:lt1>
+      <a:dk2>
+        <a:srgbClr val="44546A"/>
+      </a:dk2>
+      <a:lt2>
+        <a:srgbClr val="E7E6E6"/>
+      </a:lt2>
+      <a:accent1>
+        <a:srgbClr val="4472C4"/>
+      </a:accent1>
+      <a:accent2>
+        <a:srgbClr val="ED7D31"/>
+      </a:accent2>
+      <a:accent3>
+        <a:srgbClr val="A5A5A5"/>
+      </a:accent3>
+      <a:accent4>
+        <a:srgbClr val="FFC000"/>
+      </a:accent4>
+      <a:accent5>
+        <a:srgbClr val="5B9BD5"/>
+      </a:accent5>
+      <a:accent6>
+        <a:srgbClr val="70AD47"/>
+      </a:accent6>
+      <a:hlink>
+        <a:srgbClr val="0563C1"/>
+      </a:hlink>
+      <a:folHlink>
+        <a:srgbClr val="954F72"/>
+      </a:folHlink>
+    </a:clrScheme>
+    <a:fontScheme name="Office">
+      <a:majorFont>
+        <a:latin typeface="Calibri Light" panose="020F0302020204030204"/>
+        <a:ea typeface=""/>
+        <a:cs typeface=""/>
+        <a:font script="Jpan" typeface="游ゴシック Light"/>
+        <a:font script="Hang" typeface="맑은 고딕"/>
+        <a:font script="Hans" typeface="等线 Light"/>
+        <a:font script="Hant" typeface="新細明體"/>
+        <a:font script="Arab" typeface="Times New Roman"/>
+        <a:font script="Hebr" typeface="Times New Roman"/>
+        <a:font script="Thai" typeface="Angsana New"/>
+        <a:font script="Ethi" typeface="Nyala"/>
+        <a:font script="Beng" typeface="Vrinda"/>
+        <a:font script="Gujr" typeface="Shruti"/>
+        <a:font script="Khmr" typeface="MoolBoran"/>
+        <a:font script="Knda" typeface="Tunga"/>
+        <a:font script="Guru" typeface="Raavi"/>
+        <a:font script="Cans" typeface="Euphemia"/>
+        <a:font script="Cher" typeface="Plantagenet Cherokee"/>
+        <a:font script="Yiii" typeface="Microsoft Yi Baiti"/>
+        <a:font script="Tibt" typeface="Microsoft Himalaya"/>
+        <a:font script="Thaa" typeface="MV Boli"/>
+        <a:font script="Deva" typeface="Mangal"/>
+        <a:font script="Telu" typeface="Gautami"/>
+        <a:font script="Taml" typeface="Latha"/>
+        <a:font script="Syrc" typeface="Estrangelo Edessa"/>
+        <a:font script="Orya" typeface="Kalinga"/>
+        <a:font script="Mlym" typeface="Kartika"/>
+        <a:font script="Laoo" typeface="DokChampa"/>
+        <a:font script="Sinh" typeface="Iskoola Pota"/>
+        <a:font script="Mong" typeface="Mongolian Baiti"/>
+        <a:font script="Viet" typeface="Times New Roman"/>
+        <a:font script="Uigh" typeface="Microsoft Uighur"/>
+        <a:font script="Geor" typeface="Sylfaen"/>
+        <a:font script="Armn" typeface="Arial"/>
+        <a:font script="Bugi" typeface="Leelawadee UI"/>
+        <a:font script="Bopo" typeface="Microsoft JhengHei"/>
+        <a:font script="Java" typeface="Javanese Text"/>
+        <a:font script="Lisu" typeface="Segoe UI"/>
+        <a:font script="Mymr" typeface="Myanmar Text"/>
+        <a:font script="Nkoo" typeface="Ebrima"/>
+        <a:font script="Olck" typeface="Nirmala UI"/>
+        <a:font script="Osma" typeface="Ebrima"/>
+        <a:font script="Phag" typeface="Phagspa"/>
+        <a:font script="Syrn" typeface="Estrangelo Edessa"/>
+        <a:font script="Syrj" typeface="Estrangelo Edessa"/>
+        <a:font script="Syre" typeface="Estrangelo Edessa"/>
+        <a:font script="Sora" typeface="Nirmala UI"/>
+        <a:font script="Tale" typeface="Microsoft Tai Le"/>
+        <a:font script="Talu" typeface="Microsoft New Tai Lue"/>
+        <a:font script="Tfng" typeface="Ebrima"/>
+      </a:majorFont>
+      <a:minorFont>
+        <a:latin typeface="Calibri" panose="020F0502020204030204"/>
+        <a:ea typeface=""/>
+        <a:cs typeface=""/>
+        <a:font script="Jpan" typeface="游ゴシック"/>
+        <a:font script="Hang" typeface="맑은 고딕"/>
+        <a:font script="Hans" typeface="等线"/>
+        <a:font script="Hant" typeface="新細明體"/>
+        <a:font script="Arab" typeface="Arial"/>
+        <a:font script="Hebr" typeface="Arial"/>
+        <a:font script="Thai" typeface="Cordia New"/>
+        <a:font script="Ethi" typeface="Nyala"/>
+        <a:font script="Beng" typeface="Vrinda"/>
+        <a:font script="Gujr" typeface="Shruti"/>
+        <a:font script="Khmr" typeface="DaunPenh"/>
+        <a:font script="Knda" typeface="Tunga"/>
+        <a:font script="Guru" typeface="Raavi"/>
+        <a:font script="Cans" typeface="Euphemia"/>
+        <a:font script="Cher" typeface="Plantagenet Cherokee"/>
+        <a:font script="Yiii" typeface="Microsoft Yi Baiti"/>
+        <a:font script="Tibt" typeface="Microsoft Himalaya"/>
+        <a:font script="Thaa" typeface="MV Boli"/>
+        <a:font script="Deva" typeface="Mangal"/>
+        <a:font script="Telu" typeface="Gautami"/>
+        <a:font script="Taml" typeface="Latha"/>
+        <a:font script="Syrc" typeface="Estrangelo Edessa"/>
+        <a:font script="Orya" typeface="Kalinga"/>
+        <a:font script="Mlym" typeface="Kartika"/>
+        <a:font script="Laoo" typeface="DokChampa"/>
+        <a:font script="Sinh" typeface="Iskoola Pota"/>
+        <a:font script="Mong" typeface="Mongolian Baiti"/>
+        <a:font script="Viet" typeface="Arial"/>
+        <a:font script="Uigh" typeface="Microsoft Uighur"/>
+        <a:font script="Geor" typeface="Sylfaen"/>
+        <a:font script="Armn" typeface="Arial"/>
+        <a:font script="Bugi" typeface="Leelawadee UI"/>
+        <a:font script="Bopo" typeface="Microsoft JhengHei"/>
+        <a:font script="Java" typeface="Javanese Text"/>
+        <a:font script="Lisu" typeface="Segoe UI"/>
+        <a:font script="Mymr" typeface="Myanmar Text"/>
+        <a:font script="Nkoo" typeface="Ebrima"/>
+        <a:font script="Olck" typeface="Nirmala UI"/>
+        <a:font script="Osma" typeface="Ebrima"/>
+        <a:font script="Phag" typeface="Phagspa"/>
+        <a:font script="Syrn" typeface="Estrangelo Edessa"/>
+        <a:font script="Syrj" typeface="Estrangelo Edessa"/>
+        <a:font script="Syre" typeface="Estrangelo Edessa"/>
+        <a:font script="Sora" typeface="Nirmala UI"/>
+        <a:font script="Tale" typeface="Microsoft Tai Le"/>
+        <a:font script="Talu" typeface="Microsoft New Tai Lue"/>
+        <a:font script="Tfng" typeface="Ebrima"/>
+      </a:minorFont>
+    </a:fontScheme>
+    <a:fmtScheme name="Office">
+      <a:fillStyleLst>
+        <a:solidFill>
+          <a:schemeClr val="phClr"/>
+        </a:solidFill>
+        <a:gradFill rotWithShape="1">
+          <a:gsLst>
+            <a:gs pos="0">
+              <a:schemeClr val="phClr">
+                <a:lumMod val="110000"/>
+                <a:satMod val="105000"/>
+                <a:tint val="67000"/>
+              </a:schemeClr>
+            </a:gs>
+            <a:gs pos="50000">
+              <a:schemeClr val="phClr">
+                <a:lumMod val="105000"/>
+                <a:satMod val="103000"/>
+                <a:tint val="73000"/>
+              </a:schemeClr>
+            </a:gs>
+            <a:gs pos="100000">
+              <a:schemeClr val="phClr">
+                <a:lumMod val="105000"/>
+                <a:satMod val="109000"/>
+                <a:tint val="81000"/>
+              </a:schemeClr>
+            </a:gs>
+          </a:gsLst>
+          <a:lin ang="5400000" scaled="0"/>
+        </a:gradFill>
+        <a:gradFill rotWithShape="1">
+          <a:gsLst>
+            <a:gs pos="0">
+              <a:schemeClr val="phClr">
+                <a:satMod val="103000"/>
+                <a:lumMod val="102000"/>
+                <a:tint val="94000"/>
+              </a:schemeClr>
+            </a:gs>
+            <a:gs pos="50000">
+              <a:schemeClr val="phClr">
+                <a:satMod val="110000"/>
+                <a:lumMod val="100000"/>
+                <a:shade val="100000"/>
+              </a:schemeClr>
+            </a:gs>
+            <a:gs pos="100000">
+              <a:schemeClr val="phClr">
+                <a:lumMod val="99000"/>
+                <a:satMod val="120000"/>
+                <a:shade val="78000"/>
+              </a:schemeClr>
+            </a:gs>
+          </a:gsLst>
+          <a:lin ang="5400000" scaled="0"/>
+        </a:gradFill>
+      </a:fillStyleLst>
+      <a:lnStyleLst>
+        <a:ln w="6350" cap="flat" cmpd="sng" algn="ctr">
+          <a:solidFill>
+            <a:schemeClr val="phClr"/>
+          </a:solidFill>
+          <a:prstDash val="solid"/>
+          <a:miter lim="800000"/>
+        </a:ln>
+        <a:ln w="12700" cap="flat" cmpd="sng" algn="ctr">
+          <a:solidFill>
+            <a:schemeClr val="phClr"/>
+          </a:solidFill>
+          <a:prstDash val="solid"/>
+          <a:miter lim="800000"/>
+        </a:ln>
+        <a:ln w="19050" cap="flat" cmpd="sng" algn="ctr">
+          <a:solidFill>
+            <a:schemeClr val="phClr"/>
+          </a:solidFill>
+          <a:prstDash val="solid"/>
+          <a:miter lim="800000"/>
+        </a:ln>
+      </a:lnStyleLst>
+      <a:effectStyleLst>
+        <a:effectStyle>
+          <a:effectLst/>
+        </a:effectStyle>
+        <a:effectStyle>
+          <a:effectLst/>
+        </a:effectStyle>
+        <a:effectStyle>
+          <a:effectLst>
+            <a:outerShdw blurRad="57150" dist="19050" dir="5400000" algn="ctr" rotWithShape="0">
+              <a:srgbClr val="000000">
+                <a:alpha val="63000"/>
+              </a:srgbClr>
+            </a:outerShdw>
+          </a:effectLst>
+        </a:effectStyle>
+      </a:effectStyleLst>
+      <a:bgFillStyleLst>
+        <a:solidFill>
+          <a:schemeClr val="phClr"/>
+        </a:solidFill>
+        <a:solidFill>
+          <a:schemeClr val="phClr">
+            <a:tint val="95000"/>
+            <a:satMod val="170000"/>
+          </a:schemeClr>
+        </a:solidFill>
+        <a:gradFill rotWithShape="1">
+          <a:gsLst>
+            <a:gs pos="0">
+              <a:schemeClr val="phClr">
+                <a:tint val="93000"/>
+                <a:satMod val="150000"/>
+                <a:shade val="98000"/>
+                <a:lumMod val="102000"/>
+              </a:schemeClr>
+            </a:gs>
+            <a:gs pos="50000">
+              <a:schemeClr val="phClr">
+                <a:tint val="98000"/>
+                <a:satMod val="130000"/>
+                <a:shade val="90000"/>
+                <a:lumMod val="103000"/>
+              </a:schemeClr>
+            </a:gs>
+            <a:gs pos="100000">
+              <a:schemeClr val="phClr">
+                <a:shade val="63000"/>
+                <a:satMod val="120000"/>
+              </a:schemeClr>
+            </a:gs>
+          </a:gsLst>
+          <a:lin ang="5400000" scaled="0"/>
+        </a:gradFill>
+      </a:bgFillStyleLst>
+    </a:fmtScheme>
+  </a:themeElements>
+  <a:objectDefaults/>
+  <a:extraClrSchemeLst/>
+  <a:extLst>
+    <a:ext uri="{05A4C25C-085E-4340-85A3-A5531E510DB2}">
+      <thm15:themeFamily xmlns:thm15="http://schemas.microsoft.com/office/thememl/2012/main" name="Office Theme" id="{62F939B6-93AF-4DB8-9C6B-D6C7DFDC589F}" vid="{4A3C46E8-61CC-4603-A589-7422A47A8E4A}"/>
+    </a:ext>
+  </a:extLst>
+</a:theme>
 </file>